--- a/TDDetection_JED-PeW-OCF_2021009.pptx
+++ b/TDDetection_JED-PeW-OCF_2021009.pptx
@@ -5,19 +5,21 @@
     <p:sldMasterId id="2147483648" r:id="rId1"/>
   </p:sldMasterIdLst>
   <p:notesMasterIdLst>
-    <p:notesMasterId r:id="rId12"/>
+    <p:notesMasterId r:id="rId14"/>
   </p:notesMasterIdLst>
   <p:sldIdLst>
     <p:sldId id="277" r:id="rId2"/>
     <p:sldId id="276" r:id="rId3"/>
     <p:sldId id="345" r:id="rId4"/>
-    <p:sldId id="335" r:id="rId5"/>
-    <p:sldId id="334" r:id="rId6"/>
-    <p:sldId id="337" r:id="rId7"/>
-    <p:sldId id="348" r:id="rId8"/>
-    <p:sldId id="344" r:id="rId9"/>
-    <p:sldId id="347" r:id="rId10"/>
-    <p:sldId id="263" r:id="rId11"/>
+    <p:sldId id="350" r:id="rId5"/>
+    <p:sldId id="337" r:id="rId6"/>
+    <p:sldId id="334" r:id="rId7"/>
+    <p:sldId id="344" r:id="rId8"/>
+    <p:sldId id="352" r:id="rId9"/>
+    <p:sldId id="348" r:id="rId10"/>
+    <p:sldId id="347" r:id="rId11"/>
+    <p:sldId id="263" r:id="rId12"/>
+    <p:sldId id="351" r:id="rId13"/>
   </p:sldIdLst>
   <p:sldSz cx="12192000" cy="6858000"/>
   <p:notesSz cx="6858000" cy="9144000"/>
@@ -144,7 +146,7 @@
             <a:srgbClr val="A4A3A4"/>
           </p15:clr>
         </p15:guide>
-        <p15:guide id="9" orient="horz" pos="754" userDrawn="1">
+        <p15:guide id="9" orient="horz" pos="482" userDrawn="1">
           <p15:clr>
             <a:srgbClr val="A4A3A4"/>
           </p15:clr>
@@ -659,7 +661,365 @@
           <a:bodyPr/>
           <a:lstStyle/>
           <a:p>
+            <a:r>
+              <a:rPr lang="en-US" dirty="0"/>
+              <a:t>Note</a:t>
+            </a:r>
+          </a:p>
+          <a:p>
+            <a:pPr marL="285750" indent="-195263">
+              <a:buFont typeface="Wingdings" panose="05000000000000000000" pitchFamily="2" charset="2"/>
+              <a:buChar char="§"/>
+            </a:pPr>
+            <a:r>
+              <a:rPr lang="en-US" dirty="0"/>
+              <a:t>Data Cleaning &amp; feature </a:t>
+            </a:r>
+            <a:r>
+              <a:rPr lang="en-US" dirty="0" err="1"/>
+              <a:t>extention</a:t>
+            </a:r>
+            <a:endParaRPr lang="en-US" dirty="0"/>
+          </a:p>
+          <a:p>
+            <a:pPr marL="285750" indent="-195263">
+              <a:buFont typeface="Wingdings" panose="05000000000000000000" pitchFamily="2" charset="2"/>
+              <a:buChar char="§"/>
+            </a:pPr>
+            <a:endParaRPr lang="en-US" dirty="0"/>
+          </a:p>
+          <a:p>
+            <a:pPr marL="285750" indent="-195263">
+              <a:buFont typeface="Wingdings" panose="05000000000000000000" pitchFamily="2" charset="2"/>
+              <a:buChar char="§"/>
+            </a:pPr>
+            <a:r>
+              <a:rPr lang="en-US" dirty="0"/>
+              <a:t>Bag of Word</a:t>
+            </a:r>
+          </a:p>
+          <a:p>
+            <a:pPr marL="285750" indent="-195263">
+              <a:buFont typeface="Wingdings" panose="05000000000000000000" pitchFamily="2" charset="2"/>
+              <a:buChar char="§"/>
+            </a:pPr>
+            <a:r>
+              <a:rPr lang="en-US" dirty="0" err="1"/>
+              <a:t>Tfidf</a:t>
+            </a:r>
+            <a:r>
+              <a:rPr lang="en-US" dirty="0"/>
+              <a:t>, </a:t>
+            </a:r>
+            <a:r>
+              <a:rPr lang="en-US" dirty="0" err="1"/>
+              <a:t>Multinominal</a:t>
+            </a:r>
+            <a:r>
+              <a:rPr lang="en-US" dirty="0"/>
+              <a:t> NB</a:t>
+            </a:r>
+          </a:p>
+          <a:p>
+            <a:pPr marL="285750" indent="-195263">
+              <a:buFont typeface="Wingdings" panose="05000000000000000000" pitchFamily="2" charset="2"/>
+              <a:buChar char="§"/>
+            </a:pPr>
+            <a:r>
+              <a:rPr lang="en-US" dirty="0"/>
+              <a:t>Linear </a:t>
+            </a:r>
+            <a:r>
+              <a:rPr lang="en-US" dirty="0" err="1"/>
+              <a:t>Regession</a:t>
+            </a:r>
+            <a:endParaRPr lang="en-US" dirty="0"/>
+          </a:p>
+          <a:p>
+            <a:pPr marL="90487" indent="0">
+              <a:buFont typeface="Wingdings" panose="05000000000000000000" pitchFamily="2" charset="2"/>
+              <a:buNone/>
+            </a:pPr>
+            <a:endParaRPr lang="en-US" dirty="0"/>
+          </a:p>
+          <a:p>
+            <a:pPr marL="90487" indent="0">
+              <a:buFont typeface="Wingdings" panose="05000000000000000000" pitchFamily="2" charset="2"/>
+              <a:buNone/>
+            </a:pPr>
+            <a:endParaRPr lang="en-US" dirty="0"/>
+          </a:p>
+          <a:p>
+            <a:r>
+              <a:rPr lang="de-DE" dirty="0" err="1"/>
+              <a:t>Sklearn</a:t>
+            </a:r>
+            <a:r>
+              <a:rPr lang="de-DE" dirty="0"/>
+              <a:t> </a:t>
+            </a:r>
+            <a:r>
+              <a:rPr lang="de-DE" dirty="0" err="1"/>
+              <a:t>pipeline</a:t>
+            </a:r>
+            <a:r>
+              <a:rPr lang="de-DE" dirty="0"/>
+              <a:t> Models</a:t>
+            </a:r>
+            <a:endParaRPr lang="en-US" dirty="0"/>
+          </a:p>
+          <a:p>
+            <a:pPr marL="285750" indent="-195263">
+              <a:buFont typeface="Wingdings" panose="05000000000000000000" pitchFamily="2" charset="2"/>
+              <a:buChar char="§"/>
+            </a:pPr>
+            <a:r>
+              <a:rPr lang="en-US" dirty="0"/>
+              <a:t>…</a:t>
+            </a:r>
+          </a:p>
+          <a:p>
+            <a:pPr marL="285750" indent="-195263">
+              <a:buFont typeface="Wingdings" panose="05000000000000000000" pitchFamily="2" charset="2"/>
+              <a:buChar char="§"/>
+            </a:pPr>
+            <a:r>
+              <a:rPr lang="de-DE" dirty="0" err="1"/>
+              <a:t>cross_val_score</a:t>
+            </a:r>
             <a:endParaRPr lang="de-DE" dirty="0"/>
+          </a:p>
+          <a:p>
+            <a:pPr marL="285750" indent="-195263">
+              <a:buFont typeface="Wingdings" panose="05000000000000000000" pitchFamily="2" charset="2"/>
+              <a:buChar char="§"/>
+            </a:pPr>
+            <a:r>
+              <a:rPr lang="de-DE" dirty="0" err="1"/>
+              <a:t>accuracy_score</a:t>
+            </a:r>
+            <a:r>
+              <a:rPr lang="de-DE" dirty="0"/>
+              <a:t>, r2_score, </a:t>
+            </a:r>
+            <a:r>
+              <a:rPr lang="de-DE" dirty="0" err="1"/>
+              <a:t>plot_confusion_matrix</a:t>
+            </a:r>
+            <a:r>
+              <a:rPr lang="de-DE" dirty="0"/>
+              <a:t>, </a:t>
+            </a:r>
+            <a:r>
+              <a:rPr lang="de-DE" dirty="0" err="1"/>
+              <a:t>roc_auc_score</a:t>
+            </a:r>
+            <a:r>
+              <a:rPr lang="de-DE" dirty="0"/>
+              <a:t>, </a:t>
+            </a:r>
+            <a:r>
+              <a:rPr lang="de-DE" dirty="0" err="1"/>
+              <a:t>roc_curve</a:t>
+            </a:r>
+            <a:endParaRPr lang="de-DE" dirty="0"/>
+          </a:p>
+          <a:p>
+            <a:pPr marL="285750" indent="-195263">
+              <a:buFont typeface="Wingdings" panose="05000000000000000000" pitchFamily="2" charset="2"/>
+              <a:buChar char="§"/>
+            </a:pPr>
+            <a:r>
+              <a:rPr lang="de-DE" dirty="0"/>
+              <a:t>…</a:t>
+            </a:r>
+          </a:p>
+          <a:p>
+            <a:pPr marL="285750" indent="-195263">
+              <a:buFont typeface="Wingdings" panose="05000000000000000000" pitchFamily="2" charset="2"/>
+              <a:buChar char="§"/>
+            </a:pPr>
+            <a:r>
+              <a:rPr lang="de-DE" dirty="0" err="1"/>
+              <a:t>LogisticRegression</a:t>
+            </a:r>
+            <a:endParaRPr lang="de-DE" dirty="0"/>
+          </a:p>
+          <a:p>
+            <a:pPr marL="285750" indent="-195263">
+              <a:buFont typeface="Wingdings" panose="05000000000000000000" pitchFamily="2" charset="2"/>
+              <a:buChar char="§"/>
+            </a:pPr>
+            <a:r>
+              <a:rPr lang="de-DE" dirty="0" err="1"/>
+              <a:t>metrics</a:t>
+            </a:r>
+            <a:endParaRPr lang="de-DE" dirty="0"/>
+          </a:p>
+          <a:p>
+            <a:pPr marL="742950" lvl="1" indent="-195263">
+              <a:buFont typeface="Wingdings" panose="05000000000000000000" pitchFamily="2" charset="2"/>
+              <a:buChar char="§"/>
+            </a:pPr>
+            <a:r>
+              <a:rPr lang="de-DE" dirty="0" err="1"/>
+              <a:t>CategoricalNB</a:t>
+            </a:r>
+            <a:endParaRPr lang="de-DE" dirty="0"/>
+          </a:p>
+          <a:p>
+            <a:pPr marL="742950" lvl="1" indent="-195263">
+              <a:buFont typeface="Wingdings" panose="05000000000000000000" pitchFamily="2" charset="2"/>
+              <a:buChar char="§"/>
+            </a:pPr>
+            <a:r>
+              <a:rPr lang="de-DE" dirty="0" err="1"/>
+              <a:t>MultinomialNB</a:t>
+            </a:r>
+            <a:r>
+              <a:rPr lang="de-DE" dirty="0"/>
+              <a:t>, </a:t>
+            </a:r>
+            <a:r>
+              <a:rPr lang="de-DE" dirty="0" err="1"/>
+              <a:t>BernoulliNB</a:t>
+            </a:r>
+            <a:endParaRPr lang="de-DE" dirty="0"/>
+          </a:p>
+          <a:p>
+            <a:pPr marL="285750" indent="-195263">
+              <a:buFont typeface="Wingdings" panose="05000000000000000000" pitchFamily="2" charset="2"/>
+              <a:buChar char="§"/>
+            </a:pPr>
+            <a:r>
+              <a:rPr lang="de-DE" dirty="0" err="1"/>
+              <a:t>feature_extraction.text</a:t>
+            </a:r>
+            <a:r>
+              <a:rPr lang="de-DE" dirty="0"/>
+              <a:t> </a:t>
+            </a:r>
+          </a:p>
+          <a:p>
+            <a:pPr marL="742950" lvl="1" indent="-195263">
+              <a:buFont typeface="Wingdings" panose="05000000000000000000" pitchFamily="2" charset="2"/>
+              <a:buChar char="§"/>
+            </a:pPr>
+            <a:r>
+              <a:rPr lang="de-DE" dirty="0" err="1"/>
+              <a:t>CountVectorizer</a:t>
+            </a:r>
+            <a:r>
+              <a:rPr lang="de-DE" dirty="0"/>
+              <a:t>, </a:t>
+            </a:r>
+            <a:r>
+              <a:rPr lang="de-DE" dirty="0" err="1"/>
+              <a:t>TfidfVectorizer</a:t>
+            </a:r>
+            <a:endParaRPr lang="de-DE" dirty="0"/>
+          </a:p>
+          <a:p>
+            <a:pPr marL="285750" indent="-195263">
+              <a:buFont typeface="Wingdings" panose="05000000000000000000" pitchFamily="2" charset="2"/>
+              <a:buChar char="§"/>
+            </a:pPr>
+            <a:r>
+              <a:rPr lang="en-US" dirty="0"/>
+              <a:t>…</a:t>
+            </a:r>
+          </a:p>
+          <a:p>
+            <a:pPr marL="90487" indent="0">
+              <a:buFont typeface="Wingdings" panose="05000000000000000000" pitchFamily="2" charset="2"/>
+              <a:buNone/>
+            </a:pPr>
+            <a:endParaRPr lang="en-US" dirty="0"/>
+          </a:p>
+          <a:p>
+            <a:r>
+              <a:rPr lang="en-US" dirty="0"/>
+              <a:t>Note</a:t>
+            </a:r>
+          </a:p>
+          <a:p>
+            <a:pPr marL="285750" indent="-195263">
+              <a:buFont typeface="Wingdings" panose="05000000000000000000" pitchFamily="2" charset="2"/>
+              <a:buChar char="§"/>
+            </a:pPr>
+            <a:r>
+              <a:rPr lang="en-US" dirty="0"/>
+              <a:t>Data Cleaning &amp; feature </a:t>
+            </a:r>
+            <a:r>
+              <a:rPr lang="en-US" dirty="0" err="1"/>
+              <a:t>extention</a:t>
+            </a:r>
+            <a:endParaRPr lang="en-US" dirty="0"/>
+          </a:p>
+          <a:p>
+            <a:pPr marL="285750" indent="-195263">
+              <a:buFont typeface="Wingdings" panose="05000000000000000000" pitchFamily="2" charset="2"/>
+              <a:buChar char="§"/>
+            </a:pPr>
+            <a:endParaRPr lang="en-US" dirty="0"/>
+          </a:p>
+          <a:p>
+            <a:pPr marL="285750" indent="-195263">
+              <a:buFont typeface="Wingdings" panose="05000000000000000000" pitchFamily="2" charset="2"/>
+              <a:buChar char="§"/>
+            </a:pPr>
+            <a:r>
+              <a:rPr lang="en-US" dirty="0"/>
+              <a:t>Bag of Word</a:t>
+            </a:r>
+          </a:p>
+          <a:p>
+            <a:pPr marL="285750" indent="-195263">
+              <a:buFont typeface="Wingdings" panose="05000000000000000000" pitchFamily="2" charset="2"/>
+              <a:buChar char="§"/>
+            </a:pPr>
+            <a:r>
+              <a:rPr lang="en-US" dirty="0" err="1"/>
+              <a:t>Tfidf</a:t>
+            </a:r>
+            <a:r>
+              <a:rPr lang="en-US" dirty="0"/>
+              <a:t>, </a:t>
+            </a:r>
+            <a:r>
+              <a:rPr lang="en-US" dirty="0" err="1"/>
+              <a:t>Multinominal</a:t>
+            </a:r>
+            <a:r>
+              <a:rPr lang="en-US" dirty="0"/>
+              <a:t> NB</a:t>
+            </a:r>
+          </a:p>
+          <a:p>
+            <a:pPr marL="285750" indent="-195263">
+              <a:buFont typeface="Wingdings" panose="05000000000000000000" pitchFamily="2" charset="2"/>
+              <a:buChar char="§"/>
+            </a:pPr>
+            <a:r>
+              <a:rPr lang="en-US" dirty="0"/>
+              <a:t>Linear </a:t>
+            </a:r>
+            <a:r>
+              <a:rPr lang="en-US" dirty="0" err="1"/>
+              <a:t>Regession</a:t>
+            </a:r>
+            <a:endParaRPr lang="en-US" dirty="0"/>
+          </a:p>
+          <a:p>
+            <a:pPr marL="90487" indent="0">
+              <a:buFont typeface="Wingdings" panose="05000000000000000000" pitchFamily="2" charset="2"/>
+              <a:buNone/>
+            </a:pPr>
+            <a:endParaRPr lang="en-US" dirty="0"/>
+          </a:p>
+          <a:p>
+            <a:endParaRPr lang="en-US" dirty="0"/>
           </a:p>
         </p:txBody>
       </p:sp>
@@ -680,7 +1040,7 @@
           <a:p>
             <a:fld id="{A3D0A7EE-D142-4B43-840B-A4AEDB6B3F61}" type="slidenum">
               <a:rPr lang="de-DE" smtClean="0"/>
-              <a:t>6</a:t>
+              <a:t>4</a:t>
             </a:fld>
             <a:endParaRPr lang="de-DE"/>
           </a:p>
@@ -689,7 +1049,7 @@
     </p:spTree>
     <p:extLst>
       <p:ext uri="{BB962C8B-B14F-4D97-AF65-F5344CB8AC3E}">
-        <p14:creationId xmlns:p14="http://schemas.microsoft.com/office/powerpoint/2010/main" val="3101918582"/>
+        <p14:creationId xmlns:p14="http://schemas.microsoft.com/office/powerpoint/2010/main" val="1924054405"/>
       </p:ext>
     </p:extLst>
   </p:cSld>
@@ -743,441 +1103,7 @@
           <a:bodyPr/>
           <a:lstStyle/>
           <a:p>
-            <a:r>
-              <a:rPr lang="de-DE" sz="1200" b="0" kern="1200" dirty="0">
-                <a:solidFill>
-                  <a:schemeClr val="tx1"/>
-                </a:solidFill>
-                <a:effectLst/>
-                <a:latin typeface="+mn-lt"/>
-                <a:ea typeface="+mn-ea"/>
-                <a:cs typeface="+mn-cs"/>
-              </a:rPr>
-              <a:t>################# NEW #################</a:t>
-            </a:r>
-          </a:p>
-          <a:p>
-            <a:r>
-              <a:rPr lang="de-DE" sz="1200" b="0" kern="1200" dirty="0" err="1">
-                <a:solidFill>
-                  <a:schemeClr val="tx1"/>
-                </a:solidFill>
-                <a:effectLst/>
-                <a:latin typeface="+mn-lt"/>
-                <a:ea typeface="+mn-ea"/>
-                <a:cs typeface="+mn-cs"/>
-              </a:rPr>
-              <a:t>df</a:t>
-            </a:r>
-            <a:r>
-              <a:rPr lang="de-DE" sz="1200" b="0" kern="1200" dirty="0">
-                <a:solidFill>
-                  <a:schemeClr val="tx1"/>
-                </a:solidFill>
-                <a:effectLst/>
-                <a:latin typeface="+mn-lt"/>
-                <a:ea typeface="+mn-ea"/>
-                <a:cs typeface="+mn-cs"/>
-              </a:rPr>
-              <a:t> = </a:t>
-            </a:r>
-            <a:r>
-              <a:rPr lang="de-DE" sz="1200" b="0" kern="1200" dirty="0" err="1">
-                <a:solidFill>
-                  <a:schemeClr val="tx1"/>
-                </a:solidFill>
-                <a:effectLst/>
-                <a:latin typeface="+mn-lt"/>
-                <a:ea typeface="+mn-ea"/>
-                <a:cs typeface="+mn-cs"/>
-              </a:rPr>
-              <a:t>disaster_tweets.copy</a:t>
-            </a:r>
-            <a:r>
-              <a:rPr lang="de-DE" sz="1200" b="0" kern="1200" dirty="0">
-                <a:solidFill>
-                  <a:schemeClr val="tx1"/>
-                </a:solidFill>
-                <a:effectLst/>
-                <a:latin typeface="+mn-lt"/>
-                <a:ea typeface="+mn-ea"/>
-                <a:cs typeface="+mn-cs"/>
-              </a:rPr>
-              <a:t>() # original </a:t>
-            </a:r>
-            <a:r>
-              <a:rPr lang="de-DE" sz="1200" b="0" kern="1200" dirty="0" err="1">
-                <a:solidFill>
-                  <a:schemeClr val="tx1"/>
-                </a:solidFill>
-                <a:effectLst/>
-                <a:latin typeface="+mn-lt"/>
-                <a:ea typeface="+mn-ea"/>
-                <a:cs typeface="+mn-cs"/>
-              </a:rPr>
-              <a:t>data</a:t>
-            </a:r>
-            <a:r>
-              <a:rPr lang="de-DE" sz="1200" b="0" kern="1200" dirty="0">
-                <a:solidFill>
-                  <a:schemeClr val="tx1"/>
-                </a:solidFill>
-                <a:effectLst/>
-                <a:latin typeface="+mn-lt"/>
-                <a:ea typeface="+mn-ea"/>
-                <a:cs typeface="+mn-cs"/>
-              </a:rPr>
-              <a:t> </a:t>
-            </a:r>
-            <a:r>
-              <a:rPr lang="de-DE" sz="1200" b="0" kern="1200" dirty="0" err="1">
-                <a:solidFill>
-                  <a:schemeClr val="tx1"/>
-                </a:solidFill>
-                <a:effectLst/>
-                <a:latin typeface="+mn-lt"/>
-                <a:ea typeface="+mn-ea"/>
-                <a:cs typeface="+mn-cs"/>
-              </a:rPr>
-              <a:t>set</a:t>
-            </a:r>
-            <a:r>
-              <a:rPr lang="de-DE" sz="1200" b="0" kern="1200" dirty="0">
-                <a:solidFill>
-                  <a:schemeClr val="tx1"/>
-                </a:solidFill>
-                <a:effectLst/>
-                <a:latin typeface="+mn-lt"/>
-                <a:ea typeface="+mn-ea"/>
-                <a:cs typeface="+mn-cs"/>
-              </a:rPr>
-              <a:t>, </a:t>
-            </a:r>
-            <a:r>
-              <a:rPr lang="de-DE" sz="1200" b="0" kern="1200" dirty="0" err="1">
-                <a:solidFill>
-                  <a:schemeClr val="tx1"/>
-                </a:solidFill>
-                <a:effectLst/>
-                <a:latin typeface="+mn-lt"/>
-                <a:ea typeface="+mn-ea"/>
-                <a:cs typeface="+mn-cs"/>
-              </a:rPr>
-              <a:t>no</a:t>
-            </a:r>
-            <a:r>
-              <a:rPr lang="de-DE" sz="1200" b="0" kern="1200" dirty="0">
-                <a:solidFill>
-                  <a:schemeClr val="tx1"/>
-                </a:solidFill>
-                <a:effectLst/>
-                <a:latin typeface="+mn-lt"/>
-                <a:ea typeface="+mn-ea"/>
-                <a:cs typeface="+mn-cs"/>
-              </a:rPr>
-              <a:t> </a:t>
-            </a:r>
-            <a:r>
-              <a:rPr lang="de-DE" sz="1200" b="0" kern="1200" dirty="0" err="1">
-                <a:solidFill>
-                  <a:schemeClr val="tx1"/>
-                </a:solidFill>
-                <a:effectLst/>
-                <a:latin typeface="+mn-lt"/>
-                <a:ea typeface="+mn-ea"/>
-                <a:cs typeface="+mn-cs"/>
-              </a:rPr>
-              <a:t>postprocessin</a:t>
-            </a:r>
-            <a:endParaRPr lang="de-DE" sz="1200" b="0" kern="1200" dirty="0">
-              <a:solidFill>
-                <a:schemeClr val="tx1"/>
-              </a:solidFill>
-              <a:effectLst/>
-              <a:latin typeface="+mn-lt"/>
-              <a:ea typeface="+mn-ea"/>
-              <a:cs typeface="+mn-cs"/>
-            </a:endParaRPr>
-          </a:p>
-          <a:p>
-            <a:r>
-              <a:rPr lang="de-DE" sz="1200" b="0" kern="1200" dirty="0" err="1">
-                <a:solidFill>
-                  <a:schemeClr val="tx1"/>
-                </a:solidFill>
-                <a:effectLst/>
-                <a:latin typeface="+mn-lt"/>
-                <a:ea typeface="+mn-ea"/>
-                <a:cs typeface="+mn-cs"/>
-              </a:rPr>
-              <a:t>pipeMNB</a:t>
-            </a:r>
-            <a:r>
-              <a:rPr lang="de-DE" sz="1200" b="0" kern="1200" dirty="0">
-                <a:solidFill>
-                  <a:schemeClr val="tx1"/>
-                </a:solidFill>
-                <a:effectLst/>
-                <a:latin typeface="+mn-lt"/>
-                <a:ea typeface="+mn-ea"/>
-                <a:cs typeface="+mn-cs"/>
-              </a:rPr>
-              <a:t> = </a:t>
-            </a:r>
-            <a:r>
-              <a:rPr lang="de-DE" sz="1200" b="0" kern="1200" dirty="0" err="1">
-                <a:solidFill>
-                  <a:schemeClr val="tx1"/>
-                </a:solidFill>
-                <a:effectLst/>
-                <a:latin typeface="+mn-lt"/>
-                <a:ea typeface="+mn-ea"/>
-                <a:cs typeface="+mn-cs"/>
-              </a:rPr>
-              <a:t>make_pipeline</a:t>
-            </a:r>
-            <a:r>
-              <a:rPr lang="de-DE" sz="1200" b="0" kern="1200" dirty="0">
-                <a:solidFill>
-                  <a:schemeClr val="tx1"/>
-                </a:solidFill>
-                <a:effectLst/>
-                <a:latin typeface="+mn-lt"/>
-                <a:ea typeface="+mn-ea"/>
-                <a:cs typeface="+mn-cs"/>
-              </a:rPr>
-              <a:t>(</a:t>
-            </a:r>
-            <a:r>
-              <a:rPr lang="de-DE" sz="1200" b="0" kern="1200" dirty="0" err="1">
-                <a:solidFill>
-                  <a:schemeClr val="tx1"/>
-                </a:solidFill>
-                <a:effectLst/>
-                <a:latin typeface="+mn-lt"/>
-                <a:ea typeface="+mn-ea"/>
-                <a:cs typeface="+mn-cs"/>
-              </a:rPr>
-              <a:t>TfidfVectorizer</a:t>
-            </a:r>
-            <a:r>
-              <a:rPr lang="de-DE" sz="1200" b="0" kern="1200" dirty="0">
-                <a:solidFill>
-                  <a:schemeClr val="tx1"/>
-                </a:solidFill>
-                <a:effectLst/>
-                <a:latin typeface="+mn-lt"/>
-                <a:ea typeface="+mn-ea"/>
-                <a:cs typeface="+mn-cs"/>
-              </a:rPr>
-              <a:t>(</a:t>
-            </a:r>
-            <a:r>
-              <a:rPr lang="de-DE" sz="1200" b="0" kern="1200" dirty="0" err="1">
-                <a:solidFill>
-                  <a:schemeClr val="tx1"/>
-                </a:solidFill>
-                <a:effectLst/>
-                <a:latin typeface="+mn-lt"/>
-                <a:ea typeface="+mn-ea"/>
-                <a:cs typeface="+mn-cs"/>
-              </a:rPr>
-              <a:t>ngram_range</a:t>
-            </a:r>
-            <a:r>
-              <a:rPr lang="de-DE" sz="1200" b="0" kern="1200" dirty="0">
-                <a:solidFill>
-                  <a:schemeClr val="tx1"/>
-                </a:solidFill>
-                <a:effectLst/>
-                <a:latin typeface="+mn-lt"/>
-                <a:ea typeface="+mn-ea"/>
-                <a:cs typeface="+mn-cs"/>
-              </a:rPr>
-              <a:t>=(1, 1)), </a:t>
-            </a:r>
-            <a:r>
-              <a:rPr lang="de-DE" sz="1200" b="0" kern="1200" dirty="0" err="1">
-                <a:solidFill>
-                  <a:schemeClr val="tx1"/>
-                </a:solidFill>
-                <a:effectLst/>
-                <a:latin typeface="+mn-lt"/>
-                <a:ea typeface="+mn-ea"/>
-                <a:cs typeface="+mn-cs"/>
-              </a:rPr>
-              <a:t>MultinomialNB</a:t>
-            </a:r>
-            <a:r>
-              <a:rPr lang="de-DE" sz="1200" b="0" kern="1200" dirty="0">
-                <a:solidFill>
-                  <a:schemeClr val="tx1"/>
-                </a:solidFill>
-                <a:effectLst/>
-                <a:latin typeface="+mn-lt"/>
-                <a:ea typeface="+mn-ea"/>
-                <a:cs typeface="+mn-cs"/>
-              </a:rPr>
-              <a:t>()) #### naive </a:t>
-            </a:r>
-            <a:r>
-              <a:rPr lang="de-DE" sz="1200" b="0" kern="1200" dirty="0" err="1">
-                <a:solidFill>
-                  <a:schemeClr val="tx1"/>
-                </a:solidFill>
-                <a:effectLst/>
-                <a:latin typeface="+mn-lt"/>
-                <a:ea typeface="+mn-ea"/>
-                <a:cs typeface="+mn-cs"/>
-              </a:rPr>
-              <a:t>bayes</a:t>
-            </a:r>
-            <a:r>
-              <a:rPr lang="de-DE" sz="1200" b="0" kern="1200" dirty="0">
-                <a:solidFill>
-                  <a:schemeClr val="tx1"/>
-                </a:solidFill>
-                <a:effectLst/>
-                <a:latin typeface="+mn-lt"/>
-                <a:ea typeface="+mn-ea"/>
-                <a:cs typeface="+mn-cs"/>
-              </a:rPr>
-              <a:t> </a:t>
-            </a:r>
-          </a:p>
-          <a:p>
-            <a:r>
-              <a:rPr lang="de-DE" sz="1200" b="0" kern="1200" dirty="0">
-                <a:solidFill>
-                  <a:schemeClr val="tx1"/>
-                </a:solidFill>
-                <a:effectLst/>
-                <a:latin typeface="+mn-lt"/>
-                <a:ea typeface="+mn-ea"/>
-                <a:cs typeface="+mn-cs"/>
-              </a:rPr>
-              <a:t>%time fpr_0, tpr_0 = </a:t>
-            </a:r>
-            <a:r>
-              <a:rPr lang="de-DE" sz="1200" b="0" kern="1200" dirty="0" err="1">
-                <a:solidFill>
-                  <a:schemeClr val="tx1"/>
-                </a:solidFill>
-                <a:effectLst/>
-                <a:latin typeface="+mn-lt"/>
-                <a:ea typeface="+mn-ea"/>
-                <a:cs typeface="+mn-cs"/>
-              </a:rPr>
-              <a:t>my_fit_cm</a:t>
-            </a:r>
-            <a:r>
-              <a:rPr lang="de-DE" sz="1200" b="0" kern="1200" dirty="0">
-                <a:solidFill>
-                  <a:schemeClr val="tx1"/>
-                </a:solidFill>
-                <a:effectLst/>
-                <a:latin typeface="+mn-lt"/>
-                <a:ea typeface="+mn-ea"/>
-                <a:cs typeface="+mn-cs"/>
-              </a:rPr>
-              <a:t>(</a:t>
-            </a:r>
-            <a:r>
-              <a:rPr lang="de-DE" sz="1200" b="0" kern="1200" dirty="0" err="1">
-                <a:solidFill>
-                  <a:schemeClr val="tx1"/>
-                </a:solidFill>
-                <a:effectLst/>
-                <a:latin typeface="+mn-lt"/>
-                <a:ea typeface="+mn-ea"/>
-                <a:cs typeface="+mn-cs"/>
-              </a:rPr>
-              <a:t>df</a:t>
-            </a:r>
-            <a:r>
-              <a:rPr lang="de-DE" sz="1200" b="0" kern="1200" dirty="0">
-                <a:solidFill>
-                  <a:schemeClr val="tx1"/>
-                </a:solidFill>
-                <a:effectLst/>
-                <a:latin typeface="+mn-lt"/>
-                <a:ea typeface="+mn-ea"/>
-                <a:cs typeface="+mn-cs"/>
-              </a:rPr>
-              <a:t>, </a:t>
-            </a:r>
-            <a:r>
-              <a:rPr lang="de-DE" sz="1200" b="0" kern="1200" dirty="0" err="1">
-                <a:solidFill>
-                  <a:schemeClr val="tx1"/>
-                </a:solidFill>
-                <a:effectLst/>
-                <a:latin typeface="+mn-lt"/>
-                <a:ea typeface="+mn-ea"/>
-                <a:cs typeface="+mn-cs"/>
-              </a:rPr>
-              <a:t>pipeMNB</a:t>
-            </a:r>
-            <a:r>
-              <a:rPr lang="de-DE" sz="1200" b="0" kern="1200" dirty="0">
-                <a:solidFill>
-                  <a:schemeClr val="tx1"/>
-                </a:solidFill>
-                <a:effectLst/>
-                <a:latin typeface="+mn-lt"/>
-                <a:ea typeface="+mn-ea"/>
-                <a:cs typeface="+mn-cs"/>
-              </a:rPr>
-              <a:t>, "</a:t>
-            </a:r>
-            <a:r>
-              <a:rPr lang="de-DE" sz="1200" b="0" kern="1200" dirty="0" err="1">
-                <a:solidFill>
-                  <a:schemeClr val="tx1"/>
-                </a:solidFill>
-                <a:effectLst/>
-                <a:latin typeface="+mn-lt"/>
-                <a:ea typeface="+mn-ea"/>
-                <a:cs typeface="+mn-cs"/>
-              </a:rPr>
-              <a:t>text</a:t>
-            </a:r>
-            <a:r>
-              <a:rPr lang="de-DE" sz="1200" b="0" kern="1200" dirty="0">
-                <a:solidFill>
-                  <a:schemeClr val="tx1"/>
-                </a:solidFill>
-                <a:effectLst/>
-                <a:latin typeface="+mn-lt"/>
-                <a:ea typeface="+mn-ea"/>
-                <a:cs typeface="+mn-cs"/>
-              </a:rPr>
-              <a:t>", "</a:t>
-            </a:r>
-            <a:r>
-              <a:rPr lang="de-DE" sz="1200" b="0" kern="1200" dirty="0" err="1">
-                <a:solidFill>
-                  <a:schemeClr val="tx1"/>
-                </a:solidFill>
-                <a:effectLst/>
-                <a:latin typeface="+mn-lt"/>
-                <a:ea typeface="+mn-ea"/>
-                <a:cs typeface="+mn-cs"/>
-              </a:rPr>
-              <a:t>target</a:t>
-            </a:r>
-            <a:r>
-              <a:rPr lang="de-DE" sz="1200" b="0" kern="1200" dirty="0">
-                <a:solidFill>
-                  <a:schemeClr val="tx1"/>
-                </a:solidFill>
-                <a:effectLst/>
-                <a:latin typeface="+mn-lt"/>
-                <a:ea typeface="+mn-ea"/>
-                <a:cs typeface="+mn-cs"/>
-              </a:rPr>
-              <a:t>")</a:t>
-            </a:r>
+            <a:endParaRPr lang="de-DE" dirty="0"/>
           </a:p>
         </p:txBody>
       </p:sp>
@@ -1198,7 +1124,7 @@
           <a:p>
             <a:fld id="{A3D0A7EE-D142-4B43-840B-A4AEDB6B3F61}" type="slidenum">
               <a:rPr lang="de-DE" smtClean="0"/>
-              <a:t>7</a:t>
+              <a:t>5</a:t>
             </a:fld>
             <a:endParaRPr lang="de-DE"/>
           </a:p>
@@ -1207,7 +1133,7 @@
     </p:spTree>
     <p:extLst>
       <p:ext uri="{BB962C8B-B14F-4D97-AF65-F5344CB8AC3E}">
-        <p14:creationId xmlns:p14="http://schemas.microsoft.com/office/powerpoint/2010/main" val="441157445"/>
+        <p14:creationId xmlns:p14="http://schemas.microsoft.com/office/powerpoint/2010/main" val="3101918582"/>
       </p:ext>
     </p:extLst>
   </p:cSld>
@@ -1290,7 +1216,7 @@
           <a:p>
             <a:fld id="{A3D0A7EE-D142-4B43-840B-A4AEDB6B3F61}" type="slidenum">
               <a:rPr lang="de-DE" smtClean="0"/>
-              <a:t>8</a:t>
+              <a:t>7</a:t>
             </a:fld>
             <a:endParaRPr lang="de-DE"/>
           </a:p>
@@ -1789,7 +1715,100 @@
               <a:t>")</a:t>
             </a:r>
           </a:p>
-          <a:p>
+        </p:txBody>
+      </p:sp>
+      <p:sp>
+        <p:nvSpPr>
+          <p:cNvPr id="4" name="Foliennummernplatzhalter 3"/>
+          <p:cNvSpPr>
+            <a:spLocks noGrp="1"/>
+          </p:cNvSpPr>
+          <p:nvPr>
+            <p:ph type="sldNum" sz="quarter" idx="5"/>
+          </p:nvPr>
+        </p:nvSpPr>
+        <p:spPr/>
+        <p:txBody>
+          <a:bodyPr/>
+          <a:lstStyle/>
+          <a:p>
+            <a:fld id="{A3D0A7EE-D142-4B43-840B-A4AEDB6B3F61}" type="slidenum">
+              <a:rPr lang="de-DE" smtClean="0"/>
+              <a:t>9</a:t>
+            </a:fld>
+            <a:endParaRPr lang="de-DE"/>
+          </a:p>
+        </p:txBody>
+      </p:sp>
+    </p:spTree>
+    <p:extLst>
+      <p:ext uri="{BB962C8B-B14F-4D97-AF65-F5344CB8AC3E}">
+        <p14:creationId xmlns:p14="http://schemas.microsoft.com/office/powerpoint/2010/main" val="441157445"/>
+      </p:ext>
+    </p:extLst>
+  </p:cSld>
+  <p:clrMapOvr>
+    <a:masterClrMapping/>
+  </p:clrMapOvr>
+</p:notes>
+</file>
+
+<file path=ppt/notesSlides/notesSlide6.xml><?xml version="1.0" encoding="utf-8"?>
+<p:notes xmlns:a="http://schemas.openxmlformats.org/drawingml/2006/main" xmlns:r="http://schemas.openxmlformats.org/officeDocument/2006/relationships" xmlns:p="http://schemas.openxmlformats.org/presentationml/2006/main">
+  <p:cSld>
+    <p:spTree>
+      <p:nvGrpSpPr>
+        <p:cNvPr id="1" name=""/>
+        <p:cNvGrpSpPr/>
+        <p:nvPr/>
+      </p:nvGrpSpPr>
+      <p:grpSpPr>
+        <a:xfrm>
+          <a:off x="0" y="0"/>
+          <a:ext cx="0" cy="0"/>
+          <a:chOff x="0" y="0"/>
+          <a:chExt cx="0" cy="0"/>
+        </a:xfrm>
+      </p:grpSpPr>
+      <p:sp>
+        <p:nvSpPr>
+          <p:cNvPr id="2" name="Folienbildplatzhalter 1"/>
+          <p:cNvSpPr>
+            <a:spLocks noGrp="1" noRot="1" noChangeAspect="1"/>
+          </p:cNvSpPr>
+          <p:nvPr>
+            <p:ph type="sldImg"/>
+          </p:nvPr>
+        </p:nvSpPr>
+        <p:spPr/>
+      </p:sp>
+      <p:sp>
+        <p:nvSpPr>
+          <p:cNvPr id="3" name="Notizenplatzhalter 2"/>
+          <p:cNvSpPr>
+            <a:spLocks noGrp="1"/>
+          </p:cNvSpPr>
+          <p:nvPr>
+            <p:ph type="body" idx="1"/>
+          </p:nvPr>
+        </p:nvSpPr>
+        <p:spPr/>
+        <p:txBody>
+          <a:bodyPr/>
+          <a:lstStyle/>
+          <a:p>
+            <a:r>
+              <a:rPr lang="de-DE" sz="1200" b="0" kern="1200" dirty="0" err="1">
+                <a:solidFill>
+                  <a:schemeClr val="tx1"/>
+                </a:solidFill>
+                <a:effectLst/>
+                <a:latin typeface="+mn-lt"/>
+                <a:ea typeface="+mn-ea"/>
+                <a:cs typeface="+mn-cs"/>
+              </a:rPr>
+              <a:t>Locoation_re</a:t>
+            </a:r>
             <a:endParaRPr lang="de-DE" sz="1200" b="0" kern="1200" dirty="0">
               <a:solidFill>
                 <a:schemeClr val="tx1"/>
@@ -1801,78 +1820,6 @@
             </a:endParaRPr>
           </a:p>
           <a:p>
-            <a:r>
-              <a:rPr lang="en-US" dirty="0"/>
-              <a:t>loc</a:t>
-            </a:r>
-            <a:r>
-              <a:rPr lang="en-US" sz="1200" kern="1200" dirty="0">
-                <a:solidFill>
-                  <a:schemeClr val="tx1"/>
-                </a:solidFill>
-                <a:effectLst/>
-                <a:latin typeface="+mn-lt"/>
-                <a:ea typeface="+mn-ea"/>
-                <a:cs typeface="+mn-cs"/>
-              </a:rPr>
-              <a:t>='upper right'</a:t>
-            </a:r>
-            <a:r>
-              <a:rPr lang="en-US" dirty="0"/>
-              <a:t>, </a:t>
-            </a:r>
-            <a:r>
-              <a:rPr lang="en-US" dirty="0" err="1"/>
-              <a:t>bbox_to_anchor</a:t>
-            </a:r>
-            <a:r>
-              <a:rPr lang="en-US" sz="1200" kern="1200" dirty="0">
-                <a:solidFill>
-                  <a:schemeClr val="tx1"/>
-                </a:solidFill>
-                <a:effectLst/>
-                <a:latin typeface="+mn-lt"/>
-                <a:ea typeface="+mn-ea"/>
-                <a:cs typeface="+mn-cs"/>
-              </a:rPr>
-              <a:t>=</a:t>
-            </a:r>
-            <a:r>
-              <a:rPr lang="en-US" dirty="0"/>
-              <a:t>(</a:t>
-            </a:r>
-            <a:r>
-              <a:rPr lang="en-US" sz="1200" kern="1200" dirty="0">
-                <a:solidFill>
-                  <a:schemeClr val="tx1"/>
-                </a:solidFill>
-                <a:effectLst/>
-                <a:latin typeface="+mn-lt"/>
-                <a:ea typeface="+mn-ea"/>
-                <a:cs typeface="+mn-cs"/>
-              </a:rPr>
-              <a:t>0.5</a:t>
-            </a:r>
-            <a:r>
-              <a:rPr lang="en-US" dirty="0"/>
-              <a:t>, </a:t>
-            </a:r>
-            <a:r>
-              <a:rPr lang="en-US" sz="1200" kern="1200" dirty="0">
-                <a:solidFill>
-                  <a:schemeClr val="tx1"/>
-                </a:solidFill>
-                <a:effectLst/>
-                <a:latin typeface="+mn-lt"/>
-                <a:ea typeface="+mn-ea"/>
-                <a:cs typeface="+mn-cs"/>
-              </a:rPr>
-              <a:t>0.5</a:t>
-            </a:r>
-            <a:r>
-              <a:rPr lang="en-US" dirty="0"/>
-              <a:t>)</a:t>
-            </a:r>
             <a:endParaRPr lang="de-DE" sz="1200" b="0" kern="1200" dirty="0">
               <a:solidFill>
                 <a:schemeClr val="tx1"/>
@@ -1902,7 +1849,7 @@
           <a:p>
             <a:fld id="{A3D0A7EE-D142-4B43-840B-A4AEDB6B3F61}" type="slidenum">
               <a:rPr lang="de-DE" smtClean="0"/>
-              <a:t>9</a:t>
+              <a:t>10</a:t>
             </a:fld>
             <a:endParaRPr lang="de-DE"/>
           </a:p>
@@ -1912,6 +1859,618 @@
     <p:extLst>
       <p:ext uri="{BB962C8B-B14F-4D97-AF65-F5344CB8AC3E}">
         <p14:creationId xmlns:p14="http://schemas.microsoft.com/office/powerpoint/2010/main" val="308580436"/>
+      </p:ext>
+    </p:extLst>
+  </p:cSld>
+  <p:clrMapOvr>
+    <a:masterClrMapping/>
+  </p:clrMapOvr>
+</p:notes>
+</file>
+
+<file path=ppt/notesSlides/notesSlide7.xml><?xml version="1.0" encoding="utf-8"?>
+<p:notes xmlns:a="http://schemas.openxmlformats.org/drawingml/2006/main" xmlns:r="http://schemas.openxmlformats.org/officeDocument/2006/relationships" xmlns:p="http://schemas.openxmlformats.org/presentationml/2006/main">
+  <p:cSld>
+    <p:spTree>
+      <p:nvGrpSpPr>
+        <p:cNvPr id="1" name=""/>
+        <p:cNvGrpSpPr/>
+        <p:nvPr/>
+      </p:nvGrpSpPr>
+      <p:grpSpPr>
+        <a:xfrm>
+          <a:off x="0" y="0"/>
+          <a:ext cx="0" cy="0"/>
+          <a:chOff x="0" y="0"/>
+          <a:chExt cx="0" cy="0"/>
+        </a:xfrm>
+      </p:grpSpPr>
+      <p:sp>
+        <p:nvSpPr>
+          <p:cNvPr id="2" name="Folienbildplatzhalter 1"/>
+          <p:cNvSpPr>
+            <a:spLocks noGrp="1" noRot="1" noChangeAspect="1"/>
+          </p:cNvSpPr>
+          <p:nvPr>
+            <p:ph type="sldImg"/>
+          </p:nvPr>
+        </p:nvSpPr>
+        <p:spPr/>
+      </p:sp>
+      <p:sp>
+        <p:nvSpPr>
+          <p:cNvPr id="3" name="Notizenplatzhalter 2"/>
+          <p:cNvSpPr>
+            <a:spLocks noGrp="1"/>
+          </p:cNvSpPr>
+          <p:nvPr>
+            <p:ph type="body" idx="1"/>
+          </p:nvPr>
+        </p:nvSpPr>
+        <p:spPr/>
+        <p:txBody>
+          <a:bodyPr/>
+          <a:lstStyle/>
+          <a:p>
+            <a:r>
+              <a:rPr lang="de-DE" sz="1200" b="0" kern="1200" dirty="0">
+                <a:solidFill>
+                  <a:schemeClr val="tx1"/>
+                </a:solidFill>
+                <a:effectLst/>
+                <a:latin typeface="+mn-lt"/>
+                <a:ea typeface="+mn-ea"/>
+                <a:cs typeface="+mn-cs"/>
+              </a:rPr>
+              <a:t>################# NEW #################</a:t>
+            </a:r>
+          </a:p>
+          <a:p>
+            <a:r>
+              <a:rPr lang="de-DE" sz="1200" b="0" kern="1200" dirty="0" err="1">
+                <a:solidFill>
+                  <a:schemeClr val="tx1"/>
+                </a:solidFill>
+                <a:effectLst/>
+                <a:latin typeface="+mn-lt"/>
+                <a:ea typeface="+mn-ea"/>
+                <a:cs typeface="+mn-cs"/>
+              </a:rPr>
+              <a:t>df</a:t>
+            </a:r>
+            <a:r>
+              <a:rPr lang="de-DE" sz="1200" b="0" kern="1200" dirty="0">
+                <a:solidFill>
+                  <a:schemeClr val="tx1"/>
+                </a:solidFill>
+                <a:effectLst/>
+                <a:latin typeface="+mn-lt"/>
+                <a:ea typeface="+mn-ea"/>
+                <a:cs typeface="+mn-cs"/>
+              </a:rPr>
+              <a:t> = </a:t>
+            </a:r>
+            <a:r>
+              <a:rPr lang="de-DE" sz="1200" b="0" kern="1200" dirty="0" err="1">
+                <a:solidFill>
+                  <a:schemeClr val="tx1"/>
+                </a:solidFill>
+                <a:effectLst/>
+                <a:latin typeface="+mn-lt"/>
+                <a:ea typeface="+mn-ea"/>
+                <a:cs typeface="+mn-cs"/>
+              </a:rPr>
+              <a:t>disaster_tweets.copy</a:t>
+            </a:r>
+            <a:r>
+              <a:rPr lang="de-DE" sz="1200" b="0" kern="1200" dirty="0">
+                <a:solidFill>
+                  <a:schemeClr val="tx1"/>
+                </a:solidFill>
+                <a:effectLst/>
+                <a:latin typeface="+mn-lt"/>
+                <a:ea typeface="+mn-ea"/>
+                <a:cs typeface="+mn-cs"/>
+              </a:rPr>
+              <a:t>() # original </a:t>
+            </a:r>
+            <a:r>
+              <a:rPr lang="de-DE" sz="1200" b="0" kern="1200" dirty="0" err="1">
+                <a:solidFill>
+                  <a:schemeClr val="tx1"/>
+                </a:solidFill>
+                <a:effectLst/>
+                <a:latin typeface="+mn-lt"/>
+                <a:ea typeface="+mn-ea"/>
+                <a:cs typeface="+mn-cs"/>
+              </a:rPr>
+              <a:t>data</a:t>
+            </a:r>
+            <a:r>
+              <a:rPr lang="de-DE" sz="1200" b="0" kern="1200" dirty="0">
+                <a:solidFill>
+                  <a:schemeClr val="tx1"/>
+                </a:solidFill>
+                <a:effectLst/>
+                <a:latin typeface="+mn-lt"/>
+                <a:ea typeface="+mn-ea"/>
+                <a:cs typeface="+mn-cs"/>
+              </a:rPr>
+              <a:t> </a:t>
+            </a:r>
+            <a:r>
+              <a:rPr lang="de-DE" sz="1200" b="0" kern="1200" dirty="0" err="1">
+                <a:solidFill>
+                  <a:schemeClr val="tx1"/>
+                </a:solidFill>
+                <a:effectLst/>
+                <a:latin typeface="+mn-lt"/>
+                <a:ea typeface="+mn-ea"/>
+                <a:cs typeface="+mn-cs"/>
+              </a:rPr>
+              <a:t>set</a:t>
+            </a:r>
+            <a:r>
+              <a:rPr lang="de-DE" sz="1200" b="0" kern="1200" dirty="0">
+                <a:solidFill>
+                  <a:schemeClr val="tx1"/>
+                </a:solidFill>
+                <a:effectLst/>
+                <a:latin typeface="+mn-lt"/>
+                <a:ea typeface="+mn-ea"/>
+                <a:cs typeface="+mn-cs"/>
+              </a:rPr>
+              <a:t>, </a:t>
+            </a:r>
+            <a:r>
+              <a:rPr lang="de-DE" sz="1200" b="0" kern="1200" dirty="0" err="1">
+                <a:solidFill>
+                  <a:schemeClr val="tx1"/>
+                </a:solidFill>
+                <a:effectLst/>
+                <a:latin typeface="+mn-lt"/>
+                <a:ea typeface="+mn-ea"/>
+                <a:cs typeface="+mn-cs"/>
+              </a:rPr>
+              <a:t>no</a:t>
+            </a:r>
+            <a:r>
+              <a:rPr lang="de-DE" sz="1200" b="0" kern="1200" dirty="0">
+                <a:solidFill>
+                  <a:schemeClr val="tx1"/>
+                </a:solidFill>
+                <a:effectLst/>
+                <a:latin typeface="+mn-lt"/>
+                <a:ea typeface="+mn-ea"/>
+                <a:cs typeface="+mn-cs"/>
+              </a:rPr>
+              <a:t> </a:t>
+            </a:r>
+            <a:r>
+              <a:rPr lang="de-DE" sz="1200" b="0" kern="1200" dirty="0" err="1">
+                <a:solidFill>
+                  <a:schemeClr val="tx1"/>
+                </a:solidFill>
+                <a:effectLst/>
+                <a:latin typeface="+mn-lt"/>
+                <a:ea typeface="+mn-ea"/>
+                <a:cs typeface="+mn-cs"/>
+              </a:rPr>
+              <a:t>postprocessin</a:t>
+            </a:r>
+            <a:endParaRPr lang="de-DE" sz="1200" b="0" kern="1200" dirty="0">
+              <a:solidFill>
+                <a:schemeClr val="tx1"/>
+              </a:solidFill>
+              <a:effectLst/>
+              <a:latin typeface="+mn-lt"/>
+              <a:ea typeface="+mn-ea"/>
+              <a:cs typeface="+mn-cs"/>
+            </a:endParaRPr>
+          </a:p>
+          <a:p>
+            <a:r>
+              <a:rPr lang="de-DE" sz="1200" b="0" kern="1200" dirty="0" err="1">
+                <a:solidFill>
+                  <a:schemeClr val="tx1"/>
+                </a:solidFill>
+                <a:effectLst/>
+                <a:latin typeface="+mn-lt"/>
+                <a:ea typeface="+mn-ea"/>
+                <a:cs typeface="+mn-cs"/>
+              </a:rPr>
+              <a:t>pipeMNB</a:t>
+            </a:r>
+            <a:r>
+              <a:rPr lang="de-DE" sz="1200" b="0" kern="1200" dirty="0">
+                <a:solidFill>
+                  <a:schemeClr val="tx1"/>
+                </a:solidFill>
+                <a:effectLst/>
+                <a:latin typeface="+mn-lt"/>
+                <a:ea typeface="+mn-ea"/>
+                <a:cs typeface="+mn-cs"/>
+              </a:rPr>
+              <a:t> = </a:t>
+            </a:r>
+            <a:r>
+              <a:rPr lang="de-DE" sz="1200" b="0" kern="1200" dirty="0" err="1">
+                <a:solidFill>
+                  <a:schemeClr val="tx1"/>
+                </a:solidFill>
+                <a:effectLst/>
+                <a:latin typeface="+mn-lt"/>
+                <a:ea typeface="+mn-ea"/>
+                <a:cs typeface="+mn-cs"/>
+              </a:rPr>
+              <a:t>make_pipeline</a:t>
+            </a:r>
+            <a:r>
+              <a:rPr lang="de-DE" sz="1200" b="0" kern="1200" dirty="0">
+                <a:solidFill>
+                  <a:schemeClr val="tx1"/>
+                </a:solidFill>
+                <a:effectLst/>
+                <a:latin typeface="+mn-lt"/>
+                <a:ea typeface="+mn-ea"/>
+                <a:cs typeface="+mn-cs"/>
+              </a:rPr>
+              <a:t>(</a:t>
+            </a:r>
+            <a:r>
+              <a:rPr lang="de-DE" sz="1200" b="0" kern="1200" dirty="0" err="1">
+                <a:solidFill>
+                  <a:schemeClr val="tx1"/>
+                </a:solidFill>
+                <a:effectLst/>
+                <a:latin typeface="+mn-lt"/>
+                <a:ea typeface="+mn-ea"/>
+                <a:cs typeface="+mn-cs"/>
+              </a:rPr>
+              <a:t>TfidfVectorizer</a:t>
+            </a:r>
+            <a:r>
+              <a:rPr lang="de-DE" sz="1200" b="0" kern="1200" dirty="0">
+                <a:solidFill>
+                  <a:schemeClr val="tx1"/>
+                </a:solidFill>
+                <a:effectLst/>
+                <a:latin typeface="+mn-lt"/>
+                <a:ea typeface="+mn-ea"/>
+                <a:cs typeface="+mn-cs"/>
+              </a:rPr>
+              <a:t>(</a:t>
+            </a:r>
+            <a:r>
+              <a:rPr lang="de-DE" sz="1200" b="0" kern="1200" dirty="0" err="1">
+                <a:solidFill>
+                  <a:schemeClr val="tx1"/>
+                </a:solidFill>
+                <a:effectLst/>
+                <a:latin typeface="+mn-lt"/>
+                <a:ea typeface="+mn-ea"/>
+                <a:cs typeface="+mn-cs"/>
+              </a:rPr>
+              <a:t>ngram_range</a:t>
+            </a:r>
+            <a:r>
+              <a:rPr lang="de-DE" sz="1200" b="0" kern="1200" dirty="0">
+                <a:solidFill>
+                  <a:schemeClr val="tx1"/>
+                </a:solidFill>
+                <a:effectLst/>
+                <a:latin typeface="+mn-lt"/>
+                <a:ea typeface="+mn-ea"/>
+                <a:cs typeface="+mn-cs"/>
+              </a:rPr>
+              <a:t>=(1, 1)), </a:t>
+            </a:r>
+            <a:r>
+              <a:rPr lang="de-DE" sz="1200" b="0" kern="1200" dirty="0" err="1">
+                <a:solidFill>
+                  <a:schemeClr val="tx1"/>
+                </a:solidFill>
+                <a:effectLst/>
+                <a:latin typeface="+mn-lt"/>
+                <a:ea typeface="+mn-ea"/>
+                <a:cs typeface="+mn-cs"/>
+              </a:rPr>
+              <a:t>MultinomialNB</a:t>
+            </a:r>
+            <a:r>
+              <a:rPr lang="de-DE" sz="1200" b="0" kern="1200" dirty="0">
+                <a:solidFill>
+                  <a:schemeClr val="tx1"/>
+                </a:solidFill>
+                <a:effectLst/>
+                <a:latin typeface="+mn-lt"/>
+                <a:ea typeface="+mn-ea"/>
+                <a:cs typeface="+mn-cs"/>
+              </a:rPr>
+              <a:t>()) #### naive </a:t>
+            </a:r>
+            <a:r>
+              <a:rPr lang="de-DE" sz="1200" b="0" kern="1200" dirty="0" err="1">
+                <a:solidFill>
+                  <a:schemeClr val="tx1"/>
+                </a:solidFill>
+                <a:effectLst/>
+                <a:latin typeface="+mn-lt"/>
+                <a:ea typeface="+mn-ea"/>
+                <a:cs typeface="+mn-cs"/>
+              </a:rPr>
+              <a:t>bayes</a:t>
+            </a:r>
+            <a:r>
+              <a:rPr lang="de-DE" sz="1200" b="0" kern="1200" dirty="0">
+                <a:solidFill>
+                  <a:schemeClr val="tx1"/>
+                </a:solidFill>
+                <a:effectLst/>
+                <a:latin typeface="+mn-lt"/>
+                <a:ea typeface="+mn-ea"/>
+                <a:cs typeface="+mn-cs"/>
+              </a:rPr>
+              <a:t> </a:t>
+            </a:r>
+          </a:p>
+          <a:p>
+            <a:r>
+              <a:rPr lang="de-DE" sz="1200" b="0" kern="1200" dirty="0">
+                <a:solidFill>
+                  <a:schemeClr val="tx1"/>
+                </a:solidFill>
+                <a:effectLst/>
+                <a:latin typeface="+mn-lt"/>
+                <a:ea typeface="+mn-ea"/>
+                <a:cs typeface="+mn-cs"/>
+              </a:rPr>
+              <a:t>%time fpr_0, tpr_0 = </a:t>
+            </a:r>
+            <a:r>
+              <a:rPr lang="de-DE" sz="1200" b="0" kern="1200" dirty="0" err="1">
+                <a:solidFill>
+                  <a:schemeClr val="tx1"/>
+                </a:solidFill>
+                <a:effectLst/>
+                <a:latin typeface="+mn-lt"/>
+                <a:ea typeface="+mn-ea"/>
+                <a:cs typeface="+mn-cs"/>
+              </a:rPr>
+              <a:t>my_fit_cm</a:t>
+            </a:r>
+            <a:r>
+              <a:rPr lang="de-DE" sz="1200" b="0" kern="1200" dirty="0">
+                <a:solidFill>
+                  <a:schemeClr val="tx1"/>
+                </a:solidFill>
+                <a:effectLst/>
+                <a:latin typeface="+mn-lt"/>
+                <a:ea typeface="+mn-ea"/>
+                <a:cs typeface="+mn-cs"/>
+              </a:rPr>
+              <a:t>(</a:t>
+            </a:r>
+            <a:r>
+              <a:rPr lang="de-DE" sz="1200" b="0" kern="1200" dirty="0" err="1">
+                <a:solidFill>
+                  <a:schemeClr val="tx1"/>
+                </a:solidFill>
+                <a:effectLst/>
+                <a:latin typeface="+mn-lt"/>
+                <a:ea typeface="+mn-ea"/>
+                <a:cs typeface="+mn-cs"/>
+              </a:rPr>
+              <a:t>df</a:t>
+            </a:r>
+            <a:r>
+              <a:rPr lang="de-DE" sz="1200" b="0" kern="1200" dirty="0">
+                <a:solidFill>
+                  <a:schemeClr val="tx1"/>
+                </a:solidFill>
+                <a:effectLst/>
+                <a:latin typeface="+mn-lt"/>
+                <a:ea typeface="+mn-ea"/>
+                <a:cs typeface="+mn-cs"/>
+              </a:rPr>
+              <a:t>, </a:t>
+            </a:r>
+            <a:r>
+              <a:rPr lang="de-DE" sz="1200" b="0" kern="1200" dirty="0" err="1">
+                <a:solidFill>
+                  <a:schemeClr val="tx1"/>
+                </a:solidFill>
+                <a:effectLst/>
+                <a:latin typeface="+mn-lt"/>
+                <a:ea typeface="+mn-ea"/>
+                <a:cs typeface="+mn-cs"/>
+              </a:rPr>
+              <a:t>pipeMNB</a:t>
+            </a:r>
+            <a:r>
+              <a:rPr lang="de-DE" sz="1200" b="0" kern="1200" dirty="0">
+                <a:solidFill>
+                  <a:schemeClr val="tx1"/>
+                </a:solidFill>
+                <a:effectLst/>
+                <a:latin typeface="+mn-lt"/>
+                <a:ea typeface="+mn-ea"/>
+                <a:cs typeface="+mn-cs"/>
+              </a:rPr>
+              <a:t>, "</a:t>
+            </a:r>
+            <a:r>
+              <a:rPr lang="de-DE" sz="1200" b="0" kern="1200" dirty="0" err="1">
+                <a:solidFill>
+                  <a:schemeClr val="tx1"/>
+                </a:solidFill>
+                <a:effectLst/>
+                <a:latin typeface="+mn-lt"/>
+                <a:ea typeface="+mn-ea"/>
+                <a:cs typeface="+mn-cs"/>
+              </a:rPr>
+              <a:t>text</a:t>
+            </a:r>
+            <a:r>
+              <a:rPr lang="de-DE" sz="1200" b="0" kern="1200" dirty="0">
+                <a:solidFill>
+                  <a:schemeClr val="tx1"/>
+                </a:solidFill>
+                <a:effectLst/>
+                <a:latin typeface="+mn-lt"/>
+                <a:ea typeface="+mn-ea"/>
+                <a:cs typeface="+mn-cs"/>
+              </a:rPr>
+              <a:t>", "</a:t>
+            </a:r>
+            <a:r>
+              <a:rPr lang="de-DE" sz="1200" b="0" kern="1200" dirty="0" err="1">
+                <a:solidFill>
+                  <a:schemeClr val="tx1"/>
+                </a:solidFill>
+                <a:effectLst/>
+                <a:latin typeface="+mn-lt"/>
+                <a:ea typeface="+mn-ea"/>
+                <a:cs typeface="+mn-cs"/>
+              </a:rPr>
+              <a:t>target</a:t>
+            </a:r>
+            <a:r>
+              <a:rPr lang="de-DE" sz="1200" b="0" kern="1200" dirty="0">
+                <a:solidFill>
+                  <a:schemeClr val="tx1"/>
+                </a:solidFill>
+                <a:effectLst/>
+                <a:latin typeface="+mn-lt"/>
+                <a:ea typeface="+mn-ea"/>
+                <a:cs typeface="+mn-cs"/>
+              </a:rPr>
+              <a:t>")</a:t>
+            </a:r>
+          </a:p>
+          <a:p>
+            <a:endParaRPr lang="de-DE" sz="1200" b="0" kern="1200" dirty="0">
+              <a:solidFill>
+                <a:schemeClr val="tx1"/>
+              </a:solidFill>
+              <a:effectLst/>
+              <a:latin typeface="+mn-lt"/>
+              <a:ea typeface="+mn-ea"/>
+              <a:cs typeface="+mn-cs"/>
+            </a:endParaRPr>
+          </a:p>
+          <a:p>
+            <a:r>
+              <a:rPr lang="en-US" dirty="0"/>
+              <a:t>loc</a:t>
+            </a:r>
+            <a:r>
+              <a:rPr lang="en-US" sz="1200" kern="1200" dirty="0">
+                <a:solidFill>
+                  <a:schemeClr val="tx1"/>
+                </a:solidFill>
+                <a:effectLst/>
+                <a:latin typeface="+mn-lt"/>
+                <a:ea typeface="+mn-ea"/>
+                <a:cs typeface="+mn-cs"/>
+              </a:rPr>
+              <a:t>='upper right'</a:t>
+            </a:r>
+            <a:r>
+              <a:rPr lang="en-US" dirty="0"/>
+              <a:t>, </a:t>
+            </a:r>
+            <a:r>
+              <a:rPr lang="en-US" dirty="0" err="1"/>
+              <a:t>bbox_to_anchor</a:t>
+            </a:r>
+            <a:r>
+              <a:rPr lang="en-US" sz="1200" kern="1200" dirty="0">
+                <a:solidFill>
+                  <a:schemeClr val="tx1"/>
+                </a:solidFill>
+                <a:effectLst/>
+                <a:latin typeface="+mn-lt"/>
+                <a:ea typeface="+mn-ea"/>
+                <a:cs typeface="+mn-cs"/>
+              </a:rPr>
+              <a:t>=</a:t>
+            </a:r>
+            <a:r>
+              <a:rPr lang="en-US" dirty="0"/>
+              <a:t>(</a:t>
+            </a:r>
+            <a:r>
+              <a:rPr lang="en-US" sz="1200" kern="1200" dirty="0">
+                <a:solidFill>
+                  <a:schemeClr val="tx1"/>
+                </a:solidFill>
+                <a:effectLst/>
+                <a:latin typeface="+mn-lt"/>
+                <a:ea typeface="+mn-ea"/>
+                <a:cs typeface="+mn-cs"/>
+              </a:rPr>
+              <a:t>0.5</a:t>
+            </a:r>
+            <a:r>
+              <a:rPr lang="en-US" dirty="0"/>
+              <a:t>, </a:t>
+            </a:r>
+            <a:r>
+              <a:rPr lang="en-US" sz="1200" kern="1200" dirty="0">
+                <a:solidFill>
+                  <a:schemeClr val="tx1"/>
+                </a:solidFill>
+                <a:effectLst/>
+                <a:latin typeface="+mn-lt"/>
+                <a:ea typeface="+mn-ea"/>
+                <a:cs typeface="+mn-cs"/>
+              </a:rPr>
+              <a:t>0.5</a:t>
+            </a:r>
+            <a:r>
+              <a:rPr lang="en-US" dirty="0"/>
+              <a:t>)</a:t>
+            </a:r>
+            <a:endParaRPr lang="de-DE" sz="1200" b="0" kern="1200" dirty="0">
+              <a:solidFill>
+                <a:schemeClr val="tx1"/>
+              </a:solidFill>
+              <a:effectLst/>
+              <a:latin typeface="+mn-lt"/>
+              <a:ea typeface="+mn-ea"/>
+              <a:cs typeface="+mn-cs"/>
+            </a:endParaRPr>
+          </a:p>
+        </p:txBody>
+      </p:sp>
+      <p:sp>
+        <p:nvSpPr>
+          <p:cNvPr id="4" name="Foliennummernplatzhalter 3"/>
+          <p:cNvSpPr>
+            <a:spLocks noGrp="1"/>
+          </p:cNvSpPr>
+          <p:nvPr>
+            <p:ph type="sldNum" sz="quarter" idx="5"/>
+          </p:nvPr>
+        </p:nvSpPr>
+        <p:spPr/>
+        <p:txBody>
+          <a:bodyPr/>
+          <a:lstStyle/>
+          <a:p>
+            <a:fld id="{A3D0A7EE-D142-4B43-840B-A4AEDB6B3F61}" type="slidenum">
+              <a:rPr lang="de-DE" smtClean="0"/>
+              <a:t>12</a:t>
+            </a:fld>
+            <a:endParaRPr lang="de-DE"/>
+          </a:p>
+        </p:txBody>
+      </p:sp>
+    </p:spTree>
+    <p:extLst>
+      <p:ext uri="{BB962C8B-B14F-4D97-AF65-F5344CB8AC3E}">
+        <p14:creationId xmlns:p14="http://schemas.microsoft.com/office/powerpoint/2010/main" val="4248585218"/>
       </p:ext>
     </p:extLst>
   </p:cSld>
@@ -5664,6 +6223,521 @@
       </p:grpSpPr>
       <p:sp>
         <p:nvSpPr>
+          <p:cNvPr id="3" name="Titel 1">
+            <a:extLst>
+              <a:ext uri="{FF2B5EF4-FFF2-40B4-BE49-F238E27FC236}">
+                <a16:creationId xmlns:a16="http://schemas.microsoft.com/office/drawing/2014/main" id="{7F0DE1B4-88BD-4A2B-9D45-42C6AD3F656C}"/>
+              </a:ext>
+            </a:extLst>
+          </p:cNvPr>
+          <p:cNvSpPr txBox="1">
+            <a:spLocks/>
+          </p:cNvSpPr>
+          <p:nvPr/>
+        </p:nvSpPr>
+        <p:spPr>
+          <a:xfrm>
+            <a:off x="515938" y="225425"/>
+            <a:ext cx="11341100" cy="1223963"/>
+          </a:xfrm>
+          <a:prstGeom prst="rect">
+            <a:avLst/>
+          </a:prstGeom>
+        </p:spPr>
+        <p:txBody>
+          <a:bodyPr vert="horz" lIns="91440" tIns="45720" rIns="91440" bIns="45720" rtlCol="0" anchor="ctr">
+            <a:normAutofit/>
+          </a:bodyPr>
+          <a:lstStyle>
+            <a:lvl1pPr algn="l" defTabSz="914400" rtl="0" eaLnBrk="1" latinLnBrk="0" hangingPunct="1">
+              <a:lnSpc>
+                <a:spcPct val="90000"/>
+              </a:lnSpc>
+              <a:spcBef>
+                <a:spcPct val="0"/>
+              </a:spcBef>
+              <a:buNone/>
+              <a:defRPr sz="4400" kern="1200">
+                <a:solidFill>
+                  <a:schemeClr val="tx1"/>
+                </a:solidFill>
+                <a:latin typeface="+mj-lt"/>
+                <a:ea typeface="+mj-ea"/>
+                <a:cs typeface="+mj-cs"/>
+              </a:defRPr>
+            </a:lvl1pPr>
+          </a:lstStyle>
+          <a:p>
+            <a:r>
+              <a:rPr lang="en-US" sz="4000" b="1" dirty="0">
+                <a:solidFill>
+                  <a:schemeClr val="accent1">
+                    <a:lumMod val="75000"/>
+                  </a:schemeClr>
+                </a:solidFill>
+              </a:rPr>
+              <a:t>Modelling and evaluation: Final results</a:t>
+            </a:r>
+          </a:p>
+          <a:p>
+            <a:r>
+              <a:rPr lang="en-US" sz="4000" b="1" dirty="0">
+                <a:solidFill>
+                  <a:schemeClr val="accent1">
+                    <a:lumMod val="75000"/>
+                  </a:schemeClr>
+                </a:solidFill>
+              </a:rPr>
+              <a:t>Vectorized word counts produced best results</a:t>
+            </a:r>
+            <a:endParaRPr lang="en-US" sz="3900" b="1" dirty="0">
+              <a:solidFill>
+                <a:schemeClr val="accent1">
+                  <a:lumMod val="75000"/>
+                </a:schemeClr>
+              </a:solidFill>
+            </a:endParaRPr>
+          </a:p>
+        </p:txBody>
+      </p:sp>
+      <p:sp>
+        <p:nvSpPr>
+          <p:cNvPr id="10" name="Rechteck: abgerundete Ecken 9">
+            <a:extLst>
+              <a:ext uri="{FF2B5EF4-FFF2-40B4-BE49-F238E27FC236}">
+                <a16:creationId xmlns:a16="http://schemas.microsoft.com/office/drawing/2014/main" id="{904FDF20-02D6-4DD7-89F0-759FDA09FA07}"/>
+              </a:ext>
+            </a:extLst>
+          </p:cNvPr>
+          <p:cNvSpPr/>
+          <p:nvPr/>
+        </p:nvSpPr>
+        <p:spPr>
+          <a:xfrm>
+            <a:off x="515938" y="1725244"/>
+            <a:ext cx="11341100" cy="4835894"/>
+          </a:xfrm>
+          <a:prstGeom prst="roundRect">
+            <a:avLst>
+              <a:gd name="adj" fmla="val 1538"/>
+            </a:avLst>
+          </a:prstGeom>
+          <a:solidFill>
+            <a:schemeClr val="bg1">
+              <a:alpha val="50000"/>
+            </a:schemeClr>
+          </a:solidFill>
+        </p:spPr>
+        <p:style>
+          <a:lnRef idx="2">
+            <a:schemeClr val="accent1">
+              <a:shade val="50000"/>
+            </a:schemeClr>
+          </a:lnRef>
+          <a:fillRef idx="1">
+            <a:schemeClr val="accent1"/>
+          </a:fillRef>
+          <a:effectRef idx="0">
+            <a:schemeClr val="accent1"/>
+          </a:effectRef>
+          <a:fontRef idx="minor">
+            <a:schemeClr val="lt1"/>
+          </a:fontRef>
+        </p:style>
+        <p:txBody>
+          <a:bodyPr rot="0" spcFirstLastPara="0" vertOverflow="overflow" horzOverflow="overflow" vert="horz" wrap="square" lIns="91440" tIns="504000" rIns="91440" bIns="45720" numCol="1" spcCol="0" rtlCol="0" fromWordArt="0" anchor="t" anchorCtr="0" forceAA="0" compatLnSpc="1">
+            <a:prstTxWarp prst="textNoShape">
+              <a:avLst/>
+            </a:prstTxWarp>
+            <a:noAutofit/>
+          </a:bodyPr>
+          <a:lstStyle/>
+          <a:p>
+            <a:pPr marL="74612"/>
+            <a:endParaRPr lang="de-DE" dirty="0">
+              <a:solidFill>
+                <a:schemeClr val="tx1"/>
+              </a:solidFill>
+            </a:endParaRPr>
+          </a:p>
+        </p:txBody>
+      </p:sp>
+      <p:sp>
+        <p:nvSpPr>
+          <p:cNvPr id="11" name="Rechteck: abgerundete Ecken 10">
+            <a:extLst>
+              <a:ext uri="{FF2B5EF4-FFF2-40B4-BE49-F238E27FC236}">
+                <a16:creationId xmlns:a16="http://schemas.microsoft.com/office/drawing/2014/main" id="{ABD645B4-C0E2-42CD-B67E-3B41CECD89B2}"/>
+              </a:ext>
+            </a:extLst>
+          </p:cNvPr>
+          <p:cNvSpPr/>
+          <p:nvPr/>
+        </p:nvSpPr>
+        <p:spPr>
+          <a:xfrm>
+            <a:off x="515938" y="1725244"/>
+            <a:ext cx="11341100" cy="400110"/>
+          </a:xfrm>
+          <a:prstGeom prst="roundRect">
+            <a:avLst/>
+          </a:prstGeom>
+          <a:solidFill>
+            <a:schemeClr val="accent1">
+              <a:lumMod val="75000"/>
+            </a:schemeClr>
+          </a:solidFill>
+          <a:ln>
+            <a:noFill/>
+          </a:ln>
+        </p:spPr>
+        <p:txBody>
+          <a:bodyPr wrap="square" lIns="180000" tIns="0" rIns="0" bIns="0" rtlCol="0" anchor="ctr" anchorCtr="0">
+            <a:noAutofit/>
+          </a:bodyPr>
+          <a:lstStyle/>
+          <a:p>
+            <a:pPr algn="ctr"/>
+            <a:r>
+              <a:rPr lang="en-US" sz="2000" b="1" dirty="0">
+                <a:solidFill>
+                  <a:schemeClr val="bg1"/>
+                </a:solidFill>
+              </a:rPr>
+              <a:t>Final result: ROC curves with test-AUC (3 groups)</a:t>
+            </a:r>
+          </a:p>
+        </p:txBody>
+      </p:sp>
+      <p:pic>
+        <p:nvPicPr>
+          <p:cNvPr id="7" name="Grafik 6">
+            <a:extLst>
+              <a:ext uri="{FF2B5EF4-FFF2-40B4-BE49-F238E27FC236}">
+                <a16:creationId xmlns:a16="http://schemas.microsoft.com/office/drawing/2014/main" id="{2F36CC68-5095-4BA7-BAD2-17D5A3552501}"/>
+              </a:ext>
+            </a:extLst>
+          </p:cNvPr>
+          <p:cNvPicPr>
+            <a:picLocks noChangeAspect="1"/>
+          </p:cNvPicPr>
+          <p:nvPr/>
+        </p:nvPicPr>
+        <p:blipFill rotWithShape="1">
+          <a:blip r:embed="rId3">
+            <a:extLst>
+              <a:ext uri="{28A0092B-C50C-407E-A947-70E740481C1C}">
+                <a14:useLocalDpi xmlns:a14="http://schemas.microsoft.com/office/drawing/2010/main" val="0"/>
+              </a:ext>
+            </a:extLst>
+          </a:blip>
+          <a:srcRect r="44959"/>
+          <a:stretch/>
+        </p:blipFill>
+        <p:spPr>
+          <a:xfrm>
+            <a:off x="769483" y="2228064"/>
+            <a:ext cx="5973084" cy="4172736"/>
+          </a:xfrm>
+          <a:prstGeom prst="rect">
+            <a:avLst/>
+          </a:prstGeom>
+        </p:spPr>
+      </p:pic>
+      <p:sp>
+        <p:nvSpPr>
+          <p:cNvPr id="9" name="Rechteck 8">
+            <a:extLst>
+              <a:ext uri="{FF2B5EF4-FFF2-40B4-BE49-F238E27FC236}">
+                <a16:creationId xmlns:a16="http://schemas.microsoft.com/office/drawing/2014/main" id="{55D38FE2-B618-4F76-A7E4-0350E9EC6FDC}"/>
+              </a:ext>
+            </a:extLst>
+          </p:cNvPr>
+          <p:cNvSpPr/>
+          <p:nvPr/>
+        </p:nvSpPr>
+        <p:spPr>
+          <a:xfrm>
+            <a:off x="7180944" y="4391829"/>
+            <a:ext cx="4102213" cy="369332"/>
+          </a:xfrm>
+          <a:prstGeom prst="rect">
+            <a:avLst/>
+          </a:prstGeom>
+        </p:spPr>
+        <p:txBody>
+          <a:bodyPr wrap="none">
+            <a:spAutoFit/>
+          </a:bodyPr>
+          <a:lstStyle/>
+          <a:p>
+            <a:r>
+              <a:rPr lang="en-US" b="1" dirty="0">
+                <a:solidFill>
+                  <a:schemeClr val="accent1">
+                    <a:lumMod val="75000"/>
+                  </a:schemeClr>
+                </a:solidFill>
+              </a:rPr>
+              <a:t>Vectorized NER (LOC, GPE) at TFIDF, MNB</a:t>
+            </a:r>
+          </a:p>
+        </p:txBody>
+      </p:sp>
+      <p:sp>
+        <p:nvSpPr>
+          <p:cNvPr id="19" name="Rechteck 18">
+            <a:extLst>
+              <a:ext uri="{FF2B5EF4-FFF2-40B4-BE49-F238E27FC236}">
+                <a16:creationId xmlns:a16="http://schemas.microsoft.com/office/drawing/2014/main" id="{C9380F3D-0CD3-45F2-96B4-20B8CBAAC15F}"/>
+              </a:ext>
+            </a:extLst>
+          </p:cNvPr>
+          <p:cNvSpPr/>
+          <p:nvPr/>
+        </p:nvSpPr>
+        <p:spPr>
+          <a:xfrm>
+            <a:off x="7178157" y="5454022"/>
+            <a:ext cx="4596130" cy="369332"/>
+          </a:xfrm>
+          <a:prstGeom prst="rect">
+            <a:avLst/>
+          </a:prstGeom>
+        </p:spPr>
+        <p:txBody>
+          <a:bodyPr wrap="none">
+            <a:spAutoFit/>
+          </a:bodyPr>
+          <a:lstStyle/>
+          <a:p>
+            <a:r>
+              <a:rPr lang="en-US" b="1" dirty="0">
+                <a:solidFill>
+                  <a:schemeClr val="accent1">
+                    <a:lumMod val="75000"/>
+                  </a:schemeClr>
+                </a:solidFill>
+              </a:rPr>
+              <a:t>Numeric feature list from text at MNB, </a:t>
+            </a:r>
+            <a:r>
+              <a:rPr lang="en-US" b="1" dirty="0" err="1">
+                <a:solidFill>
+                  <a:schemeClr val="accent1">
+                    <a:lumMod val="75000"/>
+                  </a:schemeClr>
+                </a:solidFill>
+              </a:rPr>
+              <a:t>LogReg</a:t>
+            </a:r>
+            <a:endParaRPr lang="en-US" b="1" dirty="0">
+              <a:solidFill>
+                <a:schemeClr val="accent1">
+                  <a:lumMod val="75000"/>
+                </a:schemeClr>
+              </a:solidFill>
+            </a:endParaRPr>
+          </a:p>
+        </p:txBody>
+      </p:sp>
+      <p:sp>
+        <p:nvSpPr>
+          <p:cNvPr id="21" name="Rechteck 20">
+            <a:extLst>
+              <a:ext uri="{FF2B5EF4-FFF2-40B4-BE49-F238E27FC236}">
+                <a16:creationId xmlns:a16="http://schemas.microsoft.com/office/drawing/2014/main" id="{550A301D-3A98-44CD-BBD6-35B7B3C156FE}"/>
+              </a:ext>
+            </a:extLst>
+          </p:cNvPr>
+          <p:cNvSpPr/>
+          <p:nvPr/>
+        </p:nvSpPr>
+        <p:spPr>
+          <a:xfrm>
+            <a:off x="7166206" y="2301212"/>
+            <a:ext cx="3731919" cy="369332"/>
+          </a:xfrm>
+          <a:prstGeom prst="rect">
+            <a:avLst/>
+          </a:prstGeom>
+        </p:spPr>
+        <p:txBody>
+          <a:bodyPr wrap="none">
+            <a:spAutoFit/>
+          </a:bodyPr>
+          <a:lstStyle/>
+          <a:p>
+            <a:r>
+              <a:rPr lang="en-US" b="1" dirty="0">
+                <a:solidFill>
+                  <a:schemeClr val="accent1">
+                    <a:lumMod val="75000"/>
+                  </a:schemeClr>
+                </a:solidFill>
+              </a:rPr>
+              <a:t>Vectorized word count at </a:t>
+            </a:r>
+            <a:r>
+              <a:rPr lang="en-US" b="1" dirty="0" err="1">
+                <a:solidFill>
+                  <a:schemeClr val="accent1">
+                    <a:lumMod val="75000"/>
+                  </a:schemeClr>
+                </a:solidFill>
+              </a:rPr>
+              <a:t>TFiDF</a:t>
+            </a:r>
+            <a:r>
+              <a:rPr lang="en-US" b="1" dirty="0">
+                <a:solidFill>
+                  <a:schemeClr val="accent1">
+                    <a:lumMod val="75000"/>
+                  </a:schemeClr>
+                </a:solidFill>
+              </a:rPr>
+              <a:t>, MNB</a:t>
+            </a:r>
+          </a:p>
+        </p:txBody>
+      </p:sp>
+      <p:pic>
+        <p:nvPicPr>
+          <p:cNvPr id="23" name="Grafik 22">
+            <a:extLst>
+              <a:ext uri="{FF2B5EF4-FFF2-40B4-BE49-F238E27FC236}">
+                <a16:creationId xmlns:a16="http://schemas.microsoft.com/office/drawing/2014/main" id="{CCCEAAC1-0E6C-47EA-89DA-029BB9143582}"/>
+              </a:ext>
+            </a:extLst>
+          </p:cNvPr>
+          <p:cNvPicPr>
+            <a:picLocks noChangeAspect="1"/>
+          </p:cNvPicPr>
+          <p:nvPr/>
+        </p:nvPicPr>
+        <p:blipFill rotWithShape="1">
+          <a:blip r:embed="rId4">
+            <a:extLst>
+              <a:ext uri="{28A0092B-C50C-407E-A947-70E740481C1C}">
+                <a14:useLocalDpi xmlns:a14="http://schemas.microsoft.com/office/drawing/2010/main" val="0"/>
+              </a:ext>
+            </a:extLst>
+          </a:blip>
+          <a:srcRect l="66795" t="61452" b="29681"/>
+          <a:stretch/>
+        </p:blipFill>
+        <p:spPr>
+          <a:xfrm>
+            <a:off x="7073840" y="4613157"/>
+            <a:ext cx="4095051" cy="681928"/>
+          </a:xfrm>
+          <a:prstGeom prst="rect">
+            <a:avLst/>
+          </a:prstGeom>
+        </p:spPr>
+      </p:pic>
+      <p:pic>
+        <p:nvPicPr>
+          <p:cNvPr id="26" name="Grafik 25">
+            <a:extLst>
+              <a:ext uri="{FF2B5EF4-FFF2-40B4-BE49-F238E27FC236}">
+                <a16:creationId xmlns:a16="http://schemas.microsoft.com/office/drawing/2014/main" id="{9F3EEA3C-F1EF-4932-8232-93A55F6915C4}"/>
+              </a:ext>
+            </a:extLst>
+          </p:cNvPr>
+          <p:cNvPicPr>
+            <a:picLocks noChangeAspect="1"/>
+          </p:cNvPicPr>
+          <p:nvPr/>
+        </p:nvPicPr>
+        <p:blipFill rotWithShape="1">
+          <a:blip r:embed="rId4">
+            <a:extLst>
+              <a:ext uri="{28A0092B-C50C-407E-A947-70E740481C1C}">
+                <a14:useLocalDpi xmlns:a14="http://schemas.microsoft.com/office/drawing/2010/main" val="0"/>
+              </a:ext>
+            </a:extLst>
+          </a:blip>
+          <a:srcRect l="66795" t="89560" b="6915"/>
+          <a:stretch/>
+        </p:blipFill>
+        <p:spPr>
+          <a:xfrm>
+            <a:off x="7068902" y="5753504"/>
+            <a:ext cx="4080939" cy="270117"/>
+          </a:xfrm>
+          <a:prstGeom prst="rect">
+            <a:avLst/>
+          </a:prstGeom>
+        </p:spPr>
+      </p:pic>
+      <p:pic>
+        <p:nvPicPr>
+          <p:cNvPr id="27" name="Grafik 26">
+            <a:extLst>
+              <a:ext uri="{FF2B5EF4-FFF2-40B4-BE49-F238E27FC236}">
+                <a16:creationId xmlns:a16="http://schemas.microsoft.com/office/drawing/2014/main" id="{4C890EA2-FC5F-4F2C-B8DF-230E6AA1E702}"/>
+              </a:ext>
+            </a:extLst>
+          </p:cNvPr>
+          <p:cNvPicPr>
+            <a:picLocks noChangeAspect="1"/>
+          </p:cNvPicPr>
+          <p:nvPr/>
+        </p:nvPicPr>
+        <p:blipFill rotWithShape="1">
+          <a:blip r:embed="rId4">
+            <a:extLst>
+              <a:ext uri="{28A0092B-C50C-407E-A947-70E740481C1C}">
+                <a14:useLocalDpi xmlns:a14="http://schemas.microsoft.com/office/drawing/2010/main" val="0"/>
+              </a:ext>
+            </a:extLst>
+          </a:blip>
+          <a:srcRect l="66795" t="70314" b="9500"/>
+          <a:stretch/>
+        </p:blipFill>
+        <p:spPr>
+          <a:xfrm>
+            <a:off x="7045514" y="2626158"/>
+            <a:ext cx="4126302" cy="1564218"/>
+          </a:xfrm>
+          <a:prstGeom prst="rect">
+            <a:avLst/>
+          </a:prstGeom>
+        </p:spPr>
+      </p:pic>
+    </p:spTree>
+    <p:extLst>
+      <p:ext uri="{BB962C8B-B14F-4D97-AF65-F5344CB8AC3E}">
+        <p14:creationId xmlns:p14="http://schemas.microsoft.com/office/powerpoint/2010/main" val="880438795"/>
+      </p:ext>
+    </p:extLst>
+  </p:cSld>
+  <p:clrMapOvr>
+    <a:masterClrMapping/>
+  </p:clrMapOvr>
+</p:sld>
+</file>
+
+<file path=ppt/slides/slide11.xml><?xml version="1.0" encoding="utf-8"?>
+<p:sld xmlns:a="http://schemas.openxmlformats.org/drawingml/2006/main" xmlns:r="http://schemas.openxmlformats.org/officeDocument/2006/relationships" xmlns:p="http://schemas.openxmlformats.org/presentationml/2006/main">
+  <p:cSld>
+    <p:spTree>
+      <p:nvGrpSpPr>
+        <p:cNvPr id="1" name=""/>
+        <p:cNvGrpSpPr/>
+        <p:nvPr/>
+      </p:nvGrpSpPr>
+      <p:grpSpPr>
+        <a:xfrm>
+          <a:off x="0" y="0"/>
+          <a:ext cx="0" cy="0"/>
+          <a:chOff x="0" y="0"/>
+          <a:chExt cx="0" cy="0"/>
+        </a:xfrm>
+      </p:grpSpPr>
+      <p:sp>
+        <p:nvSpPr>
           <p:cNvPr id="70" name="Titel 1">
             <a:extLst>
               <a:ext uri="{FF2B5EF4-FFF2-40B4-BE49-F238E27FC236}">
@@ -5743,471 +6817,300 @@
           </a:p>
         </p:txBody>
       </p:sp>
-      <p:grpSp>
-        <p:nvGrpSpPr>
-          <p:cNvPr id="2" name="Gruppieren 1">
-            <a:extLst>
-              <a:ext uri="{FF2B5EF4-FFF2-40B4-BE49-F238E27FC236}">
-                <a16:creationId xmlns:a16="http://schemas.microsoft.com/office/drawing/2014/main" id="{6C0531FE-4F15-4296-87B6-B1016FDFEE15}"/>
-              </a:ext>
-            </a:extLst>
-          </p:cNvPr>
-          <p:cNvGrpSpPr/>
-          <p:nvPr/>
-        </p:nvGrpSpPr>
-        <p:grpSpPr>
-          <a:xfrm>
-            <a:off x="5974580" y="5242664"/>
-            <a:ext cx="5636451" cy="1157118"/>
-            <a:chOff x="770677" y="1094410"/>
-            <a:chExt cx="5636451" cy="1157118"/>
-          </a:xfrm>
-        </p:grpSpPr>
-        <p:grpSp>
-          <p:nvGrpSpPr>
-            <p:cNvPr id="3" name="Gruppieren 2">
-              <a:extLst>
-                <a:ext uri="{FF2B5EF4-FFF2-40B4-BE49-F238E27FC236}">
-                  <a16:creationId xmlns:a16="http://schemas.microsoft.com/office/drawing/2014/main" id="{02274DFD-D428-4FFB-8FF7-EF48DC66903A}"/>
-                </a:ext>
-              </a:extLst>
-            </p:cNvPr>
-            <p:cNvGrpSpPr/>
-            <p:nvPr/>
-          </p:nvGrpSpPr>
-          <p:grpSpPr>
-            <a:xfrm>
-              <a:off x="2197325" y="1096399"/>
-              <a:ext cx="1065212" cy="1155129"/>
-              <a:chOff x="5270500" y="2073211"/>
-              <a:chExt cx="1065212" cy="1155129"/>
-            </a:xfrm>
-          </p:grpSpPr>
-          <p:pic>
-            <p:nvPicPr>
-              <p:cNvPr id="4" name="Picture 6" descr="data science pipeline">
-                <a:extLst>
-                  <a:ext uri="{FF2B5EF4-FFF2-40B4-BE49-F238E27FC236}">
-                    <a16:creationId xmlns:a16="http://schemas.microsoft.com/office/drawing/2014/main" id="{A085D28B-82EE-457C-A0F3-B16E76A4F71C}"/>
-                  </a:ext>
-                </a:extLst>
-              </p:cNvPr>
-              <p:cNvPicPr>
-                <a:picLocks noChangeAspect="1" noChangeArrowheads="1"/>
-              </p:cNvPicPr>
-              <p:nvPr/>
-            </p:nvPicPr>
-            <p:blipFill rotWithShape="1">
-              <a:blip r:embed="rId2">
-                <a:extLst>
-                  <a:ext uri="{28A0092B-C50C-407E-A947-70E740481C1C}">
-                    <a14:useLocalDpi xmlns:a14="http://schemas.microsoft.com/office/drawing/2010/main" val="0"/>
-                  </a:ext>
-                </a:extLst>
-              </a:blip>
-              <a:srcRect l="44362" t="1600" r="43735" b="24706"/>
-              <a:stretch/>
-            </p:blipFill>
-            <p:spPr bwMode="auto">
-              <a:xfrm>
-                <a:off x="5270500" y="2073211"/>
-                <a:ext cx="1065212" cy="936160"/>
-              </a:xfrm>
-              <a:prstGeom prst="roundRect">
-                <a:avLst/>
-              </a:prstGeom>
-              <a:noFill/>
-              <a:extLst>
-                <a:ext uri="{909E8E84-426E-40DD-AFC4-6F175D3DCCD1}">
-                  <a14:hiddenFill xmlns:a14="http://schemas.microsoft.com/office/drawing/2010/main">
-                    <a:solidFill>
-                      <a:srgbClr val="FFFFFF"/>
-                    </a:solidFill>
-                  </a14:hiddenFill>
-                </a:ext>
-              </a:extLst>
-            </p:spPr>
-          </p:pic>
-          <p:sp>
-            <p:nvSpPr>
-              <p:cNvPr id="5" name="Rechteck 4">
-                <a:extLst>
-                  <a:ext uri="{FF2B5EF4-FFF2-40B4-BE49-F238E27FC236}">
-                    <a16:creationId xmlns:a16="http://schemas.microsoft.com/office/drawing/2014/main" id="{2A473B50-44AE-463E-98A8-ADAE3EC4F43A}"/>
-                  </a:ext>
-                </a:extLst>
-              </p:cNvPr>
-              <p:cNvSpPr/>
-              <p:nvPr/>
-            </p:nvSpPr>
-            <p:spPr>
-              <a:xfrm>
-                <a:off x="5323681" y="3007382"/>
-                <a:ext cx="931070" cy="220958"/>
-              </a:xfrm>
-              <a:prstGeom prst="rect">
-                <a:avLst/>
-              </a:prstGeom>
-            </p:spPr>
-            <p:txBody>
-              <a:bodyPr wrap="square" lIns="0" tIns="0" rIns="0" bIns="0" anchor="ctr" anchorCtr="1">
-                <a:noAutofit/>
-              </a:bodyPr>
-              <a:lstStyle/>
-              <a:p>
-                <a:pPr algn="r"/>
-                <a:r>
-                  <a:rPr lang="de-DE" sz="1000" dirty="0" err="1">
-                    <a:latin typeface="Roboto"/>
-                  </a:rPr>
-                  <a:t>Explore</a:t>
-                </a:r>
-                <a:r>
-                  <a:rPr lang="de-DE" sz="1000" dirty="0">
-                    <a:latin typeface="Roboto"/>
-                  </a:rPr>
-                  <a:t> &amp; </a:t>
-                </a:r>
-                <a:r>
-                  <a:rPr lang="de-DE" sz="1000" dirty="0" err="1">
-                    <a:latin typeface="Roboto"/>
-                  </a:rPr>
-                  <a:t>Prep</a:t>
-                </a:r>
-                <a:endParaRPr lang="de-DE" sz="1000" b="0" dirty="0">
-                  <a:effectLst/>
-                  <a:latin typeface="Roboto"/>
-                </a:endParaRPr>
-              </a:p>
-            </p:txBody>
-          </p:sp>
-        </p:grpSp>
-        <p:grpSp>
-          <p:nvGrpSpPr>
-            <p:cNvPr id="6" name="Gruppieren 5">
-              <a:extLst>
-                <a:ext uri="{FF2B5EF4-FFF2-40B4-BE49-F238E27FC236}">
-                  <a16:creationId xmlns:a16="http://schemas.microsoft.com/office/drawing/2014/main" id="{45685A8E-046B-4F84-8B65-F805C1AB3CA3}"/>
-                </a:ext>
-              </a:extLst>
-            </p:cNvPr>
-            <p:cNvGrpSpPr/>
-            <p:nvPr/>
-          </p:nvGrpSpPr>
-          <p:grpSpPr>
-            <a:xfrm>
-              <a:off x="770677" y="1094410"/>
-              <a:ext cx="1065212" cy="1157118"/>
-              <a:chOff x="4025900" y="2090272"/>
-              <a:chExt cx="1065212" cy="1157118"/>
-            </a:xfrm>
-          </p:grpSpPr>
-          <p:pic>
-            <p:nvPicPr>
-              <p:cNvPr id="7" name="Picture 6" descr="data science pipeline">
-                <a:extLst>
-                  <a:ext uri="{FF2B5EF4-FFF2-40B4-BE49-F238E27FC236}">
-                    <a16:creationId xmlns:a16="http://schemas.microsoft.com/office/drawing/2014/main" id="{43D42104-B247-4E28-89B7-6DB4908531F8}"/>
-                  </a:ext>
-                </a:extLst>
-              </p:cNvPr>
-              <p:cNvPicPr>
-                <a:picLocks noChangeAspect="1" noChangeArrowheads="1"/>
-              </p:cNvPicPr>
-              <p:nvPr/>
-            </p:nvPicPr>
-            <p:blipFill rotWithShape="1">
-              <a:blip r:embed="rId2">
-                <a:extLst>
-                  <a:ext uri="{28A0092B-C50C-407E-A947-70E740481C1C}">
-                    <a14:useLocalDpi xmlns:a14="http://schemas.microsoft.com/office/drawing/2010/main" val="0"/>
-                  </a:ext>
-                </a:extLst>
-              </a:blip>
-              <a:srcRect l="22337" t="-1" r="65760" b="26307"/>
-              <a:stretch/>
-            </p:blipFill>
-            <p:spPr bwMode="auto">
-              <a:xfrm>
-                <a:off x="4025900" y="2090272"/>
-                <a:ext cx="1065212" cy="936160"/>
-              </a:xfrm>
-              <a:prstGeom prst="roundRect">
-                <a:avLst/>
-              </a:prstGeom>
-              <a:noFill/>
-              <a:extLst>
-                <a:ext uri="{909E8E84-426E-40DD-AFC4-6F175D3DCCD1}">
-                  <a14:hiddenFill xmlns:a14="http://schemas.microsoft.com/office/drawing/2010/main">
-                    <a:solidFill>
-                      <a:srgbClr val="FFFFFF"/>
-                    </a:solidFill>
-                  </a14:hiddenFill>
-                </a:ext>
-              </a:extLst>
-            </p:spPr>
-          </p:pic>
-          <p:sp>
-            <p:nvSpPr>
-              <p:cNvPr id="8" name="Rechteck 7">
-                <a:extLst>
-                  <a:ext uri="{FF2B5EF4-FFF2-40B4-BE49-F238E27FC236}">
-                    <a16:creationId xmlns:a16="http://schemas.microsoft.com/office/drawing/2014/main" id="{28D69931-E445-4587-8C33-3EC70D4F79F0}"/>
-                  </a:ext>
-                </a:extLst>
-              </p:cNvPr>
-              <p:cNvSpPr/>
-              <p:nvPr/>
-            </p:nvSpPr>
-            <p:spPr>
-              <a:xfrm>
-                <a:off x="4046418" y="3026432"/>
-                <a:ext cx="1024177" cy="220958"/>
-              </a:xfrm>
-              <a:prstGeom prst="rect">
-                <a:avLst/>
-              </a:prstGeom>
-            </p:spPr>
-            <p:txBody>
-              <a:bodyPr wrap="square" lIns="0" tIns="0" rIns="0" bIns="0" anchor="ctr" anchorCtr="1">
-                <a:noAutofit/>
-              </a:bodyPr>
-              <a:lstStyle/>
-              <a:p>
-                <a:pPr algn="r">
-                  <a:lnSpc>
-                    <a:spcPts val="1800"/>
-                  </a:lnSpc>
-                </a:pPr>
-                <a:r>
-                  <a:rPr lang="de-DE" sz="1000" dirty="0">
-                    <a:latin typeface="Roboto"/>
-                  </a:rPr>
-                  <a:t>Wrangel &amp; Clean</a:t>
-                </a:r>
-              </a:p>
-            </p:txBody>
-          </p:sp>
-        </p:grpSp>
-        <p:grpSp>
-          <p:nvGrpSpPr>
-            <p:cNvPr id="9" name="Gruppieren 8">
-              <a:extLst>
-                <a:ext uri="{FF2B5EF4-FFF2-40B4-BE49-F238E27FC236}">
-                  <a16:creationId xmlns:a16="http://schemas.microsoft.com/office/drawing/2014/main" id="{5966D202-7E72-4073-8D6C-1481F9311BBE}"/>
-                </a:ext>
-              </a:extLst>
-            </p:cNvPr>
-            <p:cNvGrpSpPr/>
-            <p:nvPr/>
-          </p:nvGrpSpPr>
-          <p:grpSpPr>
-            <a:xfrm>
-              <a:off x="3769620" y="1097769"/>
-              <a:ext cx="1065212" cy="1153759"/>
-              <a:chOff x="6428740" y="2034541"/>
-              <a:chExt cx="1065212" cy="1153759"/>
-            </a:xfrm>
-          </p:grpSpPr>
-          <p:pic>
-            <p:nvPicPr>
-              <p:cNvPr id="10" name="Picture 6" descr="Flexible Data Modeling - Data Model Icon Png PNG Image | Transparent PNG  Free Download on SeekPNG">
-                <a:extLst>
-                  <a:ext uri="{FF2B5EF4-FFF2-40B4-BE49-F238E27FC236}">
-                    <a16:creationId xmlns:a16="http://schemas.microsoft.com/office/drawing/2014/main" id="{F7F857ED-5118-4C2E-86F8-F3EBF9C78A01}"/>
-                  </a:ext>
-                </a:extLst>
-              </p:cNvPr>
-              <p:cNvPicPr>
-                <a:picLocks noChangeAspect="1" noChangeArrowheads="1"/>
-              </p:cNvPicPr>
-              <p:nvPr/>
-            </p:nvPicPr>
-            <p:blipFill rotWithShape="1">
-              <a:blip r:embed="rId3">
-                <a:extLst>
-                  <a:ext uri="{28A0092B-C50C-407E-A947-70E740481C1C}">
-                    <a14:useLocalDpi xmlns:a14="http://schemas.microsoft.com/office/drawing/2010/main" val="0"/>
-                  </a:ext>
-                </a:extLst>
-              </a:blip>
-              <a:srcRect l="16466" t="2666" r="18236" b="4486"/>
-              <a:stretch/>
-            </p:blipFill>
-            <p:spPr bwMode="auto">
-              <a:xfrm>
-                <a:off x="6428740" y="2034541"/>
-                <a:ext cx="1065212" cy="932801"/>
-              </a:xfrm>
-              <a:prstGeom prst="flowChartAlternateProcess">
-                <a:avLst/>
-              </a:prstGeom>
-              <a:noFill/>
-              <a:extLst>
-                <a:ext uri="{909E8E84-426E-40DD-AFC4-6F175D3DCCD1}">
-                  <a14:hiddenFill xmlns:a14="http://schemas.microsoft.com/office/drawing/2010/main">
-                    <a:solidFill>
-                      <a:srgbClr val="FFFFFF"/>
-                    </a:solidFill>
-                  </a14:hiddenFill>
-                </a:ext>
-              </a:extLst>
-            </p:spPr>
-          </p:pic>
-          <p:sp>
-            <p:nvSpPr>
-              <p:cNvPr id="11" name="Rechteck 10">
-                <a:extLst>
-                  <a:ext uri="{FF2B5EF4-FFF2-40B4-BE49-F238E27FC236}">
-                    <a16:creationId xmlns:a16="http://schemas.microsoft.com/office/drawing/2014/main" id="{697F2255-5091-4635-9FC0-53EA20F043E8}"/>
-                  </a:ext>
-                </a:extLst>
-              </p:cNvPr>
-              <p:cNvSpPr/>
-              <p:nvPr/>
-            </p:nvSpPr>
-            <p:spPr>
-              <a:xfrm>
-                <a:off x="6495811" y="2967342"/>
-                <a:ext cx="931070" cy="220958"/>
-              </a:xfrm>
-              <a:prstGeom prst="rect">
-                <a:avLst/>
-              </a:prstGeom>
-            </p:spPr>
-            <p:txBody>
-              <a:bodyPr wrap="square" lIns="0" tIns="0" rIns="0" bIns="0" anchor="ctr" anchorCtr="1">
-                <a:noAutofit/>
-              </a:bodyPr>
-              <a:lstStyle/>
-              <a:p>
-                <a:pPr algn="r"/>
-                <a:r>
-                  <a:rPr lang="de-DE" sz="1000" dirty="0">
-                    <a:latin typeface="Roboto"/>
-                  </a:rPr>
-                  <a:t>Modelling</a:t>
-                </a:r>
-                <a:endParaRPr lang="de-DE" sz="1000" b="0" dirty="0">
-                  <a:effectLst/>
-                  <a:latin typeface="Roboto"/>
-                </a:endParaRPr>
-              </a:p>
-            </p:txBody>
-          </p:sp>
-        </p:grpSp>
-        <p:grpSp>
-          <p:nvGrpSpPr>
-            <p:cNvPr id="12" name="Gruppieren 11">
-              <a:extLst>
-                <a:ext uri="{FF2B5EF4-FFF2-40B4-BE49-F238E27FC236}">
-                  <a16:creationId xmlns:a16="http://schemas.microsoft.com/office/drawing/2014/main" id="{34FF6A5C-BD5E-48F1-A78F-F90475970C66}"/>
-                </a:ext>
-              </a:extLst>
-            </p:cNvPr>
-            <p:cNvGrpSpPr/>
-            <p:nvPr/>
-          </p:nvGrpSpPr>
-          <p:grpSpPr>
-            <a:xfrm>
-              <a:off x="5341915" y="1097770"/>
-              <a:ext cx="1065213" cy="1153758"/>
-              <a:chOff x="6294223" y="2542662"/>
-              <a:chExt cx="1065213" cy="1153758"/>
-            </a:xfrm>
-          </p:grpSpPr>
-          <p:pic>
-            <p:nvPicPr>
-              <p:cNvPr id="13" name="Picture 12" descr="Utility Bill Management: Improving data integrity, bill validation | BID">
-                <a:extLst>
-                  <a:ext uri="{FF2B5EF4-FFF2-40B4-BE49-F238E27FC236}">
-                    <a16:creationId xmlns:a16="http://schemas.microsoft.com/office/drawing/2014/main" id="{12B3E74B-2B03-4A8E-A346-F059AB9FFEF5}"/>
-                  </a:ext>
-                </a:extLst>
-              </p:cNvPr>
-              <p:cNvPicPr>
-                <a:picLocks noChangeAspect="1" noChangeArrowheads="1"/>
-              </p:cNvPicPr>
-              <p:nvPr/>
-            </p:nvPicPr>
-            <p:blipFill rotWithShape="1">
-              <a:blip r:embed="rId4">
-                <a:extLst>
-                  <a:ext uri="{28A0092B-C50C-407E-A947-70E740481C1C}">
-                    <a14:useLocalDpi xmlns:a14="http://schemas.microsoft.com/office/drawing/2010/main" val="0"/>
-                  </a:ext>
-                </a:extLst>
-              </a:blip>
-              <a:srcRect l="7396" r="7398"/>
-              <a:stretch/>
-            </p:blipFill>
-            <p:spPr bwMode="auto">
-              <a:xfrm>
-                <a:off x="6294223" y="2542662"/>
-                <a:ext cx="1065213" cy="932800"/>
-              </a:xfrm>
-              <a:prstGeom prst="roundRect">
-                <a:avLst/>
-              </a:prstGeom>
-              <a:noFill/>
-              <a:extLst>
-                <a:ext uri="{909E8E84-426E-40DD-AFC4-6F175D3DCCD1}">
-                  <a14:hiddenFill xmlns:a14="http://schemas.microsoft.com/office/drawing/2010/main">
-                    <a:solidFill>
-                      <a:srgbClr val="FFFFFF"/>
-                    </a:solidFill>
-                  </a14:hiddenFill>
-                </a:ext>
-              </a:extLst>
-            </p:spPr>
-          </p:pic>
-          <p:sp>
-            <p:nvSpPr>
-              <p:cNvPr id="14" name="Rechteck 13">
-                <a:extLst>
-                  <a:ext uri="{FF2B5EF4-FFF2-40B4-BE49-F238E27FC236}">
-                    <a16:creationId xmlns:a16="http://schemas.microsoft.com/office/drawing/2014/main" id="{0DC3C3EA-3241-496D-81BB-6403076A85E8}"/>
-                  </a:ext>
-                </a:extLst>
-              </p:cNvPr>
-              <p:cNvSpPr/>
-              <p:nvPr/>
-            </p:nvSpPr>
-            <p:spPr>
-              <a:xfrm>
-                <a:off x="6361294" y="3475462"/>
-                <a:ext cx="931070" cy="220958"/>
-              </a:xfrm>
-              <a:prstGeom prst="rect">
-                <a:avLst/>
-              </a:prstGeom>
-            </p:spPr>
-            <p:txBody>
-              <a:bodyPr wrap="square" lIns="0" tIns="0" rIns="0" bIns="0" anchor="ctr" anchorCtr="1">
-                <a:noAutofit/>
-              </a:bodyPr>
-              <a:lstStyle/>
-              <a:p>
-                <a:pPr algn="r"/>
-                <a:r>
-                  <a:rPr lang="de-DE" sz="1000" dirty="0">
-                    <a:latin typeface="Roboto"/>
-                  </a:rPr>
-                  <a:t>Validation</a:t>
-                </a:r>
-                <a:endParaRPr lang="de-DE" sz="1000" b="0" dirty="0">
-                  <a:effectLst/>
-                  <a:latin typeface="Roboto"/>
-                </a:endParaRPr>
-              </a:p>
-            </p:txBody>
-          </p:sp>
-        </p:grpSp>
-      </p:grpSp>
     </p:spTree>
     <p:extLst>
       <p:ext uri="{BB962C8B-B14F-4D97-AF65-F5344CB8AC3E}">
         <p14:creationId xmlns:p14="http://schemas.microsoft.com/office/powerpoint/2010/main" val="3689919989"/>
+      </p:ext>
+    </p:extLst>
+  </p:cSld>
+  <p:clrMapOvr>
+    <a:masterClrMapping/>
+  </p:clrMapOvr>
+</p:sld>
+</file>
+
+<file path=ppt/slides/slide12.xml><?xml version="1.0" encoding="utf-8"?>
+<p:sld xmlns:a="http://schemas.openxmlformats.org/drawingml/2006/main" xmlns:r="http://schemas.openxmlformats.org/officeDocument/2006/relationships" xmlns:p="http://schemas.openxmlformats.org/presentationml/2006/main">
+  <p:cSld>
+    <p:spTree>
+      <p:nvGrpSpPr>
+        <p:cNvPr id="1" name=""/>
+        <p:cNvGrpSpPr/>
+        <p:nvPr/>
+      </p:nvGrpSpPr>
+      <p:grpSpPr>
+        <a:xfrm>
+          <a:off x="0" y="0"/>
+          <a:ext cx="0" cy="0"/>
+          <a:chOff x="0" y="0"/>
+          <a:chExt cx="0" cy="0"/>
+        </a:xfrm>
+      </p:grpSpPr>
+      <p:sp>
+        <p:nvSpPr>
+          <p:cNvPr id="3" name="Titel 1">
+            <a:extLst>
+              <a:ext uri="{FF2B5EF4-FFF2-40B4-BE49-F238E27FC236}">
+                <a16:creationId xmlns:a16="http://schemas.microsoft.com/office/drawing/2014/main" id="{7F0DE1B4-88BD-4A2B-9D45-42C6AD3F656C}"/>
+              </a:ext>
+            </a:extLst>
+          </p:cNvPr>
+          <p:cNvSpPr txBox="1">
+            <a:spLocks/>
+          </p:cNvSpPr>
+          <p:nvPr/>
+        </p:nvSpPr>
+        <p:spPr>
+          <a:xfrm>
+            <a:off x="515938" y="225425"/>
+            <a:ext cx="11341100" cy="1223963"/>
+          </a:xfrm>
+          <a:prstGeom prst="rect">
+            <a:avLst/>
+          </a:prstGeom>
+        </p:spPr>
+        <p:txBody>
+          <a:bodyPr vert="horz" lIns="91440" tIns="45720" rIns="91440" bIns="45720" rtlCol="0" anchor="ctr">
+            <a:normAutofit/>
+          </a:bodyPr>
+          <a:lstStyle>
+            <a:lvl1pPr algn="l" defTabSz="914400" rtl="0" eaLnBrk="1" latinLnBrk="0" hangingPunct="1">
+              <a:lnSpc>
+                <a:spcPct val="90000"/>
+              </a:lnSpc>
+              <a:spcBef>
+                <a:spcPct val="0"/>
+              </a:spcBef>
+              <a:buNone/>
+              <a:defRPr sz="4400" kern="1200">
+                <a:solidFill>
+                  <a:schemeClr val="tx1"/>
+                </a:solidFill>
+                <a:latin typeface="+mj-lt"/>
+                <a:ea typeface="+mj-ea"/>
+                <a:cs typeface="+mj-cs"/>
+              </a:defRPr>
+            </a:lvl1pPr>
+          </a:lstStyle>
+          <a:p>
+            <a:r>
+              <a:rPr lang="en-US" sz="4000" b="1" dirty="0">
+                <a:solidFill>
+                  <a:schemeClr val="accent1">
+                    <a:lumMod val="75000"/>
+                  </a:schemeClr>
+                </a:solidFill>
+              </a:rPr>
+              <a:t>Testing of our pipe and model </a:t>
+            </a:r>
+          </a:p>
+          <a:p>
+            <a:r>
+              <a:rPr lang="en-US" sz="4000" b="1" dirty="0">
+                <a:solidFill>
+                  <a:schemeClr val="accent1">
+                    <a:lumMod val="75000"/>
+                  </a:schemeClr>
+                </a:solidFill>
+              </a:rPr>
+              <a:t>with a different data set (source: Kaggle).</a:t>
+            </a:r>
+            <a:endParaRPr lang="en-US" sz="3900" b="1" dirty="0">
+              <a:solidFill>
+                <a:schemeClr val="accent1">
+                  <a:lumMod val="75000"/>
+                </a:schemeClr>
+              </a:solidFill>
+            </a:endParaRPr>
+          </a:p>
+        </p:txBody>
+      </p:sp>
+      <p:sp>
+        <p:nvSpPr>
+          <p:cNvPr id="10" name="Rechteck: abgerundete Ecken 9">
+            <a:extLst>
+              <a:ext uri="{FF2B5EF4-FFF2-40B4-BE49-F238E27FC236}">
+                <a16:creationId xmlns:a16="http://schemas.microsoft.com/office/drawing/2014/main" id="{904FDF20-02D6-4DD7-89F0-759FDA09FA07}"/>
+              </a:ext>
+            </a:extLst>
+          </p:cNvPr>
+          <p:cNvSpPr/>
+          <p:nvPr/>
+        </p:nvSpPr>
+        <p:spPr>
+          <a:xfrm>
+            <a:off x="515938" y="1725244"/>
+            <a:ext cx="11341100" cy="4835894"/>
+          </a:xfrm>
+          <a:prstGeom prst="roundRect">
+            <a:avLst>
+              <a:gd name="adj" fmla="val 1538"/>
+            </a:avLst>
+          </a:prstGeom>
+          <a:solidFill>
+            <a:schemeClr val="bg1">
+              <a:alpha val="50000"/>
+            </a:schemeClr>
+          </a:solidFill>
+        </p:spPr>
+        <p:style>
+          <a:lnRef idx="2">
+            <a:schemeClr val="accent1">
+              <a:shade val="50000"/>
+            </a:schemeClr>
+          </a:lnRef>
+          <a:fillRef idx="1">
+            <a:schemeClr val="accent1"/>
+          </a:fillRef>
+          <a:effectRef idx="0">
+            <a:schemeClr val="accent1"/>
+          </a:effectRef>
+          <a:fontRef idx="minor">
+            <a:schemeClr val="lt1"/>
+          </a:fontRef>
+        </p:style>
+        <p:txBody>
+          <a:bodyPr rot="0" spcFirstLastPara="0" vertOverflow="overflow" horzOverflow="overflow" vert="horz" wrap="square" lIns="91440" tIns="504000" rIns="91440" bIns="45720" numCol="1" spcCol="0" rtlCol="0" fromWordArt="0" anchor="t" anchorCtr="0" forceAA="0" compatLnSpc="1">
+            <a:prstTxWarp prst="textNoShape">
+              <a:avLst/>
+            </a:prstTxWarp>
+            <a:noAutofit/>
+          </a:bodyPr>
+          <a:lstStyle/>
+          <a:p>
+            <a:pPr marL="74612"/>
+            <a:endParaRPr lang="de-DE" dirty="0">
+              <a:solidFill>
+                <a:schemeClr val="tx1"/>
+              </a:solidFill>
+            </a:endParaRPr>
+          </a:p>
+        </p:txBody>
+      </p:sp>
+      <p:sp>
+        <p:nvSpPr>
+          <p:cNvPr id="11" name="Rechteck: abgerundete Ecken 10">
+            <a:extLst>
+              <a:ext uri="{FF2B5EF4-FFF2-40B4-BE49-F238E27FC236}">
+                <a16:creationId xmlns:a16="http://schemas.microsoft.com/office/drawing/2014/main" id="{ABD645B4-C0E2-42CD-B67E-3B41CECD89B2}"/>
+              </a:ext>
+            </a:extLst>
+          </p:cNvPr>
+          <p:cNvSpPr/>
+          <p:nvPr/>
+        </p:nvSpPr>
+        <p:spPr>
+          <a:xfrm>
+            <a:off x="515938" y="1725244"/>
+            <a:ext cx="11341100" cy="400110"/>
+          </a:xfrm>
+          <a:prstGeom prst="roundRect">
+            <a:avLst/>
+          </a:prstGeom>
+          <a:solidFill>
+            <a:schemeClr val="accent1">
+              <a:lumMod val="75000"/>
+            </a:schemeClr>
+          </a:solidFill>
+          <a:ln>
+            <a:noFill/>
+          </a:ln>
+        </p:spPr>
+        <p:txBody>
+          <a:bodyPr wrap="square" lIns="180000" tIns="0" rIns="0" bIns="0" rtlCol="0" anchor="ctr" anchorCtr="0">
+            <a:noAutofit/>
+          </a:bodyPr>
+          <a:lstStyle/>
+          <a:p>
+            <a:pPr algn="ctr"/>
+            <a:r>
+              <a:rPr lang="en-US" sz="2000" b="1" dirty="0">
+                <a:solidFill>
+                  <a:schemeClr val="bg1"/>
+                </a:solidFill>
+              </a:rPr>
+              <a:t>Final result: ROC curves with test-AUC</a:t>
+            </a:r>
+          </a:p>
+        </p:txBody>
+      </p:sp>
+      <p:pic>
+        <p:nvPicPr>
+          <p:cNvPr id="5" name="Grafik 4">
+            <a:extLst>
+              <a:ext uri="{FF2B5EF4-FFF2-40B4-BE49-F238E27FC236}">
+                <a16:creationId xmlns:a16="http://schemas.microsoft.com/office/drawing/2014/main" id="{6E8DBF8B-847A-4C25-9FF9-BECE0CC967F7}"/>
+              </a:ext>
+            </a:extLst>
+          </p:cNvPr>
+          <p:cNvPicPr>
+            <a:picLocks noChangeAspect="1"/>
+          </p:cNvPicPr>
+          <p:nvPr/>
+        </p:nvPicPr>
+        <p:blipFill>
+          <a:blip r:embed="rId3">
+            <a:extLst>
+              <a:ext uri="{28A0092B-C50C-407E-A947-70E740481C1C}">
+                <a14:useLocalDpi xmlns:a14="http://schemas.microsoft.com/office/drawing/2010/main" val="0"/>
+              </a:ext>
+            </a:extLst>
+          </a:blip>
+          <a:stretch>
+            <a:fillRect/>
+          </a:stretch>
+        </p:blipFill>
+        <p:spPr>
+          <a:xfrm>
+            <a:off x="699255" y="2414355"/>
+            <a:ext cx="8156387" cy="3817298"/>
+          </a:xfrm>
+          <a:prstGeom prst="rect">
+            <a:avLst/>
+          </a:prstGeom>
+        </p:spPr>
+      </p:pic>
+      <p:pic>
+        <p:nvPicPr>
+          <p:cNvPr id="12" name="Grafik 11">
+            <a:extLst>
+              <a:ext uri="{FF2B5EF4-FFF2-40B4-BE49-F238E27FC236}">
+                <a16:creationId xmlns:a16="http://schemas.microsoft.com/office/drawing/2014/main" id="{9FB9E608-28B4-4D09-9ED2-F5F840EF930D}"/>
+              </a:ext>
+            </a:extLst>
+          </p:cNvPr>
+          <p:cNvPicPr>
+            <a:picLocks noChangeAspect="1"/>
+          </p:cNvPicPr>
+          <p:nvPr/>
+        </p:nvPicPr>
+        <p:blipFill>
+          <a:blip r:embed="rId4">
+            <a:extLst>
+              <a:ext uri="{28A0092B-C50C-407E-A947-70E740481C1C}">
+                <a14:useLocalDpi xmlns:a14="http://schemas.microsoft.com/office/drawing/2010/main" val="0"/>
+              </a:ext>
+            </a:extLst>
+          </a:blip>
+          <a:stretch>
+            <a:fillRect/>
+          </a:stretch>
+        </p:blipFill>
+        <p:spPr>
+          <a:xfrm>
+            <a:off x="8999579" y="63502"/>
+            <a:ext cx="3162260" cy="6497636"/>
+          </a:xfrm>
+          <a:prstGeom prst="rect">
+            <a:avLst/>
+          </a:prstGeom>
+        </p:spPr>
+      </p:pic>
+    </p:spTree>
+    <p:extLst>
+      <p:ext uri="{BB962C8B-B14F-4D97-AF65-F5344CB8AC3E}">
+        <p14:creationId xmlns:p14="http://schemas.microsoft.com/office/powerpoint/2010/main" val="2941265381"/>
       </p:ext>
     </p:extLst>
   </p:cSld>
@@ -6486,7 +7389,19 @@
             <a:pPr lvl="1"/>
             <a:r>
               <a:rPr lang="en-US" dirty="0"/>
-              <a:t>Vectorized word counting (</a:t>
+              <a:t>Numeric feature list from text at MNB, </a:t>
+            </a:r>
+            <a:r>
+              <a:rPr lang="en-US" dirty="0" err="1"/>
+              <a:t>LogReg</a:t>
+            </a:r>
+            <a:endParaRPr lang="en-US" dirty="0"/>
+          </a:p>
+          <a:p>
+            <a:pPr lvl="1"/>
+            <a:r>
+              <a:rPr lang="en-US" dirty="0"/>
+              <a:t>Vectorized word count at </a:t>
             </a:r>
             <a:r>
               <a:rPr lang="en-US" dirty="0" err="1"/>
@@ -6494,42 +7409,20 @@
             </a:r>
             <a:r>
               <a:rPr lang="en-US" dirty="0"/>
-              <a:t>, MNB, Bernoulli)</a:t>
+              <a:t>, MNB</a:t>
             </a:r>
           </a:p>
           <a:p>
             <a:pPr lvl="1"/>
             <a:r>
               <a:rPr lang="en-US" dirty="0"/>
-              <a:t>TFIDF &amp; NER with Loc &amp; </a:t>
-            </a:r>
-            <a:r>
-              <a:rPr lang="en-US" dirty="0" err="1"/>
-              <a:t>Gpe</a:t>
-            </a:r>
-            <a:r>
-              <a:rPr lang="en-US" dirty="0"/>
-              <a:t> data</a:t>
-            </a:r>
-          </a:p>
-          <a:p>
-            <a:pPr lvl="1"/>
-            <a:r>
-              <a:rPr lang="en-US" dirty="0"/>
-              <a:t>Extended feature list deduced of detailing textural analysis</a:t>
+              <a:t>Vectorized NER (LOC, GPE) at TFIDF, MNB</a:t>
             </a:r>
           </a:p>
           <a:p>
             <a:r>
               <a:rPr lang="en-US" dirty="0"/>
               <a:t>Trial of model</a:t>
-            </a:r>
-          </a:p>
-          <a:p>
-            <a:pPr lvl="1"/>
-            <a:r>
-              <a:rPr lang="en-US" dirty="0"/>
-              <a:t>Exemplary …</a:t>
             </a:r>
           </a:p>
           <a:p>
@@ -7218,23 +8111,7 @@
                   <a:schemeClr val="bg1"/>
                 </a:solidFill>
               </a:rPr>
-              <a:t>in Target </a:t>
-            </a:r>
-            <a:r>
-              <a:rPr lang="en-US" sz="2000" b="1" dirty="0" err="1">
-                <a:solidFill>
-                  <a:schemeClr val="bg1"/>
-                </a:solidFill>
-              </a:rPr>
-              <a:t>cout</a:t>
-            </a:r>
-            <a:r>
-              <a:rPr lang="en-US" sz="2000" b="1" dirty="0">
-                <a:solidFill>
-                  <a:schemeClr val="bg1"/>
-                </a:solidFill>
-              </a:rPr>
-              <a:t> in dataset</a:t>
+              <a:t>in Target count in dataset</a:t>
             </a:r>
           </a:p>
         </p:txBody>
@@ -7365,10 +8242,10 @@
       </p:grpSpPr>
       <p:grpSp>
         <p:nvGrpSpPr>
-          <p:cNvPr id="3" name="Gruppieren 2">
-            <a:extLst>
-              <a:ext uri="{FF2B5EF4-FFF2-40B4-BE49-F238E27FC236}">
-                <a16:creationId xmlns:a16="http://schemas.microsoft.com/office/drawing/2014/main" id="{2F6712CC-5FB7-4CA7-9853-384B41C432DE}"/>
+          <p:cNvPr id="11" name="Gruppieren 10">
+            <a:extLst>
+              <a:ext uri="{FF2B5EF4-FFF2-40B4-BE49-F238E27FC236}">
+                <a16:creationId xmlns:a16="http://schemas.microsoft.com/office/drawing/2014/main" id="{45F18A65-1095-4F04-85B7-E1E440000690}"/>
               </a:ext>
             </a:extLst>
           </p:cNvPr>
@@ -7377,18 +8254,63 @@
         </p:nvGrpSpPr>
         <p:grpSpPr>
           <a:xfrm>
-            <a:off x="515938" y="2283537"/>
-            <a:ext cx="4816458" cy="2512392"/>
-            <a:chOff x="515939" y="1881188"/>
-            <a:chExt cx="4816458" cy="2512392"/>
+            <a:off x="550128" y="3802138"/>
+            <a:ext cx="1065212" cy="1155129"/>
+            <a:chOff x="5270500" y="2073211"/>
+            <a:chExt cx="1065212" cy="1155129"/>
           </a:xfrm>
         </p:grpSpPr>
+        <p:pic>
+          <p:nvPicPr>
+            <p:cNvPr id="12" name="Picture 6" descr="data science pipeline">
+              <a:extLst>
+                <a:ext uri="{FF2B5EF4-FFF2-40B4-BE49-F238E27FC236}">
+                  <a16:creationId xmlns:a16="http://schemas.microsoft.com/office/drawing/2014/main" id="{0EB033C5-65A5-4ED7-AB5A-5D40A6EF2229}"/>
+                </a:ext>
+              </a:extLst>
+            </p:cNvPr>
+            <p:cNvPicPr>
+              <a:picLocks noChangeAspect="1" noChangeArrowheads="1"/>
+            </p:cNvPicPr>
+            <p:nvPr/>
+          </p:nvPicPr>
+          <p:blipFill rotWithShape="1">
+            <a:blip r:embed="rId3">
+              <a:extLst>
+                <a:ext uri="{28A0092B-C50C-407E-A947-70E740481C1C}">
+                  <a14:useLocalDpi xmlns:a14="http://schemas.microsoft.com/office/drawing/2010/main" val="0"/>
+                </a:ext>
+              </a:extLst>
+            </a:blip>
+            <a:srcRect l="44362" t="1600" r="43735" b="24706"/>
+            <a:stretch/>
+          </p:blipFill>
+          <p:spPr bwMode="auto">
+            <a:xfrm>
+              <a:off x="5270500" y="2073211"/>
+              <a:ext cx="1065212" cy="936160"/>
+            </a:xfrm>
+            <a:prstGeom prst="roundRect">
+              <a:avLst/>
+            </a:prstGeom>
+            <a:noFill/>
+            <a:extLst>
+              <a:ext uri="{909E8E84-426E-40DD-AFC4-6F175D3DCCD1}">
+                <a14:hiddenFill xmlns:a14="http://schemas.microsoft.com/office/drawing/2010/main">
+                  <a:solidFill>
+                    <a:srgbClr val="FFFFFF"/>
+                  </a:solidFill>
+                </a14:hiddenFill>
+              </a:ext>
+            </a:extLst>
+          </p:spPr>
+        </p:pic>
         <p:sp>
           <p:nvSpPr>
-            <p:cNvPr id="5" name="Rechteck: abgerundete Ecken 4">
+            <p:cNvPr id="13" name="Rechteck 12">
               <a:extLst>
                 <a:ext uri="{FF2B5EF4-FFF2-40B4-BE49-F238E27FC236}">
-                  <a16:creationId xmlns:a16="http://schemas.microsoft.com/office/drawing/2014/main" id="{21C2A999-E6D0-4C52-BCE1-9D1F652AA625}"/>
+                  <a16:creationId xmlns:a16="http://schemas.microsoft.com/office/drawing/2014/main" id="{AE116330-8134-41FE-80C6-3921BF5BC636}"/>
                 </a:ext>
               </a:extLst>
             </p:cNvPr>
@@ -7397,331 +8319,50 @@
           </p:nvSpPr>
           <p:spPr>
             <a:xfrm>
-              <a:off x="515939" y="1881189"/>
-              <a:ext cx="4816458" cy="2512391"/>
+              <a:off x="5323681" y="3007382"/>
+              <a:ext cx="931070" cy="220958"/>
             </a:xfrm>
-            <a:prstGeom prst="roundRect">
-              <a:avLst>
-                <a:gd name="adj" fmla="val 1538"/>
-              </a:avLst>
+            <a:prstGeom prst="rect">
+              <a:avLst/>
             </a:prstGeom>
-            <a:solidFill>
-              <a:schemeClr val="bg1">
-                <a:alpha val="50000"/>
-              </a:schemeClr>
-            </a:solidFill>
           </p:spPr>
-          <p:style>
-            <a:lnRef idx="2">
-              <a:schemeClr val="accent1">
-                <a:shade val="50000"/>
-              </a:schemeClr>
-            </a:lnRef>
-            <a:fillRef idx="1">
-              <a:schemeClr val="accent1"/>
-            </a:fillRef>
-            <a:effectRef idx="0">
-              <a:schemeClr val="accent1"/>
-            </a:effectRef>
-            <a:fontRef idx="minor">
-              <a:schemeClr val="lt1"/>
-            </a:fontRef>
-          </p:style>
           <p:txBody>
-            <a:bodyPr rot="0" spcFirstLastPara="0" vertOverflow="overflow" horzOverflow="overflow" vert="horz" wrap="square" lIns="91440" tIns="504000" rIns="91440" bIns="45720" numCol="1" spcCol="0" rtlCol="0" fromWordArt="0" anchor="t" anchorCtr="0" forceAA="0" compatLnSpc="1">
-              <a:prstTxWarp prst="textNoShape">
-                <a:avLst/>
-              </a:prstTxWarp>
+            <a:bodyPr wrap="square" lIns="0" tIns="0" rIns="0" bIns="0" anchor="ctr" anchorCtr="1">
               <a:noAutofit/>
             </a:bodyPr>
             <a:lstStyle/>
             <a:p>
-              <a:pPr marL="74612"/>
-              <a:endParaRPr lang="de-DE" dirty="0">
-                <a:solidFill>
-                  <a:schemeClr val="tx1"/>
-                </a:solidFill>
+              <a:pPr algn="r"/>
+              <a:r>
+                <a:rPr lang="de-DE" sz="1000" dirty="0" err="1">
+                  <a:latin typeface="Roboto"/>
+                </a:rPr>
+                <a:t>Explore</a:t>
+              </a:r>
+              <a:endParaRPr lang="de-DE" sz="1000" b="0" dirty="0">
+                <a:effectLst/>
+                <a:latin typeface="Roboto"/>
               </a:endParaRPr>
             </a:p>
           </p:txBody>
         </p:sp>
-        <p:sp>
-          <p:nvSpPr>
-            <p:cNvPr id="6" name="Textfeld 5">
-              <a:extLst>
-                <a:ext uri="{FF2B5EF4-FFF2-40B4-BE49-F238E27FC236}">
-                  <a16:creationId xmlns:a16="http://schemas.microsoft.com/office/drawing/2014/main" id="{9302F4A0-74C9-43E0-BF61-7C4839B2F26D}"/>
-                </a:ext>
-              </a:extLst>
-            </p:cNvPr>
-            <p:cNvSpPr txBox="1"/>
-            <p:nvPr/>
-          </p:nvSpPr>
-          <p:spPr>
-            <a:xfrm>
-              <a:off x="810257" y="2425152"/>
-              <a:ext cx="4310383" cy="1754326"/>
-            </a:xfrm>
-            <a:prstGeom prst="rect">
-              <a:avLst/>
-            </a:prstGeom>
-            <a:noFill/>
-          </p:spPr>
-          <p:txBody>
-            <a:bodyPr wrap="square" rtlCol="0">
-              <a:spAutoFit/>
-            </a:bodyPr>
-            <a:lstStyle/>
-            <a:p>
-              <a:r>
-                <a:rPr lang="en-US" dirty="0"/>
-                <a:t>Note</a:t>
-              </a:r>
-            </a:p>
-            <a:p>
-              <a:pPr marL="285750" indent="-195263">
-                <a:buFont typeface="Wingdings" panose="05000000000000000000" pitchFamily="2" charset="2"/>
-                <a:buChar char="§"/>
-              </a:pPr>
-              <a:r>
-                <a:rPr lang="en-US" dirty="0"/>
-                <a:t>Data Cleaning &amp; feature </a:t>
-              </a:r>
-              <a:r>
-                <a:rPr lang="en-US" dirty="0" err="1"/>
-                <a:t>extention</a:t>
-              </a:r>
-              <a:endParaRPr lang="en-US" dirty="0"/>
-            </a:p>
-            <a:p>
-              <a:pPr marL="285750" indent="-195263">
-                <a:buFont typeface="Wingdings" panose="05000000000000000000" pitchFamily="2" charset="2"/>
-                <a:buChar char="§"/>
-              </a:pPr>
-              <a:endParaRPr lang="en-US" dirty="0"/>
-            </a:p>
-            <a:p>
-              <a:pPr marL="285750" indent="-195263">
-                <a:buFont typeface="Wingdings" panose="05000000000000000000" pitchFamily="2" charset="2"/>
-                <a:buChar char="§"/>
-              </a:pPr>
-              <a:r>
-                <a:rPr lang="en-US" dirty="0"/>
-                <a:t>Bag of Word</a:t>
-              </a:r>
-            </a:p>
-            <a:p>
-              <a:pPr marL="285750" indent="-195263">
-                <a:buFont typeface="Wingdings" panose="05000000000000000000" pitchFamily="2" charset="2"/>
-                <a:buChar char="§"/>
-              </a:pPr>
-              <a:r>
-                <a:rPr lang="en-US" dirty="0" err="1"/>
-                <a:t>Tfidf</a:t>
-              </a:r>
-              <a:r>
-                <a:rPr lang="en-US" dirty="0"/>
-                <a:t>, </a:t>
-              </a:r>
-              <a:r>
-                <a:rPr lang="en-US" dirty="0" err="1"/>
-                <a:t>Multinominal</a:t>
-              </a:r>
-              <a:r>
-                <a:rPr lang="en-US" dirty="0"/>
-                <a:t> NB</a:t>
-              </a:r>
-            </a:p>
-            <a:p>
-              <a:pPr marL="285750" indent="-195263">
-                <a:buFont typeface="Wingdings" panose="05000000000000000000" pitchFamily="2" charset="2"/>
-                <a:buChar char="§"/>
-              </a:pPr>
-              <a:r>
-                <a:rPr lang="en-US" dirty="0"/>
-                <a:t>Linear </a:t>
-              </a:r>
-              <a:r>
-                <a:rPr lang="en-US" dirty="0" err="1"/>
-                <a:t>Regession</a:t>
-              </a:r>
-              <a:endParaRPr lang="en-US" dirty="0"/>
-            </a:p>
-          </p:txBody>
-        </p:sp>
-        <p:sp>
-          <p:nvSpPr>
-            <p:cNvPr id="7" name="Rechteck: abgerundete Ecken 6">
-              <a:extLst>
-                <a:ext uri="{FF2B5EF4-FFF2-40B4-BE49-F238E27FC236}">
-                  <a16:creationId xmlns:a16="http://schemas.microsoft.com/office/drawing/2014/main" id="{D769FE8E-3A78-4CD2-83A1-748EC6B7D46E}"/>
-                </a:ext>
-              </a:extLst>
-            </p:cNvPr>
-            <p:cNvSpPr/>
-            <p:nvPr/>
-          </p:nvSpPr>
-          <p:spPr>
-            <a:xfrm>
-              <a:off x="515939" y="1881188"/>
-              <a:ext cx="4816458" cy="400110"/>
-            </a:xfrm>
-            <a:prstGeom prst="roundRect">
-              <a:avLst/>
-            </a:prstGeom>
-            <a:solidFill>
-              <a:schemeClr val="accent1">
-                <a:lumMod val="75000"/>
-              </a:schemeClr>
-            </a:solidFill>
-            <a:ln>
-              <a:noFill/>
-            </a:ln>
-          </p:spPr>
-          <p:txBody>
-            <a:bodyPr wrap="square" lIns="180000" tIns="0" rIns="0" bIns="0" rtlCol="0" anchor="ctr" anchorCtr="0">
-              <a:noAutofit/>
-            </a:bodyPr>
-            <a:lstStyle/>
-            <a:p>
-              <a:pPr algn="ctr"/>
-              <a:r>
-                <a:rPr lang="en-US" sz="2000" b="1" dirty="0">
-                  <a:solidFill>
-                    <a:schemeClr val="bg1"/>
-                  </a:solidFill>
-                </a:rPr>
-                <a:t>Data Cleaning</a:t>
-              </a:r>
-            </a:p>
-          </p:txBody>
-        </p:sp>
       </p:grpSp>
       <p:sp>
         <p:nvSpPr>
-          <p:cNvPr id="8" name="Rechteck: abgerundete Ecken 7">
-            <a:extLst>
-              <a:ext uri="{FF2B5EF4-FFF2-40B4-BE49-F238E27FC236}">
-                <a16:creationId xmlns:a16="http://schemas.microsoft.com/office/drawing/2014/main" id="{713A2DBB-4409-4394-9946-88FBD408B324}"/>
-              </a:ext>
-            </a:extLst>
-          </p:cNvPr>
-          <p:cNvSpPr/>
+          <p:cNvPr id="27" name="Textfeld 26">
+            <a:extLst>
+              <a:ext uri="{FF2B5EF4-FFF2-40B4-BE49-F238E27FC236}">
+                <a16:creationId xmlns:a16="http://schemas.microsoft.com/office/drawing/2014/main" id="{7B77DE58-6A44-4FF1-9480-7D90C24B2BEA}"/>
+              </a:ext>
+            </a:extLst>
+          </p:cNvPr>
+          <p:cNvSpPr txBox="1"/>
           <p:nvPr/>
         </p:nvSpPr>
         <p:spPr>
           <a:xfrm>
-            <a:off x="6398858" y="1952626"/>
-            <a:ext cx="4816458" cy="4679950"/>
-          </a:xfrm>
-          <a:prstGeom prst="roundRect">
-            <a:avLst>
-              <a:gd name="adj" fmla="val 1538"/>
-            </a:avLst>
-          </a:prstGeom>
-          <a:solidFill>
-            <a:schemeClr val="bg1">
-              <a:alpha val="50000"/>
-            </a:schemeClr>
-          </a:solidFill>
-        </p:spPr>
-        <p:style>
-          <a:lnRef idx="2">
-            <a:schemeClr val="accent1">
-              <a:shade val="50000"/>
-            </a:schemeClr>
-          </a:lnRef>
-          <a:fillRef idx="1">
-            <a:schemeClr val="accent1"/>
-          </a:fillRef>
-          <a:effectRef idx="0">
-            <a:schemeClr val="accent1"/>
-          </a:effectRef>
-          <a:fontRef idx="minor">
-            <a:schemeClr val="lt1"/>
-          </a:fontRef>
-        </p:style>
-        <p:txBody>
-          <a:bodyPr rot="0" spcFirstLastPara="0" vertOverflow="overflow" horzOverflow="overflow" vert="horz" wrap="square" lIns="91440" tIns="504000" rIns="91440" bIns="45720" numCol="1" spcCol="0" rtlCol="0" fromWordArt="0" anchor="t" anchorCtr="0" forceAA="0" compatLnSpc="1">
-            <a:prstTxWarp prst="textNoShape">
-              <a:avLst/>
-            </a:prstTxWarp>
-            <a:noAutofit/>
-          </a:bodyPr>
-          <a:lstStyle/>
-          <a:p>
-            <a:pPr marL="74612"/>
-            <a:endParaRPr lang="de-DE" dirty="0">
-              <a:solidFill>
-                <a:schemeClr val="tx1"/>
-              </a:solidFill>
-            </a:endParaRPr>
-          </a:p>
-        </p:txBody>
-      </p:sp>
-      <p:sp>
-        <p:nvSpPr>
-          <p:cNvPr id="9" name="Rechteck: abgerundete Ecken 8">
-            <a:extLst>
-              <a:ext uri="{FF2B5EF4-FFF2-40B4-BE49-F238E27FC236}">
-                <a16:creationId xmlns:a16="http://schemas.microsoft.com/office/drawing/2014/main" id="{55C952CA-E5A1-4FB6-ABA4-1673F36C471A}"/>
-              </a:ext>
-            </a:extLst>
-          </p:cNvPr>
-          <p:cNvSpPr/>
-          <p:nvPr/>
-        </p:nvSpPr>
-        <p:spPr>
-          <a:xfrm>
-            <a:off x="6398858" y="1952625"/>
-            <a:ext cx="4816458" cy="400110"/>
-          </a:xfrm>
-          <a:prstGeom prst="roundRect">
-            <a:avLst/>
-          </a:prstGeom>
-          <a:solidFill>
-            <a:schemeClr val="accent1">
-              <a:lumMod val="75000"/>
-            </a:schemeClr>
-          </a:solidFill>
-          <a:ln>
-            <a:noFill/>
-          </a:ln>
-        </p:spPr>
-        <p:txBody>
-          <a:bodyPr wrap="square" lIns="180000" tIns="0" rIns="0" bIns="0" rtlCol="0" anchor="ctr" anchorCtr="0">
-            <a:noAutofit/>
-          </a:bodyPr>
-          <a:lstStyle/>
-          <a:p>
-            <a:pPr algn="ctr"/>
-            <a:r>
-              <a:rPr lang="en-US" sz="2000" b="1" dirty="0">
-                <a:solidFill>
-                  <a:schemeClr val="bg1"/>
-                </a:solidFill>
-              </a:rPr>
-              <a:t>Data Cleaning</a:t>
-            </a:r>
-          </a:p>
-        </p:txBody>
-      </p:sp>
-      <p:sp>
-        <p:nvSpPr>
-          <p:cNvPr id="10" name="Textfeld 9">
-            <a:extLst>
-              <a:ext uri="{FF2B5EF4-FFF2-40B4-BE49-F238E27FC236}">
-                <a16:creationId xmlns:a16="http://schemas.microsoft.com/office/drawing/2014/main" id="{6CCA9A9F-3D80-48A2-B3A2-8C00AB935BC4}"/>
-              </a:ext>
-            </a:extLst>
-          </p:cNvPr>
-          <p:cNvSpPr txBox="1"/>
-          <p:nvPr/>
-        </p:nvSpPr>
-        <p:spPr>
-          <a:xfrm>
-            <a:off x="6651895" y="2582045"/>
-            <a:ext cx="4310383" cy="3693319"/>
+            <a:off x="3704030" y="4728439"/>
+            <a:ext cx="1296098" cy="738664"/>
           </a:xfrm>
           <a:prstGeom prst="rect">
             <a:avLst/>
@@ -7734,213 +8375,48 @@
           </a:bodyPr>
           <a:lstStyle/>
           <a:p>
-            <a:r>
-              <a:rPr lang="de-DE" dirty="0" err="1"/>
-              <a:t>Sklearn</a:t>
-            </a:r>
-            <a:r>
-              <a:rPr lang="de-DE" dirty="0"/>
-              <a:t> </a:t>
-            </a:r>
-            <a:r>
-              <a:rPr lang="de-DE" dirty="0" err="1"/>
-              <a:t>pipeline</a:t>
-            </a:r>
-            <a:r>
-              <a:rPr lang="de-DE" dirty="0"/>
-              <a:t> Models</a:t>
-            </a:r>
-            <a:endParaRPr lang="en-US" dirty="0"/>
-          </a:p>
-          <a:p>
-            <a:pPr marL="285750" indent="-195263">
-              <a:buFont typeface="Wingdings" panose="05000000000000000000" pitchFamily="2" charset="2"/>
-              <a:buChar char="§"/>
-            </a:pPr>
-            <a:r>
-              <a:rPr lang="en-US" dirty="0"/>
-              <a:t>…</a:t>
-            </a:r>
-          </a:p>
-          <a:p>
-            <a:pPr marL="285750" indent="-195263">
-              <a:buFont typeface="Wingdings" panose="05000000000000000000" pitchFamily="2" charset="2"/>
-              <a:buChar char="§"/>
-            </a:pPr>
-            <a:r>
-              <a:rPr lang="de-DE" dirty="0" err="1"/>
-              <a:t>cross_val_score</a:t>
-            </a:r>
-            <a:endParaRPr lang="de-DE" dirty="0"/>
-          </a:p>
-          <a:p>
-            <a:pPr marL="285750" indent="-195263">
-              <a:buFont typeface="Wingdings" panose="05000000000000000000" pitchFamily="2" charset="2"/>
-              <a:buChar char="§"/>
-            </a:pPr>
-            <a:r>
-              <a:rPr lang="de-DE" dirty="0" err="1"/>
-              <a:t>accuracy_score</a:t>
-            </a:r>
-            <a:r>
-              <a:rPr lang="de-DE" dirty="0"/>
-              <a:t>, r2_score, </a:t>
-            </a:r>
-            <a:r>
-              <a:rPr lang="de-DE" dirty="0" err="1"/>
-              <a:t>plot_confusion_matrix</a:t>
-            </a:r>
-            <a:r>
-              <a:rPr lang="de-DE" dirty="0"/>
-              <a:t>, </a:t>
-            </a:r>
-            <a:r>
-              <a:rPr lang="de-DE" dirty="0" err="1"/>
-              <a:t>roc_auc_score</a:t>
-            </a:r>
-            <a:r>
-              <a:rPr lang="de-DE" dirty="0"/>
-              <a:t>, </a:t>
-            </a:r>
-            <a:r>
-              <a:rPr lang="de-DE" dirty="0" err="1"/>
-              <a:t>roc_curve</a:t>
-            </a:r>
-            <a:endParaRPr lang="de-DE" dirty="0"/>
-          </a:p>
-          <a:p>
-            <a:pPr marL="285750" indent="-195263">
-              <a:buFont typeface="Wingdings" panose="05000000000000000000" pitchFamily="2" charset="2"/>
-              <a:buChar char="§"/>
-            </a:pPr>
-            <a:r>
-              <a:rPr lang="de-DE" dirty="0"/>
-              <a:t>…</a:t>
-            </a:r>
-          </a:p>
-          <a:p>
-            <a:pPr marL="285750" indent="-195263">
-              <a:buFont typeface="Wingdings" panose="05000000000000000000" pitchFamily="2" charset="2"/>
-              <a:buChar char="§"/>
-            </a:pPr>
-            <a:r>
-              <a:rPr lang="de-DE" dirty="0" err="1"/>
-              <a:t>LogisticRegression</a:t>
-            </a:r>
-            <a:endParaRPr lang="de-DE" dirty="0"/>
-          </a:p>
-          <a:p>
-            <a:pPr marL="285750" indent="-195263">
-              <a:buFont typeface="Wingdings" panose="05000000000000000000" pitchFamily="2" charset="2"/>
-              <a:buChar char="§"/>
-            </a:pPr>
-            <a:r>
-              <a:rPr lang="de-DE" dirty="0" err="1"/>
-              <a:t>metrics</a:t>
-            </a:r>
-            <a:endParaRPr lang="de-DE" dirty="0"/>
-          </a:p>
-          <a:p>
-            <a:pPr marL="742950" lvl="1" indent="-195263">
-              <a:buFont typeface="Wingdings" panose="05000000000000000000" pitchFamily="2" charset="2"/>
-              <a:buChar char="§"/>
-            </a:pPr>
-            <a:r>
-              <a:rPr lang="de-DE" dirty="0" err="1"/>
-              <a:t>CategoricalNB</a:t>
-            </a:r>
-            <a:endParaRPr lang="de-DE" dirty="0"/>
-          </a:p>
-          <a:p>
-            <a:pPr marL="742950" lvl="1" indent="-195263">
-              <a:buFont typeface="Wingdings" panose="05000000000000000000" pitchFamily="2" charset="2"/>
-              <a:buChar char="§"/>
-            </a:pPr>
-            <a:r>
-              <a:rPr lang="de-DE" dirty="0" err="1"/>
-              <a:t>MultinomialNB</a:t>
-            </a:r>
-            <a:r>
-              <a:rPr lang="de-DE" dirty="0"/>
-              <a:t>, </a:t>
-            </a:r>
-            <a:r>
-              <a:rPr lang="de-DE" dirty="0" err="1"/>
-              <a:t>BernoulliNB</a:t>
-            </a:r>
-            <a:endParaRPr lang="de-DE" dirty="0"/>
-          </a:p>
-          <a:p>
-            <a:pPr marL="285750" indent="-195263">
-              <a:buFont typeface="Wingdings" panose="05000000000000000000" pitchFamily="2" charset="2"/>
-              <a:buChar char="§"/>
-            </a:pPr>
-            <a:r>
-              <a:rPr lang="de-DE" dirty="0" err="1"/>
-              <a:t>feature_extraction.text</a:t>
-            </a:r>
-            <a:r>
-              <a:rPr lang="de-DE" dirty="0"/>
-              <a:t> </a:t>
-            </a:r>
-          </a:p>
-          <a:p>
-            <a:pPr marL="742950" lvl="1" indent="-195263">
-              <a:buFont typeface="Wingdings" panose="05000000000000000000" pitchFamily="2" charset="2"/>
-              <a:buChar char="§"/>
-            </a:pPr>
-            <a:r>
-              <a:rPr lang="de-DE" dirty="0" err="1"/>
-              <a:t>CountVectorizer</a:t>
-            </a:r>
-            <a:r>
-              <a:rPr lang="de-DE" dirty="0"/>
-              <a:t>, </a:t>
-            </a:r>
-            <a:r>
-              <a:rPr lang="de-DE" dirty="0" err="1"/>
-              <a:t>TfidfVectorizer</a:t>
-            </a:r>
-            <a:endParaRPr lang="de-DE" dirty="0"/>
-          </a:p>
-          <a:p>
-            <a:pPr marL="285750" indent="-195263">
-              <a:buFont typeface="Wingdings" panose="05000000000000000000" pitchFamily="2" charset="2"/>
-              <a:buChar char="§"/>
-            </a:pPr>
-            <a:r>
-              <a:rPr lang="en-US" dirty="0"/>
-              <a:t>…</a:t>
+            <a:pPr marL="90487"/>
+            <a:r>
+              <a:rPr lang="en-US" sz="1400" b="1" dirty="0">
+                <a:solidFill>
+                  <a:schemeClr val="accent1">
+                    <a:lumMod val="75000"/>
+                  </a:schemeClr>
+                </a:solidFill>
+              </a:rPr>
+              <a:t>manually calculated features</a:t>
             </a:r>
           </a:p>
         </p:txBody>
       </p:sp>
       <p:grpSp>
         <p:nvGrpSpPr>
-          <p:cNvPr id="2" name="Gruppieren 1">
-            <a:extLst>
-              <a:ext uri="{FF2B5EF4-FFF2-40B4-BE49-F238E27FC236}">
-                <a16:creationId xmlns:a16="http://schemas.microsoft.com/office/drawing/2014/main" id="{387C9027-A0D4-4B37-B680-17B970ACCDE5}"/>
-              </a:ext>
-            </a:extLst>
-          </p:cNvPr>
-          <p:cNvGrpSpPr/>
+          <p:cNvPr id="5" name="Gruppieren 4">
+            <a:extLst>
+              <a:ext uri="{FF2B5EF4-FFF2-40B4-BE49-F238E27FC236}">
+                <a16:creationId xmlns:a16="http://schemas.microsoft.com/office/drawing/2014/main" id="{51AED60E-FC28-4421-9420-C8F1FA08F1E7}"/>
+              </a:ext>
+            </a:extLst>
+          </p:cNvPr>
+          <p:cNvGrpSpPr>
+            <a:grpSpLocks noChangeAspect="1"/>
+          </p:cNvGrpSpPr>
           <p:nvPr/>
         </p:nvGrpSpPr>
         <p:grpSpPr>
           <a:xfrm>
-            <a:off x="744949" y="379037"/>
-            <a:ext cx="8062137" cy="1228316"/>
-            <a:chOff x="1264165" y="2483040"/>
-            <a:chExt cx="8062137" cy="1228316"/>
+            <a:off x="6292334" y="2564626"/>
+            <a:ext cx="1153931" cy="3710895"/>
+            <a:chOff x="4301146" y="2152680"/>
+            <a:chExt cx="1396256" cy="4490182"/>
           </a:xfrm>
         </p:grpSpPr>
         <p:grpSp>
           <p:nvGrpSpPr>
-            <p:cNvPr id="11" name="Gruppieren 10">
+            <p:cNvPr id="4" name="Gruppieren 3">
               <a:extLst>
                 <a:ext uri="{FF2B5EF4-FFF2-40B4-BE49-F238E27FC236}">
-                  <a16:creationId xmlns:a16="http://schemas.microsoft.com/office/drawing/2014/main" id="{45F18A65-1095-4F04-85B7-E1E440000690}"/>
+                  <a16:creationId xmlns:a16="http://schemas.microsoft.com/office/drawing/2014/main" id="{5A396C10-7BCB-4593-B8AB-912D4FD5E22C}"/>
                 </a:ext>
               </a:extLst>
             </p:cNvPr>
@@ -7949,18 +8425,125 @@
           </p:nvGrpSpPr>
           <p:grpSpPr>
             <a:xfrm>
-              <a:off x="2690813" y="2488835"/>
-              <a:ext cx="1065212" cy="1155129"/>
-              <a:chOff x="5270500" y="2073211"/>
-              <a:chExt cx="1065212" cy="1155129"/>
+              <a:off x="4301146" y="2152680"/>
+              <a:ext cx="1396256" cy="1391311"/>
+              <a:chOff x="3832927" y="2351858"/>
+              <a:chExt cx="1396256" cy="1391311"/>
             </a:xfrm>
           </p:grpSpPr>
+          <p:grpSp>
+            <p:nvGrpSpPr>
+              <p:cNvPr id="17" name="Gruppieren 16">
+                <a:extLst>
+                  <a:ext uri="{FF2B5EF4-FFF2-40B4-BE49-F238E27FC236}">
+                    <a16:creationId xmlns:a16="http://schemas.microsoft.com/office/drawing/2014/main" id="{24073CC3-4A38-4E60-9652-46708590948D}"/>
+                  </a:ext>
+                </a:extLst>
+              </p:cNvPr>
+              <p:cNvGrpSpPr/>
+              <p:nvPr/>
+            </p:nvGrpSpPr>
+            <p:grpSpPr>
+              <a:xfrm>
+                <a:off x="3832927" y="2589410"/>
+                <a:ext cx="1065212" cy="1153759"/>
+                <a:chOff x="6428740" y="2034541"/>
+                <a:chExt cx="1065212" cy="1153759"/>
+              </a:xfrm>
+            </p:grpSpPr>
+            <p:pic>
+              <p:nvPicPr>
+                <p:cNvPr id="18" name="Picture 6" descr="Flexible Data Modeling - Data Model Icon Png PNG Image | Transparent PNG  Free Download on SeekPNG">
+                  <a:extLst>
+                    <a:ext uri="{FF2B5EF4-FFF2-40B4-BE49-F238E27FC236}">
+                      <a16:creationId xmlns:a16="http://schemas.microsoft.com/office/drawing/2014/main" id="{4BA907C8-A151-4DF1-8FBB-E3758245454B}"/>
+                    </a:ext>
+                  </a:extLst>
+                </p:cNvPr>
+                <p:cNvPicPr>
+                  <a:picLocks noChangeAspect="1" noChangeArrowheads="1"/>
+                </p:cNvPicPr>
+                <p:nvPr/>
+              </p:nvPicPr>
+              <p:blipFill rotWithShape="1">
+                <a:blip r:embed="rId4">
+                  <a:extLst>
+                    <a:ext uri="{28A0092B-C50C-407E-A947-70E740481C1C}">
+                      <a14:useLocalDpi xmlns:a14="http://schemas.microsoft.com/office/drawing/2010/main" val="0"/>
+                    </a:ext>
+                  </a:extLst>
+                </a:blip>
+                <a:srcRect l="16466" t="2666" r="18236" b="4486"/>
+                <a:stretch/>
+              </p:blipFill>
+              <p:spPr bwMode="auto">
+                <a:xfrm>
+                  <a:off x="6428740" y="2034541"/>
+                  <a:ext cx="1065212" cy="932801"/>
+                </a:xfrm>
+                <a:prstGeom prst="flowChartAlternateProcess">
+                  <a:avLst/>
+                </a:prstGeom>
+                <a:noFill/>
+                <a:extLst>
+                  <a:ext uri="{909E8E84-426E-40DD-AFC4-6F175D3DCCD1}">
+                    <a14:hiddenFill xmlns:a14="http://schemas.microsoft.com/office/drawing/2010/main">
+                      <a:solidFill>
+                        <a:srgbClr val="FFFFFF"/>
+                      </a:solidFill>
+                    </a14:hiddenFill>
+                  </a:ext>
+                </a:extLst>
+              </p:spPr>
+            </p:pic>
+            <p:sp>
+              <p:nvSpPr>
+                <p:cNvPr id="19" name="Rechteck 18">
+                  <a:extLst>
+                    <a:ext uri="{FF2B5EF4-FFF2-40B4-BE49-F238E27FC236}">
+                      <a16:creationId xmlns:a16="http://schemas.microsoft.com/office/drawing/2014/main" id="{BEE32CB8-5D49-437E-9AB2-FD75241C0931}"/>
+                    </a:ext>
+                  </a:extLst>
+                </p:cNvPr>
+                <p:cNvSpPr/>
+                <p:nvPr/>
+              </p:nvSpPr>
+              <p:spPr>
+                <a:xfrm>
+                  <a:off x="6495811" y="2967342"/>
+                  <a:ext cx="931070" cy="220958"/>
+                </a:xfrm>
+                <a:prstGeom prst="rect">
+                  <a:avLst/>
+                </a:prstGeom>
+              </p:spPr>
+              <p:txBody>
+                <a:bodyPr wrap="square" lIns="0" tIns="0" rIns="0" bIns="0" anchor="ctr" anchorCtr="1">
+                  <a:noAutofit/>
+                </a:bodyPr>
+                <a:lstStyle/>
+                <a:p>
+                  <a:pPr algn="r"/>
+                  <a:r>
+                    <a:rPr lang="de-DE" sz="1000" dirty="0">
+                      <a:latin typeface="Roboto"/>
+                    </a:rPr>
+                    <a:t>Modelling</a:t>
+                  </a:r>
+                  <a:endParaRPr lang="de-DE" sz="1000" b="0" dirty="0">
+                    <a:effectLst/>
+                    <a:latin typeface="Roboto"/>
+                  </a:endParaRPr>
+                </a:p>
+              </p:txBody>
+            </p:sp>
+          </p:grpSp>
           <p:pic>
             <p:nvPicPr>
-              <p:cNvPr id="12" name="Picture 6" descr="data science pipeline">
+              <p:cNvPr id="29" name="Picture 6" descr="Flexible Data Modeling - Data Model Icon Png PNG Image | Transparent PNG  Free Download on SeekPNG">
                 <a:extLst>
                   <a:ext uri="{FF2B5EF4-FFF2-40B4-BE49-F238E27FC236}">
-                    <a16:creationId xmlns:a16="http://schemas.microsoft.com/office/drawing/2014/main" id="{0EB033C5-65A5-4ED7-AB5A-5D40A6EF2229}"/>
+                    <a16:creationId xmlns:a16="http://schemas.microsoft.com/office/drawing/2014/main" id="{629988BB-E9F6-491D-B288-DE25376ED572}"/>
                   </a:ext>
                 </a:extLst>
               </p:cNvPr>
@@ -7970,22 +8553,22 @@
               <p:nvPr/>
             </p:nvPicPr>
             <p:blipFill rotWithShape="1">
-              <a:blip r:embed="rId2">
+              <a:blip r:embed="rId4">
                 <a:extLst>
                   <a:ext uri="{28A0092B-C50C-407E-A947-70E740481C1C}">
                     <a14:useLocalDpi xmlns:a14="http://schemas.microsoft.com/office/drawing/2010/main" val="0"/>
                   </a:ext>
                 </a:extLst>
               </a:blip>
-              <a:srcRect l="44362" t="1600" r="43735" b="24706"/>
+              <a:srcRect l="16466" t="2666" r="18236" b="4486"/>
               <a:stretch/>
             </p:blipFill>
             <p:spPr bwMode="auto">
               <a:xfrm>
-                <a:off x="5270500" y="2073211"/>
-                <a:ext cx="1065212" cy="936160"/>
+                <a:off x="4163971" y="2351858"/>
+                <a:ext cx="1065212" cy="932801"/>
               </a:xfrm>
-              <a:prstGeom prst="roundRect">
+              <a:prstGeom prst="flowChartAlternateProcess">
                 <a:avLst/>
               </a:prstGeom>
               <a:noFill/>
@@ -8000,60 +8583,646 @@
               </a:extLst>
             </p:spPr>
           </p:pic>
-          <p:sp>
-            <p:nvSpPr>
-              <p:cNvPr id="13" name="Rechteck 12">
+          <p:pic>
+            <p:nvPicPr>
+              <p:cNvPr id="31" name="Picture 6" descr="Flexible Data Modeling - Data Model Icon Png PNG Image | Transparent PNG  Free Download on SeekPNG">
                 <a:extLst>
                   <a:ext uri="{FF2B5EF4-FFF2-40B4-BE49-F238E27FC236}">
-                    <a16:creationId xmlns:a16="http://schemas.microsoft.com/office/drawing/2014/main" id="{AE116330-8134-41FE-80C6-3921BF5BC636}"/>
+                    <a16:creationId xmlns:a16="http://schemas.microsoft.com/office/drawing/2014/main" id="{38B77CF7-68EB-4EB2-8062-95786765D2BF}"/>
                   </a:ext>
                 </a:extLst>
               </p:cNvPr>
-              <p:cNvSpPr/>
+              <p:cNvPicPr>
+                <a:picLocks noChangeAspect="1" noChangeArrowheads="1"/>
+              </p:cNvPicPr>
               <p:nvPr/>
-            </p:nvSpPr>
-            <p:spPr>
+            </p:nvPicPr>
+            <p:blipFill rotWithShape="1">
+              <a:blip r:embed="rId4">
+                <a:extLst>
+                  <a:ext uri="{28A0092B-C50C-407E-A947-70E740481C1C}">
+                    <a14:useLocalDpi xmlns:a14="http://schemas.microsoft.com/office/drawing/2010/main" val="0"/>
+                  </a:ext>
+                </a:extLst>
+              </a:blip>
+              <a:srcRect l="16466" t="2666" r="18236" b="4486"/>
+              <a:stretch/>
+            </p:blipFill>
+            <p:spPr bwMode="auto">
               <a:xfrm>
-                <a:off x="5323681" y="3007382"/>
-                <a:ext cx="931070" cy="220958"/>
+                <a:off x="3998449" y="2470634"/>
+                <a:ext cx="1065212" cy="932801"/>
               </a:xfrm>
-              <a:prstGeom prst="rect">
+              <a:prstGeom prst="flowChartAlternateProcess">
                 <a:avLst/>
               </a:prstGeom>
+              <a:noFill/>
+              <a:extLst>
+                <a:ext uri="{909E8E84-426E-40DD-AFC4-6F175D3DCCD1}">
+                  <a14:hiddenFill xmlns:a14="http://schemas.microsoft.com/office/drawing/2010/main">
+                    <a:solidFill>
+                      <a:srgbClr val="FFFFFF"/>
+                    </a:solidFill>
+                  </a14:hiddenFill>
+                </a:ext>
+              </a:extLst>
             </p:spPr>
-            <p:txBody>
-              <a:bodyPr wrap="square" lIns="0" tIns="0" rIns="0" bIns="0" anchor="ctr" anchorCtr="1">
-                <a:noAutofit/>
-              </a:bodyPr>
-              <a:lstStyle/>
-              <a:p>
-                <a:pPr algn="r"/>
-                <a:r>
-                  <a:rPr lang="de-DE" sz="1000" dirty="0" err="1">
+          </p:pic>
+          <p:pic>
+            <p:nvPicPr>
+              <p:cNvPr id="32" name="Picture 6" descr="Flexible Data Modeling - Data Model Icon Png PNG Image | Transparent PNG  Free Download on SeekPNG">
+                <a:extLst>
+                  <a:ext uri="{FF2B5EF4-FFF2-40B4-BE49-F238E27FC236}">
+                    <a16:creationId xmlns:a16="http://schemas.microsoft.com/office/drawing/2014/main" id="{46C8E61F-8C39-416C-97FB-01345818B032}"/>
+                  </a:ext>
+                </a:extLst>
+              </p:cNvPr>
+              <p:cNvPicPr>
+                <a:picLocks noChangeAspect="1" noChangeArrowheads="1"/>
+              </p:cNvPicPr>
+              <p:nvPr/>
+            </p:nvPicPr>
+            <p:blipFill rotWithShape="1">
+              <a:blip r:embed="rId4">
+                <a:extLst>
+                  <a:ext uri="{28A0092B-C50C-407E-A947-70E740481C1C}">
+                    <a14:useLocalDpi xmlns:a14="http://schemas.microsoft.com/office/drawing/2010/main" val="0"/>
+                  </a:ext>
+                </a:extLst>
+              </a:blip>
+              <a:srcRect l="16466" t="2666" r="18236" b="4486"/>
+              <a:stretch/>
+            </p:blipFill>
+            <p:spPr bwMode="auto">
+              <a:xfrm>
+                <a:off x="3832927" y="2589410"/>
+                <a:ext cx="1065212" cy="932801"/>
+              </a:xfrm>
+              <a:prstGeom prst="flowChartAlternateProcess">
+                <a:avLst/>
+              </a:prstGeom>
+              <a:noFill/>
+              <a:extLst>
+                <a:ext uri="{909E8E84-426E-40DD-AFC4-6F175D3DCCD1}">
+                  <a14:hiddenFill xmlns:a14="http://schemas.microsoft.com/office/drawing/2010/main">
+                    <a:solidFill>
+                      <a:srgbClr val="FFFFFF"/>
+                    </a:solidFill>
+                  </a14:hiddenFill>
+                </a:ext>
+              </a:extLst>
+            </p:spPr>
+          </p:pic>
+        </p:grpSp>
+        <p:grpSp>
+          <p:nvGrpSpPr>
+            <p:cNvPr id="33" name="Gruppieren 32">
+              <a:extLst>
+                <a:ext uri="{FF2B5EF4-FFF2-40B4-BE49-F238E27FC236}">
+                  <a16:creationId xmlns:a16="http://schemas.microsoft.com/office/drawing/2014/main" id="{5B31E41D-4294-48C3-926F-58D3D8FF4A45}"/>
+                </a:ext>
+              </a:extLst>
+            </p:cNvPr>
+            <p:cNvGrpSpPr/>
+            <p:nvPr/>
+          </p:nvGrpSpPr>
+          <p:grpSpPr>
+            <a:xfrm>
+              <a:off x="4301146" y="3702116"/>
+              <a:ext cx="1396256" cy="1391311"/>
+              <a:chOff x="3832927" y="2351858"/>
+              <a:chExt cx="1396256" cy="1391311"/>
+            </a:xfrm>
+          </p:grpSpPr>
+          <p:grpSp>
+            <p:nvGrpSpPr>
+              <p:cNvPr id="34" name="Gruppieren 33">
+                <a:extLst>
+                  <a:ext uri="{FF2B5EF4-FFF2-40B4-BE49-F238E27FC236}">
+                    <a16:creationId xmlns:a16="http://schemas.microsoft.com/office/drawing/2014/main" id="{287AAF09-4295-4B13-AD0D-0B7C49AAE01D}"/>
+                  </a:ext>
+                </a:extLst>
+              </p:cNvPr>
+              <p:cNvGrpSpPr/>
+              <p:nvPr/>
+            </p:nvGrpSpPr>
+            <p:grpSpPr>
+              <a:xfrm>
+                <a:off x="3832927" y="2589410"/>
+                <a:ext cx="1065212" cy="1153759"/>
+                <a:chOff x="6428740" y="2034541"/>
+                <a:chExt cx="1065212" cy="1153759"/>
+              </a:xfrm>
+            </p:grpSpPr>
+            <p:pic>
+              <p:nvPicPr>
+                <p:cNvPr id="38" name="Picture 6" descr="Flexible Data Modeling - Data Model Icon Png PNG Image | Transparent PNG  Free Download on SeekPNG">
+                  <a:extLst>
+                    <a:ext uri="{FF2B5EF4-FFF2-40B4-BE49-F238E27FC236}">
+                      <a16:creationId xmlns:a16="http://schemas.microsoft.com/office/drawing/2014/main" id="{9A573177-212B-4061-B5B6-0F9F9C669473}"/>
+                    </a:ext>
+                  </a:extLst>
+                </p:cNvPr>
+                <p:cNvPicPr>
+                  <a:picLocks noChangeAspect="1" noChangeArrowheads="1"/>
+                </p:cNvPicPr>
+                <p:nvPr/>
+              </p:nvPicPr>
+              <p:blipFill rotWithShape="1">
+                <a:blip r:embed="rId4">
+                  <a:extLst>
+                    <a:ext uri="{28A0092B-C50C-407E-A947-70E740481C1C}">
+                      <a14:useLocalDpi xmlns:a14="http://schemas.microsoft.com/office/drawing/2010/main" val="0"/>
+                    </a:ext>
+                  </a:extLst>
+                </a:blip>
+                <a:srcRect l="16466" t="2666" r="18236" b="4486"/>
+                <a:stretch/>
+              </p:blipFill>
+              <p:spPr bwMode="auto">
+                <a:xfrm>
+                  <a:off x="6428740" y="2034541"/>
+                  <a:ext cx="1065212" cy="932801"/>
+                </a:xfrm>
+                <a:prstGeom prst="flowChartAlternateProcess">
+                  <a:avLst/>
+                </a:prstGeom>
+                <a:noFill/>
+                <a:extLst>
+                  <a:ext uri="{909E8E84-426E-40DD-AFC4-6F175D3DCCD1}">
+                    <a14:hiddenFill xmlns:a14="http://schemas.microsoft.com/office/drawing/2010/main">
+                      <a:solidFill>
+                        <a:srgbClr val="FFFFFF"/>
+                      </a:solidFill>
+                    </a14:hiddenFill>
+                  </a:ext>
+                </a:extLst>
+              </p:spPr>
+            </p:pic>
+            <p:sp>
+              <p:nvSpPr>
+                <p:cNvPr id="39" name="Rechteck 38">
+                  <a:extLst>
+                    <a:ext uri="{FF2B5EF4-FFF2-40B4-BE49-F238E27FC236}">
+                      <a16:creationId xmlns:a16="http://schemas.microsoft.com/office/drawing/2014/main" id="{A25F28E0-ED71-45E7-876E-5C2B6A2E024C}"/>
+                    </a:ext>
+                  </a:extLst>
+                </p:cNvPr>
+                <p:cNvSpPr/>
+                <p:nvPr/>
+              </p:nvSpPr>
+              <p:spPr>
+                <a:xfrm>
+                  <a:off x="6495811" y="2967342"/>
+                  <a:ext cx="931070" cy="220958"/>
+                </a:xfrm>
+                <a:prstGeom prst="rect">
+                  <a:avLst/>
+                </a:prstGeom>
+              </p:spPr>
+              <p:txBody>
+                <a:bodyPr wrap="square" lIns="0" tIns="0" rIns="0" bIns="0" anchor="ctr" anchorCtr="1">
+                  <a:noAutofit/>
+                </a:bodyPr>
+                <a:lstStyle/>
+                <a:p>
+                  <a:pPr algn="r"/>
+                  <a:r>
+                    <a:rPr lang="de-DE" sz="1000" dirty="0">
+                      <a:latin typeface="Roboto"/>
+                    </a:rPr>
+                    <a:t>Modelling</a:t>
+                  </a:r>
+                  <a:endParaRPr lang="de-DE" sz="1000" b="0" dirty="0">
+                    <a:effectLst/>
                     <a:latin typeface="Roboto"/>
-                  </a:rPr>
-                  <a:t>Explore</a:t>
-                </a:r>
-                <a:r>
-                  <a:rPr lang="de-DE" sz="1000" dirty="0">
+                  </a:endParaRPr>
+                </a:p>
+              </p:txBody>
+            </p:sp>
+          </p:grpSp>
+          <p:pic>
+            <p:nvPicPr>
+              <p:cNvPr id="35" name="Picture 6" descr="Flexible Data Modeling - Data Model Icon Png PNG Image | Transparent PNG  Free Download on SeekPNG">
+                <a:extLst>
+                  <a:ext uri="{FF2B5EF4-FFF2-40B4-BE49-F238E27FC236}">
+                    <a16:creationId xmlns:a16="http://schemas.microsoft.com/office/drawing/2014/main" id="{ED4539A3-56B5-4156-9B8A-32B384CAD5C8}"/>
+                  </a:ext>
+                </a:extLst>
+              </p:cNvPr>
+              <p:cNvPicPr>
+                <a:picLocks noChangeAspect="1" noChangeArrowheads="1"/>
+              </p:cNvPicPr>
+              <p:nvPr/>
+            </p:nvPicPr>
+            <p:blipFill rotWithShape="1">
+              <a:blip r:embed="rId4">
+                <a:extLst>
+                  <a:ext uri="{28A0092B-C50C-407E-A947-70E740481C1C}">
+                    <a14:useLocalDpi xmlns:a14="http://schemas.microsoft.com/office/drawing/2010/main" val="0"/>
+                  </a:ext>
+                </a:extLst>
+              </a:blip>
+              <a:srcRect l="16466" t="2666" r="18236" b="4486"/>
+              <a:stretch/>
+            </p:blipFill>
+            <p:spPr bwMode="auto">
+              <a:xfrm>
+                <a:off x="4163971" y="2351858"/>
+                <a:ext cx="1065212" cy="932801"/>
+              </a:xfrm>
+              <a:prstGeom prst="flowChartAlternateProcess">
+                <a:avLst/>
+              </a:prstGeom>
+              <a:noFill/>
+              <a:extLst>
+                <a:ext uri="{909E8E84-426E-40DD-AFC4-6F175D3DCCD1}">
+                  <a14:hiddenFill xmlns:a14="http://schemas.microsoft.com/office/drawing/2010/main">
+                    <a:solidFill>
+                      <a:srgbClr val="FFFFFF"/>
+                    </a:solidFill>
+                  </a14:hiddenFill>
+                </a:ext>
+              </a:extLst>
+            </p:spPr>
+          </p:pic>
+          <p:pic>
+            <p:nvPicPr>
+              <p:cNvPr id="36" name="Picture 6" descr="Flexible Data Modeling - Data Model Icon Png PNG Image | Transparent PNG  Free Download on SeekPNG">
+                <a:extLst>
+                  <a:ext uri="{FF2B5EF4-FFF2-40B4-BE49-F238E27FC236}">
+                    <a16:creationId xmlns:a16="http://schemas.microsoft.com/office/drawing/2014/main" id="{0F621934-79B0-42BA-8C4E-E12E4582B853}"/>
+                  </a:ext>
+                </a:extLst>
+              </p:cNvPr>
+              <p:cNvPicPr>
+                <a:picLocks noChangeAspect="1" noChangeArrowheads="1"/>
+              </p:cNvPicPr>
+              <p:nvPr/>
+            </p:nvPicPr>
+            <p:blipFill rotWithShape="1">
+              <a:blip r:embed="rId4">
+                <a:extLst>
+                  <a:ext uri="{28A0092B-C50C-407E-A947-70E740481C1C}">
+                    <a14:useLocalDpi xmlns:a14="http://schemas.microsoft.com/office/drawing/2010/main" val="0"/>
+                  </a:ext>
+                </a:extLst>
+              </a:blip>
+              <a:srcRect l="16466" t="2666" r="18236" b="4486"/>
+              <a:stretch/>
+            </p:blipFill>
+            <p:spPr bwMode="auto">
+              <a:xfrm>
+                <a:off x="3998449" y="2470634"/>
+                <a:ext cx="1065212" cy="932801"/>
+              </a:xfrm>
+              <a:prstGeom prst="flowChartAlternateProcess">
+                <a:avLst/>
+              </a:prstGeom>
+              <a:noFill/>
+              <a:extLst>
+                <a:ext uri="{909E8E84-426E-40DD-AFC4-6F175D3DCCD1}">
+                  <a14:hiddenFill xmlns:a14="http://schemas.microsoft.com/office/drawing/2010/main">
+                    <a:solidFill>
+                      <a:srgbClr val="FFFFFF"/>
+                    </a:solidFill>
+                  </a14:hiddenFill>
+                </a:ext>
+              </a:extLst>
+            </p:spPr>
+          </p:pic>
+          <p:pic>
+            <p:nvPicPr>
+              <p:cNvPr id="37" name="Picture 6" descr="Flexible Data Modeling - Data Model Icon Png PNG Image | Transparent PNG  Free Download on SeekPNG">
+                <a:extLst>
+                  <a:ext uri="{FF2B5EF4-FFF2-40B4-BE49-F238E27FC236}">
+                    <a16:creationId xmlns:a16="http://schemas.microsoft.com/office/drawing/2014/main" id="{07E45FF1-4272-41E6-A14A-DFF969057A93}"/>
+                  </a:ext>
+                </a:extLst>
+              </p:cNvPr>
+              <p:cNvPicPr>
+                <a:picLocks noChangeAspect="1" noChangeArrowheads="1"/>
+              </p:cNvPicPr>
+              <p:nvPr/>
+            </p:nvPicPr>
+            <p:blipFill rotWithShape="1">
+              <a:blip r:embed="rId4">
+                <a:extLst>
+                  <a:ext uri="{28A0092B-C50C-407E-A947-70E740481C1C}">
+                    <a14:useLocalDpi xmlns:a14="http://schemas.microsoft.com/office/drawing/2010/main" val="0"/>
+                  </a:ext>
+                </a:extLst>
+              </a:blip>
+              <a:srcRect l="16466" t="2666" r="18236" b="4486"/>
+              <a:stretch/>
+            </p:blipFill>
+            <p:spPr bwMode="auto">
+              <a:xfrm>
+                <a:off x="3832927" y="2589410"/>
+                <a:ext cx="1065212" cy="932801"/>
+              </a:xfrm>
+              <a:prstGeom prst="flowChartAlternateProcess">
+                <a:avLst/>
+              </a:prstGeom>
+              <a:noFill/>
+              <a:extLst>
+                <a:ext uri="{909E8E84-426E-40DD-AFC4-6F175D3DCCD1}">
+                  <a14:hiddenFill xmlns:a14="http://schemas.microsoft.com/office/drawing/2010/main">
+                    <a:solidFill>
+                      <a:srgbClr val="FFFFFF"/>
+                    </a:solidFill>
+                  </a14:hiddenFill>
+                </a:ext>
+              </a:extLst>
+            </p:spPr>
+          </p:pic>
+        </p:grpSp>
+        <p:grpSp>
+          <p:nvGrpSpPr>
+            <p:cNvPr id="40" name="Gruppieren 39">
+              <a:extLst>
+                <a:ext uri="{FF2B5EF4-FFF2-40B4-BE49-F238E27FC236}">
+                  <a16:creationId xmlns:a16="http://schemas.microsoft.com/office/drawing/2014/main" id="{D87AAD06-030A-4184-8887-CC4AE6618866}"/>
+                </a:ext>
+              </a:extLst>
+            </p:cNvPr>
+            <p:cNvGrpSpPr/>
+            <p:nvPr/>
+          </p:nvGrpSpPr>
+          <p:grpSpPr>
+            <a:xfrm>
+              <a:off x="4301146" y="5251551"/>
+              <a:ext cx="1396256" cy="1391311"/>
+              <a:chOff x="3832927" y="2351858"/>
+              <a:chExt cx="1396256" cy="1391311"/>
+            </a:xfrm>
+          </p:grpSpPr>
+          <p:grpSp>
+            <p:nvGrpSpPr>
+              <p:cNvPr id="41" name="Gruppieren 40">
+                <a:extLst>
+                  <a:ext uri="{FF2B5EF4-FFF2-40B4-BE49-F238E27FC236}">
+                    <a16:creationId xmlns:a16="http://schemas.microsoft.com/office/drawing/2014/main" id="{B828377B-EE1B-4601-99A1-3FBA986ABA2A}"/>
+                  </a:ext>
+                </a:extLst>
+              </p:cNvPr>
+              <p:cNvGrpSpPr/>
+              <p:nvPr/>
+            </p:nvGrpSpPr>
+            <p:grpSpPr>
+              <a:xfrm>
+                <a:off x="3832927" y="2589410"/>
+                <a:ext cx="1065212" cy="1153759"/>
+                <a:chOff x="6428740" y="2034541"/>
+                <a:chExt cx="1065212" cy="1153759"/>
+              </a:xfrm>
+            </p:grpSpPr>
+            <p:pic>
+              <p:nvPicPr>
+                <p:cNvPr id="45" name="Picture 6" descr="Flexible Data Modeling - Data Model Icon Png PNG Image | Transparent PNG  Free Download on SeekPNG">
+                  <a:extLst>
+                    <a:ext uri="{FF2B5EF4-FFF2-40B4-BE49-F238E27FC236}">
+                      <a16:creationId xmlns:a16="http://schemas.microsoft.com/office/drawing/2014/main" id="{D9391256-5374-4001-84F5-A5E9D7A76522}"/>
+                    </a:ext>
+                  </a:extLst>
+                </p:cNvPr>
+                <p:cNvPicPr>
+                  <a:picLocks noChangeAspect="1" noChangeArrowheads="1"/>
+                </p:cNvPicPr>
+                <p:nvPr/>
+              </p:nvPicPr>
+              <p:blipFill rotWithShape="1">
+                <a:blip r:embed="rId4">
+                  <a:extLst>
+                    <a:ext uri="{28A0092B-C50C-407E-A947-70E740481C1C}">
+                      <a14:useLocalDpi xmlns:a14="http://schemas.microsoft.com/office/drawing/2010/main" val="0"/>
+                    </a:ext>
+                  </a:extLst>
+                </a:blip>
+                <a:srcRect l="16466" t="2666" r="18236" b="4486"/>
+                <a:stretch/>
+              </p:blipFill>
+              <p:spPr bwMode="auto">
+                <a:xfrm>
+                  <a:off x="6428740" y="2034541"/>
+                  <a:ext cx="1065212" cy="932801"/>
+                </a:xfrm>
+                <a:prstGeom prst="flowChartAlternateProcess">
+                  <a:avLst/>
+                </a:prstGeom>
+                <a:noFill/>
+                <a:extLst>
+                  <a:ext uri="{909E8E84-426E-40DD-AFC4-6F175D3DCCD1}">
+                    <a14:hiddenFill xmlns:a14="http://schemas.microsoft.com/office/drawing/2010/main">
+                      <a:solidFill>
+                        <a:srgbClr val="FFFFFF"/>
+                      </a:solidFill>
+                    </a14:hiddenFill>
+                  </a:ext>
+                </a:extLst>
+              </p:spPr>
+            </p:pic>
+            <p:sp>
+              <p:nvSpPr>
+                <p:cNvPr id="46" name="Rechteck 45">
+                  <a:extLst>
+                    <a:ext uri="{FF2B5EF4-FFF2-40B4-BE49-F238E27FC236}">
+                      <a16:creationId xmlns:a16="http://schemas.microsoft.com/office/drawing/2014/main" id="{8747A90E-1BE8-4F02-88F3-C79FB50075E5}"/>
+                    </a:ext>
+                  </a:extLst>
+                </p:cNvPr>
+                <p:cNvSpPr/>
+                <p:nvPr/>
+              </p:nvSpPr>
+              <p:spPr>
+                <a:xfrm>
+                  <a:off x="6495811" y="2967342"/>
+                  <a:ext cx="931070" cy="220958"/>
+                </a:xfrm>
+                <a:prstGeom prst="rect">
+                  <a:avLst/>
+                </a:prstGeom>
+              </p:spPr>
+              <p:txBody>
+                <a:bodyPr wrap="square" lIns="0" tIns="0" rIns="0" bIns="0" anchor="ctr" anchorCtr="1">
+                  <a:noAutofit/>
+                </a:bodyPr>
+                <a:lstStyle/>
+                <a:p>
+                  <a:pPr algn="r"/>
+                  <a:r>
+                    <a:rPr lang="de-DE" sz="1000" dirty="0">
+                      <a:latin typeface="Roboto"/>
+                    </a:rPr>
+                    <a:t>Modelling</a:t>
+                  </a:r>
+                  <a:endParaRPr lang="de-DE" sz="1000" b="0" dirty="0">
+                    <a:effectLst/>
                     <a:latin typeface="Roboto"/>
-                  </a:rPr>
-                  <a:t> &amp; </a:t>
-                </a:r>
-                <a:r>
-                  <a:rPr lang="de-DE" sz="1000" dirty="0" err="1">
-                    <a:latin typeface="Roboto"/>
-                  </a:rPr>
-                  <a:t>Prep</a:t>
-                </a:r>
-                <a:endParaRPr lang="de-DE" sz="1000" b="0" dirty="0">
-                  <a:effectLst/>
-                  <a:latin typeface="Roboto"/>
-                </a:endParaRPr>
-              </a:p>
-            </p:txBody>
-          </p:sp>
+                  </a:endParaRPr>
+                </a:p>
+              </p:txBody>
+            </p:sp>
+          </p:grpSp>
+          <p:pic>
+            <p:nvPicPr>
+              <p:cNvPr id="42" name="Picture 6" descr="Flexible Data Modeling - Data Model Icon Png PNG Image | Transparent PNG  Free Download on SeekPNG">
+                <a:extLst>
+                  <a:ext uri="{FF2B5EF4-FFF2-40B4-BE49-F238E27FC236}">
+                    <a16:creationId xmlns:a16="http://schemas.microsoft.com/office/drawing/2014/main" id="{5F2BEF01-B8C9-4376-AD66-7A5759DED49B}"/>
+                  </a:ext>
+                </a:extLst>
+              </p:cNvPr>
+              <p:cNvPicPr>
+                <a:picLocks noChangeAspect="1" noChangeArrowheads="1"/>
+              </p:cNvPicPr>
+              <p:nvPr/>
+            </p:nvPicPr>
+            <p:blipFill rotWithShape="1">
+              <a:blip r:embed="rId4">
+                <a:extLst>
+                  <a:ext uri="{28A0092B-C50C-407E-A947-70E740481C1C}">
+                    <a14:useLocalDpi xmlns:a14="http://schemas.microsoft.com/office/drawing/2010/main" val="0"/>
+                  </a:ext>
+                </a:extLst>
+              </a:blip>
+              <a:srcRect l="16466" t="2666" r="18236" b="4486"/>
+              <a:stretch/>
+            </p:blipFill>
+            <p:spPr bwMode="auto">
+              <a:xfrm>
+                <a:off x="4163971" y="2351858"/>
+                <a:ext cx="1065212" cy="932801"/>
+              </a:xfrm>
+              <a:prstGeom prst="flowChartAlternateProcess">
+                <a:avLst/>
+              </a:prstGeom>
+              <a:noFill/>
+              <a:extLst>
+                <a:ext uri="{909E8E84-426E-40DD-AFC4-6F175D3DCCD1}">
+                  <a14:hiddenFill xmlns:a14="http://schemas.microsoft.com/office/drawing/2010/main">
+                    <a:solidFill>
+                      <a:srgbClr val="FFFFFF"/>
+                    </a:solidFill>
+                  </a14:hiddenFill>
+                </a:ext>
+              </a:extLst>
+            </p:spPr>
+          </p:pic>
+          <p:pic>
+            <p:nvPicPr>
+              <p:cNvPr id="43" name="Picture 6" descr="Flexible Data Modeling - Data Model Icon Png PNG Image | Transparent PNG  Free Download on SeekPNG">
+                <a:extLst>
+                  <a:ext uri="{FF2B5EF4-FFF2-40B4-BE49-F238E27FC236}">
+                    <a16:creationId xmlns:a16="http://schemas.microsoft.com/office/drawing/2014/main" id="{1BFA4757-1CB9-4EDA-9DED-EBB73CEE39F5}"/>
+                  </a:ext>
+                </a:extLst>
+              </p:cNvPr>
+              <p:cNvPicPr>
+                <a:picLocks noChangeAspect="1" noChangeArrowheads="1"/>
+              </p:cNvPicPr>
+              <p:nvPr/>
+            </p:nvPicPr>
+            <p:blipFill rotWithShape="1">
+              <a:blip r:embed="rId4">
+                <a:extLst>
+                  <a:ext uri="{28A0092B-C50C-407E-A947-70E740481C1C}">
+                    <a14:useLocalDpi xmlns:a14="http://schemas.microsoft.com/office/drawing/2010/main" val="0"/>
+                  </a:ext>
+                </a:extLst>
+              </a:blip>
+              <a:srcRect l="16466" t="2666" r="18236" b="4486"/>
+              <a:stretch/>
+            </p:blipFill>
+            <p:spPr bwMode="auto">
+              <a:xfrm>
+                <a:off x="3998449" y="2470634"/>
+                <a:ext cx="1065212" cy="932801"/>
+              </a:xfrm>
+              <a:prstGeom prst="flowChartAlternateProcess">
+                <a:avLst/>
+              </a:prstGeom>
+              <a:noFill/>
+              <a:extLst>
+                <a:ext uri="{909E8E84-426E-40DD-AFC4-6F175D3DCCD1}">
+                  <a14:hiddenFill xmlns:a14="http://schemas.microsoft.com/office/drawing/2010/main">
+                    <a:solidFill>
+                      <a:srgbClr val="FFFFFF"/>
+                    </a:solidFill>
+                  </a14:hiddenFill>
+                </a:ext>
+              </a:extLst>
+            </p:spPr>
+          </p:pic>
+          <p:pic>
+            <p:nvPicPr>
+              <p:cNvPr id="44" name="Picture 6" descr="Flexible Data Modeling - Data Model Icon Png PNG Image | Transparent PNG  Free Download on SeekPNG">
+                <a:extLst>
+                  <a:ext uri="{FF2B5EF4-FFF2-40B4-BE49-F238E27FC236}">
+                    <a16:creationId xmlns:a16="http://schemas.microsoft.com/office/drawing/2014/main" id="{405FE81B-9E06-46C3-A3C5-0265128FF26B}"/>
+                  </a:ext>
+                </a:extLst>
+              </p:cNvPr>
+              <p:cNvPicPr>
+                <a:picLocks noChangeAspect="1" noChangeArrowheads="1"/>
+              </p:cNvPicPr>
+              <p:nvPr/>
+            </p:nvPicPr>
+            <p:blipFill rotWithShape="1">
+              <a:blip r:embed="rId4">
+                <a:extLst>
+                  <a:ext uri="{28A0092B-C50C-407E-A947-70E740481C1C}">
+                    <a14:useLocalDpi xmlns:a14="http://schemas.microsoft.com/office/drawing/2010/main" val="0"/>
+                  </a:ext>
+                </a:extLst>
+              </a:blip>
+              <a:srcRect l="16466" t="2666" r="18236" b="4486"/>
+              <a:stretch/>
+            </p:blipFill>
+            <p:spPr bwMode="auto">
+              <a:xfrm>
+                <a:off x="3832927" y="2589410"/>
+                <a:ext cx="1065212" cy="932801"/>
+              </a:xfrm>
+              <a:prstGeom prst="flowChartAlternateProcess">
+                <a:avLst/>
+              </a:prstGeom>
+              <a:noFill/>
+              <a:extLst>
+                <a:ext uri="{909E8E84-426E-40DD-AFC4-6F175D3DCCD1}">
+                  <a14:hiddenFill xmlns:a14="http://schemas.microsoft.com/office/drawing/2010/main">
+                    <a:solidFill>
+                      <a:srgbClr val="FFFFFF"/>
+                    </a:solidFill>
+                  </a14:hiddenFill>
+                </a:ext>
+              </a:extLst>
+            </p:spPr>
+          </p:pic>
         </p:grpSp>
+      </p:grpSp>
+      <p:grpSp>
+        <p:nvGrpSpPr>
+          <p:cNvPr id="6" name="Gruppieren 5">
+            <a:extLst>
+              <a:ext uri="{FF2B5EF4-FFF2-40B4-BE49-F238E27FC236}">
+                <a16:creationId xmlns:a16="http://schemas.microsoft.com/office/drawing/2014/main" id="{D3CD2220-CD54-4074-9C70-9E93BF7128BD}"/>
+              </a:ext>
+            </a:extLst>
+          </p:cNvPr>
+          <p:cNvGrpSpPr>
+            <a:grpSpLocks noChangeAspect="1"/>
+          </p:cNvGrpSpPr>
+          <p:nvPr/>
+        </p:nvGrpSpPr>
+        <p:grpSpPr>
+          <a:xfrm>
+            <a:off x="2610412" y="3235515"/>
+            <a:ext cx="895274" cy="2385543"/>
+            <a:chOff x="2516409" y="2985033"/>
+            <a:chExt cx="1083281" cy="2886507"/>
+          </a:xfrm>
+        </p:grpSpPr>
         <p:grpSp>
           <p:nvGrpSpPr>
             <p:cNvPr id="14" name="Gruppieren 13">
@@ -8068,7 +9237,7 @@
           </p:nvGrpSpPr>
           <p:grpSpPr>
             <a:xfrm>
-              <a:off x="1264165" y="2486846"/>
+              <a:off x="2516409" y="2985033"/>
               <a:ext cx="1065212" cy="1157118"/>
               <a:chOff x="4025900" y="2090272"/>
               <a:chExt cx="1065212" cy="1157118"/>
@@ -8089,7 +9258,7 @@
               <p:nvPr/>
             </p:nvPicPr>
             <p:blipFill rotWithShape="1">
-              <a:blip r:embed="rId2">
+              <a:blip r:embed="rId3">
                 <a:extLst>
                   <a:ext uri="{28A0092B-C50C-407E-A947-70E740481C1C}">
                     <a14:useLocalDpi xmlns:a14="http://schemas.microsoft.com/office/drawing/2010/main" val="0"/>
@@ -8155,18 +9324,27 @@
                   <a:rPr lang="de-DE" sz="1000" dirty="0">
                     <a:latin typeface="Roboto"/>
                   </a:rPr>
-                  <a:t>Wrangel &amp; Clean</a:t>
+                  <a:t>Clean &amp; </a:t>
                 </a:r>
+                <a:r>
+                  <a:rPr lang="de-DE" sz="1000" dirty="0" err="1">
+                    <a:latin typeface="Roboto"/>
+                  </a:rPr>
+                  <a:t>Prep</a:t>
+                </a:r>
+                <a:endParaRPr lang="de-DE" sz="1000" dirty="0">
+                  <a:latin typeface="Roboto"/>
+                </a:endParaRPr>
               </a:p>
             </p:txBody>
           </p:sp>
         </p:grpSp>
         <p:grpSp>
           <p:nvGrpSpPr>
-            <p:cNvPr id="17" name="Gruppieren 16">
+            <p:cNvPr id="47" name="Gruppieren 46">
               <a:extLst>
                 <a:ext uri="{FF2B5EF4-FFF2-40B4-BE49-F238E27FC236}">
-                  <a16:creationId xmlns:a16="http://schemas.microsoft.com/office/drawing/2014/main" id="{24073CC3-4A38-4E60-9652-46708590948D}"/>
+                  <a16:creationId xmlns:a16="http://schemas.microsoft.com/office/drawing/2014/main" id="{D58CE4EA-A9D8-4AB1-BD71-D84CF6B5959E}"/>
                 </a:ext>
               </a:extLst>
             </p:cNvPr>
@@ -8175,18 +9353,18 @@
           </p:nvGrpSpPr>
           <p:grpSpPr>
             <a:xfrm>
-              <a:off x="4263107" y="2483040"/>
-              <a:ext cx="1065212" cy="1153759"/>
-              <a:chOff x="6428740" y="2034541"/>
-              <a:chExt cx="1065212" cy="1153759"/>
+              <a:off x="2534478" y="4714422"/>
+              <a:ext cx="1065212" cy="1157118"/>
+              <a:chOff x="4025900" y="2090272"/>
+              <a:chExt cx="1065212" cy="1157118"/>
             </a:xfrm>
           </p:grpSpPr>
           <p:pic>
             <p:nvPicPr>
-              <p:cNvPr id="18" name="Picture 6" descr="Flexible Data Modeling - Data Model Icon Png PNG Image | Transparent PNG  Free Download on SeekPNG">
+              <p:cNvPr id="48" name="Picture 6" descr="data science pipeline">
                 <a:extLst>
                   <a:ext uri="{FF2B5EF4-FFF2-40B4-BE49-F238E27FC236}">
-                    <a16:creationId xmlns:a16="http://schemas.microsoft.com/office/drawing/2014/main" id="{4BA907C8-A151-4DF1-8FBB-E3758245454B}"/>
+                    <a16:creationId xmlns:a16="http://schemas.microsoft.com/office/drawing/2014/main" id="{609190C8-E783-4FBF-8144-A4788B357370}"/>
                   </a:ext>
                 </a:extLst>
               </p:cNvPr>
@@ -8203,15 +9381,15 @@
                   </a:ext>
                 </a:extLst>
               </a:blip>
-              <a:srcRect l="16466" t="2666" r="18236" b="4486"/>
+              <a:srcRect l="22337" t="-1" r="65760" b="26307"/>
               <a:stretch/>
             </p:blipFill>
             <p:spPr bwMode="auto">
               <a:xfrm>
-                <a:off x="6428740" y="2034541"/>
-                <a:ext cx="1065212" cy="932801"/>
+                <a:off x="4025900" y="2090272"/>
+                <a:ext cx="1065212" cy="936160"/>
               </a:xfrm>
-              <a:prstGeom prst="flowChartAlternateProcess">
+              <a:prstGeom prst="roundRect">
                 <a:avLst/>
               </a:prstGeom>
               <a:noFill/>
@@ -8228,10 +9406,10 @@
           </p:pic>
           <p:sp>
             <p:nvSpPr>
-              <p:cNvPr id="19" name="Rechteck 18">
+              <p:cNvPr id="49" name="Rechteck 48">
                 <a:extLst>
                   <a:ext uri="{FF2B5EF4-FFF2-40B4-BE49-F238E27FC236}">
-                    <a16:creationId xmlns:a16="http://schemas.microsoft.com/office/drawing/2014/main" id="{BEE32CB8-5D49-437E-9AB2-FD75241C0931}"/>
+                    <a16:creationId xmlns:a16="http://schemas.microsoft.com/office/drawing/2014/main" id="{0929EA15-B807-4783-8B72-D1DC1502D0EE}"/>
                   </a:ext>
                 </a:extLst>
               </p:cNvPr>
@@ -8240,8 +9418,8 @@
             </p:nvSpPr>
             <p:spPr>
               <a:xfrm>
-                <a:off x="6495811" y="2967342"/>
-                <a:ext cx="931070" cy="220958"/>
+                <a:off x="4046418" y="3026432"/>
+                <a:ext cx="1024177" cy="220958"/>
               </a:xfrm>
               <a:prstGeom prst="rect">
                 <a:avLst/>
@@ -8253,21 +9431,156 @@
               </a:bodyPr>
               <a:lstStyle/>
               <a:p>
-                <a:pPr algn="r"/>
+                <a:pPr algn="r">
+                  <a:lnSpc>
+                    <a:spcPts val="1800"/>
+                  </a:lnSpc>
+                </a:pPr>
                 <a:r>
                   <a:rPr lang="de-DE" sz="1000" dirty="0">
                     <a:latin typeface="Roboto"/>
                   </a:rPr>
-                  <a:t>Modelling</a:t>
+                  <a:t>Clean &amp; </a:t>
                 </a:r>
-                <a:endParaRPr lang="de-DE" sz="1000" b="0" dirty="0">
-                  <a:effectLst/>
+                <a:r>
+                  <a:rPr lang="de-DE" sz="1000" dirty="0" err="1">
+                    <a:latin typeface="Roboto"/>
+                  </a:rPr>
+                  <a:t>Prep</a:t>
+                </a:r>
+                <a:endParaRPr lang="de-DE" sz="1000" dirty="0">
                   <a:latin typeface="Roboto"/>
                 </a:endParaRPr>
               </a:p>
             </p:txBody>
           </p:sp>
         </p:grpSp>
+      </p:grpSp>
+      <p:sp>
+        <p:nvSpPr>
+          <p:cNvPr id="52" name="Titel 1">
+            <a:extLst>
+              <a:ext uri="{FF2B5EF4-FFF2-40B4-BE49-F238E27FC236}">
+                <a16:creationId xmlns:a16="http://schemas.microsoft.com/office/drawing/2014/main" id="{3630173C-0441-4038-BC3D-534F6469B088}"/>
+              </a:ext>
+            </a:extLst>
+          </p:cNvPr>
+          <p:cNvSpPr>
+            <a:spLocks noGrp="1"/>
+          </p:cNvSpPr>
+          <p:nvPr>
+            <p:ph type="title"/>
+          </p:nvPr>
+        </p:nvSpPr>
+        <p:spPr>
+          <a:xfrm>
+            <a:off x="515938" y="225425"/>
+            <a:ext cx="10837862" cy="1223963"/>
+          </a:xfrm>
+        </p:spPr>
+        <p:txBody>
+          <a:bodyPr>
+            <a:normAutofit/>
+          </a:bodyPr>
+          <a:lstStyle/>
+          <a:p>
+            <a:r>
+              <a:rPr lang="en-US" sz="4000" b="1" dirty="0">
+                <a:solidFill>
+                  <a:schemeClr val="accent1">
+                    <a:lumMod val="75000"/>
+                  </a:schemeClr>
+                </a:solidFill>
+              </a:rPr>
+              <a:t>Methodical approach to model and evaluate</a:t>
+            </a:r>
+            <a:br>
+              <a:rPr lang="en-US" sz="4000" b="1" dirty="0">
+                <a:solidFill>
+                  <a:schemeClr val="accent1">
+                    <a:lumMod val="75000"/>
+                  </a:schemeClr>
+                </a:solidFill>
+              </a:rPr>
+            </a:br>
+            <a:r>
+              <a:rPr lang="en-US" sz="4000" b="1" dirty="0">
+                <a:solidFill>
+                  <a:schemeClr val="accent1">
+                    <a:lumMod val="75000"/>
+                  </a:schemeClr>
+                </a:solidFill>
+              </a:rPr>
+              <a:t>Twitter data for disaster detection</a:t>
+            </a:r>
+            <a:endParaRPr lang="de-DE" sz="4000" b="1" dirty="0">
+              <a:solidFill>
+                <a:schemeClr val="accent1">
+                  <a:lumMod val="75000"/>
+                </a:schemeClr>
+              </a:solidFill>
+            </a:endParaRPr>
+          </a:p>
+        </p:txBody>
+      </p:sp>
+      <p:cxnSp>
+        <p:nvCxnSpPr>
+          <p:cNvPr id="3" name="Gerader Verbinder 2">
+            <a:extLst>
+              <a:ext uri="{FF2B5EF4-FFF2-40B4-BE49-F238E27FC236}">
+                <a16:creationId xmlns:a16="http://schemas.microsoft.com/office/drawing/2014/main" id="{34394761-1536-403F-9AF1-C26A7241DB06}"/>
+              </a:ext>
+            </a:extLst>
+          </p:cNvPr>
+          <p:cNvCxnSpPr/>
+          <p:nvPr/>
+        </p:nvCxnSpPr>
+        <p:spPr>
+          <a:xfrm>
+            <a:off x="2014917" y="1881188"/>
+            <a:ext cx="0" cy="4679950"/>
+          </a:xfrm>
+          <a:prstGeom prst="line">
+            <a:avLst/>
+          </a:prstGeom>
+        </p:spPr>
+        <p:style>
+          <a:lnRef idx="1">
+            <a:schemeClr val="accent1"/>
+          </a:lnRef>
+          <a:fillRef idx="0">
+            <a:schemeClr val="accent1"/>
+          </a:fillRef>
+          <a:effectRef idx="0">
+            <a:schemeClr val="accent1"/>
+          </a:effectRef>
+          <a:fontRef idx="minor">
+            <a:schemeClr val="tx1"/>
+          </a:fontRef>
+        </p:style>
+      </p:cxnSp>
+      <p:grpSp>
+        <p:nvGrpSpPr>
+          <p:cNvPr id="7" name="Gruppieren 6">
+            <a:extLst>
+              <a:ext uri="{FF2B5EF4-FFF2-40B4-BE49-F238E27FC236}">
+                <a16:creationId xmlns:a16="http://schemas.microsoft.com/office/drawing/2014/main" id="{9C6DD288-854B-4EF0-9426-91270391F42E}"/>
+              </a:ext>
+            </a:extLst>
+          </p:cNvPr>
+          <p:cNvGrpSpPr>
+            <a:grpSpLocks noChangeAspect="1"/>
+          </p:cNvGrpSpPr>
+          <p:nvPr/>
+        </p:nvGrpSpPr>
+        <p:grpSpPr>
+          <a:xfrm>
+            <a:off x="10829295" y="2557479"/>
+            <a:ext cx="880341" cy="3697179"/>
+            <a:chOff x="10736859" y="2169275"/>
+            <a:chExt cx="1065213" cy="4473587"/>
+          </a:xfrm>
+        </p:grpSpPr>
         <p:grpSp>
           <p:nvGrpSpPr>
             <p:cNvPr id="20" name="Gruppieren 19">
@@ -8282,7 +9595,7 @@
           </p:nvGrpSpPr>
           <p:grpSpPr>
             <a:xfrm>
-              <a:off x="8261089" y="2557598"/>
+              <a:off x="10736859" y="2169275"/>
               <a:ext cx="1065213" cy="1153758"/>
               <a:chOff x="6294223" y="2542662"/>
               <a:chExt cx="1065213" cy="1153758"/>
@@ -8303,7 +9616,7 @@
               <p:nvPr/>
             </p:nvPicPr>
             <p:blipFill rotWithShape="1">
-              <a:blip r:embed="rId4">
+              <a:blip r:embed="rId5">
                 <a:extLst>
                   <a:ext uri="{28A0092B-C50C-407E-A947-70E740481C1C}">
                     <a14:useLocalDpi xmlns:a14="http://schemas.microsoft.com/office/drawing/2010/main" val="0"/>
@@ -8375,56 +9688,578 @@
             </p:txBody>
           </p:sp>
         </p:grpSp>
+        <p:grpSp>
+          <p:nvGrpSpPr>
+            <p:cNvPr id="53" name="Gruppieren 52">
+              <a:extLst>
+                <a:ext uri="{FF2B5EF4-FFF2-40B4-BE49-F238E27FC236}">
+                  <a16:creationId xmlns:a16="http://schemas.microsoft.com/office/drawing/2014/main" id="{1F5EF1DF-AFB6-49ED-A892-79FC23EF7755}"/>
+                </a:ext>
+              </a:extLst>
+            </p:cNvPr>
+            <p:cNvGrpSpPr/>
+            <p:nvPr/>
+          </p:nvGrpSpPr>
+          <p:grpSpPr>
+            <a:xfrm>
+              <a:off x="10736859" y="3829189"/>
+              <a:ext cx="1065213" cy="1153758"/>
+              <a:chOff x="6294223" y="2542662"/>
+              <a:chExt cx="1065213" cy="1153758"/>
+            </a:xfrm>
+          </p:grpSpPr>
+          <p:pic>
+            <p:nvPicPr>
+              <p:cNvPr id="54" name="Picture 12" descr="Utility Bill Management: Improving data integrity, bill validation | BID">
+                <a:extLst>
+                  <a:ext uri="{FF2B5EF4-FFF2-40B4-BE49-F238E27FC236}">
+                    <a16:creationId xmlns:a16="http://schemas.microsoft.com/office/drawing/2014/main" id="{C8EAE2DC-022C-468D-B8CC-5CC1346651C5}"/>
+                  </a:ext>
+                </a:extLst>
+              </p:cNvPr>
+              <p:cNvPicPr>
+                <a:picLocks noChangeAspect="1" noChangeArrowheads="1"/>
+              </p:cNvPicPr>
+              <p:nvPr/>
+            </p:nvPicPr>
+            <p:blipFill rotWithShape="1">
+              <a:blip r:embed="rId5">
+                <a:extLst>
+                  <a:ext uri="{28A0092B-C50C-407E-A947-70E740481C1C}">
+                    <a14:useLocalDpi xmlns:a14="http://schemas.microsoft.com/office/drawing/2010/main" val="0"/>
+                  </a:ext>
+                </a:extLst>
+              </a:blip>
+              <a:srcRect l="7396" r="7398"/>
+              <a:stretch/>
+            </p:blipFill>
+            <p:spPr bwMode="auto">
+              <a:xfrm>
+                <a:off x="6294223" y="2542662"/>
+                <a:ext cx="1065213" cy="932800"/>
+              </a:xfrm>
+              <a:prstGeom prst="roundRect">
+                <a:avLst/>
+              </a:prstGeom>
+              <a:noFill/>
+              <a:extLst>
+                <a:ext uri="{909E8E84-426E-40DD-AFC4-6F175D3DCCD1}">
+                  <a14:hiddenFill xmlns:a14="http://schemas.microsoft.com/office/drawing/2010/main">
+                    <a:solidFill>
+                      <a:srgbClr val="FFFFFF"/>
+                    </a:solidFill>
+                  </a14:hiddenFill>
+                </a:ext>
+              </a:extLst>
+            </p:spPr>
+          </p:pic>
+          <p:sp>
+            <p:nvSpPr>
+              <p:cNvPr id="55" name="Rechteck 54">
+                <a:extLst>
+                  <a:ext uri="{FF2B5EF4-FFF2-40B4-BE49-F238E27FC236}">
+                    <a16:creationId xmlns:a16="http://schemas.microsoft.com/office/drawing/2014/main" id="{B35C974B-9F75-4EBA-8701-E8C482032F81}"/>
+                  </a:ext>
+                </a:extLst>
+              </p:cNvPr>
+              <p:cNvSpPr/>
+              <p:nvPr/>
+            </p:nvSpPr>
+            <p:spPr>
+              <a:xfrm>
+                <a:off x="6361294" y="3475462"/>
+                <a:ext cx="931070" cy="220958"/>
+              </a:xfrm>
+              <a:prstGeom prst="rect">
+                <a:avLst/>
+              </a:prstGeom>
+            </p:spPr>
+            <p:txBody>
+              <a:bodyPr wrap="square" lIns="0" tIns="0" rIns="0" bIns="0" anchor="ctr" anchorCtr="1">
+                <a:noAutofit/>
+              </a:bodyPr>
+              <a:lstStyle/>
+              <a:p>
+                <a:pPr algn="r"/>
+                <a:r>
+                  <a:rPr lang="de-DE" sz="1000" dirty="0">
+                    <a:latin typeface="Roboto"/>
+                  </a:rPr>
+                  <a:t>Validation</a:t>
+                </a:r>
+                <a:endParaRPr lang="de-DE" sz="1000" b="0" dirty="0">
+                  <a:effectLst/>
+                  <a:latin typeface="Roboto"/>
+                </a:endParaRPr>
+              </a:p>
+            </p:txBody>
+          </p:sp>
+        </p:grpSp>
+        <p:grpSp>
+          <p:nvGrpSpPr>
+            <p:cNvPr id="56" name="Gruppieren 55">
+              <a:extLst>
+                <a:ext uri="{FF2B5EF4-FFF2-40B4-BE49-F238E27FC236}">
+                  <a16:creationId xmlns:a16="http://schemas.microsoft.com/office/drawing/2014/main" id="{CA98FFF8-335C-4376-B017-CA44521948D0}"/>
+                </a:ext>
+              </a:extLst>
+            </p:cNvPr>
+            <p:cNvGrpSpPr/>
+            <p:nvPr/>
+          </p:nvGrpSpPr>
+          <p:grpSpPr>
+            <a:xfrm>
+              <a:off x="10736859" y="5489104"/>
+              <a:ext cx="1065213" cy="1153758"/>
+              <a:chOff x="6294223" y="2542662"/>
+              <a:chExt cx="1065213" cy="1153758"/>
+            </a:xfrm>
+          </p:grpSpPr>
+          <p:pic>
+            <p:nvPicPr>
+              <p:cNvPr id="57" name="Picture 12" descr="Utility Bill Management: Improving data integrity, bill validation | BID">
+                <a:extLst>
+                  <a:ext uri="{FF2B5EF4-FFF2-40B4-BE49-F238E27FC236}">
+                    <a16:creationId xmlns:a16="http://schemas.microsoft.com/office/drawing/2014/main" id="{94D479EB-F46B-463F-82D1-37E43CA74ECA}"/>
+                  </a:ext>
+                </a:extLst>
+              </p:cNvPr>
+              <p:cNvPicPr>
+                <a:picLocks noChangeAspect="1" noChangeArrowheads="1"/>
+              </p:cNvPicPr>
+              <p:nvPr/>
+            </p:nvPicPr>
+            <p:blipFill rotWithShape="1">
+              <a:blip r:embed="rId5">
+                <a:extLst>
+                  <a:ext uri="{28A0092B-C50C-407E-A947-70E740481C1C}">
+                    <a14:useLocalDpi xmlns:a14="http://schemas.microsoft.com/office/drawing/2010/main" val="0"/>
+                  </a:ext>
+                </a:extLst>
+              </a:blip>
+              <a:srcRect l="7396" r="7398"/>
+              <a:stretch/>
+            </p:blipFill>
+            <p:spPr bwMode="auto">
+              <a:xfrm>
+                <a:off x="6294223" y="2542662"/>
+                <a:ext cx="1065213" cy="932800"/>
+              </a:xfrm>
+              <a:prstGeom prst="roundRect">
+                <a:avLst/>
+              </a:prstGeom>
+              <a:noFill/>
+              <a:extLst>
+                <a:ext uri="{909E8E84-426E-40DD-AFC4-6F175D3DCCD1}">
+                  <a14:hiddenFill xmlns:a14="http://schemas.microsoft.com/office/drawing/2010/main">
+                    <a:solidFill>
+                      <a:srgbClr val="FFFFFF"/>
+                    </a:solidFill>
+                  </a14:hiddenFill>
+                </a:ext>
+              </a:extLst>
+            </p:spPr>
+          </p:pic>
+          <p:sp>
+            <p:nvSpPr>
+              <p:cNvPr id="58" name="Rechteck 57">
+                <a:extLst>
+                  <a:ext uri="{FF2B5EF4-FFF2-40B4-BE49-F238E27FC236}">
+                    <a16:creationId xmlns:a16="http://schemas.microsoft.com/office/drawing/2014/main" id="{534FC9D9-B899-4054-9F25-62CF38107A58}"/>
+                  </a:ext>
+                </a:extLst>
+              </p:cNvPr>
+              <p:cNvSpPr/>
+              <p:nvPr/>
+            </p:nvSpPr>
+            <p:spPr>
+              <a:xfrm>
+                <a:off x="6361294" y="3475462"/>
+                <a:ext cx="931070" cy="220958"/>
+              </a:xfrm>
+              <a:prstGeom prst="rect">
+                <a:avLst/>
+              </a:prstGeom>
+            </p:spPr>
+            <p:txBody>
+              <a:bodyPr wrap="square" lIns="0" tIns="0" rIns="0" bIns="0" anchor="ctr" anchorCtr="1">
+                <a:noAutofit/>
+              </a:bodyPr>
+              <a:lstStyle/>
+              <a:p>
+                <a:pPr algn="r"/>
+                <a:r>
+                  <a:rPr lang="de-DE" sz="1000" dirty="0">
+                    <a:latin typeface="Roboto"/>
+                  </a:rPr>
+                  <a:t>Validation</a:t>
+                </a:r>
+                <a:endParaRPr lang="de-DE" sz="1000" b="0" dirty="0">
+                  <a:effectLst/>
+                  <a:latin typeface="Roboto"/>
+                </a:endParaRPr>
+              </a:p>
+            </p:txBody>
+          </p:sp>
+        </p:grpSp>
       </p:grpSp>
-      <p:pic>
-        <p:nvPicPr>
-          <p:cNvPr id="24" name="Picture 2">
-            <a:extLst>
-              <a:ext uri="{FF2B5EF4-FFF2-40B4-BE49-F238E27FC236}">
-                <a16:creationId xmlns:a16="http://schemas.microsoft.com/office/drawing/2014/main" id="{641E39DB-218F-4FD8-B70E-94959CF93745}"/>
-              </a:ext>
-            </a:extLst>
-          </p:cNvPr>
-          <p:cNvPicPr>
-            <a:picLocks noChangeAspect="1" noChangeArrowheads="1"/>
-          </p:cNvPicPr>
+      <p:cxnSp>
+        <p:nvCxnSpPr>
+          <p:cNvPr id="59" name="Gerader Verbinder 58">
+            <a:extLst>
+              <a:ext uri="{FF2B5EF4-FFF2-40B4-BE49-F238E27FC236}">
+                <a16:creationId xmlns:a16="http://schemas.microsoft.com/office/drawing/2014/main" id="{5201A5C5-83DA-4EAF-B036-3352684AE6CB}"/>
+              </a:ext>
+            </a:extLst>
+          </p:cNvPr>
+          <p:cNvCxnSpPr/>
           <p:nvPr/>
-        </p:nvPicPr>
-        <p:blipFill rotWithShape="1">
-          <a:blip r:embed="rId5">
-            <a:extLst>
-              <a:ext uri="{28A0092B-C50C-407E-A947-70E740481C1C}">
-                <a14:useLocalDpi xmlns:a14="http://schemas.microsoft.com/office/drawing/2010/main" val="0"/>
-              </a:ext>
-            </a:extLst>
-          </a:blip>
-          <a:srcRect l="56649" t="36358" b="12685"/>
-          <a:stretch/>
-        </p:blipFill>
-        <p:spPr bwMode="auto">
+        </p:nvCxnSpPr>
+        <p:spPr>
           <a:xfrm>
-            <a:off x="7459431" y="2582045"/>
-            <a:ext cx="4732569" cy="2187412"/>
+            <a:off x="5163278" y="1881188"/>
+            <a:ext cx="0" cy="4679950"/>
+          </a:xfrm>
+          <a:prstGeom prst="line">
+            <a:avLst/>
+          </a:prstGeom>
+        </p:spPr>
+        <p:style>
+          <a:lnRef idx="1">
+            <a:schemeClr val="accent1"/>
+          </a:lnRef>
+          <a:fillRef idx="0">
+            <a:schemeClr val="accent1"/>
+          </a:fillRef>
+          <a:effectRef idx="0">
+            <a:schemeClr val="accent1"/>
+          </a:effectRef>
+          <a:fontRef idx="minor">
+            <a:schemeClr val="tx1"/>
+          </a:fontRef>
+        </p:style>
+      </p:cxnSp>
+      <p:sp>
+        <p:nvSpPr>
+          <p:cNvPr id="60" name="Textfeld 59">
+            <a:extLst>
+              <a:ext uri="{FF2B5EF4-FFF2-40B4-BE49-F238E27FC236}">
+                <a16:creationId xmlns:a16="http://schemas.microsoft.com/office/drawing/2014/main" id="{AC1C15E2-D5DC-4A6F-8CC6-EF2362BE3F1D}"/>
+              </a:ext>
+            </a:extLst>
+          </p:cNvPr>
+          <p:cNvSpPr txBox="1"/>
+          <p:nvPr/>
+        </p:nvSpPr>
+        <p:spPr>
+          <a:xfrm>
+            <a:off x="3729260" y="3323033"/>
+            <a:ext cx="1296098" cy="738664"/>
           </a:xfrm>
           <a:prstGeom prst="rect">
             <a:avLst/>
           </a:prstGeom>
           <a:noFill/>
-          <a:extLst>
-            <a:ext uri="{909E8E84-426E-40DD-AFC4-6F175D3DCCD1}">
-              <a14:hiddenFill xmlns:a14="http://schemas.microsoft.com/office/drawing/2010/main">
-                <a:solidFill>
-                  <a:srgbClr val="FFFFFF"/>
-                </a:solidFill>
-              </a14:hiddenFill>
-            </a:ext>
-          </a:extLst>
         </p:spPr>
-      </p:pic>
+        <p:txBody>
+          <a:bodyPr wrap="square" rtlCol="0">
+            <a:spAutoFit/>
+          </a:bodyPr>
+          <a:lstStyle/>
+          <a:p>
+            <a:pPr marL="90487"/>
+            <a:r>
+              <a:rPr lang="en-US" sz="1400" b="1" dirty="0" err="1">
+                <a:solidFill>
+                  <a:schemeClr val="accent1">
+                    <a:lumMod val="75000"/>
+                  </a:schemeClr>
+                </a:solidFill>
+              </a:rPr>
+              <a:t>standatized</a:t>
+            </a:r>
+            <a:r>
+              <a:rPr lang="en-US" sz="1400" b="1" dirty="0">
+                <a:solidFill>
+                  <a:schemeClr val="accent1">
+                    <a:lumMod val="75000"/>
+                  </a:schemeClr>
+                </a:solidFill>
+              </a:rPr>
+              <a:t> calculated features</a:t>
+            </a:r>
+          </a:p>
+        </p:txBody>
+      </p:sp>
+      <p:sp>
+        <p:nvSpPr>
+          <p:cNvPr id="61" name="Textfeld 60">
+            <a:extLst>
+              <a:ext uri="{FF2B5EF4-FFF2-40B4-BE49-F238E27FC236}">
+                <a16:creationId xmlns:a16="http://schemas.microsoft.com/office/drawing/2014/main" id="{EE427289-BCE0-456B-B763-1AB4B14726C2}"/>
+              </a:ext>
+            </a:extLst>
+          </p:cNvPr>
+          <p:cNvSpPr txBox="1"/>
+          <p:nvPr/>
+        </p:nvSpPr>
+        <p:spPr>
+          <a:xfrm>
+            <a:off x="3222629" y="5939169"/>
+            <a:ext cx="1793549" cy="707886"/>
+          </a:xfrm>
+          <a:prstGeom prst="rect">
+            <a:avLst/>
+          </a:prstGeom>
+          <a:noFill/>
+        </p:spPr>
+        <p:txBody>
+          <a:bodyPr wrap="square" rtlCol="0">
+            <a:spAutoFit/>
+          </a:bodyPr>
+          <a:lstStyle/>
+          <a:p>
+            <a:pPr marL="90487"/>
+            <a:r>
+              <a:rPr lang="en-US" sz="800" dirty="0" err="1"/>
+              <a:t>word_count</a:t>
+            </a:r>
+            <a:r>
+              <a:rPr lang="en-US" sz="800" dirty="0"/>
+              <a:t> - </a:t>
+            </a:r>
+            <a:r>
+              <a:rPr lang="en-US" sz="800" dirty="0" err="1"/>
+              <a:t>unique_word_count</a:t>
+            </a:r>
+            <a:r>
+              <a:rPr lang="en-US" sz="800" dirty="0"/>
+              <a:t> - </a:t>
+            </a:r>
+            <a:r>
+              <a:rPr lang="en-US" sz="800" dirty="0" err="1"/>
+              <a:t>stop_word_count</a:t>
+            </a:r>
+            <a:r>
+              <a:rPr lang="en-US" sz="800" dirty="0"/>
+              <a:t> - </a:t>
+            </a:r>
+            <a:r>
+              <a:rPr lang="en-US" sz="800" dirty="0" err="1"/>
+              <a:t>url_count</a:t>
+            </a:r>
+            <a:r>
+              <a:rPr lang="en-US" sz="800" dirty="0"/>
+              <a:t> - </a:t>
+            </a:r>
+            <a:r>
+              <a:rPr lang="en-US" sz="800" dirty="0" err="1"/>
+              <a:t>mean_word_length</a:t>
+            </a:r>
+            <a:r>
+              <a:rPr lang="en-US" sz="800" dirty="0"/>
+              <a:t> - </a:t>
+            </a:r>
+            <a:r>
+              <a:rPr lang="en-US" sz="800" dirty="0" err="1"/>
+              <a:t>char_count</a:t>
+            </a:r>
+            <a:r>
+              <a:rPr lang="en-US" sz="800" dirty="0"/>
+              <a:t> -</a:t>
+            </a:r>
+          </a:p>
+          <a:p>
+            <a:pPr marL="90487"/>
+            <a:r>
+              <a:rPr lang="en-US" sz="800" dirty="0"/>
+              <a:t> </a:t>
+            </a:r>
+            <a:r>
+              <a:rPr lang="en-US" sz="800" dirty="0" err="1"/>
+              <a:t>punctuation_count</a:t>
+            </a:r>
+            <a:r>
+              <a:rPr lang="en-US" sz="800" dirty="0"/>
+              <a:t> - </a:t>
+            </a:r>
+            <a:r>
+              <a:rPr lang="en-US" sz="800" dirty="0" err="1"/>
+              <a:t>hashtag_count</a:t>
+            </a:r>
+            <a:r>
+              <a:rPr lang="en-US" sz="800" dirty="0"/>
+              <a:t> - </a:t>
+            </a:r>
+            <a:r>
+              <a:rPr lang="en-US" sz="800" dirty="0" err="1"/>
+              <a:t>mention_count</a:t>
+            </a:r>
+            <a:endParaRPr lang="en-US" sz="800" dirty="0"/>
+          </a:p>
+        </p:txBody>
+      </p:sp>
+      <p:sp>
+        <p:nvSpPr>
+          <p:cNvPr id="62" name="Rechteck 61">
+            <a:extLst>
+              <a:ext uri="{FF2B5EF4-FFF2-40B4-BE49-F238E27FC236}">
+                <a16:creationId xmlns:a16="http://schemas.microsoft.com/office/drawing/2014/main" id="{1196EBC9-324C-4388-8E61-C3E4232B5C6E}"/>
+              </a:ext>
+            </a:extLst>
+          </p:cNvPr>
+          <p:cNvSpPr/>
+          <p:nvPr/>
+        </p:nvSpPr>
+        <p:spPr>
+          <a:xfrm>
+            <a:off x="7537187" y="2626915"/>
+            <a:ext cx="2361679" cy="646331"/>
+          </a:xfrm>
+          <a:prstGeom prst="rect">
+            <a:avLst/>
+          </a:prstGeom>
+        </p:spPr>
+        <p:txBody>
+          <a:bodyPr wrap="square">
+            <a:spAutoFit/>
+          </a:bodyPr>
+          <a:lstStyle/>
+          <a:p>
+            <a:r>
+              <a:rPr lang="en-US" b="1" dirty="0">
+                <a:solidFill>
+                  <a:schemeClr val="accent1">
+                    <a:lumMod val="75000"/>
+                  </a:schemeClr>
+                </a:solidFill>
+              </a:rPr>
+              <a:t>Vectorized word count at </a:t>
+            </a:r>
+            <a:r>
+              <a:rPr lang="en-US" b="1" dirty="0" err="1">
+                <a:solidFill>
+                  <a:schemeClr val="accent1">
+                    <a:lumMod val="75000"/>
+                  </a:schemeClr>
+                </a:solidFill>
+              </a:rPr>
+              <a:t>TFiDF</a:t>
+            </a:r>
+            <a:r>
+              <a:rPr lang="en-US" b="1" dirty="0">
+                <a:solidFill>
+                  <a:schemeClr val="accent1">
+                    <a:lumMod val="75000"/>
+                  </a:schemeClr>
+                </a:solidFill>
+              </a:rPr>
+              <a:t>, MNB</a:t>
+            </a:r>
+          </a:p>
+        </p:txBody>
+      </p:sp>
+      <p:sp>
+        <p:nvSpPr>
+          <p:cNvPr id="63" name="Rechteck 62">
+            <a:extLst>
+              <a:ext uri="{FF2B5EF4-FFF2-40B4-BE49-F238E27FC236}">
+                <a16:creationId xmlns:a16="http://schemas.microsoft.com/office/drawing/2014/main" id="{E0D4BAC7-4D9E-4B71-8464-11532059A843}"/>
+              </a:ext>
+            </a:extLst>
+          </p:cNvPr>
+          <p:cNvSpPr/>
+          <p:nvPr/>
+        </p:nvSpPr>
+        <p:spPr>
+          <a:xfrm>
+            <a:off x="7530166" y="5254770"/>
+            <a:ext cx="2646917" cy="646331"/>
+          </a:xfrm>
+          <a:prstGeom prst="rect">
+            <a:avLst/>
+          </a:prstGeom>
+        </p:spPr>
+        <p:txBody>
+          <a:bodyPr wrap="square">
+            <a:spAutoFit/>
+          </a:bodyPr>
+          <a:lstStyle/>
+          <a:p>
+            <a:r>
+              <a:rPr lang="en-US" b="1" dirty="0">
+                <a:solidFill>
+                  <a:schemeClr val="accent1">
+                    <a:lumMod val="75000"/>
+                  </a:schemeClr>
+                </a:solidFill>
+              </a:rPr>
+              <a:t>Numeric feature list from text at MNB, </a:t>
+            </a:r>
+            <a:r>
+              <a:rPr lang="en-US" b="1" dirty="0" err="1">
+                <a:solidFill>
+                  <a:schemeClr val="accent1">
+                    <a:lumMod val="75000"/>
+                  </a:schemeClr>
+                </a:solidFill>
+              </a:rPr>
+              <a:t>LogReg</a:t>
+            </a:r>
+            <a:endParaRPr lang="en-US" b="1" dirty="0">
+              <a:solidFill>
+                <a:schemeClr val="accent1">
+                  <a:lumMod val="75000"/>
+                </a:schemeClr>
+              </a:solidFill>
+            </a:endParaRPr>
+          </a:p>
+        </p:txBody>
+      </p:sp>
+      <p:sp>
+        <p:nvSpPr>
+          <p:cNvPr id="64" name="Rechteck 63">
+            <a:extLst>
+              <a:ext uri="{FF2B5EF4-FFF2-40B4-BE49-F238E27FC236}">
+                <a16:creationId xmlns:a16="http://schemas.microsoft.com/office/drawing/2014/main" id="{A5E74E85-634A-4365-B687-E81244C67D00}"/>
+              </a:ext>
+            </a:extLst>
+          </p:cNvPr>
+          <p:cNvSpPr/>
+          <p:nvPr/>
+        </p:nvSpPr>
+        <p:spPr>
+          <a:xfrm>
+            <a:off x="7537233" y="3868645"/>
+            <a:ext cx="2808007" cy="646331"/>
+          </a:xfrm>
+          <a:prstGeom prst="rect">
+            <a:avLst/>
+          </a:prstGeom>
+        </p:spPr>
+        <p:txBody>
+          <a:bodyPr wrap="square">
+            <a:spAutoFit/>
+          </a:bodyPr>
+          <a:lstStyle/>
+          <a:p>
+            <a:r>
+              <a:rPr lang="en-US" b="1" dirty="0">
+                <a:solidFill>
+                  <a:schemeClr val="accent1">
+                    <a:lumMod val="75000"/>
+                  </a:schemeClr>
+                </a:solidFill>
+              </a:rPr>
+              <a:t>Vectorized NER (LOC, GPE) at TFIDF, MNB</a:t>
+            </a:r>
+          </a:p>
+        </p:txBody>
+      </p:sp>
     </p:spTree>
     <p:extLst>
       <p:ext uri="{BB962C8B-B14F-4D97-AF65-F5344CB8AC3E}">
-        <p14:creationId xmlns:p14="http://schemas.microsoft.com/office/powerpoint/2010/main" val="3647025485"/>
+        <p14:creationId xmlns:p14="http://schemas.microsoft.com/office/powerpoint/2010/main" val="2630183482"/>
       </p:ext>
     </p:extLst>
   </p:cSld>
@@ -8435,6 +10270,661 @@
 </file>
 
 <file path=ppt/slides/slide5.xml><?xml version="1.0" encoding="utf-8"?>
+<p:sld xmlns:a="http://schemas.openxmlformats.org/drawingml/2006/main" xmlns:r="http://schemas.openxmlformats.org/officeDocument/2006/relationships" xmlns:p="http://schemas.openxmlformats.org/presentationml/2006/main">
+  <p:cSld>
+    <p:spTree>
+      <p:nvGrpSpPr>
+        <p:cNvPr id="1" name=""/>
+        <p:cNvGrpSpPr/>
+        <p:nvPr/>
+      </p:nvGrpSpPr>
+      <p:grpSpPr>
+        <a:xfrm>
+          <a:off x="0" y="0"/>
+          <a:ext cx="0" cy="0"/>
+          <a:chOff x="0" y="0"/>
+          <a:chExt cx="0" cy="0"/>
+        </a:xfrm>
+      </p:grpSpPr>
+      <p:sp>
+        <p:nvSpPr>
+          <p:cNvPr id="13" name="Rechteck: abgerundete Ecken 12">
+            <a:extLst>
+              <a:ext uri="{FF2B5EF4-FFF2-40B4-BE49-F238E27FC236}">
+                <a16:creationId xmlns:a16="http://schemas.microsoft.com/office/drawing/2014/main" id="{33254E9E-B287-428A-89BB-C25348E64F7C}"/>
+              </a:ext>
+            </a:extLst>
+          </p:cNvPr>
+          <p:cNvSpPr/>
+          <p:nvPr/>
+        </p:nvSpPr>
+        <p:spPr>
+          <a:xfrm>
+            <a:off x="515939" y="1881189"/>
+            <a:ext cx="4816458" cy="4679950"/>
+          </a:xfrm>
+          <a:prstGeom prst="roundRect">
+            <a:avLst>
+              <a:gd name="adj" fmla="val 1538"/>
+            </a:avLst>
+          </a:prstGeom>
+          <a:solidFill>
+            <a:schemeClr val="bg1">
+              <a:alpha val="50000"/>
+            </a:schemeClr>
+          </a:solidFill>
+        </p:spPr>
+        <p:style>
+          <a:lnRef idx="2">
+            <a:schemeClr val="accent1">
+              <a:shade val="50000"/>
+            </a:schemeClr>
+          </a:lnRef>
+          <a:fillRef idx="1">
+            <a:schemeClr val="accent1"/>
+          </a:fillRef>
+          <a:effectRef idx="0">
+            <a:schemeClr val="accent1"/>
+          </a:effectRef>
+          <a:fontRef idx="minor">
+            <a:schemeClr val="lt1"/>
+          </a:fontRef>
+        </p:style>
+        <p:txBody>
+          <a:bodyPr rot="0" spcFirstLastPara="0" vertOverflow="overflow" horzOverflow="overflow" vert="horz" wrap="square" lIns="91440" tIns="504000" rIns="91440" bIns="45720" numCol="1" spcCol="0" rtlCol="0" fromWordArt="0" anchor="t" anchorCtr="0" forceAA="0" compatLnSpc="1">
+            <a:prstTxWarp prst="textNoShape">
+              <a:avLst/>
+            </a:prstTxWarp>
+            <a:noAutofit/>
+          </a:bodyPr>
+          <a:lstStyle/>
+          <a:p>
+            <a:pPr marL="74612"/>
+            <a:endParaRPr lang="de-DE" dirty="0">
+              <a:solidFill>
+                <a:schemeClr val="tx1"/>
+              </a:solidFill>
+            </a:endParaRPr>
+          </a:p>
+        </p:txBody>
+      </p:sp>
+      <p:sp>
+        <p:nvSpPr>
+          <p:cNvPr id="2" name="Titel 1">
+            <a:extLst>
+              <a:ext uri="{FF2B5EF4-FFF2-40B4-BE49-F238E27FC236}">
+                <a16:creationId xmlns:a16="http://schemas.microsoft.com/office/drawing/2014/main" id="{A70A41E8-31A6-4BC3-B8DC-4BA79463121B}"/>
+              </a:ext>
+            </a:extLst>
+          </p:cNvPr>
+          <p:cNvSpPr>
+            <a:spLocks noGrp="1"/>
+          </p:cNvSpPr>
+          <p:nvPr>
+            <p:ph type="title"/>
+          </p:nvPr>
+        </p:nvSpPr>
+        <p:spPr>
+          <a:xfrm>
+            <a:off x="515938" y="225425"/>
+            <a:ext cx="10837862" cy="1223963"/>
+          </a:xfrm>
+        </p:spPr>
+        <p:txBody>
+          <a:bodyPr>
+            <a:normAutofit/>
+          </a:bodyPr>
+          <a:lstStyle/>
+          <a:p>
+            <a:r>
+              <a:rPr lang="en-US" sz="4000" b="1" dirty="0">
+                <a:solidFill>
+                  <a:schemeClr val="accent1">
+                    <a:lumMod val="75000"/>
+                  </a:schemeClr>
+                </a:solidFill>
+              </a:rPr>
+              <a:t>Data Cleaning and extending features</a:t>
+            </a:r>
+            <a:br>
+              <a:rPr lang="en-US" sz="4000" b="1" dirty="0">
+                <a:solidFill>
+                  <a:schemeClr val="accent1">
+                    <a:lumMod val="75000"/>
+                  </a:schemeClr>
+                </a:solidFill>
+              </a:rPr>
+            </a:br>
+            <a:endParaRPr lang="de-DE" sz="4000" b="1" dirty="0">
+              <a:solidFill>
+                <a:schemeClr val="accent1">
+                  <a:lumMod val="75000"/>
+                </a:schemeClr>
+              </a:solidFill>
+            </a:endParaRPr>
+          </a:p>
+        </p:txBody>
+      </p:sp>
+      <p:sp>
+        <p:nvSpPr>
+          <p:cNvPr id="3" name="Textfeld 2">
+            <a:extLst>
+              <a:ext uri="{FF2B5EF4-FFF2-40B4-BE49-F238E27FC236}">
+                <a16:creationId xmlns:a16="http://schemas.microsoft.com/office/drawing/2014/main" id="{D6640E94-96A4-4CBD-8836-13C47E12ED70}"/>
+              </a:ext>
+            </a:extLst>
+          </p:cNvPr>
+          <p:cNvSpPr txBox="1"/>
+          <p:nvPr/>
+        </p:nvSpPr>
+        <p:spPr>
+          <a:xfrm>
+            <a:off x="810257" y="2425152"/>
+            <a:ext cx="4310383" cy="4247317"/>
+          </a:xfrm>
+          <a:prstGeom prst="rect">
+            <a:avLst/>
+          </a:prstGeom>
+          <a:noFill/>
+        </p:spPr>
+        <p:txBody>
+          <a:bodyPr wrap="square" rtlCol="0">
+            <a:spAutoFit/>
+          </a:bodyPr>
+          <a:lstStyle/>
+          <a:p>
+            <a:r>
+              <a:rPr lang="en-US" dirty="0"/>
+              <a:t>TEXT of tweets:</a:t>
+            </a:r>
+          </a:p>
+          <a:p>
+            <a:pPr marL="285750" indent="-195263">
+              <a:buFont typeface="Wingdings" panose="05000000000000000000" pitchFamily="2" charset="2"/>
+              <a:buChar char="§"/>
+            </a:pPr>
+            <a:r>
+              <a:rPr lang="en-US" dirty="0"/>
+              <a:t>Removed hyper-links</a:t>
+            </a:r>
+          </a:p>
+          <a:p>
+            <a:pPr marL="285750" indent="-195263">
+              <a:buFont typeface="Wingdings" panose="05000000000000000000" pitchFamily="2" charset="2"/>
+              <a:buChar char="§"/>
+            </a:pPr>
+            <a:r>
+              <a:rPr lang="en-US" dirty="0"/>
+              <a:t>Removed punctuation</a:t>
+            </a:r>
+          </a:p>
+          <a:p>
+            <a:pPr marL="285750" indent="-195263">
+              <a:buFont typeface="Wingdings" panose="05000000000000000000" pitchFamily="2" charset="2"/>
+              <a:buChar char="§"/>
+            </a:pPr>
+            <a:r>
+              <a:rPr lang="en-US" dirty="0"/>
+              <a:t>Removed all non-letters and extra spaces</a:t>
+            </a:r>
+          </a:p>
+          <a:p>
+            <a:pPr marL="285750" indent="-195263">
+              <a:buFont typeface="Wingdings" panose="05000000000000000000" pitchFamily="2" charset="2"/>
+              <a:buChar char="§"/>
+            </a:pPr>
+            <a:r>
+              <a:rPr lang="en-US" dirty="0"/>
+              <a:t>Set all text to lowercase</a:t>
+            </a:r>
+          </a:p>
+          <a:p>
+            <a:pPr marL="285750" indent="-195263">
+              <a:buFont typeface="Wingdings" panose="05000000000000000000" pitchFamily="2" charset="2"/>
+              <a:buChar char="§"/>
+            </a:pPr>
+            <a:r>
+              <a:rPr lang="en-US" dirty="0" err="1"/>
+              <a:t>Stopwords</a:t>
+            </a:r>
+            <a:r>
+              <a:rPr lang="en-US" dirty="0"/>
+              <a:t> (</a:t>
+            </a:r>
+            <a:r>
+              <a:rPr lang="en-US" dirty="0" err="1"/>
+              <a:t>en</a:t>
+            </a:r>
+            <a:r>
+              <a:rPr lang="en-US" dirty="0"/>
+              <a:t>)</a:t>
+            </a:r>
+          </a:p>
+          <a:p>
+            <a:pPr marL="285750" indent="-195263">
+              <a:buFont typeface="Wingdings" panose="05000000000000000000" pitchFamily="2" charset="2"/>
+              <a:buChar char="§"/>
+            </a:pPr>
+            <a:r>
+              <a:rPr lang="de-DE" dirty="0" err="1"/>
+              <a:t>WordNetLemmatizer</a:t>
+            </a:r>
+            <a:r>
+              <a:rPr lang="de-DE" dirty="0"/>
+              <a:t>()</a:t>
+            </a:r>
+          </a:p>
+          <a:p>
+            <a:pPr marL="285750" indent="-195263">
+              <a:buFont typeface="Wingdings" panose="05000000000000000000" pitchFamily="2" charset="2"/>
+              <a:buChar char="§"/>
+            </a:pPr>
+            <a:r>
+              <a:rPr lang="de-DE" dirty="0" err="1"/>
+              <a:t>PorterStemmer</a:t>
+            </a:r>
+            <a:r>
+              <a:rPr lang="de-DE" dirty="0"/>
+              <a:t>()</a:t>
+            </a:r>
+          </a:p>
+          <a:p>
+            <a:endParaRPr lang="en-US" dirty="0"/>
+          </a:p>
+          <a:p>
+            <a:r>
+              <a:rPr lang="en-US" dirty="0"/>
+              <a:t>KEYWORD extracted of text:</a:t>
+            </a:r>
+          </a:p>
+          <a:p>
+            <a:pPr marL="285750" indent="-195263">
+              <a:buFont typeface="Wingdings" panose="05000000000000000000" pitchFamily="2" charset="2"/>
+              <a:buChar char="§"/>
+            </a:pPr>
+            <a:r>
+              <a:rPr lang="en-US" dirty="0"/>
+              <a:t>Cleaning as in text</a:t>
+            </a:r>
+          </a:p>
+          <a:p>
+            <a:pPr marL="90487"/>
+            <a:endParaRPr lang="en-US" dirty="0"/>
+          </a:p>
+          <a:p>
+            <a:r>
+              <a:rPr lang="en-US" dirty="0"/>
+              <a:t>LOCATION tweet was sent from:</a:t>
+            </a:r>
+          </a:p>
+          <a:p>
+            <a:pPr marL="285750" indent="-195263">
+              <a:buFont typeface="Wingdings" panose="05000000000000000000" pitchFamily="2" charset="2"/>
+              <a:buChar char="§"/>
+            </a:pPr>
+            <a:r>
+              <a:rPr lang="de-DE" dirty="0" err="1"/>
+              <a:t>My</a:t>
+            </a:r>
+            <a:r>
+              <a:rPr lang="de-DE" dirty="0"/>
+              <a:t> </a:t>
+            </a:r>
+            <a:r>
+              <a:rPr lang="de-DE" dirty="0" err="1"/>
+              <a:t>Spacy</a:t>
+            </a:r>
+            <a:r>
+              <a:rPr lang="de-DE" dirty="0"/>
+              <a:t> LOC &amp; GPE</a:t>
+            </a:r>
+            <a:endParaRPr lang="en-US" dirty="0"/>
+          </a:p>
+          <a:p>
+            <a:pPr marL="90487"/>
+            <a:endParaRPr lang="en-US" dirty="0"/>
+          </a:p>
+        </p:txBody>
+      </p:sp>
+      <p:sp>
+        <p:nvSpPr>
+          <p:cNvPr id="14" name="Rechteck: abgerundete Ecken 13">
+            <a:extLst>
+              <a:ext uri="{FF2B5EF4-FFF2-40B4-BE49-F238E27FC236}">
+                <a16:creationId xmlns:a16="http://schemas.microsoft.com/office/drawing/2014/main" id="{6AF5BE03-8155-4CCD-86EC-454EA4F8EA66}"/>
+              </a:ext>
+            </a:extLst>
+          </p:cNvPr>
+          <p:cNvSpPr/>
+          <p:nvPr/>
+        </p:nvSpPr>
+        <p:spPr>
+          <a:xfrm>
+            <a:off x="515939" y="1881188"/>
+            <a:ext cx="4816458" cy="400110"/>
+          </a:xfrm>
+          <a:prstGeom prst="roundRect">
+            <a:avLst/>
+          </a:prstGeom>
+          <a:solidFill>
+            <a:schemeClr val="accent1">
+              <a:lumMod val="75000"/>
+            </a:schemeClr>
+          </a:solidFill>
+          <a:ln>
+            <a:noFill/>
+          </a:ln>
+        </p:spPr>
+        <p:txBody>
+          <a:bodyPr wrap="square" lIns="180000" tIns="0" rIns="0" bIns="0" rtlCol="0" anchor="ctr" anchorCtr="0">
+            <a:noAutofit/>
+          </a:bodyPr>
+          <a:lstStyle/>
+          <a:p>
+            <a:pPr algn="ctr"/>
+            <a:r>
+              <a:rPr lang="en-US" sz="2000" b="1" dirty="0">
+                <a:solidFill>
+                  <a:schemeClr val="bg1"/>
+                </a:solidFill>
+              </a:rPr>
+              <a:t>Data cleaning</a:t>
+            </a:r>
+          </a:p>
+        </p:txBody>
+      </p:sp>
+      <p:sp>
+        <p:nvSpPr>
+          <p:cNvPr id="7" name="Rechteck: abgerundete Ecken 6">
+            <a:extLst>
+              <a:ext uri="{FF2B5EF4-FFF2-40B4-BE49-F238E27FC236}">
+                <a16:creationId xmlns:a16="http://schemas.microsoft.com/office/drawing/2014/main" id="{5328E9F9-4FEB-4CA9-BDE9-77D2D2521915}"/>
+              </a:ext>
+            </a:extLst>
+          </p:cNvPr>
+          <p:cNvSpPr/>
+          <p:nvPr/>
+        </p:nvSpPr>
+        <p:spPr>
+          <a:xfrm>
+            <a:off x="5724294" y="1881188"/>
+            <a:ext cx="6132744" cy="4679950"/>
+          </a:xfrm>
+          <a:prstGeom prst="roundRect">
+            <a:avLst>
+              <a:gd name="adj" fmla="val 1538"/>
+            </a:avLst>
+          </a:prstGeom>
+          <a:solidFill>
+            <a:schemeClr val="bg1">
+              <a:alpha val="50000"/>
+            </a:schemeClr>
+          </a:solidFill>
+        </p:spPr>
+        <p:style>
+          <a:lnRef idx="2">
+            <a:schemeClr val="accent1">
+              <a:shade val="50000"/>
+            </a:schemeClr>
+          </a:lnRef>
+          <a:fillRef idx="1">
+            <a:schemeClr val="accent1"/>
+          </a:fillRef>
+          <a:effectRef idx="0">
+            <a:schemeClr val="accent1"/>
+          </a:effectRef>
+          <a:fontRef idx="minor">
+            <a:schemeClr val="lt1"/>
+          </a:fontRef>
+        </p:style>
+        <p:txBody>
+          <a:bodyPr rot="0" spcFirstLastPara="0" vertOverflow="overflow" horzOverflow="overflow" vert="horz" wrap="square" lIns="91440" tIns="504000" rIns="91440" bIns="45720" numCol="1" spcCol="0" rtlCol="0" fromWordArt="0" anchor="t" anchorCtr="0" forceAA="0" compatLnSpc="1">
+            <a:prstTxWarp prst="textNoShape">
+              <a:avLst/>
+            </a:prstTxWarp>
+            <a:noAutofit/>
+          </a:bodyPr>
+          <a:lstStyle/>
+          <a:p>
+            <a:pPr marL="74612"/>
+            <a:endParaRPr lang="de-DE" dirty="0">
+              <a:solidFill>
+                <a:schemeClr val="tx1"/>
+              </a:solidFill>
+            </a:endParaRPr>
+          </a:p>
+        </p:txBody>
+      </p:sp>
+      <p:sp>
+        <p:nvSpPr>
+          <p:cNvPr id="8" name="Rechteck: abgerundete Ecken 7">
+            <a:extLst>
+              <a:ext uri="{FF2B5EF4-FFF2-40B4-BE49-F238E27FC236}">
+                <a16:creationId xmlns:a16="http://schemas.microsoft.com/office/drawing/2014/main" id="{B145F034-CA28-4429-9ECA-815B8DF1EACD}"/>
+              </a:ext>
+            </a:extLst>
+          </p:cNvPr>
+          <p:cNvSpPr/>
+          <p:nvPr/>
+        </p:nvSpPr>
+        <p:spPr>
+          <a:xfrm>
+            <a:off x="5724294" y="1881187"/>
+            <a:ext cx="6132744" cy="400110"/>
+          </a:xfrm>
+          <a:prstGeom prst="roundRect">
+            <a:avLst/>
+          </a:prstGeom>
+          <a:solidFill>
+            <a:schemeClr val="accent1">
+              <a:lumMod val="75000"/>
+            </a:schemeClr>
+          </a:solidFill>
+          <a:ln>
+            <a:noFill/>
+          </a:ln>
+        </p:spPr>
+        <p:txBody>
+          <a:bodyPr wrap="square" lIns="180000" tIns="0" rIns="0" bIns="0" rtlCol="0" anchor="ctr" anchorCtr="0">
+            <a:noAutofit/>
+          </a:bodyPr>
+          <a:lstStyle/>
+          <a:p>
+            <a:pPr algn="ctr"/>
+            <a:r>
+              <a:rPr lang="en-US" sz="2000" b="1" dirty="0">
+                <a:solidFill>
+                  <a:schemeClr val="bg1"/>
+                </a:solidFill>
+              </a:rPr>
+              <a:t>Extending features</a:t>
+            </a:r>
+          </a:p>
+        </p:txBody>
+      </p:sp>
+      <p:sp>
+        <p:nvSpPr>
+          <p:cNvPr id="9" name="Textfeld 8">
+            <a:extLst>
+              <a:ext uri="{FF2B5EF4-FFF2-40B4-BE49-F238E27FC236}">
+                <a16:creationId xmlns:a16="http://schemas.microsoft.com/office/drawing/2014/main" id="{FAA80521-955A-4177-B426-181D0BC03FC3}"/>
+              </a:ext>
+            </a:extLst>
+          </p:cNvPr>
+          <p:cNvSpPr txBox="1"/>
+          <p:nvPr/>
+        </p:nvSpPr>
+        <p:spPr>
+          <a:xfrm>
+            <a:off x="6028313" y="2425152"/>
+            <a:ext cx="5680470" cy="2862322"/>
+          </a:xfrm>
+          <a:prstGeom prst="rect">
+            <a:avLst/>
+          </a:prstGeom>
+          <a:noFill/>
+        </p:spPr>
+        <p:txBody>
+          <a:bodyPr wrap="square" rtlCol="0">
+            <a:spAutoFit/>
+          </a:bodyPr>
+          <a:lstStyle/>
+          <a:p>
+            <a:r>
+              <a:rPr lang="en-US" dirty="0"/>
+              <a:t>Evolution of e.g.:</a:t>
+            </a:r>
+          </a:p>
+          <a:p>
+            <a:pPr marL="285750" indent="-195263">
+              <a:buFont typeface="Wingdings" panose="05000000000000000000" pitchFamily="2" charset="2"/>
+              <a:buChar char="§"/>
+            </a:pPr>
+            <a:r>
+              <a:rPr lang="en-US" dirty="0" err="1"/>
+              <a:t>word_count</a:t>
+            </a:r>
+            <a:r>
+              <a:rPr lang="en-US" dirty="0"/>
+              <a:t> - number of words in text</a:t>
+            </a:r>
+          </a:p>
+          <a:p>
+            <a:pPr marL="285750" indent="-195263">
+              <a:buFont typeface="Wingdings" panose="05000000000000000000" pitchFamily="2" charset="2"/>
+              <a:buChar char="§"/>
+            </a:pPr>
+            <a:r>
+              <a:rPr lang="en-US" dirty="0" err="1"/>
+              <a:t>unique_word_count</a:t>
+            </a:r>
+            <a:r>
+              <a:rPr lang="en-US" dirty="0"/>
+              <a:t> - number of unique words in text</a:t>
+            </a:r>
+          </a:p>
+          <a:p>
+            <a:pPr marL="285750" indent="-195263">
+              <a:buFont typeface="Wingdings" panose="05000000000000000000" pitchFamily="2" charset="2"/>
+              <a:buChar char="§"/>
+            </a:pPr>
+            <a:r>
+              <a:rPr lang="en-US" dirty="0" err="1"/>
+              <a:t>stop_word_count</a:t>
+            </a:r>
+            <a:r>
+              <a:rPr lang="en-US" dirty="0"/>
+              <a:t> - number of stop words in text</a:t>
+            </a:r>
+          </a:p>
+          <a:p>
+            <a:pPr marL="285750" indent="-195263">
+              <a:buFont typeface="Wingdings" panose="05000000000000000000" pitchFamily="2" charset="2"/>
+              <a:buChar char="§"/>
+            </a:pPr>
+            <a:r>
+              <a:rPr lang="en-US" dirty="0" err="1"/>
+              <a:t>url_count</a:t>
+            </a:r>
+            <a:r>
+              <a:rPr lang="en-US" dirty="0"/>
+              <a:t> - number of </a:t>
+            </a:r>
+            <a:r>
+              <a:rPr lang="en-US" dirty="0" err="1"/>
+              <a:t>urls</a:t>
+            </a:r>
+            <a:r>
+              <a:rPr lang="en-US" dirty="0"/>
+              <a:t> in text</a:t>
+            </a:r>
+          </a:p>
+          <a:p>
+            <a:pPr marL="285750" indent="-195263">
+              <a:buFont typeface="Wingdings" panose="05000000000000000000" pitchFamily="2" charset="2"/>
+              <a:buChar char="§"/>
+            </a:pPr>
+            <a:r>
+              <a:rPr lang="en-US" dirty="0" err="1"/>
+              <a:t>mean_word_length</a:t>
+            </a:r>
+            <a:r>
+              <a:rPr lang="en-US" dirty="0"/>
+              <a:t> - average character count in words</a:t>
+            </a:r>
+          </a:p>
+          <a:p>
+            <a:pPr marL="285750" indent="-195263">
+              <a:buFont typeface="Wingdings" panose="05000000000000000000" pitchFamily="2" charset="2"/>
+              <a:buChar char="§"/>
+            </a:pPr>
+            <a:r>
+              <a:rPr lang="en-US" dirty="0" err="1"/>
+              <a:t>char_count</a:t>
+            </a:r>
+            <a:r>
+              <a:rPr lang="en-US" dirty="0"/>
+              <a:t> - number of characters in text</a:t>
+            </a:r>
+          </a:p>
+          <a:p>
+            <a:pPr marL="285750" indent="-195263">
+              <a:buFont typeface="Wingdings" panose="05000000000000000000" pitchFamily="2" charset="2"/>
+              <a:buChar char="§"/>
+            </a:pPr>
+            <a:r>
+              <a:rPr lang="en-US" dirty="0" err="1"/>
+              <a:t>punctuation_count</a:t>
+            </a:r>
+            <a:r>
+              <a:rPr lang="en-US" dirty="0"/>
+              <a:t> - number of punctuations in text</a:t>
+            </a:r>
+          </a:p>
+          <a:p>
+            <a:pPr marL="285750" indent="-195263">
+              <a:buFont typeface="Wingdings" panose="05000000000000000000" pitchFamily="2" charset="2"/>
+              <a:buChar char="§"/>
+            </a:pPr>
+            <a:r>
+              <a:rPr lang="en-US" dirty="0" err="1"/>
+              <a:t>hashtag_count</a:t>
+            </a:r>
+            <a:r>
+              <a:rPr lang="en-US" dirty="0"/>
+              <a:t> - number of hashtags (#) in text</a:t>
+            </a:r>
+          </a:p>
+          <a:p>
+            <a:pPr marL="285750" indent="-195263">
+              <a:buFont typeface="Wingdings" panose="05000000000000000000" pitchFamily="2" charset="2"/>
+              <a:buChar char="§"/>
+            </a:pPr>
+            <a:r>
+              <a:rPr lang="en-US" dirty="0" err="1"/>
+              <a:t>mention_count</a:t>
+            </a:r>
+            <a:r>
+              <a:rPr lang="en-US" dirty="0"/>
+              <a:t> - number of mentions (@) in text</a:t>
+            </a:r>
+          </a:p>
+        </p:txBody>
+      </p:sp>
+    </p:spTree>
+    <p:extLst>
+      <p:ext uri="{BB962C8B-B14F-4D97-AF65-F5344CB8AC3E}">
+        <p14:creationId xmlns:p14="http://schemas.microsoft.com/office/powerpoint/2010/main" val="3975428283"/>
+      </p:ext>
+    </p:extLst>
+  </p:cSld>
+  <p:clrMapOvr>
+    <a:masterClrMapping/>
+  </p:clrMapOvr>
+</p:sld>
+</file>
+
+<file path=ppt/slides/slide6.xml><?xml version="1.0" encoding="utf-8"?>
 <p:sld xmlns:a="http://schemas.openxmlformats.org/drawingml/2006/main" xmlns:r="http://schemas.openxmlformats.org/officeDocument/2006/relationships" xmlns:p="http://schemas.openxmlformats.org/presentationml/2006/main">
   <p:cSld>
     <p:spTree>
@@ -8736,6 +11226,11 @@
             <a:avLst/>
           </a:prstGeom>
           <a:noFill/>
+          <a:ln>
+            <a:solidFill>
+              <a:schemeClr val="tx1"/>
+            </a:solidFill>
+          </a:ln>
           <a:extLst>
             <a:ext uri="{909E8E84-426E-40DD-AFC4-6F175D3DCCD1}">
               <a14:hiddenFill xmlns:a14="http://schemas.microsoft.com/office/drawing/2010/main">
@@ -8813,7 +11308,7 @@
         </p:nvSpPr>
         <p:spPr>
           <a:xfrm rot="5400000">
-            <a:off x="6420427" y="2569946"/>
+            <a:off x="6469522" y="1974201"/>
             <a:ext cx="726873" cy="197155"/>
           </a:xfrm>
           <a:prstGeom prst="triangle">
@@ -9099,42 +11594,12 @@
           </a:p>
         </p:txBody>
       </p:sp>
-    </p:spTree>
-    <p:extLst>
-      <p:ext uri="{BB962C8B-B14F-4D97-AF65-F5344CB8AC3E}">
-        <p14:creationId xmlns:p14="http://schemas.microsoft.com/office/powerpoint/2010/main" val="1141078196"/>
-      </p:ext>
-    </p:extLst>
-  </p:cSld>
-  <p:clrMapOvr>
-    <a:masterClrMapping/>
-  </p:clrMapOvr>
-</p:sld>
-</file>
-
-<file path=ppt/slides/slide6.xml><?xml version="1.0" encoding="utf-8"?>
-<p:sld xmlns:a="http://schemas.openxmlformats.org/drawingml/2006/main" xmlns:r="http://schemas.openxmlformats.org/officeDocument/2006/relationships" xmlns:p="http://schemas.openxmlformats.org/presentationml/2006/main">
-  <p:cSld>
-    <p:spTree>
-      <p:nvGrpSpPr>
-        <p:cNvPr id="1" name=""/>
-        <p:cNvGrpSpPr/>
-        <p:nvPr/>
-      </p:nvGrpSpPr>
-      <p:grpSpPr>
-        <a:xfrm>
-          <a:off x="0" y="0"/>
-          <a:ext cx="0" cy="0"/>
-          <a:chOff x="0" y="0"/>
-          <a:chExt cx="0" cy="0"/>
-        </a:xfrm>
-      </p:grpSpPr>
-      <p:sp>
-        <p:nvSpPr>
-          <p:cNvPr id="13" name="Rechteck: abgerundete Ecken 12">
-            <a:extLst>
-              <a:ext uri="{FF2B5EF4-FFF2-40B4-BE49-F238E27FC236}">
-                <a16:creationId xmlns:a16="http://schemas.microsoft.com/office/drawing/2014/main" id="{33254E9E-B287-428A-89BB-C25348E64F7C}"/>
+      <p:sp>
+        <p:nvSpPr>
+          <p:cNvPr id="2" name="Rechteck 1">
+            <a:extLst>
+              <a:ext uri="{FF2B5EF4-FFF2-40B4-BE49-F238E27FC236}">
+                <a16:creationId xmlns:a16="http://schemas.microsoft.com/office/drawing/2014/main" id="{E5106776-2F46-433F-8D1F-B30051C16C1C}"/>
               </a:ext>
             </a:extLst>
           </p:cNvPr>
@@ -9143,950 +11608,19 @@
         </p:nvSpPr>
         <p:spPr>
           <a:xfrm>
-            <a:off x="515939" y="1881189"/>
-            <a:ext cx="4816458" cy="4679950"/>
-          </a:xfrm>
-          <a:prstGeom prst="roundRect">
-            <a:avLst>
-              <a:gd name="adj" fmla="val 1538"/>
-            </a:avLst>
-          </a:prstGeom>
-          <a:solidFill>
-            <a:schemeClr val="bg1">
-              <a:alpha val="50000"/>
-            </a:schemeClr>
-          </a:solidFill>
-        </p:spPr>
-        <p:style>
-          <a:lnRef idx="2">
-            <a:schemeClr val="accent1">
-              <a:shade val="50000"/>
-            </a:schemeClr>
-          </a:lnRef>
-          <a:fillRef idx="1">
-            <a:schemeClr val="accent1"/>
-          </a:fillRef>
-          <a:effectRef idx="0">
-            <a:schemeClr val="accent1"/>
-          </a:effectRef>
-          <a:fontRef idx="minor">
-            <a:schemeClr val="lt1"/>
-          </a:fontRef>
-        </p:style>
-        <p:txBody>
-          <a:bodyPr rot="0" spcFirstLastPara="0" vertOverflow="overflow" horzOverflow="overflow" vert="horz" wrap="square" lIns="91440" tIns="504000" rIns="91440" bIns="45720" numCol="1" spcCol="0" rtlCol="0" fromWordArt="0" anchor="t" anchorCtr="0" forceAA="0" compatLnSpc="1">
-            <a:prstTxWarp prst="textNoShape">
-              <a:avLst/>
-            </a:prstTxWarp>
-            <a:noAutofit/>
-          </a:bodyPr>
-          <a:lstStyle/>
-          <a:p>
-            <a:pPr marL="74612"/>
-            <a:endParaRPr lang="de-DE" dirty="0">
-              <a:solidFill>
-                <a:schemeClr val="tx1"/>
-              </a:solidFill>
-            </a:endParaRPr>
-          </a:p>
-        </p:txBody>
-      </p:sp>
-      <p:sp>
-        <p:nvSpPr>
-          <p:cNvPr id="2" name="Titel 1">
-            <a:extLst>
-              <a:ext uri="{FF2B5EF4-FFF2-40B4-BE49-F238E27FC236}">
-                <a16:creationId xmlns:a16="http://schemas.microsoft.com/office/drawing/2014/main" id="{A70A41E8-31A6-4BC3-B8DC-4BA79463121B}"/>
-              </a:ext>
-            </a:extLst>
-          </p:cNvPr>
-          <p:cNvSpPr>
-            <a:spLocks noGrp="1"/>
-          </p:cNvSpPr>
-          <p:nvPr>
-            <p:ph type="title"/>
-          </p:nvPr>
-        </p:nvSpPr>
-        <p:spPr>
-          <a:xfrm>
-            <a:off x="515938" y="225425"/>
-            <a:ext cx="10837862" cy="1223963"/>
-          </a:xfrm>
-        </p:spPr>
-        <p:txBody>
-          <a:bodyPr>
-            <a:normAutofit/>
-          </a:bodyPr>
-          <a:lstStyle/>
-          <a:p>
-            <a:r>
-              <a:rPr lang="en-US" sz="4000" b="1" dirty="0">
-                <a:solidFill>
-                  <a:schemeClr val="accent1">
-                    <a:lumMod val="75000"/>
-                  </a:schemeClr>
-                </a:solidFill>
-              </a:rPr>
-              <a:t>Data Cleaning and extending features</a:t>
-            </a:r>
-            <a:endParaRPr lang="de-DE" sz="4000" b="1" dirty="0">
-              <a:solidFill>
-                <a:schemeClr val="accent1">
-                  <a:lumMod val="75000"/>
-                </a:schemeClr>
-              </a:solidFill>
-            </a:endParaRPr>
-          </a:p>
-        </p:txBody>
-      </p:sp>
-      <p:sp>
-        <p:nvSpPr>
-          <p:cNvPr id="3" name="Textfeld 2">
-            <a:extLst>
-              <a:ext uri="{FF2B5EF4-FFF2-40B4-BE49-F238E27FC236}">
-                <a16:creationId xmlns:a16="http://schemas.microsoft.com/office/drawing/2014/main" id="{D6640E94-96A4-4CBD-8836-13C47E12ED70}"/>
-              </a:ext>
-            </a:extLst>
-          </p:cNvPr>
-          <p:cNvSpPr txBox="1"/>
-          <p:nvPr/>
-        </p:nvSpPr>
-        <p:spPr>
-          <a:xfrm>
-            <a:off x="810257" y="2425152"/>
-            <a:ext cx="4310383" cy="4247317"/>
+            <a:off x="10474381" y="2752070"/>
+            <a:ext cx="1421554" cy="951132"/>
           </a:xfrm>
           <a:prstGeom prst="rect">
             <a:avLst/>
           </a:prstGeom>
-          <a:noFill/>
-        </p:spPr>
-        <p:txBody>
-          <a:bodyPr wrap="square" rtlCol="0">
-            <a:spAutoFit/>
-          </a:bodyPr>
-          <a:lstStyle/>
-          <a:p>
-            <a:r>
-              <a:rPr lang="en-US" dirty="0"/>
-              <a:t>TEXT of tweets:</a:t>
-            </a:r>
-          </a:p>
-          <a:p>
-            <a:pPr marL="285750" indent="-195263">
-              <a:buFont typeface="Wingdings" panose="05000000000000000000" pitchFamily="2" charset="2"/>
-              <a:buChar char="§"/>
-            </a:pPr>
-            <a:r>
-              <a:rPr lang="en-US" dirty="0"/>
-              <a:t>Removed hyper-links</a:t>
-            </a:r>
-          </a:p>
-          <a:p>
-            <a:pPr marL="285750" indent="-195263">
-              <a:buFont typeface="Wingdings" panose="05000000000000000000" pitchFamily="2" charset="2"/>
-              <a:buChar char="§"/>
-            </a:pPr>
-            <a:r>
-              <a:rPr lang="en-US" dirty="0"/>
-              <a:t>Removed punctuation</a:t>
-            </a:r>
-          </a:p>
-          <a:p>
-            <a:pPr marL="285750" indent="-195263">
-              <a:buFont typeface="Wingdings" panose="05000000000000000000" pitchFamily="2" charset="2"/>
-              <a:buChar char="§"/>
-            </a:pPr>
-            <a:r>
-              <a:rPr lang="en-US" dirty="0"/>
-              <a:t>Removed all non-letters and extra spaces</a:t>
-            </a:r>
-          </a:p>
-          <a:p>
-            <a:pPr marL="285750" indent="-195263">
-              <a:buFont typeface="Wingdings" panose="05000000000000000000" pitchFamily="2" charset="2"/>
-              <a:buChar char="§"/>
-            </a:pPr>
-            <a:r>
-              <a:rPr lang="en-US" dirty="0"/>
-              <a:t>Set all text to lowercase</a:t>
-            </a:r>
-          </a:p>
-          <a:p>
-            <a:pPr marL="285750" indent="-195263">
-              <a:buFont typeface="Wingdings" panose="05000000000000000000" pitchFamily="2" charset="2"/>
-              <a:buChar char="§"/>
-            </a:pPr>
-            <a:r>
-              <a:rPr lang="en-US" dirty="0" err="1"/>
-              <a:t>Stopwords</a:t>
-            </a:r>
-            <a:r>
-              <a:rPr lang="en-US" dirty="0"/>
-              <a:t> (</a:t>
-            </a:r>
-            <a:r>
-              <a:rPr lang="en-US" dirty="0" err="1"/>
-              <a:t>en</a:t>
-            </a:r>
-            <a:r>
-              <a:rPr lang="en-US" dirty="0"/>
-              <a:t>)</a:t>
-            </a:r>
-          </a:p>
-          <a:p>
-            <a:pPr marL="285750" indent="-195263">
-              <a:buFont typeface="Wingdings" panose="05000000000000000000" pitchFamily="2" charset="2"/>
-              <a:buChar char="§"/>
-            </a:pPr>
-            <a:r>
-              <a:rPr lang="de-DE" dirty="0" err="1"/>
-              <a:t>WordNetLemmatizer</a:t>
-            </a:r>
-            <a:r>
-              <a:rPr lang="de-DE" dirty="0"/>
-              <a:t>()</a:t>
-            </a:r>
-          </a:p>
-          <a:p>
-            <a:pPr marL="285750" indent="-195263">
-              <a:buFont typeface="Wingdings" panose="05000000000000000000" pitchFamily="2" charset="2"/>
-              <a:buChar char="§"/>
-            </a:pPr>
-            <a:r>
-              <a:rPr lang="de-DE" dirty="0" err="1"/>
-              <a:t>PorterStemmer</a:t>
-            </a:r>
-            <a:r>
-              <a:rPr lang="de-DE" dirty="0"/>
-              <a:t>()</a:t>
-            </a:r>
-          </a:p>
-          <a:p>
-            <a:endParaRPr lang="en-US" dirty="0"/>
-          </a:p>
-          <a:p>
-            <a:r>
-              <a:rPr lang="en-US" dirty="0"/>
-              <a:t>KEYWORD extracted of text:</a:t>
-            </a:r>
-          </a:p>
-          <a:p>
-            <a:pPr marL="285750" indent="-195263">
-              <a:buFont typeface="Wingdings" panose="05000000000000000000" pitchFamily="2" charset="2"/>
-              <a:buChar char="§"/>
-            </a:pPr>
-            <a:r>
-              <a:rPr lang="en-US" dirty="0"/>
-              <a:t>Cleaning as in text</a:t>
-            </a:r>
-          </a:p>
-          <a:p>
-            <a:pPr marL="90487"/>
-            <a:endParaRPr lang="en-US" dirty="0"/>
-          </a:p>
-          <a:p>
-            <a:r>
-              <a:rPr lang="en-US" dirty="0"/>
-              <a:t>LOCATION tweet was sent from:</a:t>
-            </a:r>
-          </a:p>
-          <a:p>
-            <a:pPr marL="285750" indent="-195263">
-              <a:buFont typeface="Wingdings" panose="05000000000000000000" pitchFamily="2" charset="2"/>
-              <a:buChar char="§"/>
-            </a:pPr>
-            <a:r>
-              <a:rPr lang="de-DE" dirty="0" err="1"/>
-              <a:t>My</a:t>
-            </a:r>
-            <a:r>
-              <a:rPr lang="de-DE" dirty="0"/>
-              <a:t> </a:t>
-            </a:r>
-            <a:r>
-              <a:rPr lang="de-DE" dirty="0" err="1"/>
-              <a:t>Spacy</a:t>
-            </a:r>
-            <a:r>
-              <a:rPr lang="de-DE" dirty="0"/>
-              <a:t> LOC &amp; GPE</a:t>
-            </a:r>
-            <a:endParaRPr lang="en-US" dirty="0"/>
-          </a:p>
-          <a:p>
-            <a:pPr marL="90487"/>
-            <a:endParaRPr lang="en-US" dirty="0"/>
-          </a:p>
-        </p:txBody>
-      </p:sp>
-      <p:sp>
-        <p:nvSpPr>
-          <p:cNvPr id="14" name="Rechteck: abgerundete Ecken 13">
-            <a:extLst>
-              <a:ext uri="{FF2B5EF4-FFF2-40B4-BE49-F238E27FC236}">
-                <a16:creationId xmlns:a16="http://schemas.microsoft.com/office/drawing/2014/main" id="{6AF5BE03-8155-4CCD-86EC-454EA4F8EA66}"/>
-              </a:ext>
-            </a:extLst>
-          </p:cNvPr>
-          <p:cNvSpPr/>
-          <p:nvPr/>
-        </p:nvSpPr>
-        <p:spPr>
-          <a:xfrm>
-            <a:off x="515939" y="1881188"/>
-            <a:ext cx="4816458" cy="400110"/>
-          </a:xfrm>
-          <a:prstGeom prst="roundRect">
-            <a:avLst/>
-          </a:prstGeom>
           <a:solidFill>
-            <a:schemeClr val="accent1">
-              <a:lumMod val="75000"/>
-            </a:schemeClr>
+            <a:schemeClr val="bg1"/>
           </a:solidFill>
-          <a:ln>
-            <a:noFill/>
-          </a:ln>
-        </p:spPr>
-        <p:txBody>
-          <a:bodyPr wrap="square" lIns="180000" tIns="0" rIns="0" bIns="0" rtlCol="0" anchor="ctr" anchorCtr="0">
-            <a:noAutofit/>
-          </a:bodyPr>
-          <a:lstStyle/>
-          <a:p>
-            <a:pPr algn="ctr"/>
-            <a:r>
-              <a:rPr lang="en-US" sz="2000" b="1" dirty="0">
-                <a:solidFill>
-                  <a:schemeClr val="bg1"/>
-                </a:solidFill>
-              </a:rPr>
-              <a:t>Data Cleaning</a:t>
-            </a:r>
-          </a:p>
-        </p:txBody>
-      </p:sp>
-      <p:sp>
-        <p:nvSpPr>
-          <p:cNvPr id="7" name="Rechteck: abgerundete Ecken 6">
-            <a:extLst>
-              <a:ext uri="{FF2B5EF4-FFF2-40B4-BE49-F238E27FC236}">
-                <a16:creationId xmlns:a16="http://schemas.microsoft.com/office/drawing/2014/main" id="{5328E9F9-4FEB-4CA9-BDE9-77D2D2521915}"/>
-              </a:ext>
-            </a:extLst>
-          </p:cNvPr>
-          <p:cNvSpPr/>
-          <p:nvPr/>
-        </p:nvSpPr>
-        <p:spPr>
-          <a:xfrm>
-            <a:off x="5724294" y="1881188"/>
-            <a:ext cx="6132744" cy="4679950"/>
-          </a:xfrm>
-          <a:prstGeom prst="roundRect">
-            <a:avLst>
-              <a:gd name="adj" fmla="val 1538"/>
-            </a:avLst>
-          </a:prstGeom>
-          <a:solidFill>
-            <a:schemeClr val="bg1">
-              <a:alpha val="50000"/>
-            </a:schemeClr>
-          </a:solidFill>
-        </p:spPr>
-        <p:style>
-          <a:lnRef idx="2">
-            <a:schemeClr val="accent1">
-              <a:shade val="50000"/>
-            </a:schemeClr>
-          </a:lnRef>
-          <a:fillRef idx="1">
-            <a:schemeClr val="accent1"/>
-          </a:fillRef>
-          <a:effectRef idx="0">
-            <a:schemeClr val="accent1"/>
-          </a:effectRef>
-          <a:fontRef idx="minor">
-            <a:schemeClr val="lt1"/>
-          </a:fontRef>
-        </p:style>
-        <p:txBody>
-          <a:bodyPr rot="0" spcFirstLastPara="0" vertOverflow="overflow" horzOverflow="overflow" vert="horz" wrap="square" lIns="91440" tIns="504000" rIns="91440" bIns="45720" numCol="1" spcCol="0" rtlCol="0" fromWordArt="0" anchor="t" anchorCtr="0" forceAA="0" compatLnSpc="1">
-            <a:prstTxWarp prst="textNoShape">
-              <a:avLst/>
-            </a:prstTxWarp>
-            <a:noAutofit/>
-          </a:bodyPr>
-          <a:lstStyle/>
-          <a:p>
-            <a:pPr marL="74612"/>
-            <a:endParaRPr lang="de-DE" dirty="0">
-              <a:solidFill>
-                <a:schemeClr val="tx1"/>
-              </a:solidFill>
-            </a:endParaRPr>
-          </a:p>
-        </p:txBody>
-      </p:sp>
-      <p:sp>
-        <p:nvSpPr>
-          <p:cNvPr id="8" name="Rechteck: abgerundete Ecken 7">
-            <a:extLst>
-              <a:ext uri="{FF2B5EF4-FFF2-40B4-BE49-F238E27FC236}">
-                <a16:creationId xmlns:a16="http://schemas.microsoft.com/office/drawing/2014/main" id="{B145F034-CA28-4429-9ECA-815B8DF1EACD}"/>
-              </a:ext>
-            </a:extLst>
-          </p:cNvPr>
-          <p:cNvSpPr/>
-          <p:nvPr/>
-        </p:nvSpPr>
-        <p:spPr>
-          <a:xfrm>
-            <a:off x="5724294" y="1881187"/>
-            <a:ext cx="6132744" cy="400110"/>
-          </a:xfrm>
-          <a:prstGeom prst="roundRect">
-            <a:avLst/>
-          </a:prstGeom>
-          <a:solidFill>
-            <a:schemeClr val="accent1">
-              <a:lumMod val="75000"/>
-            </a:schemeClr>
-          </a:solidFill>
-          <a:ln>
-            <a:noFill/>
-          </a:ln>
-        </p:spPr>
-        <p:txBody>
-          <a:bodyPr wrap="square" lIns="180000" tIns="0" rIns="0" bIns="0" rtlCol="0" anchor="ctr" anchorCtr="0">
-            <a:noAutofit/>
-          </a:bodyPr>
-          <a:lstStyle/>
-          <a:p>
-            <a:pPr algn="ctr"/>
-            <a:r>
-              <a:rPr lang="en-US" sz="2000" b="1" dirty="0">
-                <a:solidFill>
-                  <a:schemeClr val="bg1"/>
-                </a:solidFill>
-              </a:rPr>
-              <a:t>Extending features</a:t>
-            </a:r>
-          </a:p>
-        </p:txBody>
-      </p:sp>
-      <p:sp>
-        <p:nvSpPr>
-          <p:cNvPr id="9" name="Textfeld 8">
-            <a:extLst>
-              <a:ext uri="{FF2B5EF4-FFF2-40B4-BE49-F238E27FC236}">
-                <a16:creationId xmlns:a16="http://schemas.microsoft.com/office/drawing/2014/main" id="{FAA80521-955A-4177-B426-181D0BC03FC3}"/>
-              </a:ext>
-            </a:extLst>
-          </p:cNvPr>
-          <p:cNvSpPr txBox="1"/>
-          <p:nvPr/>
-        </p:nvSpPr>
-        <p:spPr>
-          <a:xfrm>
-            <a:off x="6028313" y="2425152"/>
-            <a:ext cx="5680470" cy="2862322"/>
-          </a:xfrm>
-          <a:prstGeom prst="rect">
-            <a:avLst/>
-          </a:prstGeom>
-          <a:noFill/>
-        </p:spPr>
-        <p:txBody>
-          <a:bodyPr wrap="square" rtlCol="0">
-            <a:spAutoFit/>
-          </a:bodyPr>
-          <a:lstStyle/>
-          <a:p>
-            <a:r>
-              <a:rPr lang="en-US" dirty="0"/>
-              <a:t>Evolution of e.g.:</a:t>
-            </a:r>
-          </a:p>
-          <a:p>
-            <a:pPr marL="285750" indent="-195263">
-              <a:buFont typeface="Wingdings" panose="05000000000000000000" pitchFamily="2" charset="2"/>
-              <a:buChar char="§"/>
-            </a:pPr>
-            <a:r>
-              <a:rPr lang="en-US" dirty="0" err="1"/>
-              <a:t>word_count</a:t>
-            </a:r>
-            <a:r>
-              <a:rPr lang="en-US" dirty="0"/>
-              <a:t> - number of words in text</a:t>
-            </a:r>
-          </a:p>
-          <a:p>
-            <a:pPr marL="285750" indent="-195263">
-              <a:buFont typeface="Wingdings" panose="05000000000000000000" pitchFamily="2" charset="2"/>
-              <a:buChar char="§"/>
-            </a:pPr>
-            <a:r>
-              <a:rPr lang="en-US" dirty="0" err="1"/>
-              <a:t>unique_word_count</a:t>
-            </a:r>
-            <a:r>
-              <a:rPr lang="en-US" dirty="0"/>
-              <a:t> - number of unique words in text</a:t>
-            </a:r>
-          </a:p>
-          <a:p>
-            <a:pPr marL="285750" indent="-195263">
-              <a:buFont typeface="Wingdings" panose="05000000000000000000" pitchFamily="2" charset="2"/>
-              <a:buChar char="§"/>
-            </a:pPr>
-            <a:r>
-              <a:rPr lang="en-US" dirty="0" err="1"/>
-              <a:t>stop_word_count</a:t>
-            </a:r>
-            <a:r>
-              <a:rPr lang="en-US" dirty="0"/>
-              <a:t> - number of stop words in text</a:t>
-            </a:r>
-          </a:p>
-          <a:p>
-            <a:pPr marL="285750" indent="-195263">
-              <a:buFont typeface="Wingdings" panose="05000000000000000000" pitchFamily="2" charset="2"/>
-              <a:buChar char="§"/>
-            </a:pPr>
-            <a:r>
-              <a:rPr lang="en-US" dirty="0" err="1"/>
-              <a:t>url_count</a:t>
-            </a:r>
-            <a:r>
-              <a:rPr lang="en-US" dirty="0"/>
-              <a:t> - number of </a:t>
-            </a:r>
-            <a:r>
-              <a:rPr lang="en-US" dirty="0" err="1"/>
-              <a:t>urls</a:t>
-            </a:r>
-            <a:r>
-              <a:rPr lang="en-US" dirty="0"/>
-              <a:t> in text</a:t>
-            </a:r>
-          </a:p>
-          <a:p>
-            <a:pPr marL="285750" indent="-195263">
-              <a:buFont typeface="Wingdings" panose="05000000000000000000" pitchFamily="2" charset="2"/>
-              <a:buChar char="§"/>
-            </a:pPr>
-            <a:r>
-              <a:rPr lang="en-US" dirty="0" err="1"/>
-              <a:t>mean_word_length</a:t>
-            </a:r>
-            <a:r>
-              <a:rPr lang="en-US" dirty="0"/>
-              <a:t> - average character count in words</a:t>
-            </a:r>
-          </a:p>
-          <a:p>
-            <a:pPr marL="285750" indent="-195263">
-              <a:buFont typeface="Wingdings" panose="05000000000000000000" pitchFamily="2" charset="2"/>
-              <a:buChar char="§"/>
-            </a:pPr>
-            <a:r>
-              <a:rPr lang="en-US" dirty="0" err="1"/>
-              <a:t>char_count</a:t>
-            </a:r>
-            <a:r>
-              <a:rPr lang="en-US" dirty="0"/>
-              <a:t> - number of characters in text</a:t>
-            </a:r>
-          </a:p>
-          <a:p>
-            <a:pPr marL="285750" indent="-195263">
-              <a:buFont typeface="Wingdings" panose="05000000000000000000" pitchFamily="2" charset="2"/>
-              <a:buChar char="§"/>
-            </a:pPr>
-            <a:r>
-              <a:rPr lang="en-US" dirty="0" err="1"/>
-              <a:t>punctuation_count</a:t>
-            </a:r>
-            <a:r>
-              <a:rPr lang="en-US" dirty="0"/>
-              <a:t> - number of punctuations in text</a:t>
-            </a:r>
-          </a:p>
-          <a:p>
-            <a:pPr marL="285750" indent="-195263">
-              <a:buFont typeface="Wingdings" panose="05000000000000000000" pitchFamily="2" charset="2"/>
-              <a:buChar char="§"/>
-            </a:pPr>
-            <a:r>
-              <a:rPr lang="en-US" dirty="0" err="1"/>
-              <a:t>hashtag_count</a:t>
-            </a:r>
-            <a:r>
-              <a:rPr lang="en-US" dirty="0"/>
-              <a:t> - number of hashtags (#) in text</a:t>
-            </a:r>
-          </a:p>
-          <a:p>
-            <a:pPr marL="285750" indent="-195263">
-              <a:buFont typeface="Wingdings" panose="05000000000000000000" pitchFamily="2" charset="2"/>
-              <a:buChar char="§"/>
-            </a:pPr>
-            <a:r>
-              <a:rPr lang="en-US" dirty="0" err="1"/>
-              <a:t>mention_count</a:t>
-            </a:r>
-            <a:r>
-              <a:rPr lang="en-US" dirty="0"/>
-              <a:t> - number of mentions (@) in text</a:t>
-            </a:r>
-          </a:p>
-        </p:txBody>
-      </p:sp>
-    </p:spTree>
-    <p:extLst>
-      <p:ext uri="{BB962C8B-B14F-4D97-AF65-F5344CB8AC3E}">
-        <p14:creationId xmlns:p14="http://schemas.microsoft.com/office/powerpoint/2010/main" val="3975428283"/>
-      </p:ext>
-    </p:extLst>
-  </p:cSld>
-  <p:clrMapOvr>
-    <a:masterClrMapping/>
-  </p:clrMapOvr>
-</p:sld>
-</file>
-
-<file path=ppt/slides/slide7.xml><?xml version="1.0" encoding="utf-8"?>
-<p:sld xmlns:a="http://schemas.openxmlformats.org/drawingml/2006/main" xmlns:r="http://schemas.openxmlformats.org/officeDocument/2006/relationships" xmlns:p="http://schemas.openxmlformats.org/presentationml/2006/main">
-  <p:cSld>
-    <p:spTree>
-      <p:nvGrpSpPr>
-        <p:cNvPr id="1" name=""/>
-        <p:cNvGrpSpPr/>
-        <p:nvPr/>
-      </p:nvGrpSpPr>
-      <p:grpSpPr>
-        <a:xfrm>
-          <a:off x="0" y="0"/>
-          <a:ext cx="0" cy="0"/>
-          <a:chOff x="0" y="0"/>
-          <a:chExt cx="0" cy="0"/>
-        </a:xfrm>
-      </p:grpSpPr>
-      <p:grpSp>
-        <p:nvGrpSpPr>
-          <p:cNvPr id="33" name="Gruppieren 32">
-            <a:extLst>
-              <a:ext uri="{FF2B5EF4-FFF2-40B4-BE49-F238E27FC236}">
-                <a16:creationId xmlns:a16="http://schemas.microsoft.com/office/drawing/2014/main" id="{59F2B34D-4BCF-4E7E-A96F-FBAD815EA4E6}"/>
-              </a:ext>
-            </a:extLst>
-          </p:cNvPr>
-          <p:cNvGrpSpPr/>
-          <p:nvPr/>
-        </p:nvGrpSpPr>
-        <p:grpSpPr>
-          <a:xfrm>
-            <a:off x="47813" y="1449388"/>
-            <a:ext cx="12194723" cy="5100637"/>
-            <a:chOff x="-8169" y="1596060"/>
-            <a:chExt cx="12194723" cy="4899930"/>
-          </a:xfrm>
-        </p:grpSpPr>
-        <p:sp>
-          <p:nvSpPr>
-            <p:cNvPr id="34" name="Rechteck: abgerundete Ecken 33">
-              <a:extLst>
-                <a:ext uri="{FF2B5EF4-FFF2-40B4-BE49-F238E27FC236}">
-                  <a16:creationId xmlns:a16="http://schemas.microsoft.com/office/drawing/2014/main" id="{8A3D60E8-0FAF-4375-A6C0-85017941BA66}"/>
-                </a:ext>
-              </a:extLst>
-            </p:cNvPr>
-            <p:cNvSpPr/>
-            <p:nvPr/>
-          </p:nvSpPr>
-          <p:spPr>
-            <a:xfrm>
-              <a:off x="-5446" y="1596060"/>
-              <a:ext cx="12192000" cy="4899930"/>
-            </a:xfrm>
-            <a:prstGeom prst="roundRect">
-              <a:avLst>
-                <a:gd name="adj" fmla="val 0"/>
-              </a:avLst>
-            </a:prstGeom>
+          <a:ln w="6350">
             <a:solidFill>
-              <a:schemeClr val="bg1">
-                <a:alpha val="50000"/>
-              </a:schemeClr>
+              <a:schemeClr val="tx1"/>
             </a:solidFill>
-            <a:ln>
-              <a:noFill/>
-            </a:ln>
-          </p:spPr>
-          <p:style>
-            <a:lnRef idx="2">
-              <a:schemeClr val="accent1">
-                <a:shade val="50000"/>
-              </a:schemeClr>
-            </a:lnRef>
-            <a:fillRef idx="1">
-              <a:schemeClr val="accent1"/>
-            </a:fillRef>
-            <a:effectRef idx="0">
-              <a:schemeClr val="accent1"/>
-            </a:effectRef>
-            <a:fontRef idx="minor">
-              <a:schemeClr val="lt1"/>
-            </a:fontRef>
-          </p:style>
-          <p:txBody>
-            <a:bodyPr rot="0" spcFirstLastPara="0" vertOverflow="overflow" horzOverflow="overflow" vert="horz" wrap="square" lIns="91440" tIns="45720" rIns="91440" bIns="45720" numCol="1" spcCol="0" rtlCol="0" fromWordArt="0" anchor="ctr" anchorCtr="0" forceAA="0" compatLnSpc="1">
-              <a:prstTxWarp prst="textNoShape">
-                <a:avLst/>
-              </a:prstTxWarp>
-              <a:noAutofit/>
-            </a:bodyPr>
-            <a:lstStyle/>
-            <a:p>
-              <a:pPr algn="ctr"/>
-              <a:endParaRPr lang="de-DE" dirty="0"/>
-            </a:p>
-          </p:txBody>
-        </p:sp>
-        <p:cxnSp>
-          <p:nvCxnSpPr>
-            <p:cNvPr id="35" name="Gerader Verbinder 34">
-              <a:extLst>
-                <a:ext uri="{FF2B5EF4-FFF2-40B4-BE49-F238E27FC236}">
-                  <a16:creationId xmlns:a16="http://schemas.microsoft.com/office/drawing/2014/main" id="{BDC2AE71-BA44-4EFD-9219-797B85111ECD}"/>
-                </a:ext>
-              </a:extLst>
-            </p:cNvPr>
-            <p:cNvCxnSpPr>
-              <a:cxnSpLocks/>
-            </p:cNvCxnSpPr>
-            <p:nvPr/>
-          </p:nvCxnSpPr>
-          <p:spPr>
-            <a:xfrm>
-              <a:off x="-5446" y="1596060"/>
-              <a:ext cx="12192000" cy="0"/>
-            </a:xfrm>
-            <a:prstGeom prst="line">
-              <a:avLst/>
-            </a:prstGeom>
-          </p:spPr>
-          <p:style>
-            <a:lnRef idx="1">
-              <a:schemeClr val="accent1"/>
-            </a:lnRef>
-            <a:fillRef idx="0">
-              <a:schemeClr val="accent1"/>
-            </a:fillRef>
-            <a:effectRef idx="0">
-              <a:schemeClr val="accent1"/>
-            </a:effectRef>
-            <a:fontRef idx="minor">
-              <a:schemeClr val="tx1"/>
-            </a:fontRef>
-          </p:style>
-        </p:cxnSp>
-        <p:cxnSp>
-          <p:nvCxnSpPr>
-            <p:cNvPr id="36" name="Gerader Verbinder 35">
-              <a:extLst>
-                <a:ext uri="{FF2B5EF4-FFF2-40B4-BE49-F238E27FC236}">
-                  <a16:creationId xmlns:a16="http://schemas.microsoft.com/office/drawing/2014/main" id="{CBFE3739-9D03-418E-89A2-FCCF7981A5CF}"/>
-                </a:ext>
-              </a:extLst>
-            </p:cNvPr>
-            <p:cNvCxnSpPr>
-              <a:cxnSpLocks/>
-            </p:cNvCxnSpPr>
-            <p:nvPr/>
-          </p:nvCxnSpPr>
-          <p:spPr>
-            <a:xfrm>
-              <a:off x="-8169" y="6495990"/>
-              <a:ext cx="12192000" cy="0"/>
-            </a:xfrm>
-            <a:prstGeom prst="line">
-              <a:avLst/>
-            </a:prstGeom>
-          </p:spPr>
-          <p:style>
-            <a:lnRef idx="1">
-              <a:schemeClr val="accent1"/>
-            </a:lnRef>
-            <a:fillRef idx="0">
-              <a:schemeClr val="accent1"/>
-            </a:fillRef>
-            <a:effectRef idx="0">
-              <a:schemeClr val="accent1"/>
-            </a:effectRef>
-            <a:fontRef idx="minor">
-              <a:schemeClr val="tx1"/>
-            </a:fontRef>
-          </p:style>
-        </p:cxnSp>
-      </p:grpSp>
-      <p:sp>
-        <p:nvSpPr>
-          <p:cNvPr id="3" name="Titel 1">
-            <a:extLst>
-              <a:ext uri="{FF2B5EF4-FFF2-40B4-BE49-F238E27FC236}">
-                <a16:creationId xmlns:a16="http://schemas.microsoft.com/office/drawing/2014/main" id="{7F0DE1B4-88BD-4A2B-9D45-42C6AD3F656C}"/>
-              </a:ext>
-            </a:extLst>
-          </p:cNvPr>
-          <p:cNvSpPr txBox="1">
-            <a:spLocks/>
-          </p:cNvSpPr>
-          <p:nvPr/>
-        </p:nvSpPr>
-        <p:spPr>
-          <a:xfrm>
-            <a:off x="515938" y="225425"/>
-            <a:ext cx="10837862" cy="1223963"/>
-          </a:xfrm>
-          <a:prstGeom prst="rect">
-            <a:avLst/>
-          </a:prstGeom>
-        </p:spPr>
-        <p:txBody>
-          <a:bodyPr vert="horz" lIns="91440" tIns="45720" rIns="91440" bIns="45720" rtlCol="0" anchor="ctr">
-            <a:normAutofit/>
-          </a:bodyPr>
-          <a:lstStyle>
-            <a:lvl1pPr algn="l" defTabSz="914400" rtl="0" eaLnBrk="1" latinLnBrk="0" hangingPunct="1">
-              <a:lnSpc>
-                <a:spcPct val="90000"/>
-              </a:lnSpc>
-              <a:spcBef>
-                <a:spcPct val="0"/>
-              </a:spcBef>
-              <a:buNone/>
-              <a:defRPr sz="4400" kern="1200">
-                <a:solidFill>
-                  <a:schemeClr val="tx1"/>
-                </a:solidFill>
-                <a:latin typeface="+mj-lt"/>
-                <a:ea typeface="+mj-ea"/>
-                <a:cs typeface="+mj-cs"/>
-              </a:defRPr>
-            </a:lvl1pPr>
-          </a:lstStyle>
-          <a:p>
-            <a:r>
-              <a:rPr lang="en-US" sz="4000" b="1" dirty="0">
-                <a:solidFill>
-                  <a:schemeClr val="accent1">
-                    <a:lumMod val="75000"/>
-                  </a:schemeClr>
-                </a:solidFill>
-              </a:rPr>
-              <a:t>Evaluation of basis models</a:t>
-            </a:r>
-            <a:br>
-              <a:rPr lang="en-US" sz="4000" b="1" dirty="0">
-                <a:solidFill>
-                  <a:schemeClr val="accent1">
-                    <a:lumMod val="75000"/>
-                  </a:schemeClr>
-                </a:solidFill>
-              </a:rPr>
-            </a:br>
-            <a:r>
-              <a:rPr lang="en-US" sz="4000" b="1" dirty="0">
-                <a:solidFill>
-                  <a:schemeClr val="accent1">
-                    <a:lumMod val="75000"/>
-                  </a:schemeClr>
-                </a:solidFill>
-              </a:rPr>
-              <a:t>Pipe: Vectorized word counting (</a:t>
-            </a:r>
-            <a:r>
-              <a:rPr lang="en-US" sz="4000" b="1" dirty="0" err="1">
-                <a:solidFill>
-                  <a:schemeClr val="accent1">
-                    <a:lumMod val="75000"/>
-                  </a:schemeClr>
-                </a:solidFill>
-              </a:rPr>
-              <a:t>TFiDF</a:t>
-            </a:r>
-            <a:r>
-              <a:rPr lang="en-US" sz="4000" b="1" dirty="0">
-                <a:solidFill>
-                  <a:schemeClr val="accent1">
-                    <a:lumMod val="75000"/>
-                  </a:schemeClr>
-                </a:solidFill>
-              </a:rPr>
-              <a:t>, </a:t>
-            </a:r>
-            <a:r>
-              <a:rPr lang="en-US" sz="4000" b="1" dirty="0" err="1">
-                <a:solidFill>
-                  <a:schemeClr val="accent1">
-                    <a:lumMod val="75000"/>
-                  </a:schemeClr>
-                </a:solidFill>
-              </a:rPr>
-              <a:t>MNaiveBayes</a:t>
-            </a:r>
-            <a:r>
-              <a:rPr lang="en-US" sz="4000" b="1" dirty="0">
-                <a:solidFill>
-                  <a:schemeClr val="accent1">
-                    <a:lumMod val="75000"/>
-                  </a:schemeClr>
-                </a:solidFill>
-              </a:rPr>
-              <a:t>)</a:t>
-            </a:r>
-            <a:endParaRPr lang="en-US" sz="3900" b="1" dirty="0">
-              <a:solidFill>
-                <a:schemeClr val="accent1">
-                  <a:lumMod val="75000"/>
-                </a:schemeClr>
-              </a:solidFill>
-            </a:endParaRPr>
-          </a:p>
-        </p:txBody>
-      </p:sp>
-      <p:sp>
-        <p:nvSpPr>
-          <p:cNvPr id="6" name="Pfeil: nach rechts 5">
-            <a:extLst>
-              <a:ext uri="{FF2B5EF4-FFF2-40B4-BE49-F238E27FC236}">
-                <a16:creationId xmlns:a16="http://schemas.microsoft.com/office/drawing/2014/main" id="{9974AD75-8C7D-40BF-BB7A-C1F396FD03F6}"/>
-              </a:ext>
-            </a:extLst>
-          </p:cNvPr>
-          <p:cNvSpPr/>
-          <p:nvPr/>
-        </p:nvSpPr>
-        <p:spPr>
-          <a:xfrm>
-            <a:off x="2446328" y="6459366"/>
-            <a:ext cx="2160000" cy="216000"/>
-          </a:xfrm>
-          <a:prstGeom prst="rightArrow">
-            <a:avLst>
-              <a:gd name="adj1" fmla="val 100000"/>
-              <a:gd name="adj2" fmla="val 50000"/>
-            </a:avLst>
-          </a:prstGeom>
-          <a:solidFill>
-            <a:srgbClr val="FF0000"/>
-          </a:solidFill>
-          <a:ln>
-            <a:noFill/>
           </a:ln>
         </p:spPr>
         <p:style>
@@ -10111,19 +11645,33 @@
           <a:p>
             <a:pPr algn="ctr"/>
             <a:r>
-              <a:rPr lang="en-US" b="1"/>
-              <a:t>Train</a:t>
-            </a:r>
-            <a:endParaRPr lang="en-US"/>
+              <a:rPr lang="en-US" sz="1400" dirty="0">
+                <a:solidFill>
+                  <a:schemeClr val="tx1"/>
+                </a:solidFill>
+              </a:rPr>
+              <a:t>Accuracy</a:t>
+            </a:r>
+          </a:p>
+          <a:p>
+            <a:pPr algn="ctr"/>
+            <a:r>
+              <a:rPr lang="en-US" sz="1400" dirty="0">
+                <a:solidFill>
+                  <a:schemeClr val="tx1"/>
+                </a:solidFill>
+              </a:rPr>
+              <a:t>with regex &amp; porter stemmer: 0,725</a:t>
+            </a:r>
           </a:p>
         </p:txBody>
       </p:sp>
       <p:sp>
         <p:nvSpPr>
-          <p:cNvPr id="22" name="Pfeil: nach rechts 21">
-            <a:extLst>
-              <a:ext uri="{FF2B5EF4-FFF2-40B4-BE49-F238E27FC236}">
-                <a16:creationId xmlns:a16="http://schemas.microsoft.com/office/drawing/2014/main" id="{ED7994C1-08AA-4EB1-8F9E-DF3DF776F368}"/>
+          <p:cNvPr id="17" name="Rechteck 16">
+            <a:extLst>
+              <a:ext uri="{FF2B5EF4-FFF2-40B4-BE49-F238E27FC236}">
+                <a16:creationId xmlns:a16="http://schemas.microsoft.com/office/drawing/2014/main" id="{6AD5D70E-9217-4A82-87A3-6E3CFCDA00CA}"/>
               </a:ext>
             </a:extLst>
           </p:cNvPr>
@@ -10132,20 +11680,19 @@
         </p:nvSpPr>
         <p:spPr>
           <a:xfrm>
-            <a:off x="5455298" y="6459366"/>
-            <a:ext cx="2160000" cy="216000"/>
+            <a:off x="5095893" y="2752070"/>
+            <a:ext cx="1348412" cy="986771"/>
           </a:xfrm>
-          <a:prstGeom prst="rightArrow">
-            <a:avLst>
-              <a:gd name="adj1" fmla="val 100000"/>
-              <a:gd name="adj2" fmla="val 50000"/>
-            </a:avLst>
+          <a:prstGeom prst="rect">
+            <a:avLst/>
           </a:prstGeom>
           <a:solidFill>
-            <a:srgbClr val="FFC000"/>
+            <a:schemeClr val="bg1"/>
           </a:solidFill>
-          <a:ln>
-            <a:noFill/>
+          <a:ln w="6350">
+            <a:solidFill>
+              <a:schemeClr val="tx1"/>
+            </a:solidFill>
           </a:ln>
         </p:spPr>
         <p:style>
@@ -10165,537 +11712,52 @@
           </a:fontRef>
         </p:style>
         <p:txBody>
-          <a:bodyPr rtlCol="0" anchor="ctr"/>
+          <a:bodyPr rot="0" spcFirstLastPara="0" vertOverflow="overflow" horzOverflow="overflow" vert="horz" wrap="square" lIns="91440" tIns="45720" rIns="91440" bIns="45720" numCol="1" spcCol="0" rtlCol="0" fromWordArt="0" anchor="ctr" anchorCtr="0" forceAA="0" compatLnSpc="1">
+            <a:prstTxWarp prst="textNoShape">
+              <a:avLst/>
+            </a:prstTxWarp>
+            <a:noAutofit/>
+          </a:bodyPr>
           <a:lstStyle/>
           <a:p>
             <a:pPr algn="ctr"/>
             <a:r>
-              <a:rPr lang="en-US" b="1" dirty="0"/>
-              <a:t>Test</a:t>
-            </a:r>
-            <a:endParaRPr lang="en-US" dirty="0"/>
-          </a:p>
-        </p:txBody>
-      </p:sp>
-      <p:sp>
-        <p:nvSpPr>
-          <p:cNvPr id="23" name="Pfeil: nach rechts 22">
-            <a:extLst>
-              <a:ext uri="{FF2B5EF4-FFF2-40B4-BE49-F238E27FC236}">
-                <a16:creationId xmlns:a16="http://schemas.microsoft.com/office/drawing/2014/main" id="{0FBA07CE-9EE4-4709-946A-B1D8FBAF30C7}"/>
-              </a:ext>
-            </a:extLst>
-          </p:cNvPr>
-          <p:cNvSpPr/>
-          <p:nvPr/>
-        </p:nvSpPr>
-        <p:spPr>
-          <a:xfrm>
-            <a:off x="8540051" y="6459366"/>
-            <a:ext cx="2880000" cy="216000"/>
-          </a:xfrm>
-          <a:prstGeom prst="rightArrow">
-            <a:avLst>
-              <a:gd name="adj1" fmla="val 100000"/>
-              <a:gd name="adj2" fmla="val 50000"/>
-            </a:avLst>
-          </a:prstGeom>
-          <a:solidFill>
-            <a:srgbClr val="00B050"/>
-          </a:solidFill>
-          <a:ln>
-            <a:noFill/>
-          </a:ln>
-        </p:spPr>
-        <p:style>
-          <a:lnRef idx="2">
-            <a:schemeClr val="accent1">
-              <a:shade val="50000"/>
-            </a:schemeClr>
-          </a:lnRef>
-          <a:fillRef idx="1">
-            <a:schemeClr val="accent1"/>
-          </a:fillRef>
-          <a:effectRef idx="0">
-            <a:schemeClr val="accent1"/>
-          </a:effectRef>
-          <a:fontRef idx="minor">
-            <a:schemeClr val="lt1"/>
-          </a:fontRef>
-        </p:style>
-        <p:txBody>
-          <a:bodyPr rtlCol="0" anchor="ctr"/>
-          <a:lstStyle/>
+              <a:rPr lang="en-US" dirty="0">
+                <a:solidFill>
+                  <a:schemeClr val="tx1"/>
+                </a:solidFill>
+              </a:rPr>
+              <a:t>accuracy </a:t>
+            </a:r>
+          </a:p>
           <a:p>
             <a:pPr algn="ctr"/>
             <a:r>
-              <a:rPr lang="en-US" b="1" dirty="0"/>
-              <a:t>Validate</a:t>
-            </a:r>
-            <a:endParaRPr lang="en-US" dirty="0"/>
-          </a:p>
-        </p:txBody>
-      </p:sp>
-      <p:grpSp>
-        <p:nvGrpSpPr>
-          <p:cNvPr id="2" name="Gruppieren 1">
-            <a:extLst>
-              <a:ext uri="{FF2B5EF4-FFF2-40B4-BE49-F238E27FC236}">
-                <a16:creationId xmlns:a16="http://schemas.microsoft.com/office/drawing/2014/main" id="{0253A30D-193E-4B9E-8878-B6EA28C2C120}"/>
-              </a:ext>
-            </a:extLst>
-          </p:cNvPr>
-          <p:cNvGrpSpPr/>
-          <p:nvPr/>
-        </p:nvGrpSpPr>
-        <p:grpSpPr>
-          <a:xfrm>
-            <a:off x="2162792" y="1524378"/>
-            <a:ext cx="9390446" cy="2321864"/>
-            <a:chOff x="2222266" y="1613586"/>
-            <a:chExt cx="9390446" cy="2321864"/>
-          </a:xfrm>
-        </p:grpSpPr>
-        <p:pic>
-          <p:nvPicPr>
-            <p:cNvPr id="3074" name="Picture 2">
-              <a:extLst>
-                <a:ext uri="{FF2B5EF4-FFF2-40B4-BE49-F238E27FC236}">
-                  <a16:creationId xmlns:a16="http://schemas.microsoft.com/office/drawing/2014/main" id="{FD9B1F52-1823-4FDA-BACA-AF26D2D603FB}"/>
-                </a:ext>
-              </a:extLst>
-            </p:cNvPr>
-            <p:cNvPicPr>
-              <a:picLocks noChangeAspect="1" noChangeArrowheads="1"/>
-            </p:cNvPicPr>
-            <p:nvPr/>
-          </p:nvPicPr>
-          <p:blipFill rotWithShape="1">
-            <a:blip r:embed="rId3">
-              <a:extLst>
-                <a:ext uri="{28A0092B-C50C-407E-A947-70E740481C1C}">
-                  <a14:useLocalDpi xmlns:a14="http://schemas.microsoft.com/office/drawing/2010/main" val="0"/>
-                </a:ext>
-              </a:extLst>
-            </a:blip>
-            <a:srcRect b="8100"/>
-            <a:stretch/>
-          </p:blipFill>
-          <p:spPr bwMode="auto">
-            <a:xfrm>
-              <a:off x="2222266" y="1613586"/>
-              <a:ext cx="2786888" cy="2304208"/>
-            </a:xfrm>
-            <a:prstGeom prst="rect">
-              <a:avLst/>
-            </a:prstGeom>
-            <a:noFill/>
-            <a:extLst>
-              <a:ext uri="{909E8E84-426E-40DD-AFC4-6F175D3DCCD1}">
-                <a14:hiddenFill xmlns:a14="http://schemas.microsoft.com/office/drawing/2010/main">
-                  <a:solidFill>
-                    <a:srgbClr val="FFFFFF"/>
-                  </a:solidFill>
-                </a14:hiddenFill>
-              </a:ext>
-            </a:extLst>
-          </p:spPr>
-        </p:pic>
-        <p:pic>
-          <p:nvPicPr>
-            <p:cNvPr id="3076" name="Picture 4">
-              <a:extLst>
-                <a:ext uri="{FF2B5EF4-FFF2-40B4-BE49-F238E27FC236}">
-                  <a16:creationId xmlns:a16="http://schemas.microsoft.com/office/drawing/2014/main" id="{0483E232-B319-4896-A233-8F9981BF4430}"/>
-                </a:ext>
-              </a:extLst>
-            </p:cNvPr>
-            <p:cNvPicPr>
-              <a:picLocks noChangeAspect="1" noChangeArrowheads="1"/>
-            </p:cNvPicPr>
-            <p:nvPr/>
-          </p:nvPicPr>
-          <p:blipFill rotWithShape="1">
-            <a:blip r:embed="rId4">
-              <a:extLst>
-                <a:ext uri="{28A0092B-C50C-407E-A947-70E740481C1C}">
-                  <a14:useLocalDpi xmlns:a14="http://schemas.microsoft.com/office/drawing/2010/main" val="0"/>
-                </a:ext>
-              </a:extLst>
-            </a:blip>
-            <a:srcRect b="8100"/>
-            <a:stretch/>
-          </p:blipFill>
-          <p:spPr bwMode="auto">
-            <a:xfrm>
-              <a:off x="5201328" y="1613586"/>
-              <a:ext cx="2786888" cy="2304207"/>
-            </a:xfrm>
-            <a:prstGeom prst="rect">
-              <a:avLst/>
-            </a:prstGeom>
-            <a:noFill/>
-            <a:extLst>
-              <a:ext uri="{909E8E84-426E-40DD-AFC4-6F175D3DCCD1}">
-                <a14:hiddenFill xmlns:a14="http://schemas.microsoft.com/office/drawing/2010/main">
-                  <a:solidFill>
-                    <a:srgbClr val="FFFFFF"/>
-                  </a:solidFill>
-                </a14:hiddenFill>
-              </a:ext>
-            </a:extLst>
-          </p:spPr>
-        </p:pic>
-        <p:pic>
-          <p:nvPicPr>
-            <p:cNvPr id="3078" name="Picture 6">
-              <a:extLst>
-                <a:ext uri="{FF2B5EF4-FFF2-40B4-BE49-F238E27FC236}">
-                  <a16:creationId xmlns:a16="http://schemas.microsoft.com/office/drawing/2014/main" id="{F8F179FA-4A7D-4B1A-BA4E-AB0775EE3C57}"/>
-                </a:ext>
-              </a:extLst>
-            </p:cNvPr>
-            <p:cNvPicPr>
-              <a:picLocks noChangeAspect="1" noChangeArrowheads="1"/>
-            </p:cNvPicPr>
-            <p:nvPr/>
-          </p:nvPicPr>
-          <p:blipFill rotWithShape="1">
-            <a:blip r:embed="rId5">
-              <a:extLst>
-                <a:ext uri="{28A0092B-C50C-407E-A947-70E740481C1C}">
-                  <a14:useLocalDpi xmlns:a14="http://schemas.microsoft.com/office/drawing/2010/main" val="0"/>
-                </a:ext>
-              </a:extLst>
-            </a:blip>
-            <a:srcRect b="6787"/>
-            <a:stretch/>
-          </p:blipFill>
-          <p:spPr bwMode="auto">
-            <a:xfrm>
-              <a:off x="8180390" y="1631243"/>
-              <a:ext cx="3432322" cy="2304207"/>
-            </a:xfrm>
-            <a:prstGeom prst="rect">
-              <a:avLst/>
-            </a:prstGeom>
-            <a:noFill/>
-            <a:extLst>
-              <a:ext uri="{909E8E84-426E-40DD-AFC4-6F175D3DCCD1}">
-                <a14:hiddenFill xmlns:a14="http://schemas.microsoft.com/office/drawing/2010/main">
-                  <a:solidFill>
-                    <a:srgbClr val="FFFFFF"/>
-                  </a:solidFill>
-                </a14:hiddenFill>
-              </a:ext>
-            </a:extLst>
-          </p:spPr>
-        </p:pic>
-      </p:grpSp>
-      <p:grpSp>
-        <p:nvGrpSpPr>
-          <p:cNvPr id="4" name="Gruppieren 3">
-            <a:extLst>
-              <a:ext uri="{FF2B5EF4-FFF2-40B4-BE49-F238E27FC236}">
-                <a16:creationId xmlns:a16="http://schemas.microsoft.com/office/drawing/2014/main" id="{AE2D5CA5-0D8B-4286-991A-6DB3880BBBDF}"/>
-              </a:ext>
-            </a:extLst>
-          </p:cNvPr>
-          <p:cNvGrpSpPr/>
-          <p:nvPr/>
-        </p:nvGrpSpPr>
-        <p:grpSpPr>
-          <a:xfrm>
-            <a:off x="2162792" y="3928683"/>
-            <a:ext cx="9390446" cy="2507298"/>
-            <a:chOff x="2222266" y="3796691"/>
-            <a:chExt cx="9390446" cy="2507298"/>
-          </a:xfrm>
-        </p:grpSpPr>
-        <p:pic>
-          <p:nvPicPr>
-            <p:cNvPr id="3080" name="Picture 8">
-              <a:extLst>
-                <a:ext uri="{FF2B5EF4-FFF2-40B4-BE49-F238E27FC236}">
-                  <a16:creationId xmlns:a16="http://schemas.microsoft.com/office/drawing/2014/main" id="{BEEE0AF6-77C0-4ADC-A044-EDA79150A40E}"/>
-                </a:ext>
-              </a:extLst>
-            </p:cNvPr>
-            <p:cNvPicPr>
-              <a:picLocks noChangeAspect="1" noChangeArrowheads="1"/>
-            </p:cNvPicPr>
-            <p:nvPr/>
-          </p:nvPicPr>
-          <p:blipFill>
-            <a:blip r:embed="rId6">
-              <a:extLst>
-                <a:ext uri="{28A0092B-C50C-407E-A947-70E740481C1C}">
-                  <a14:useLocalDpi xmlns:a14="http://schemas.microsoft.com/office/drawing/2010/main" val="0"/>
-                </a:ext>
-              </a:extLst>
-            </a:blip>
-            <a:srcRect/>
-            <a:stretch>
-              <a:fillRect/>
-            </a:stretch>
-          </p:blipFill>
-          <p:spPr bwMode="auto">
-            <a:xfrm>
-              <a:off x="2222266" y="3796691"/>
-              <a:ext cx="2786888" cy="2507298"/>
-            </a:xfrm>
-            <a:prstGeom prst="rect">
-              <a:avLst/>
-            </a:prstGeom>
-            <a:noFill/>
-            <a:extLst>
-              <a:ext uri="{909E8E84-426E-40DD-AFC4-6F175D3DCCD1}">
-                <a14:hiddenFill xmlns:a14="http://schemas.microsoft.com/office/drawing/2010/main">
-                  <a:solidFill>
-                    <a:srgbClr val="FFFFFF"/>
-                  </a:solidFill>
-                </a14:hiddenFill>
-              </a:ext>
-            </a:extLst>
-          </p:spPr>
-        </p:pic>
-        <p:pic>
-          <p:nvPicPr>
-            <p:cNvPr id="3082" name="Picture 10">
-              <a:extLst>
-                <a:ext uri="{FF2B5EF4-FFF2-40B4-BE49-F238E27FC236}">
-                  <a16:creationId xmlns:a16="http://schemas.microsoft.com/office/drawing/2014/main" id="{C6A56CA1-AC81-4831-9D28-65FA808FECE1}"/>
-                </a:ext>
-              </a:extLst>
-            </p:cNvPr>
-            <p:cNvPicPr>
-              <a:picLocks noChangeAspect="1" noChangeArrowheads="1"/>
-            </p:cNvPicPr>
-            <p:nvPr/>
-          </p:nvPicPr>
-          <p:blipFill>
-            <a:blip r:embed="rId7">
-              <a:extLst>
-                <a:ext uri="{28A0092B-C50C-407E-A947-70E740481C1C}">
-                  <a14:useLocalDpi xmlns:a14="http://schemas.microsoft.com/office/drawing/2010/main" val="0"/>
-                </a:ext>
-              </a:extLst>
-            </a:blip>
-            <a:srcRect/>
-            <a:stretch>
-              <a:fillRect/>
-            </a:stretch>
-          </p:blipFill>
-          <p:spPr bwMode="auto">
-            <a:xfrm>
-              <a:off x="5201328" y="3796691"/>
-              <a:ext cx="2786888" cy="2507298"/>
-            </a:xfrm>
-            <a:prstGeom prst="rect">
-              <a:avLst/>
-            </a:prstGeom>
-            <a:noFill/>
-            <a:extLst>
-              <a:ext uri="{909E8E84-426E-40DD-AFC4-6F175D3DCCD1}">
-                <a14:hiddenFill xmlns:a14="http://schemas.microsoft.com/office/drawing/2010/main">
-                  <a:solidFill>
-                    <a:srgbClr val="FFFFFF"/>
-                  </a:solidFill>
-                </a14:hiddenFill>
-              </a:ext>
-            </a:extLst>
-          </p:spPr>
-        </p:pic>
-        <p:pic>
-          <p:nvPicPr>
-            <p:cNvPr id="3084" name="Picture 12">
-              <a:extLst>
-                <a:ext uri="{FF2B5EF4-FFF2-40B4-BE49-F238E27FC236}">
-                  <a16:creationId xmlns:a16="http://schemas.microsoft.com/office/drawing/2014/main" id="{5B98ECCB-4F32-480A-8698-5E02FABF0ECA}"/>
-                </a:ext>
-              </a:extLst>
-            </p:cNvPr>
-            <p:cNvPicPr>
-              <a:picLocks noChangeAspect="1" noChangeArrowheads="1"/>
-            </p:cNvPicPr>
-            <p:nvPr/>
-          </p:nvPicPr>
-          <p:blipFill>
-            <a:blip r:embed="rId8">
-              <a:extLst>
-                <a:ext uri="{28A0092B-C50C-407E-A947-70E740481C1C}">
-                  <a14:useLocalDpi xmlns:a14="http://schemas.microsoft.com/office/drawing/2010/main" val="0"/>
-                </a:ext>
-              </a:extLst>
-            </a:blip>
-            <a:srcRect/>
-            <a:stretch>
-              <a:fillRect/>
-            </a:stretch>
-          </p:blipFill>
-          <p:spPr bwMode="auto">
-            <a:xfrm>
-              <a:off x="8180390" y="3814348"/>
-              <a:ext cx="3432322" cy="2471984"/>
-            </a:xfrm>
-            <a:prstGeom prst="rect">
-              <a:avLst/>
-            </a:prstGeom>
-            <a:noFill/>
-            <a:extLst>
-              <a:ext uri="{909E8E84-426E-40DD-AFC4-6F175D3DCCD1}">
-                <a14:hiddenFill xmlns:a14="http://schemas.microsoft.com/office/drawing/2010/main">
-                  <a:solidFill>
-                    <a:srgbClr val="FFFFFF"/>
-                  </a:solidFill>
-                </a14:hiddenFill>
-              </a:ext>
-            </a:extLst>
-          </p:spPr>
-        </p:pic>
-      </p:grpSp>
-      <p:cxnSp>
-        <p:nvCxnSpPr>
-          <p:cNvPr id="7" name="Gerader Verbinder 6">
-            <a:extLst>
-              <a:ext uri="{FF2B5EF4-FFF2-40B4-BE49-F238E27FC236}">
-                <a16:creationId xmlns:a16="http://schemas.microsoft.com/office/drawing/2014/main" id="{944E60FD-F895-4025-9404-28A94A073C5D}"/>
-              </a:ext>
-            </a:extLst>
-          </p:cNvPr>
-          <p:cNvCxnSpPr/>
-          <p:nvPr/>
-        </p:nvCxnSpPr>
-        <p:spPr>
-          <a:xfrm>
-            <a:off x="2446328" y="1821217"/>
-            <a:ext cx="0" cy="5136646"/>
-          </a:xfrm>
-          <a:prstGeom prst="line">
-            <a:avLst/>
-          </a:prstGeom>
-        </p:spPr>
-        <p:style>
-          <a:lnRef idx="1">
-            <a:schemeClr val="accent1"/>
-          </a:lnRef>
-          <a:fillRef idx="0">
-            <a:schemeClr val="accent1"/>
-          </a:fillRef>
-          <a:effectRef idx="0">
-            <a:schemeClr val="accent1"/>
-          </a:effectRef>
-          <a:fontRef idx="minor">
-            <a:schemeClr val="tx1"/>
-          </a:fontRef>
-        </p:style>
-      </p:cxnSp>
-      <p:sp>
-        <p:nvSpPr>
-          <p:cNvPr id="9" name="Pfeil: nach rechts 8">
-            <a:extLst>
-              <a:ext uri="{FF2B5EF4-FFF2-40B4-BE49-F238E27FC236}">
-                <a16:creationId xmlns:a16="http://schemas.microsoft.com/office/drawing/2014/main" id="{E50BC2B6-F5E7-464D-915D-C8318E5B00E6}"/>
-              </a:ext>
-            </a:extLst>
-          </p:cNvPr>
-          <p:cNvSpPr/>
-          <p:nvPr/>
-        </p:nvSpPr>
-        <p:spPr>
-          <a:xfrm>
-            <a:off x="130739" y="1802759"/>
-            <a:ext cx="1665592" cy="1725447"/>
-          </a:xfrm>
-          <a:prstGeom prst="rightArrow">
-            <a:avLst>
-              <a:gd name="adj1" fmla="val 100000"/>
-              <a:gd name="adj2" fmla="val 20821"/>
-            </a:avLst>
-          </a:prstGeom>
-        </p:spPr>
-        <p:style>
-          <a:lnRef idx="2">
-            <a:schemeClr val="accent1">
-              <a:shade val="50000"/>
-            </a:schemeClr>
-          </a:lnRef>
-          <a:fillRef idx="1">
-            <a:schemeClr val="accent1"/>
-          </a:fillRef>
-          <a:effectRef idx="0">
-            <a:schemeClr val="accent1"/>
-          </a:effectRef>
-          <a:fontRef idx="minor">
-            <a:schemeClr val="lt1"/>
-          </a:fontRef>
-        </p:style>
-        <p:txBody>
-          <a:bodyPr rtlCol="0" anchor="ctr"/>
-          <a:lstStyle/>
+              <a:rPr lang="en-US" dirty="0">
+                <a:solidFill>
+                  <a:schemeClr val="tx1"/>
+                </a:solidFill>
+              </a:rPr>
+              <a:t>with regex:</a:t>
+            </a:r>
+          </a:p>
           <a:p>
             <a:pPr algn="ctr"/>
             <a:r>
-              <a:rPr lang="de-DE"/>
-              <a:t>CountVectorizer(), MultinomialNB()) #### naive bayes </a:t>
-            </a:r>
-            <a:endParaRPr lang="en-US"/>
-          </a:p>
-        </p:txBody>
-      </p:sp>
-      <p:sp>
-        <p:nvSpPr>
-          <p:cNvPr id="25" name="Pfeil: nach rechts 24">
-            <a:extLst>
-              <a:ext uri="{FF2B5EF4-FFF2-40B4-BE49-F238E27FC236}">
-                <a16:creationId xmlns:a16="http://schemas.microsoft.com/office/drawing/2014/main" id="{61BE303B-FF20-451E-9C4D-AD625511A6DF}"/>
-              </a:ext>
-            </a:extLst>
-          </p:cNvPr>
-          <p:cNvSpPr/>
-          <p:nvPr/>
-        </p:nvSpPr>
-        <p:spPr>
-          <a:xfrm>
-            <a:off x="130739" y="4244204"/>
-            <a:ext cx="1665592" cy="1725447"/>
-          </a:xfrm>
-          <a:prstGeom prst="rightArrow">
-            <a:avLst>
-              <a:gd name="adj1" fmla="val 100000"/>
-              <a:gd name="adj2" fmla="val 20821"/>
-            </a:avLst>
-          </a:prstGeom>
-        </p:spPr>
-        <p:style>
-          <a:lnRef idx="2">
-            <a:schemeClr val="accent1">
-              <a:shade val="50000"/>
-            </a:schemeClr>
-          </a:lnRef>
-          <a:fillRef idx="1">
-            <a:schemeClr val="accent1"/>
-          </a:fillRef>
-          <a:effectRef idx="0">
-            <a:schemeClr val="accent1"/>
-          </a:effectRef>
-          <a:fontRef idx="minor">
-            <a:schemeClr val="lt1"/>
-          </a:fontRef>
-        </p:style>
-        <p:txBody>
-          <a:bodyPr rtlCol="0" anchor="ctr"/>
-          <a:lstStyle/>
-          <a:p>
-            <a:pPr algn="ctr"/>
-            <a:endParaRPr lang="en-US"/>
+              <a:rPr lang="en-US" dirty="0">
+                <a:solidFill>
+                  <a:schemeClr val="tx1"/>
+                </a:solidFill>
+              </a:rPr>
+              <a:t> 0.724 </a:t>
+            </a:r>
           </a:p>
         </p:txBody>
       </p:sp>
     </p:spTree>
     <p:extLst>
       <p:ext uri="{BB962C8B-B14F-4D97-AF65-F5344CB8AC3E}">
-        <p14:creationId xmlns:p14="http://schemas.microsoft.com/office/powerpoint/2010/main" val="224330958"/>
+        <p14:creationId xmlns:p14="http://schemas.microsoft.com/office/powerpoint/2010/main" val="1141078196"/>
       </p:ext>
     </p:extLst>
   </p:cSld>
@@ -10705,7 +11767,7 @@
 </p:sld>
 </file>
 
-<file path=ppt/slides/slide8.xml><?xml version="1.0" encoding="utf-8"?>
+<file path=ppt/slides/slide7.xml><?xml version="1.0" encoding="utf-8"?>
 <p:sld xmlns:a="http://schemas.openxmlformats.org/drawingml/2006/main" xmlns:r="http://schemas.openxmlformats.org/officeDocument/2006/relationships" xmlns:p="http://schemas.openxmlformats.org/presentationml/2006/main">
   <p:cSld>
     <p:spTree>
@@ -11512,6 +12574,230 @@
 </p:sld>
 </file>
 
+<file path=ppt/slides/slide8.xml><?xml version="1.0" encoding="utf-8"?>
+<p:sld xmlns:a="http://schemas.openxmlformats.org/drawingml/2006/main" xmlns:r="http://schemas.openxmlformats.org/officeDocument/2006/relationships" xmlns:p="http://schemas.openxmlformats.org/presentationml/2006/main">
+  <p:cSld>
+    <p:spTree>
+      <p:nvGrpSpPr>
+        <p:cNvPr id="1" name=""/>
+        <p:cNvGrpSpPr/>
+        <p:nvPr/>
+      </p:nvGrpSpPr>
+      <p:grpSpPr>
+        <a:xfrm>
+          <a:off x="0" y="0"/>
+          <a:ext cx="0" cy="0"/>
+          <a:chOff x="0" y="0"/>
+          <a:chExt cx="0" cy="0"/>
+        </a:xfrm>
+      </p:grpSpPr>
+      <p:sp>
+        <p:nvSpPr>
+          <p:cNvPr id="3" name="Titel 1">
+            <a:extLst>
+              <a:ext uri="{FF2B5EF4-FFF2-40B4-BE49-F238E27FC236}">
+                <a16:creationId xmlns:a16="http://schemas.microsoft.com/office/drawing/2014/main" id="{36A55BF2-2CA9-4EC1-A9E8-175F641A93CB}"/>
+              </a:ext>
+            </a:extLst>
+          </p:cNvPr>
+          <p:cNvSpPr txBox="1">
+            <a:spLocks/>
+          </p:cNvSpPr>
+          <p:nvPr/>
+        </p:nvSpPr>
+        <p:spPr>
+          <a:xfrm>
+            <a:off x="515938" y="225425"/>
+            <a:ext cx="11341100" cy="1223963"/>
+          </a:xfrm>
+          <a:prstGeom prst="rect">
+            <a:avLst/>
+          </a:prstGeom>
+        </p:spPr>
+        <p:txBody>
+          <a:bodyPr vert="horz" lIns="91440" tIns="45720" rIns="91440" bIns="45720" rtlCol="0" anchor="ctr">
+            <a:normAutofit/>
+          </a:bodyPr>
+          <a:lstStyle>
+            <a:lvl1pPr algn="l" defTabSz="914400" rtl="0" eaLnBrk="1" latinLnBrk="0" hangingPunct="1">
+              <a:lnSpc>
+                <a:spcPct val="90000"/>
+              </a:lnSpc>
+              <a:spcBef>
+                <a:spcPct val="0"/>
+              </a:spcBef>
+              <a:buNone/>
+              <a:defRPr sz="4400" kern="1200">
+                <a:solidFill>
+                  <a:schemeClr val="tx1"/>
+                </a:solidFill>
+                <a:latin typeface="+mj-lt"/>
+                <a:ea typeface="+mj-ea"/>
+                <a:cs typeface="+mj-cs"/>
+              </a:defRPr>
+            </a:lvl1pPr>
+          </a:lstStyle>
+          <a:p>
+            <a:r>
+              <a:rPr lang="en-US" sz="4000" b="1" dirty="0">
+                <a:solidFill>
+                  <a:schemeClr val="accent1">
+                    <a:lumMod val="75000"/>
+                  </a:schemeClr>
+                </a:solidFill>
+              </a:rPr>
+              <a:t>Wordnet – </a:t>
+            </a:r>
+            <a:r>
+              <a:rPr lang="en-US" sz="4000" b="1" dirty="0" err="1">
+                <a:solidFill>
+                  <a:schemeClr val="accent1">
+                    <a:lumMod val="75000"/>
+                  </a:schemeClr>
+                </a:solidFill>
+              </a:rPr>
+              <a:t>synsets</a:t>
+            </a:r>
+            <a:endParaRPr lang="en-US" sz="4000" b="1" dirty="0">
+              <a:solidFill>
+                <a:schemeClr val="accent1">
+                  <a:lumMod val="75000"/>
+                </a:schemeClr>
+              </a:solidFill>
+            </a:endParaRPr>
+          </a:p>
+          <a:p>
+            <a:endParaRPr lang="en-US" sz="3900" b="1" dirty="0">
+              <a:solidFill>
+                <a:schemeClr val="accent1">
+                  <a:lumMod val="75000"/>
+                </a:schemeClr>
+              </a:solidFill>
+            </a:endParaRPr>
+          </a:p>
+        </p:txBody>
+      </p:sp>
+      <p:pic>
+        <p:nvPicPr>
+          <p:cNvPr id="5" name="Grafik 4">
+            <a:extLst>
+              <a:ext uri="{FF2B5EF4-FFF2-40B4-BE49-F238E27FC236}">
+                <a16:creationId xmlns:a16="http://schemas.microsoft.com/office/drawing/2014/main" id="{570C820C-4BC2-4E4E-9764-44E738ED0E3E}"/>
+              </a:ext>
+            </a:extLst>
+          </p:cNvPr>
+          <p:cNvPicPr>
+            <a:picLocks noChangeAspect="1"/>
+          </p:cNvPicPr>
+          <p:nvPr/>
+        </p:nvPicPr>
+        <p:blipFill>
+          <a:blip r:embed="rId2">
+            <a:extLst>
+              <a:ext uri="{28A0092B-C50C-407E-A947-70E740481C1C}">
+                <a14:useLocalDpi xmlns:a14="http://schemas.microsoft.com/office/drawing/2010/main" val="0"/>
+              </a:ext>
+            </a:extLst>
+          </a:blip>
+          <a:stretch>
+            <a:fillRect/>
+          </a:stretch>
+        </p:blipFill>
+        <p:spPr>
+          <a:xfrm>
+            <a:off x="515938" y="1093491"/>
+            <a:ext cx="3240087" cy="5467647"/>
+          </a:xfrm>
+          <a:prstGeom prst="rect">
+            <a:avLst/>
+          </a:prstGeom>
+        </p:spPr>
+      </p:pic>
+      <p:pic>
+        <p:nvPicPr>
+          <p:cNvPr id="7" name="Grafik 6">
+            <a:extLst>
+              <a:ext uri="{FF2B5EF4-FFF2-40B4-BE49-F238E27FC236}">
+                <a16:creationId xmlns:a16="http://schemas.microsoft.com/office/drawing/2014/main" id="{B94C8C23-529F-42CF-9047-4611D0BAA6C1}"/>
+              </a:ext>
+            </a:extLst>
+          </p:cNvPr>
+          <p:cNvPicPr>
+            <a:picLocks noChangeAspect="1"/>
+          </p:cNvPicPr>
+          <p:nvPr/>
+        </p:nvPicPr>
+        <p:blipFill>
+          <a:blip r:embed="rId3">
+            <a:extLst>
+              <a:ext uri="{28A0092B-C50C-407E-A947-70E740481C1C}">
+                <a14:useLocalDpi xmlns:a14="http://schemas.microsoft.com/office/drawing/2010/main" val="0"/>
+              </a:ext>
+            </a:extLst>
+          </a:blip>
+          <a:stretch>
+            <a:fillRect/>
+          </a:stretch>
+        </p:blipFill>
+        <p:spPr>
+          <a:xfrm>
+            <a:off x="3873235" y="1093491"/>
+            <a:ext cx="7964802" cy="2606442"/>
+          </a:xfrm>
+          <a:prstGeom prst="rect">
+            <a:avLst/>
+          </a:prstGeom>
+        </p:spPr>
+      </p:pic>
+      <p:pic>
+        <p:nvPicPr>
+          <p:cNvPr id="9" name="Grafik 8">
+            <a:extLst>
+              <a:ext uri="{FF2B5EF4-FFF2-40B4-BE49-F238E27FC236}">
+                <a16:creationId xmlns:a16="http://schemas.microsoft.com/office/drawing/2014/main" id="{380F4B52-6DB7-4B3A-A602-28E7C3CB3AB2}"/>
+              </a:ext>
+            </a:extLst>
+          </p:cNvPr>
+          <p:cNvPicPr>
+            <a:picLocks noChangeAspect="1"/>
+          </p:cNvPicPr>
+          <p:nvPr/>
+        </p:nvPicPr>
+        <p:blipFill>
+          <a:blip r:embed="rId4">
+            <a:extLst>
+              <a:ext uri="{28A0092B-C50C-407E-A947-70E740481C1C}">
+                <a14:useLocalDpi xmlns:a14="http://schemas.microsoft.com/office/drawing/2010/main" val="0"/>
+              </a:ext>
+            </a:extLst>
+          </a:blip>
+          <a:stretch>
+            <a:fillRect/>
+          </a:stretch>
+        </p:blipFill>
+        <p:spPr>
+          <a:xfrm>
+            <a:off x="3873235" y="3815495"/>
+            <a:ext cx="7047574" cy="2745643"/>
+          </a:xfrm>
+          <a:prstGeom prst="rect">
+            <a:avLst/>
+          </a:prstGeom>
+        </p:spPr>
+      </p:pic>
+    </p:spTree>
+    <p:extLst>
+      <p:ext uri="{BB962C8B-B14F-4D97-AF65-F5344CB8AC3E}">
+        <p14:creationId xmlns:p14="http://schemas.microsoft.com/office/powerpoint/2010/main" val="522232073"/>
+      </p:ext>
+    </p:extLst>
+  </p:cSld>
+  <p:clrMapOvr>
+    <a:masterClrMapping/>
+  </p:clrMapOvr>
+</p:sld>
+</file>
+
 <file path=ppt/slides/slide9.xml><?xml version="1.0" encoding="utf-8"?>
 <p:sld xmlns:a="http://schemas.openxmlformats.org/drawingml/2006/main" xmlns:r="http://schemas.openxmlformats.org/officeDocument/2006/relationships" xmlns:p="http://schemas.openxmlformats.org/presentationml/2006/main">
   <p:cSld>
@@ -11529,6 +12815,164 @@
           <a:chExt cx="0" cy="0"/>
         </a:xfrm>
       </p:grpSpPr>
+      <p:grpSp>
+        <p:nvGrpSpPr>
+          <p:cNvPr id="33" name="Gruppieren 32">
+            <a:extLst>
+              <a:ext uri="{FF2B5EF4-FFF2-40B4-BE49-F238E27FC236}">
+                <a16:creationId xmlns:a16="http://schemas.microsoft.com/office/drawing/2014/main" id="{59F2B34D-4BCF-4E7E-A96F-FBAD815EA4E6}"/>
+              </a:ext>
+            </a:extLst>
+          </p:cNvPr>
+          <p:cNvGrpSpPr/>
+          <p:nvPr/>
+        </p:nvGrpSpPr>
+        <p:grpSpPr>
+          <a:xfrm>
+            <a:off x="47813" y="1449388"/>
+            <a:ext cx="12194723" cy="5100637"/>
+            <a:chOff x="-8169" y="1596060"/>
+            <a:chExt cx="12194723" cy="4899930"/>
+          </a:xfrm>
+        </p:grpSpPr>
+        <p:sp>
+          <p:nvSpPr>
+            <p:cNvPr id="34" name="Rechteck: abgerundete Ecken 33">
+              <a:extLst>
+                <a:ext uri="{FF2B5EF4-FFF2-40B4-BE49-F238E27FC236}">
+                  <a16:creationId xmlns:a16="http://schemas.microsoft.com/office/drawing/2014/main" id="{8A3D60E8-0FAF-4375-A6C0-85017941BA66}"/>
+                </a:ext>
+              </a:extLst>
+            </p:cNvPr>
+            <p:cNvSpPr/>
+            <p:nvPr/>
+          </p:nvSpPr>
+          <p:spPr>
+            <a:xfrm>
+              <a:off x="-5446" y="1596060"/>
+              <a:ext cx="12192000" cy="4899930"/>
+            </a:xfrm>
+            <a:prstGeom prst="roundRect">
+              <a:avLst>
+                <a:gd name="adj" fmla="val 0"/>
+              </a:avLst>
+            </a:prstGeom>
+            <a:solidFill>
+              <a:schemeClr val="bg1">
+                <a:alpha val="50000"/>
+              </a:schemeClr>
+            </a:solidFill>
+            <a:ln>
+              <a:noFill/>
+            </a:ln>
+          </p:spPr>
+          <p:style>
+            <a:lnRef idx="2">
+              <a:schemeClr val="accent1">
+                <a:shade val="50000"/>
+              </a:schemeClr>
+            </a:lnRef>
+            <a:fillRef idx="1">
+              <a:schemeClr val="accent1"/>
+            </a:fillRef>
+            <a:effectRef idx="0">
+              <a:schemeClr val="accent1"/>
+            </a:effectRef>
+            <a:fontRef idx="minor">
+              <a:schemeClr val="lt1"/>
+            </a:fontRef>
+          </p:style>
+          <p:txBody>
+            <a:bodyPr rot="0" spcFirstLastPara="0" vertOverflow="overflow" horzOverflow="overflow" vert="horz" wrap="square" lIns="91440" tIns="45720" rIns="91440" bIns="45720" numCol="1" spcCol="0" rtlCol="0" fromWordArt="0" anchor="ctr" anchorCtr="0" forceAA="0" compatLnSpc="1">
+              <a:prstTxWarp prst="textNoShape">
+                <a:avLst/>
+              </a:prstTxWarp>
+              <a:noAutofit/>
+            </a:bodyPr>
+            <a:lstStyle/>
+            <a:p>
+              <a:pPr algn="ctr"/>
+              <a:endParaRPr lang="de-DE" dirty="0"/>
+            </a:p>
+          </p:txBody>
+        </p:sp>
+        <p:cxnSp>
+          <p:nvCxnSpPr>
+            <p:cNvPr id="35" name="Gerader Verbinder 34">
+              <a:extLst>
+                <a:ext uri="{FF2B5EF4-FFF2-40B4-BE49-F238E27FC236}">
+                  <a16:creationId xmlns:a16="http://schemas.microsoft.com/office/drawing/2014/main" id="{BDC2AE71-BA44-4EFD-9219-797B85111ECD}"/>
+                </a:ext>
+              </a:extLst>
+            </p:cNvPr>
+            <p:cNvCxnSpPr>
+              <a:cxnSpLocks/>
+            </p:cNvCxnSpPr>
+            <p:nvPr/>
+          </p:nvCxnSpPr>
+          <p:spPr>
+            <a:xfrm>
+              <a:off x="-5446" y="1596060"/>
+              <a:ext cx="12192000" cy="0"/>
+            </a:xfrm>
+            <a:prstGeom prst="line">
+              <a:avLst/>
+            </a:prstGeom>
+          </p:spPr>
+          <p:style>
+            <a:lnRef idx="1">
+              <a:schemeClr val="accent1"/>
+            </a:lnRef>
+            <a:fillRef idx="0">
+              <a:schemeClr val="accent1"/>
+            </a:fillRef>
+            <a:effectRef idx="0">
+              <a:schemeClr val="accent1"/>
+            </a:effectRef>
+            <a:fontRef idx="minor">
+              <a:schemeClr val="tx1"/>
+            </a:fontRef>
+          </p:style>
+        </p:cxnSp>
+        <p:cxnSp>
+          <p:nvCxnSpPr>
+            <p:cNvPr id="36" name="Gerader Verbinder 35">
+              <a:extLst>
+                <a:ext uri="{FF2B5EF4-FFF2-40B4-BE49-F238E27FC236}">
+                  <a16:creationId xmlns:a16="http://schemas.microsoft.com/office/drawing/2014/main" id="{CBFE3739-9D03-418E-89A2-FCCF7981A5CF}"/>
+                </a:ext>
+              </a:extLst>
+            </p:cNvPr>
+            <p:cNvCxnSpPr>
+              <a:cxnSpLocks/>
+            </p:cNvCxnSpPr>
+            <p:nvPr/>
+          </p:nvCxnSpPr>
+          <p:spPr>
+            <a:xfrm>
+              <a:off x="-8169" y="6495990"/>
+              <a:ext cx="12192000" cy="0"/>
+            </a:xfrm>
+            <a:prstGeom prst="line">
+              <a:avLst/>
+            </a:prstGeom>
+          </p:spPr>
+          <p:style>
+            <a:lnRef idx="1">
+              <a:schemeClr val="accent1"/>
+            </a:lnRef>
+            <a:fillRef idx="0">
+              <a:schemeClr val="accent1"/>
+            </a:fillRef>
+            <a:effectRef idx="0">
+              <a:schemeClr val="accent1"/>
+            </a:effectRef>
+            <a:fontRef idx="minor">
+              <a:schemeClr val="tx1"/>
+            </a:fontRef>
+          </p:style>
+        </p:cxnSp>
+      </p:grpSp>
       <p:sp>
         <p:nvSpPr>
           <p:cNvPr id="3" name="Titel 1">
@@ -11584,10 +13028,67 @@
                   </a:schemeClr>
                 </a:solidFill>
               </a:rPr>
-              <a:t>Modelling and evaluation: Final result</a:t>
-            </a:r>
-          </a:p>
-          <a:p>
+              <a:t>Evaluation of basis models</a:t>
+            </a:r>
+            <a:br>
+              <a:rPr lang="en-US" sz="4000" b="1" dirty="0">
+                <a:solidFill>
+                  <a:schemeClr val="accent1">
+                    <a:lumMod val="75000"/>
+                  </a:schemeClr>
+                </a:solidFill>
+              </a:rPr>
+            </a:br>
+            <a:r>
+              <a:rPr lang="en-US" sz="4000" b="1" dirty="0">
+                <a:solidFill>
+                  <a:schemeClr val="accent1">
+                    <a:lumMod val="75000"/>
+                  </a:schemeClr>
+                </a:solidFill>
+              </a:rPr>
+              <a:t>Pipe: Vectorized word counting (</a:t>
+            </a:r>
+            <a:r>
+              <a:rPr lang="en-US" sz="4000" b="1" dirty="0" err="1">
+                <a:solidFill>
+                  <a:schemeClr val="accent1">
+                    <a:lumMod val="75000"/>
+                  </a:schemeClr>
+                </a:solidFill>
+              </a:rPr>
+              <a:t>TFiDF</a:t>
+            </a:r>
+            <a:r>
+              <a:rPr lang="en-US" sz="4000" b="1" dirty="0">
+                <a:solidFill>
+                  <a:schemeClr val="accent1">
+                    <a:lumMod val="75000"/>
+                  </a:schemeClr>
+                </a:solidFill>
+              </a:rPr>
+              <a:t>, </a:t>
+            </a:r>
+            <a:r>
+              <a:rPr lang="en-US" sz="4000" b="1" dirty="0" err="1">
+                <a:solidFill>
+                  <a:schemeClr val="accent1">
+                    <a:lumMod val="75000"/>
+                  </a:schemeClr>
+                </a:solidFill>
+              </a:rPr>
+              <a:t>MNaiveBayes</a:t>
+            </a:r>
+            <a:r>
+              <a:rPr lang="en-US" sz="4000" b="1" dirty="0">
+                <a:solidFill>
+                  <a:schemeClr val="accent1">
+                    <a:lumMod val="75000"/>
+                  </a:schemeClr>
+                </a:solidFill>
+              </a:rPr>
+              <a:t>)</a:t>
+            </a:r>
             <a:endParaRPr lang="en-US" sz="3900" b="1" dirty="0">
               <a:solidFill>
                 <a:schemeClr val="accent1">
@@ -11600,10 +13101,10 @@
       </p:sp>
       <p:sp>
         <p:nvSpPr>
-          <p:cNvPr id="10" name="Rechteck: abgerundete Ecken 9">
-            <a:extLst>
-              <a:ext uri="{FF2B5EF4-FFF2-40B4-BE49-F238E27FC236}">
-                <a16:creationId xmlns:a16="http://schemas.microsoft.com/office/drawing/2014/main" id="{904FDF20-02D6-4DD7-89F0-759FDA09FA07}"/>
+          <p:cNvPr id="6" name="Pfeil: nach rechts 5">
+            <a:extLst>
+              <a:ext uri="{FF2B5EF4-FFF2-40B4-BE49-F238E27FC236}">
+                <a16:creationId xmlns:a16="http://schemas.microsoft.com/office/drawing/2014/main" id="{9974AD75-8C7D-40BF-BB7A-C1F396FD03F6}"/>
               </a:ext>
             </a:extLst>
           </p:cNvPr>
@@ -11612,19 +13113,21 @@
         </p:nvSpPr>
         <p:spPr>
           <a:xfrm>
-            <a:off x="515938" y="1725244"/>
-            <a:ext cx="11341100" cy="4835894"/>
+            <a:off x="2446328" y="6459366"/>
+            <a:ext cx="2160000" cy="216000"/>
           </a:xfrm>
-          <a:prstGeom prst="roundRect">
+          <a:prstGeom prst="rightArrow">
             <a:avLst>
-              <a:gd name="adj" fmla="val 1538"/>
+              <a:gd name="adj1" fmla="val 100000"/>
+              <a:gd name="adj2" fmla="val 50000"/>
             </a:avLst>
           </a:prstGeom>
           <a:solidFill>
-            <a:schemeClr val="bg1">
-              <a:alpha val="50000"/>
-            </a:schemeClr>
+            <a:schemeClr val="tx1"/>
           </a:solidFill>
+          <a:ln>
+            <a:noFill/>
+          </a:ln>
         </p:spPr>
         <p:style>
           <a:lnRef idx="2">
@@ -11643,29 +13146,24 @@
           </a:fontRef>
         </p:style>
         <p:txBody>
-          <a:bodyPr rot="0" spcFirstLastPara="0" vertOverflow="overflow" horzOverflow="overflow" vert="horz" wrap="square" lIns="91440" tIns="504000" rIns="91440" bIns="45720" numCol="1" spcCol="0" rtlCol="0" fromWordArt="0" anchor="t" anchorCtr="0" forceAA="0" compatLnSpc="1">
-            <a:prstTxWarp prst="textNoShape">
-              <a:avLst/>
-            </a:prstTxWarp>
-            <a:noAutofit/>
-          </a:bodyPr>
+          <a:bodyPr rtlCol="0" anchor="ctr"/>
           <a:lstStyle/>
           <a:p>
-            <a:pPr marL="74612"/>
-            <a:endParaRPr lang="de-DE" dirty="0">
-              <a:solidFill>
-                <a:schemeClr val="tx1"/>
-              </a:solidFill>
-            </a:endParaRPr>
+            <a:pPr algn="ctr"/>
+            <a:r>
+              <a:rPr lang="en-US" b="1"/>
+              <a:t>Train</a:t>
+            </a:r>
+            <a:endParaRPr lang="en-US"/>
           </a:p>
         </p:txBody>
       </p:sp>
       <p:sp>
         <p:nvSpPr>
-          <p:cNvPr id="11" name="Rechteck: abgerundete Ecken 10">
-            <a:extLst>
-              <a:ext uri="{FF2B5EF4-FFF2-40B4-BE49-F238E27FC236}">
-                <a16:creationId xmlns:a16="http://schemas.microsoft.com/office/drawing/2014/main" id="{ABD645B4-C0E2-42CD-B67E-3B41CECD89B2}"/>
+          <p:cNvPr id="22" name="Pfeil: nach rechts 21">
+            <a:extLst>
+              <a:ext uri="{FF2B5EF4-FFF2-40B4-BE49-F238E27FC236}">
+                <a16:creationId xmlns:a16="http://schemas.microsoft.com/office/drawing/2014/main" id="{ED7994C1-08AA-4EB1-8F9E-DF3DF776F368}"/>
               </a:ext>
             </a:extLst>
           </p:cNvPr>
@@ -11674,88 +13172,579 @@
         </p:nvSpPr>
         <p:spPr>
           <a:xfrm>
-            <a:off x="515938" y="1725244"/>
-            <a:ext cx="11341100" cy="400110"/>
+            <a:off x="5455298" y="6459366"/>
+            <a:ext cx="2160000" cy="216000"/>
           </a:xfrm>
-          <a:prstGeom prst="roundRect">
-            <a:avLst/>
+          <a:prstGeom prst="rightArrow">
+            <a:avLst>
+              <a:gd name="adj1" fmla="val 100000"/>
+              <a:gd name="adj2" fmla="val 50000"/>
+            </a:avLst>
           </a:prstGeom>
           <a:solidFill>
-            <a:schemeClr val="accent1">
-              <a:lumMod val="75000"/>
-            </a:schemeClr>
+            <a:srgbClr val="FF0000"/>
           </a:solidFill>
           <a:ln>
             <a:noFill/>
           </a:ln>
         </p:spPr>
+        <p:style>
+          <a:lnRef idx="2">
+            <a:schemeClr val="accent1">
+              <a:shade val="50000"/>
+            </a:schemeClr>
+          </a:lnRef>
+          <a:fillRef idx="1">
+            <a:schemeClr val="accent1"/>
+          </a:fillRef>
+          <a:effectRef idx="0">
+            <a:schemeClr val="accent1"/>
+          </a:effectRef>
+          <a:fontRef idx="minor">
+            <a:schemeClr val="lt1"/>
+          </a:fontRef>
+        </p:style>
         <p:txBody>
-          <a:bodyPr wrap="square" lIns="180000" tIns="0" rIns="0" bIns="0" rtlCol="0" anchor="ctr" anchorCtr="0">
-            <a:noAutofit/>
-          </a:bodyPr>
+          <a:bodyPr rtlCol="0" anchor="ctr"/>
           <a:lstStyle/>
           <a:p>
             <a:pPr algn="ctr"/>
             <a:r>
-              <a:rPr lang="en-US" sz="2000" b="1" dirty="0">
-                <a:solidFill>
-                  <a:schemeClr val="bg1"/>
-                </a:solidFill>
-              </a:rPr>
-              <a:t>Final result: ROC curves with test-AUC</a:t>
-            </a:r>
+              <a:rPr lang="en-US" b="1" dirty="0"/>
+              <a:t>Test</a:t>
+            </a:r>
+            <a:endParaRPr lang="en-US" dirty="0"/>
           </a:p>
         </p:txBody>
       </p:sp>
-      <p:pic>
-        <p:nvPicPr>
-          <p:cNvPr id="16386" name="Picture 2">
-            <a:extLst>
-              <a:ext uri="{FF2B5EF4-FFF2-40B4-BE49-F238E27FC236}">
-                <a16:creationId xmlns:a16="http://schemas.microsoft.com/office/drawing/2014/main" id="{F3371CF3-D94D-42B4-ADF8-95FAE1E327B3}"/>
-              </a:ext>
-            </a:extLst>
-          </p:cNvPr>
-          <p:cNvPicPr>
-            <a:picLocks noChangeAspect="1" noChangeArrowheads="1"/>
-          </p:cNvPicPr>
+      <p:sp>
+        <p:nvSpPr>
+          <p:cNvPr id="23" name="Pfeil: nach rechts 22">
+            <a:extLst>
+              <a:ext uri="{FF2B5EF4-FFF2-40B4-BE49-F238E27FC236}">
+                <a16:creationId xmlns:a16="http://schemas.microsoft.com/office/drawing/2014/main" id="{0FBA07CE-9EE4-4709-946A-B1D8FBAF30C7}"/>
+              </a:ext>
+            </a:extLst>
+          </p:cNvPr>
+          <p:cNvSpPr/>
           <p:nvPr/>
-        </p:nvPicPr>
-        <p:blipFill rotWithShape="1">
-          <a:blip r:embed="rId3">
-            <a:extLst>
-              <a:ext uri="{28A0092B-C50C-407E-A947-70E740481C1C}">
-                <a14:useLocalDpi xmlns:a14="http://schemas.microsoft.com/office/drawing/2010/main" val="0"/>
-              </a:ext>
-            </a:extLst>
-          </a:blip>
-          <a:srcRect t="6683"/>
-          <a:stretch/>
-        </p:blipFill>
-        <p:spPr bwMode="auto">
+        </p:nvSpPr>
+        <p:spPr>
           <a:xfrm>
-            <a:off x="759247" y="2337415"/>
-            <a:ext cx="10916815" cy="4005743"/>
+            <a:off x="8540051" y="6459366"/>
+            <a:ext cx="2880000" cy="216000"/>
           </a:xfrm>
-          <a:prstGeom prst="rect">
+          <a:prstGeom prst="rightArrow">
+            <a:avLst>
+              <a:gd name="adj1" fmla="val 100000"/>
+              <a:gd name="adj2" fmla="val 50000"/>
+            </a:avLst>
+          </a:prstGeom>
+          <a:solidFill>
+            <a:srgbClr val="00B050"/>
+          </a:solidFill>
+          <a:ln>
+            <a:noFill/>
+          </a:ln>
+        </p:spPr>
+        <p:style>
+          <a:lnRef idx="2">
+            <a:schemeClr val="accent1">
+              <a:shade val="50000"/>
+            </a:schemeClr>
+          </a:lnRef>
+          <a:fillRef idx="1">
+            <a:schemeClr val="accent1"/>
+          </a:fillRef>
+          <a:effectRef idx="0">
+            <a:schemeClr val="accent1"/>
+          </a:effectRef>
+          <a:fontRef idx="minor">
+            <a:schemeClr val="lt1"/>
+          </a:fontRef>
+        </p:style>
+        <p:txBody>
+          <a:bodyPr rtlCol="0" anchor="ctr"/>
+          <a:lstStyle/>
+          <a:p>
+            <a:pPr algn="ctr"/>
+            <a:r>
+              <a:rPr lang="en-US" b="1" dirty="0"/>
+              <a:t>Validate</a:t>
+            </a:r>
+            <a:endParaRPr lang="en-US" dirty="0"/>
+          </a:p>
+        </p:txBody>
+      </p:sp>
+      <p:grpSp>
+        <p:nvGrpSpPr>
+          <p:cNvPr id="2" name="Gruppieren 1">
+            <a:extLst>
+              <a:ext uri="{FF2B5EF4-FFF2-40B4-BE49-F238E27FC236}">
+                <a16:creationId xmlns:a16="http://schemas.microsoft.com/office/drawing/2014/main" id="{0253A30D-193E-4B9E-8878-B6EA28C2C120}"/>
+              </a:ext>
+            </a:extLst>
+          </p:cNvPr>
+          <p:cNvGrpSpPr/>
+          <p:nvPr/>
+        </p:nvGrpSpPr>
+        <p:grpSpPr>
+          <a:xfrm>
+            <a:off x="2162792" y="1524378"/>
+            <a:ext cx="9390446" cy="2321864"/>
+            <a:chOff x="2222266" y="1613586"/>
+            <a:chExt cx="9390446" cy="2321864"/>
+          </a:xfrm>
+        </p:grpSpPr>
+        <p:pic>
+          <p:nvPicPr>
+            <p:cNvPr id="3074" name="Picture 2">
+              <a:extLst>
+                <a:ext uri="{FF2B5EF4-FFF2-40B4-BE49-F238E27FC236}">
+                  <a16:creationId xmlns:a16="http://schemas.microsoft.com/office/drawing/2014/main" id="{FD9B1F52-1823-4FDA-BACA-AF26D2D603FB}"/>
+                </a:ext>
+              </a:extLst>
+            </p:cNvPr>
+            <p:cNvPicPr>
+              <a:picLocks noChangeAspect="1" noChangeArrowheads="1"/>
+            </p:cNvPicPr>
+            <p:nvPr/>
+          </p:nvPicPr>
+          <p:blipFill rotWithShape="1">
+            <a:blip r:embed="rId3">
+              <a:extLst>
+                <a:ext uri="{28A0092B-C50C-407E-A947-70E740481C1C}">
+                  <a14:useLocalDpi xmlns:a14="http://schemas.microsoft.com/office/drawing/2010/main" val="0"/>
+                </a:ext>
+              </a:extLst>
+            </a:blip>
+            <a:srcRect b="8100"/>
+            <a:stretch/>
+          </p:blipFill>
+          <p:spPr bwMode="auto">
+            <a:xfrm>
+              <a:off x="2222266" y="1613586"/>
+              <a:ext cx="2786888" cy="2304208"/>
+            </a:xfrm>
+            <a:prstGeom prst="rect">
+              <a:avLst/>
+            </a:prstGeom>
+            <a:noFill/>
+            <a:extLst>
+              <a:ext uri="{909E8E84-426E-40DD-AFC4-6F175D3DCCD1}">
+                <a14:hiddenFill xmlns:a14="http://schemas.microsoft.com/office/drawing/2010/main">
+                  <a:solidFill>
+                    <a:srgbClr val="FFFFFF"/>
+                  </a:solidFill>
+                </a14:hiddenFill>
+              </a:ext>
+            </a:extLst>
+          </p:spPr>
+        </p:pic>
+        <p:pic>
+          <p:nvPicPr>
+            <p:cNvPr id="3076" name="Picture 4">
+              <a:extLst>
+                <a:ext uri="{FF2B5EF4-FFF2-40B4-BE49-F238E27FC236}">
+                  <a16:creationId xmlns:a16="http://schemas.microsoft.com/office/drawing/2014/main" id="{0483E232-B319-4896-A233-8F9981BF4430}"/>
+                </a:ext>
+              </a:extLst>
+            </p:cNvPr>
+            <p:cNvPicPr>
+              <a:picLocks noChangeAspect="1" noChangeArrowheads="1"/>
+            </p:cNvPicPr>
+            <p:nvPr/>
+          </p:nvPicPr>
+          <p:blipFill rotWithShape="1">
+            <a:blip r:embed="rId4">
+              <a:extLst>
+                <a:ext uri="{28A0092B-C50C-407E-A947-70E740481C1C}">
+                  <a14:useLocalDpi xmlns:a14="http://schemas.microsoft.com/office/drawing/2010/main" val="0"/>
+                </a:ext>
+              </a:extLst>
+            </a:blip>
+            <a:srcRect b="8100"/>
+            <a:stretch/>
+          </p:blipFill>
+          <p:spPr bwMode="auto">
+            <a:xfrm>
+              <a:off x="5201328" y="1613586"/>
+              <a:ext cx="2786888" cy="2304207"/>
+            </a:xfrm>
+            <a:prstGeom prst="rect">
+              <a:avLst/>
+            </a:prstGeom>
+            <a:noFill/>
+            <a:extLst>
+              <a:ext uri="{909E8E84-426E-40DD-AFC4-6F175D3DCCD1}">
+                <a14:hiddenFill xmlns:a14="http://schemas.microsoft.com/office/drawing/2010/main">
+                  <a:solidFill>
+                    <a:srgbClr val="FFFFFF"/>
+                  </a:solidFill>
+                </a14:hiddenFill>
+              </a:ext>
+            </a:extLst>
+          </p:spPr>
+        </p:pic>
+        <p:pic>
+          <p:nvPicPr>
+            <p:cNvPr id="3078" name="Picture 6">
+              <a:extLst>
+                <a:ext uri="{FF2B5EF4-FFF2-40B4-BE49-F238E27FC236}">
+                  <a16:creationId xmlns:a16="http://schemas.microsoft.com/office/drawing/2014/main" id="{F8F179FA-4A7D-4B1A-BA4E-AB0775EE3C57}"/>
+                </a:ext>
+              </a:extLst>
+            </p:cNvPr>
+            <p:cNvPicPr>
+              <a:picLocks noChangeAspect="1" noChangeArrowheads="1"/>
+            </p:cNvPicPr>
+            <p:nvPr/>
+          </p:nvPicPr>
+          <p:blipFill rotWithShape="1">
+            <a:blip r:embed="rId5">
+              <a:extLst>
+                <a:ext uri="{28A0092B-C50C-407E-A947-70E740481C1C}">
+                  <a14:useLocalDpi xmlns:a14="http://schemas.microsoft.com/office/drawing/2010/main" val="0"/>
+                </a:ext>
+              </a:extLst>
+            </a:blip>
+            <a:srcRect b="6787"/>
+            <a:stretch/>
+          </p:blipFill>
+          <p:spPr bwMode="auto">
+            <a:xfrm>
+              <a:off x="8180390" y="1631243"/>
+              <a:ext cx="3432322" cy="2304207"/>
+            </a:xfrm>
+            <a:prstGeom prst="rect">
+              <a:avLst/>
+            </a:prstGeom>
+            <a:noFill/>
+            <a:extLst>
+              <a:ext uri="{909E8E84-426E-40DD-AFC4-6F175D3DCCD1}">
+                <a14:hiddenFill xmlns:a14="http://schemas.microsoft.com/office/drawing/2010/main">
+                  <a:solidFill>
+                    <a:srgbClr val="FFFFFF"/>
+                  </a:solidFill>
+                </a14:hiddenFill>
+              </a:ext>
+            </a:extLst>
+          </p:spPr>
+        </p:pic>
+      </p:grpSp>
+      <p:grpSp>
+        <p:nvGrpSpPr>
+          <p:cNvPr id="4" name="Gruppieren 3">
+            <a:extLst>
+              <a:ext uri="{FF2B5EF4-FFF2-40B4-BE49-F238E27FC236}">
+                <a16:creationId xmlns:a16="http://schemas.microsoft.com/office/drawing/2014/main" id="{AE2D5CA5-0D8B-4286-991A-6DB3880BBBDF}"/>
+              </a:ext>
+            </a:extLst>
+          </p:cNvPr>
+          <p:cNvGrpSpPr/>
+          <p:nvPr/>
+        </p:nvGrpSpPr>
+        <p:grpSpPr>
+          <a:xfrm>
+            <a:off x="2162792" y="3928683"/>
+            <a:ext cx="9390446" cy="2507298"/>
+            <a:chOff x="2222266" y="3796691"/>
+            <a:chExt cx="9390446" cy="2507298"/>
+          </a:xfrm>
+        </p:grpSpPr>
+        <p:pic>
+          <p:nvPicPr>
+            <p:cNvPr id="3080" name="Picture 8">
+              <a:extLst>
+                <a:ext uri="{FF2B5EF4-FFF2-40B4-BE49-F238E27FC236}">
+                  <a16:creationId xmlns:a16="http://schemas.microsoft.com/office/drawing/2014/main" id="{BEEE0AF6-77C0-4ADC-A044-EDA79150A40E}"/>
+                </a:ext>
+              </a:extLst>
+            </p:cNvPr>
+            <p:cNvPicPr>
+              <a:picLocks noChangeAspect="1" noChangeArrowheads="1"/>
+            </p:cNvPicPr>
+            <p:nvPr/>
+          </p:nvPicPr>
+          <p:blipFill>
+            <a:blip r:embed="rId6">
+              <a:extLst>
+                <a:ext uri="{28A0092B-C50C-407E-A947-70E740481C1C}">
+                  <a14:useLocalDpi xmlns:a14="http://schemas.microsoft.com/office/drawing/2010/main" val="0"/>
+                </a:ext>
+              </a:extLst>
+            </a:blip>
+            <a:srcRect/>
+            <a:stretch>
+              <a:fillRect/>
+            </a:stretch>
+          </p:blipFill>
+          <p:spPr bwMode="auto">
+            <a:xfrm>
+              <a:off x="2222266" y="3796691"/>
+              <a:ext cx="2786888" cy="2507298"/>
+            </a:xfrm>
+            <a:prstGeom prst="rect">
+              <a:avLst/>
+            </a:prstGeom>
+            <a:noFill/>
+            <a:extLst>
+              <a:ext uri="{909E8E84-426E-40DD-AFC4-6F175D3DCCD1}">
+                <a14:hiddenFill xmlns:a14="http://schemas.microsoft.com/office/drawing/2010/main">
+                  <a:solidFill>
+                    <a:srgbClr val="FFFFFF"/>
+                  </a:solidFill>
+                </a14:hiddenFill>
+              </a:ext>
+            </a:extLst>
+          </p:spPr>
+        </p:pic>
+        <p:pic>
+          <p:nvPicPr>
+            <p:cNvPr id="3082" name="Picture 10">
+              <a:extLst>
+                <a:ext uri="{FF2B5EF4-FFF2-40B4-BE49-F238E27FC236}">
+                  <a16:creationId xmlns:a16="http://schemas.microsoft.com/office/drawing/2014/main" id="{C6A56CA1-AC81-4831-9D28-65FA808FECE1}"/>
+                </a:ext>
+              </a:extLst>
+            </p:cNvPr>
+            <p:cNvPicPr>
+              <a:picLocks noChangeAspect="1" noChangeArrowheads="1"/>
+            </p:cNvPicPr>
+            <p:nvPr/>
+          </p:nvPicPr>
+          <p:blipFill>
+            <a:blip r:embed="rId7">
+              <a:extLst>
+                <a:ext uri="{28A0092B-C50C-407E-A947-70E740481C1C}">
+                  <a14:useLocalDpi xmlns:a14="http://schemas.microsoft.com/office/drawing/2010/main" val="0"/>
+                </a:ext>
+              </a:extLst>
+            </a:blip>
+            <a:srcRect/>
+            <a:stretch>
+              <a:fillRect/>
+            </a:stretch>
+          </p:blipFill>
+          <p:spPr bwMode="auto">
+            <a:xfrm>
+              <a:off x="5201328" y="3796691"/>
+              <a:ext cx="2786888" cy="2507298"/>
+            </a:xfrm>
+            <a:prstGeom prst="rect">
+              <a:avLst/>
+            </a:prstGeom>
+            <a:noFill/>
+            <a:extLst>
+              <a:ext uri="{909E8E84-426E-40DD-AFC4-6F175D3DCCD1}">
+                <a14:hiddenFill xmlns:a14="http://schemas.microsoft.com/office/drawing/2010/main">
+                  <a:solidFill>
+                    <a:srgbClr val="FFFFFF"/>
+                  </a:solidFill>
+                </a14:hiddenFill>
+              </a:ext>
+            </a:extLst>
+          </p:spPr>
+        </p:pic>
+        <p:pic>
+          <p:nvPicPr>
+            <p:cNvPr id="3084" name="Picture 12">
+              <a:extLst>
+                <a:ext uri="{FF2B5EF4-FFF2-40B4-BE49-F238E27FC236}">
+                  <a16:creationId xmlns:a16="http://schemas.microsoft.com/office/drawing/2014/main" id="{5B98ECCB-4F32-480A-8698-5E02FABF0ECA}"/>
+                </a:ext>
+              </a:extLst>
+            </p:cNvPr>
+            <p:cNvPicPr>
+              <a:picLocks noChangeAspect="1" noChangeArrowheads="1"/>
+            </p:cNvPicPr>
+            <p:nvPr/>
+          </p:nvPicPr>
+          <p:blipFill>
+            <a:blip r:embed="rId8">
+              <a:extLst>
+                <a:ext uri="{28A0092B-C50C-407E-A947-70E740481C1C}">
+                  <a14:useLocalDpi xmlns:a14="http://schemas.microsoft.com/office/drawing/2010/main" val="0"/>
+                </a:ext>
+              </a:extLst>
+            </a:blip>
+            <a:srcRect/>
+            <a:stretch>
+              <a:fillRect/>
+            </a:stretch>
+          </p:blipFill>
+          <p:spPr bwMode="auto">
+            <a:xfrm>
+              <a:off x="8180390" y="3814348"/>
+              <a:ext cx="3432322" cy="2471984"/>
+            </a:xfrm>
+            <a:prstGeom prst="rect">
+              <a:avLst/>
+            </a:prstGeom>
+            <a:noFill/>
+            <a:extLst>
+              <a:ext uri="{909E8E84-426E-40DD-AFC4-6F175D3DCCD1}">
+                <a14:hiddenFill xmlns:a14="http://schemas.microsoft.com/office/drawing/2010/main">
+                  <a:solidFill>
+                    <a:srgbClr val="FFFFFF"/>
+                  </a:solidFill>
+                </a14:hiddenFill>
+              </a:ext>
+            </a:extLst>
+          </p:spPr>
+        </p:pic>
+      </p:grpSp>
+      <p:cxnSp>
+        <p:nvCxnSpPr>
+          <p:cNvPr id="7" name="Gerader Verbinder 6">
+            <a:extLst>
+              <a:ext uri="{FF2B5EF4-FFF2-40B4-BE49-F238E27FC236}">
+                <a16:creationId xmlns:a16="http://schemas.microsoft.com/office/drawing/2014/main" id="{944E60FD-F895-4025-9404-28A94A073C5D}"/>
+              </a:ext>
+            </a:extLst>
+          </p:cNvPr>
+          <p:cNvCxnSpPr/>
+          <p:nvPr/>
+        </p:nvCxnSpPr>
+        <p:spPr>
+          <a:xfrm>
+            <a:off x="2446328" y="1821217"/>
+            <a:ext cx="0" cy="5136646"/>
+          </a:xfrm>
+          <a:prstGeom prst="line">
             <a:avLst/>
           </a:prstGeom>
-          <a:noFill/>
-          <a:extLst>
-            <a:ext uri="{909E8E84-426E-40DD-AFC4-6F175D3DCCD1}">
-              <a14:hiddenFill xmlns:a14="http://schemas.microsoft.com/office/drawing/2010/main">
-                <a:solidFill>
-                  <a:srgbClr val="FFFFFF"/>
-                </a:solidFill>
-              </a14:hiddenFill>
-            </a:ext>
-          </a:extLst>
         </p:spPr>
-      </p:pic>
+        <p:style>
+          <a:lnRef idx="1">
+            <a:schemeClr val="accent1"/>
+          </a:lnRef>
+          <a:fillRef idx="0">
+            <a:schemeClr val="accent1"/>
+          </a:fillRef>
+          <a:effectRef idx="0">
+            <a:schemeClr val="accent1"/>
+          </a:effectRef>
+          <a:fontRef idx="minor">
+            <a:schemeClr val="tx1"/>
+          </a:fontRef>
+        </p:style>
+      </p:cxnSp>
+      <p:sp>
+        <p:nvSpPr>
+          <p:cNvPr id="9" name="Pfeil: nach rechts 8">
+            <a:extLst>
+              <a:ext uri="{FF2B5EF4-FFF2-40B4-BE49-F238E27FC236}">
+                <a16:creationId xmlns:a16="http://schemas.microsoft.com/office/drawing/2014/main" id="{E50BC2B6-F5E7-464D-915D-C8318E5B00E6}"/>
+              </a:ext>
+            </a:extLst>
+          </p:cNvPr>
+          <p:cNvSpPr/>
+          <p:nvPr/>
+        </p:nvSpPr>
+        <p:spPr>
+          <a:xfrm>
+            <a:off x="130739" y="1802759"/>
+            <a:ext cx="1665592" cy="1725447"/>
+          </a:xfrm>
+          <a:prstGeom prst="rightArrow">
+            <a:avLst>
+              <a:gd name="adj1" fmla="val 100000"/>
+              <a:gd name="adj2" fmla="val 20821"/>
+            </a:avLst>
+          </a:prstGeom>
+        </p:spPr>
+        <p:style>
+          <a:lnRef idx="2">
+            <a:schemeClr val="accent1">
+              <a:shade val="50000"/>
+            </a:schemeClr>
+          </a:lnRef>
+          <a:fillRef idx="1">
+            <a:schemeClr val="accent1"/>
+          </a:fillRef>
+          <a:effectRef idx="0">
+            <a:schemeClr val="accent1"/>
+          </a:effectRef>
+          <a:fontRef idx="minor">
+            <a:schemeClr val="lt1"/>
+          </a:fontRef>
+        </p:style>
+        <p:txBody>
+          <a:bodyPr rtlCol="0" anchor="ctr"/>
+          <a:lstStyle/>
+          <a:p>
+            <a:pPr algn="ctr"/>
+            <a:r>
+              <a:rPr lang="en-US" dirty="0"/>
+              <a:t>Cleaned and lemmatized</a:t>
+            </a:r>
+          </a:p>
+          <a:p>
+            <a:pPr algn="ctr"/>
+            <a:r>
+              <a:rPr lang="en-US" dirty="0"/>
+              <a:t>data set</a:t>
+            </a:r>
+          </a:p>
+        </p:txBody>
+      </p:sp>
+      <p:sp>
+        <p:nvSpPr>
+          <p:cNvPr id="25" name="Pfeil: nach rechts 24">
+            <a:extLst>
+              <a:ext uri="{FF2B5EF4-FFF2-40B4-BE49-F238E27FC236}">
+                <a16:creationId xmlns:a16="http://schemas.microsoft.com/office/drawing/2014/main" id="{61BE303B-FF20-451E-9C4D-AD625511A6DF}"/>
+              </a:ext>
+            </a:extLst>
+          </p:cNvPr>
+          <p:cNvSpPr/>
+          <p:nvPr/>
+        </p:nvSpPr>
+        <p:spPr>
+          <a:xfrm>
+            <a:off x="130739" y="4244204"/>
+            <a:ext cx="1665592" cy="1725447"/>
+          </a:xfrm>
+          <a:prstGeom prst="rightArrow">
+            <a:avLst>
+              <a:gd name="adj1" fmla="val 100000"/>
+              <a:gd name="adj2" fmla="val 20821"/>
+            </a:avLst>
+          </a:prstGeom>
+        </p:spPr>
+        <p:style>
+          <a:lnRef idx="2">
+            <a:schemeClr val="accent1">
+              <a:shade val="50000"/>
+            </a:schemeClr>
+          </a:lnRef>
+          <a:fillRef idx="1">
+            <a:schemeClr val="accent1"/>
+          </a:fillRef>
+          <a:effectRef idx="0">
+            <a:schemeClr val="accent1"/>
+          </a:effectRef>
+          <a:fontRef idx="minor">
+            <a:schemeClr val="lt1"/>
+          </a:fontRef>
+        </p:style>
+        <p:txBody>
+          <a:bodyPr rtlCol="0" anchor="ctr"/>
+          <a:lstStyle/>
+          <a:p>
+            <a:pPr algn="ctr"/>
+            <a:r>
+              <a:rPr lang="en-US" sz="1600" dirty="0"/>
+              <a:t>Original data set without pre-processing</a:t>
+            </a:r>
+          </a:p>
+        </p:txBody>
+      </p:sp>
     </p:spTree>
     <p:extLst>
       <p:ext uri="{BB962C8B-B14F-4D97-AF65-F5344CB8AC3E}">
-        <p14:creationId xmlns:p14="http://schemas.microsoft.com/office/powerpoint/2010/main" val="880438795"/>
+        <p14:creationId xmlns:p14="http://schemas.microsoft.com/office/powerpoint/2010/main" val="224330958"/>
       </p:ext>
     </p:extLst>
   </p:cSld>

--- a/TDDetection_JED-PeW-OCF_2021009.pptx
+++ b/TDDetection_JED-PeW-OCF_2021009.pptx
@@ -13,13 +13,13 @@
     <p:sldId id="345" r:id="rId4"/>
     <p:sldId id="350" r:id="rId5"/>
     <p:sldId id="337" r:id="rId6"/>
-    <p:sldId id="334" r:id="rId7"/>
-    <p:sldId id="344" r:id="rId8"/>
+    <p:sldId id="344" r:id="rId7"/>
+    <p:sldId id="334" r:id="rId8"/>
     <p:sldId id="352" r:id="rId9"/>
     <p:sldId id="348" r:id="rId10"/>
-    <p:sldId id="347" r:id="rId11"/>
-    <p:sldId id="263" r:id="rId12"/>
-    <p:sldId id="351" r:id="rId13"/>
+    <p:sldId id="353" r:id="rId11"/>
+    <p:sldId id="351" r:id="rId12"/>
+    <p:sldId id="263" r:id="rId13"/>
   </p:sldIdLst>
   <p:sldSz cx="12192000" cy="6858000"/>
   <p:notesSz cx="6858000" cy="9144000"/>
@@ -1216,7 +1216,7 @@
           <a:p>
             <a:fld id="{A3D0A7EE-D142-4B43-840B-A4AEDB6B3F61}" type="slidenum">
               <a:rPr lang="de-DE" smtClean="0"/>
-              <a:t>7</a:t>
+              <a:t>6</a:t>
             </a:fld>
             <a:endParaRPr lang="de-DE"/>
           </a:p>
@@ -1858,7 +1858,7 @@
     </p:spTree>
     <p:extLst>
       <p:ext uri="{BB962C8B-B14F-4D97-AF65-F5344CB8AC3E}">
-        <p14:creationId xmlns:p14="http://schemas.microsoft.com/office/powerpoint/2010/main" val="308580436"/>
+        <p14:creationId xmlns:p14="http://schemas.microsoft.com/office/powerpoint/2010/main" val="4013825090"/>
       </p:ext>
     </p:extLst>
   </p:cSld>
@@ -2461,7 +2461,7 @@
           <a:p>
             <a:fld id="{A3D0A7EE-D142-4B43-840B-A4AEDB6B3F61}" type="slidenum">
               <a:rPr lang="de-DE" smtClean="0"/>
-              <a:t>12</a:t>
+              <a:t>11</a:t>
             </a:fld>
             <a:endParaRPr lang="de-DE"/>
           </a:p>
@@ -6314,7 +6314,7 @@
         </p:nvSpPr>
         <p:spPr>
           <a:xfrm>
-            <a:off x="515938" y="1725244"/>
+            <a:off x="534988" y="1772429"/>
             <a:ext cx="11341100" cy="4835894"/>
           </a:xfrm>
           <a:prstGeom prst="roundRect">
@@ -6444,169 +6444,12 @@
           </a:prstGeom>
         </p:spPr>
       </p:pic>
-      <p:sp>
-        <p:nvSpPr>
-          <p:cNvPr id="9" name="Rechteck 8">
-            <a:extLst>
-              <a:ext uri="{FF2B5EF4-FFF2-40B4-BE49-F238E27FC236}">
-                <a16:creationId xmlns:a16="http://schemas.microsoft.com/office/drawing/2014/main" id="{55D38FE2-B618-4F76-A7E4-0350E9EC6FDC}"/>
-              </a:ext>
-            </a:extLst>
-          </p:cNvPr>
-          <p:cNvSpPr/>
-          <p:nvPr/>
-        </p:nvSpPr>
-        <p:spPr>
-          <a:xfrm>
-            <a:off x="7180944" y="4391829"/>
-            <a:ext cx="4102213" cy="369332"/>
-          </a:xfrm>
-          <a:prstGeom prst="rect">
-            <a:avLst/>
-          </a:prstGeom>
-        </p:spPr>
-        <p:txBody>
-          <a:bodyPr wrap="none">
-            <a:spAutoFit/>
-          </a:bodyPr>
-          <a:lstStyle/>
-          <a:p>
-            <a:r>
-              <a:rPr lang="en-US" b="1" dirty="0">
-                <a:solidFill>
-                  <a:schemeClr val="accent1">
-                    <a:lumMod val="75000"/>
-                  </a:schemeClr>
-                </a:solidFill>
-              </a:rPr>
-              <a:t>Vectorized NER (LOC, GPE) at TFIDF, MNB</a:t>
-            </a:r>
-          </a:p>
-        </p:txBody>
-      </p:sp>
-      <p:sp>
-        <p:nvSpPr>
-          <p:cNvPr id="19" name="Rechteck 18">
-            <a:extLst>
-              <a:ext uri="{FF2B5EF4-FFF2-40B4-BE49-F238E27FC236}">
-                <a16:creationId xmlns:a16="http://schemas.microsoft.com/office/drawing/2014/main" id="{C9380F3D-0CD3-45F2-96B4-20B8CBAAC15F}"/>
-              </a:ext>
-            </a:extLst>
-          </p:cNvPr>
-          <p:cNvSpPr/>
-          <p:nvPr/>
-        </p:nvSpPr>
-        <p:spPr>
-          <a:xfrm>
-            <a:off x="7178157" y="5454022"/>
-            <a:ext cx="4596130" cy="369332"/>
-          </a:xfrm>
-          <a:prstGeom prst="rect">
-            <a:avLst/>
-          </a:prstGeom>
-        </p:spPr>
-        <p:txBody>
-          <a:bodyPr wrap="none">
-            <a:spAutoFit/>
-          </a:bodyPr>
-          <a:lstStyle/>
-          <a:p>
-            <a:r>
-              <a:rPr lang="en-US" b="1" dirty="0">
-                <a:solidFill>
-                  <a:schemeClr val="accent1">
-                    <a:lumMod val="75000"/>
-                  </a:schemeClr>
-                </a:solidFill>
-              </a:rPr>
-              <a:t>Numeric feature list from text at MNB, </a:t>
-            </a:r>
-            <a:r>
-              <a:rPr lang="en-US" b="1" dirty="0" err="1">
-                <a:solidFill>
-                  <a:schemeClr val="accent1">
-                    <a:lumMod val="75000"/>
-                  </a:schemeClr>
-                </a:solidFill>
-              </a:rPr>
-              <a:t>LogReg</a:t>
-            </a:r>
-            <a:endParaRPr lang="en-US" b="1" dirty="0">
-              <a:solidFill>
-                <a:schemeClr val="accent1">
-                  <a:lumMod val="75000"/>
-                </a:schemeClr>
-              </a:solidFill>
-            </a:endParaRPr>
-          </a:p>
-        </p:txBody>
-      </p:sp>
-      <p:sp>
-        <p:nvSpPr>
-          <p:cNvPr id="21" name="Rechteck 20">
-            <a:extLst>
-              <a:ext uri="{FF2B5EF4-FFF2-40B4-BE49-F238E27FC236}">
-                <a16:creationId xmlns:a16="http://schemas.microsoft.com/office/drawing/2014/main" id="{550A301D-3A98-44CD-BBD6-35B7B3C156FE}"/>
-              </a:ext>
-            </a:extLst>
-          </p:cNvPr>
-          <p:cNvSpPr/>
-          <p:nvPr/>
-        </p:nvSpPr>
-        <p:spPr>
-          <a:xfrm>
-            <a:off x="7166206" y="2301212"/>
-            <a:ext cx="3731919" cy="369332"/>
-          </a:xfrm>
-          <a:prstGeom prst="rect">
-            <a:avLst/>
-          </a:prstGeom>
-        </p:spPr>
-        <p:txBody>
-          <a:bodyPr wrap="none">
-            <a:spAutoFit/>
-          </a:bodyPr>
-          <a:lstStyle/>
-          <a:p>
-            <a:r>
-              <a:rPr lang="en-US" b="1" dirty="0">
-                <a:solidFill>
-                  <a:schemeClr val="accent1">
-                    <a:lumMod val="75000"/>
-                  </a:schemeClr>
-                </a:solidFill>
-              </a:rPr>
-              <a:t>Vectorized word count at </a:t>
-            </a:r>
-            <a:r>
-              <a:rPr lang="en-US" b="1" dirty="0" err="1">
-                <a:solidFill>
-                  <a:schemeClr val="accent1">
-                    <a:lumMod val="75000"/>
-                  </a:schemeClr>
-                </a:solidFill>
-              </a:rPr>
-              <a:t>TFiDF</a:t>
-            </a:r>
-            <a:r>
-              <a:rPr lang="en-US" b="1" dirty="0">
-                <a:solidFill>
-                  <a:schemeClr val="accent1">
-                    <a:lumMod val="75000"/>
-                  </a:schemeClr>
-                </a:solidFill>
-              </a:rPr>
-              <a:t>, MNB</a:t>
-            </a:r>
-          </a:p>
-        </p:txBody>
-      </p:sp>
       <p:pic>
         <p:nvPicPr>
-          <p:cNvPr id="23" name="Grafik 22">
-            <a:extLst>
-              <a:ext uri="{FF2B5EF4-FFF2-40B4-BE49-F238E27FC236}">
-                <a16:creationId xmlns:a16="http://schemas.microsoft.com/office/drawing/2014/main" id="{CCCEAAC1-0E6C-47EA-89DA-029BB9143582}"/>
+          <p:cNvPr id="16" name="Grafik 15">
+            <a:extLst>
+              <a:ext uri="{FF2B5EF4-FFF2-40B4-BE49-F238E27FC236}">
+                <a16:creationId xmlns:a16="http://schemas.microsoft.com/office/drawing/2014/main" id="{498E1B91-8D39-44EC-811A-D20DEB58CBA7}"/>
               </a:ext>
             </a:extLst>
           </p:cNvPr>
@@ -6623,93 +6466,306 @@
               </a:ext>
             </a:extLst>
           </a:blip>
-          <a:srcRect l="66795" t="61452" b="29681"/>
+          <a:srcRect l="4748" t="4303" r="38059" b="6621"/>
           <a:stretch/>
         </p:blipFill>
         <p:spPr>
           <a:xfrm>
-            <a:off x="7073840" y="4613157"/>
-            <a:ext cx="4095051" cy="681928"/>
+            <a:off x="1456267" y="2582333"/>
+            <a:ext cx="4988189" cy="3241021"/>
           </a:xfrm>
           <a:prstGeom prst="rect">
             <a:avLst/>
           </a:prstGeom>
         </p:spPr>
       </p:pic>
-      <p:pic>
-        <p:nvPicPr>
-          <p:cNvPr id="26" name="Grafik 25">
-            <a:extLst>
-              <a:ext uri="{FF2B5EF4-FFF2-40B4-BE49-F238E27FC236}">
-                <a16:creationId xmlns:a16="http://schemas.microsoft.com/office/drawing/2014/main" id="{9F3EEA3C-F1EF-4932-8232-93A55F6915C4}"/>
-              </a:ext>
-            </a:extLst>
-          </p:cNvPr>
-          <p:cNvPicPr>
-            <a:picLocks noChangeAspect="1"/>
-          </p:cNvPicPr>
+      <p:grpSp>
+        <p:nvGrpSpPr>
+          <p:cNvPr id="5" name="Gruppieren 4">
+            <a:extLst>
+              <a:ext uri="{FF2B5EF4-FFF2-40B4-BE49-F238E27FC236}">
+                <a16:creationId xmlns:a16="http://schemas.microsoft.com/office/drawing/2014/main" id="{7CEAAD49-237A-4977-8EB5-AF229F8F2116}"/>
+              </a:ext>
+            </a:extLst>
+          </p:cNvPr>
+          <p:cNvGrpSpPr/>
           <p:nvPr/>
-        </p:nvPicPr>
-        <p:blipFill rotWithShape="1">
-          <a:blip r:embed="rId4">
-            <a:extLst>
-              <a:ext uri="{28A0092B-C50C-407E-A947-70E740481C1C}">
-                <a14:useLocalDpi xmlns:a14="http://schemas.microsoft.com/office/drawing/2010/main" val="0"/>
-              </a:ext>
-            </a:extLst>
-          </a:blip>
-          <a:srcRect l="66795" t="89560" b="6915"/>
-          <a:stretch/>
-        </p:blipFill>
-        <p:spPr>
+        </p:nvGrpSpPr>
+        <p:grpSpPr>
           <a:xfrm>
-            <a:off x="7068902" y="5753504"/>
-            <a:ext cx="4080939" cy="270117"/>
+            <a:off x="6802412" y="2237712"/>
+            <a:ext cx="4971875" cy="3740181"/>
+            <a:chOff x="6802412" y="2237712"/>
+            <a:chExt cx="4971875" cy="3740181"/>
           </a:xfrm>
-          <a:prstGeom prst="rect">
-            <a:avLst/>
-          </a:prstGeom>
-        </p:spPr>
-      </p:pic>
-      <p:pic>
-        <p:nvPicPr>
-          <p:cNvPr id="27" name="Grafik 26">
-            <a:extLst>
-              <a:ext uri="{FF2B5EF4-FFF2-40B4-BE49-F238E27FC236}">
-                <a16:creationId xmlns:a16="http://schemas.microsoft.com/office/drawing/2014/main" id="{4C890EA2-FC5F-4F2C-B8DF-230E6AA1E702}"/>
-              </a:ext>
-            </a:extLst>
-          </p:cNvPr>
-          <p:cNvPicPr>
-            <a:picLocks noChangeAspect="1"/>
-          </p:cNvPicPr>
-          <p:nvPr/>
-        </p:nvPicPr>
-        <p:blipFill rotWithShape="1">
-          <a:blip r:embed="rId4">
-            <a:extLst>
-              <a:ext uri="{28A0092B-C50C-407E-A947-70E740481C1C}">
-                <a14:useLocalDpi xmlns:a14="http://schemas.microsoft.com/office/drawing/2010/main" val="0"/>
-              </a:ext>
-            </a:extLst>
-          </a:blip>
-          <a:srcRect l="66795" t="70314" b="9500"/>
-          <a:stretch/>
-        </p:blipFill>
-        <p:spPr>
-          <a:xfrm>
-            <a:off x="7045514" y="2626158"/>
-            <a:ext cx="4126302" cy="1564218"/>
-          </a:xfrm>
-          <a:prstGeom prst="rect">
-            <a:avLst/>
-          </a:prstGeom>
-        </p:spPr>
-      </p:pic>
+        </p:grpSpPr>
+        <p:sp>
+          <p:nvSpPr>
+            <p:cNvPr id="9" name="Rechteck 8">
+              <a:extLst>
+                <a:ext uri="{FF2B5EF4-FFF2-40B4-BE49-F238E27FC236}">
+                  <a16:creationId xmlns:a16="http://schemas.microsoft.com/office/drawing/2014/main" id="{55D38FE2-B618-4F76-A7E4-0350E9EC6FDC}"/>
+                </a:ext>
+              </a:extLst>
+            </p:cNvPr>
+            <p:cNvSpPr/>
+            <p:nvPr/>
+          </p:nvSpPr>
+          <p:spPr>
+            <a:xfrm>
+              <a:off x="7221739" y="4125129"/>
+              <a:ext cx="4102213" cy="369332"/>
+            </a:xfrm>
+            <a:prstGeom prst="rect">
+              <a:avLst/>
+            </a:prstGeom>
+          </p:spPr>
+          <p:txBody>
+            <a:bodyPr wrap="none">
+              <a:spAutoFit/>
+            </a:bodyPr>
+            <a:lstStyle/>
+            <a:p>
+              <a:r>
+                <a:rPr lang="en-US" b="1" dirty="0">
+                  <a:solidFill>
+                    <a:schemeClr val="accent1">
+                      <a:lumMod val="75000"/>
+                    </a:schemeClr>
+                  </a:solidFill>
+                </a:rPr>
+                <a:t>Vectorized NER (LOC, GPE) at TFIDF, MNB</a:t>
+              </a:r>
+            </a:p>
+          </p:txBody>
+        </p:sp>
+        <p:sp>
+          <p:nvSpPr>
+            <p:cNvPr id="19" name="Rechteck 18">
+              <a:extLst>
+                <a:ext uri="{FF2B5EF4-FFF2-40B4-BE49-F238E27FC236}">
+                  <a16:creationId xmlns:a16="http://schemas.microsoft.com/office/drawing/2014/main" id="{C9380F3D-0CD3-45F2-96B4-20B8CBAAC15F}"/>
+                </a:ext>
+              </a:extLst>
+            </p:cNvPr>
+            <p:cNvSpPr/>
+            <p:nvPr/>
+          </p:nvSpPr>
+          <p:spPr>
+            <a:xfrm>
+              <a:off x="7178157" y="4672972"/>
+              <a:ext cx="4596130" cy="369332"/>
+            </a:xfrm>
+            <a:prstGeom prst="rect">
+              <a:avLst/>
+            </a:prstGeom>
+          </p:spPr>
+          <p:txBody>
+            <a:bodyPr wrap="none">
+              <a:spAutoFit/>
+            </a:bodyPr>
+            <a:lstStyle/>
+            <a:p>
+              <a:r>
+                <a:rPr lang="en-US" b="1" dirty="0">
+                  <a:solidFill>
+                    <a:schemeClr val="accent1">
+                      <a:lumMod val="75000"/>
+                    </a:schemeClr>
+                  </a:solidFill>
+                </a:rPr>
+                <a:t>Numeric feature list from text at MNB, </a:t>
+              </a:r>
+              <a:r>
+                <a:rPr lang="en-US" b="1" dirty="0" err="1">
+                  <a:solidFill>
+                    <a:schemeClr val="accent1">
+                      <a:lumMod val="75000"/>
+                    </a:schemeClr>
+                  </a:solidFill>
+                </a:rPr>
+                <a:t>LogReg</a:t>
+              </a:r>
+              <a:endParaRPr lang="en-US" b="1" dirty="0">
+                <a:solidFill>
+                  <a:schemeClr val="accent1">
+                    <a:lumMod val="75000"/>
+                  </a:schemeClr>
+                </a:solidFill>
+              </a:endParaRPr>
+            </a:p>
+          </p:txBody>
+        </p:sp>
+        <p:sp>
+          <p:nvSpPr>
+            <p:cNvPr id="21" name="Rechteck 20">
+              <a:extLst>
+                <a:ext uri="{FF2B5EF4-FFF2-40B4-BE49-F238E27FC236}">
+                  <a16:creationId xmlns:a16="http://schemas.microsoft.com/office/drawing/2014/main" id="{550A301D-3A98-44CD-BBD6-35B7B3C156FE}"/>
+                </a:ext>
+              </a:extLst>
+            </p:cNvPr>
+            <p:cNvSpPr/>
+            <p:nvPr/>
+          </p:nvSpPr>
+          <p:spPr>
+            <a:xfrm>
+              <a:off x="7207001" y="2237712"/>
+              <a:ext cx="3731919" cy="369332"/>
+            </a:xfrm>
+            <a:prstGeom prst="rect">
+              <a:avLst/>
+            </a:prstGeom>
+          </p:spPr>
+          <p:txBody>
+            <a:bodyPr wrap="none">
+              <a:spAutoFit/>
+            </a:bodyPr>
+            <a:lstStyle/>
+            <a:p>
+              <a:r>
+                <a:rPr lang="en-US" b="1" dirty="0">
+                  <a:solidFill>
+                    <a:schemeClr val="accent1">
+                      <a:lumMod val="75000"/>
+                    </a:schemeClr>
+                  </a:solidFill>
+                </a:rPr>
+                <a:t>Vectorized word count at </a:t>
+              </a:r>
+              <a:r>
+                <a:rPr lang="en-US" b="1" dirty="0" err="1">
+                  <a:solidFill>
+                    <a:schemeClr val="accent1">
+                      <a:lumMod val="75000"/>
+                    </a:schemeClr>
+                  </a:solidFill>
+                </a:rPr>
+                <a:t>TFiDF</a:t>
+              </a:r>
+              <a:r>
+                <a:rPr lang="en-US" b="1" dirty="0">
+                  <a:solidFill>
+                    <a:schemeClr val="accent1">
+                      <a:lumMod val="75000"/>
+                    </a:schemeClr>
+                  </a:solidFill>
+                </a:rPr>
+                <a:t>, MNB</a:t>
+              </a:r>
+            </a:p>
+          </p:txBody>
+        </p:sp>
+        <p:pic>
+          <p:nvPicPr>
+            <p:cNvPr id="17" name="Grafik 16">
+              <a:extLst>
+                <a:ext uri="{FF2B5EF4-FFF2-40B4-BE49-F238E27FC236}">
+                  <a16:creationId xmlns:a16="http://schemas.microsoft.com/office/drawing/2014/main" id="{66C8F250-FD87-4FAE-9C7C-70246289BEA5}"/>
+                </a:ext>
+              </a:extLst>
+            </p:cNvPr>
+            <p:cNvPicPr>
+              <a:picLocks noChangeAspect="1"/>
+            </p:cNvPicPr>
+            <p:nvPr/>
+          </p:nvPicPr>
+          <p:blipFill rotWithShape="1">
+            <a:blip r:embed="rId4">
+              <a:extLst>
+                <a:ext uri="{28A0092B-C50C-407E-A947-70E740481C1C}">
+                  <a14:useLocalDpi xmlns:a14="http://schemas.microsoft.com/office/drawing/2010/main" val="0"/>
+                </a:ext>
+              </a:extLst>
+            </a:blip>
+            <a:srcRect l="64299" t="70235" b="9619"/>
+            <a:stretch/>
+          </p:blipFill>
+          <p:spPr>
+            <a:xfrm>
+              <a:off x="6802412" y="2549542"/>
+              <a:ext cx="4455069" cy="1567822"/>
+            </a:xfrm>
+            <a:prstGeom prst="rect">
+              <a:avLst/>
+            </a:prstGeom>
+          </p:spPr>
+        </p:pic>
+        <p:pic>
+          <p:nvPicPr>
+            <p:cNvPr id="22" name="Grafik 21">
+              <a:extLst>
+                <a:ext uri="{FF2B5EF4-FFF2-40B4-BE49-F238E27FC236}">
+                  <a16:creationId xmlns:a16="http://schemas.microsoft.com/office/drawing/2014/main" id="{79F41CB2-39BB-4651-BF9F-62FE894C96D7}"/>
+                </a:ext>
+              </a:extLst>
+            </p:cNvPr>
+            <p:cNvPicPr>
+              <a:picLocks noChangeAspect="1"/>
+            </p:cNvPicPr>
+            <p:nvPr/>
+          </p:nvPicPr>
+          <p:blipFill rotWithShape="1">
+            <a:blip r:embed="rId4">
+              <a:extLst>
+                <a:ext uri="{28A0092B-C50C-407E-A947-70E740481C1C}">
+                  <a14:useLocalDpi xmlns:a14="http://schemas.microsoft.com/office/drawing/2010/main" val="0"/>
+                </a:ext>
+              </a:extLst>
+            </a:blip>
+            <a:srcRect l="64299" t="90247" b="7460"/>
+            <a:stretch/>
+          </p:blipFill>
+          <p:spPr>
+            <a:xfrm>
+              <a:off x="6802412" y="4485736"/>
+              <a:ext cx="4455069" cy="178428"/>
+            </a:xfrm>
+            <a:prstGeom prst="rect">
+              <a:avLst/>
+            </a:prstGeom>
+          </p:spPr>
+        </p:pic>
+        <p:pic>
+          <p:nvPicPr>
+            <p:cNvPr id="25" name="Grafik 24">
+              <a:extLst>
+                <a:ext uri="{FF2B5EF4-FFF2-40B4-BE49-F238E27FC236}">
+                  <a16:creationId xmlns:a16="http://schemas.microsoft.com/office/drawing/2014/main" id="{DD1C8989-47F8-4A24-86B7-DD9ACA8192D6}"/>
+                </a:ext>
+              </a:extLst>
+            </p:cNvPr>
+            <p:cNvPicPr>
+              <a:picLocks noChangeAspect="1"/>
+            </p:cNvPicPr>
+            <p:nvPr/>
+          </p:nvPicPr>
+          <p:blipFill rotWithShape="1">
+            <a:blip r:embed="rId4">
+              <a:extLst>
+                <a:ext uri="{28A0092B-C50C-407E-A947-70E740481C1C}">
+                  <a14:useLocalDpi xmlns:a14="http://schemas.microsoft.com/office/drawing/2010/main" val="0"/>
+                </a:ext>
+              </a:extLst>
+            </a:blip>
+            <a:srcRect l="64299" t="55106" b="30307"/>
+            <a:stretch/>
+          </p:blipFill>
+          <p:spPr>
+            <a:xfrm>
+              <a:off x="6802412" y="4842675"/>
+              <a:ext cx="4455069" cy="1135218"/>
+            </a:xfrm>
+            <a:prstGeom prst="rect">
+              <a:avLst/>
+            </a:prstGeom>
+          </p:spPr>
+        </p:pic>
+      </p:grpSp>
     </p:spTree>
     <p:extLst>
       <p:ext uri="{BB962C8B-B14F-4D97-AF65-F5344CB8AC3E}">
-        <p14:creationId xmlns:p14="http://schemas.microsoft.com/office/powerpoint/2010/main" val="880438795"/>
+        <p14:creationId xmlns:p14="http://schemas.microsoft.com/office/powerpoint/2010/main" val="981011504"/>
       </p:ext>
     </p:extLst>
   </p:cSld>
@@ -6738,200 +6794,10 @@
       </p:grpSpPr>
       <p:sp>
         <p:nvSpPr>
-          <p:cNvPr id="70" name="Titel 1">
-            <a:extLst>
-              <a:ext uri="{FF2B5EF4-FFF2-40B4-BE49-F238E27FC236}">
-                <a16:creationId xmlns:a16="http://schemas.microsoft.com/office/drawing/2014/main" id="{5AE57894-ECED-4345-B986-46BA63D67AFE}"/>
-              </a:ext>
-            </a:extLst>
-          </p:cNvPr>
-          <p:cNvSpPr txBox="1">
-            <a:spLocks/>
-          </p:cNvSpPr>
-          <p:nvPr/>
-        </p:nvSpPr>
-        <p:spPr>
-          <a:xfrm>
-            <a:off x="425450" y="2817018"/>
-            <a:ext cx="11341100" cy="1715225"/>
-          </a:xfrm>
-          <a:prstGeom prst="rect">
-            <a:avLst/>
-          </a:prstGeom>
-        </p:spPr>
-        <p:txBody>
-          <a:bodyPr vert="horz" lIns="91440" tIns="45720" rIns="91440" bIns="45720" rtlCol="0" anchor="ctr">
-            <a:normAutofit fontScale="97500" lnSpcReduction="10000"/>
-          </a:bodyPr>
-          <a:lstStyle>
-            <a:lvl1pPr algn="l" defTabSz="914400" rtl="0" eaLnBrk="1" latinLnBrk="0" hangingPunct="1">
-              <a:lnSpc>
-                <a:spcPct val="90000"/>
-              </a:lnSpc>
-              <a:spcBef>
-                <a:spcPct val="0"/>
-              </a:spcBef>
-              <a:buNone/>
-              <a:defRPr sz="4400" kern="1200">
-                <a:solidFill>
-                  <a:schemeClr val="tx1"/>
-                </a:solidFill>
-                <a:latin typeface="+mj-lt"/>
-                <a:ea typeface="+mj-ea"/>
-                <a:cs typeface="+mj-cs"/>
-              </a:defRPr>
-            </a:lvl1pPr>
-          </a:lstStyle>
-          <a:p>
-            <a:r>
-              <a:rPr lang="en-US" b="1" dirty="0">
-                <a:solidFill>
-                  <a:schemeClr val="accent1">
-                    <a:lumMod val="75000"/>
-                  </a:schemeClr>
-                </a:solidFill>
-              </a:rPr>
-              <a:t>Thank you !</a:t>
-            </a:r>
-          </a:p>
-          <a:p>
-            <a:endParaRPr lang="en-US" b="1" dirty="0">
-              <a:solidFill>
-                <a:schemeClr val="accent1">
-                  <a:lumMod val="75000"/>
-                </a:schemeClr>
-              </a:solidFill>
-            </a:endParaRPr>
-          </a:p>
-          <a:p>
-            <a:r>
-              <a:rPr lang="en-US" b="1" dirty="0">
-                <a:solidFill>
-                  <a:schemeClr val="accent1">
-                    <a:lumMod val="75000"/>
-                  </a:schemeClr>
-                </a:solidFill>
-              </a:rPr>
-              <a:t>Q&amp;A ?!</a:t>
-            </a:r>
-          </a:p>
-        </p:txBody>
-      </p:sp>
-    </p:spTree>
-    <p:extLst>
-      <p:ext uri="{BB962C8B-B14F-4D97-AF65-F5344CB8AC3E}">
-        <p14:creationId xmlns:p14="http://schemas.microsoft.com/office/powerpoint/2010/main" val="3689919989"/>
-      </p:ext>
-    </p:extLst>
-  </p:cSld>
-  <p:clrMapOvr>
-    <a:masterClrMapping/>
-  </p:clrMapOvr>
-</p:sld>
-</file>
-
-<file path=ppt/slides/slide12.xml><?xml version="1.0" encoding="utf-8"?>
-<p:sld xmlns:a="http://schemas.openxmlformats.org/drawingml/2006/main" xmlns:r="http://schemas.openxmlformats.org/officeDocument/2006/relationships" xmlns:p="http://schemas.openxmlformats.org/presentationml/2006/main">
-  <p:cSld>
-    <p:spTree>
-      <p:nvGrpSpPr>
-        <p:cNvPr id="1" name=""/>
-        <p:cNvGrpSpPr/>
-        <p:nvPr/>
-      </p:nvGrpSpPr>
-      <p:grpSpPr>
-        <a:xfrm>
-          <a:off x="0" y="0"/>
-          <a:ext cx="0" cy="0"/>
-          <a:chOff x="0" y="0"/>
-          <a:chExt cx="0" cy="0"/>
-        </a:xfrm>
-      </p:grpSpPr>
-      <p:sp>
-        <p:nvSpPr>
-          <p:cNvPr id="3" name="Titel 1">
-            <a:extLst>
-              <a:ext uri="{FF2B5EF4-FFF2-40B4-BE49-F238E27FC236}">
-                <a16:creationId xmlns:a16="http://schemas.microsoft.com/office/drawing/2014/main" id="{7F0DE1B4-88BD-4A2B-9D45-42C6AD3F656C}"/>
-              </a:ext>
-            </a:extLst>
-          </p:cNvPr>
-          <p:cNvSpPr txBox="1">
-            <a:spLocks/>
-          </p:cNvSpPr>
-          <p:nvPr/>
-        </p:nvSpPr>
-        <p:spPr>
-          <a:xfrm>
-            <a:off x="515938" y="225425"/>
-            <a:ext cx="11341100" cy="1223963"/>
-          </a:xfrm>
-          <a:prstGeom prst="rect">
-            <a:avLst/>
-          </a:prstGeom>
-        </p:spPr>
-        <p:txBody>
-          <a:bodyPr vert="horz" lIns="91440" tIns="45720" rIns="91440" bIns="45720" rtlCol="0" anchor="ctr">
-            <a:normAutofit/>
-          </a:bodyPr>
-          <a:lstStyle>
-            <a:lvl1pPr algn="l" defTabSz="914400" rtl="0" eaLnBrk="1" latinLnBrk="0" hangingPunct="1">
-              <a:lnSpc>
-                <a:spcPct val="90000"/>
-              </a:lnSpc>
-              <a:spcBef>
-                <a:spcPct val="0"/>
-              </a:spcBef>
-              <a:buNone/>
-              <a:defRPr sz="4400" kern="1200">
-                <a:solidFill>
-                  <a:schemeClr val="tx1"/>
-                </a:solidFill>
-                <a:latin typeface="+mj-lt"/>
-                <a:ea typeface="+mj-ea"/>
-                <a:cs typeface="+mj-cs"/>
-              </a:defRPr>
-            </a:lvl1pPr>
-          </a:lstStyle>
-          <a:p>
-            <a:r>
-              <a:rPr lang="en-US" sz="4000" b="1" dirty="0">
-                <a:solidFill>
-                  <a:schemeClr val="accent1">
-                    <a:lumMod val="75000"/>
-                  </a:schemeClr>
-                </a:solidFill>
-              </a:rPr>
-              <a:t>Testing of our pipe and model </a:t>
-            </a:r>
-          </a:p>
-          <a:p>
-            <a:r>
-              <a:rPr lang="en-US" sz="4000" b="1" dirty="0">
-                <a:solidFill>
-                  <a:schemeClr val="accent1">
-                    <a:lumMod val="75000"/>
-                  </a:schemeClr>
-                </a:solidFill>
-              </a:rPr>
-              <a:t>with a different data set (source: Kaggle).</a:t>
-            </a:r>
-            <a:endParaRPr lang="en-US" sz="3900" b="1" dirty="0">
-              <a:solidFill>
-                <a:schemeClr val="accent1">
-                  <a:lumMod val="75000"/>
-                </a:schemeClr>
-              </a:solidFill>
-            </a:endParaRPr>
-          </a:p>
-        </p:txBody>
-      </p:sp>
-      <p:sp>
-        <p:nvSpPr>
-          <p:cNvPr id="10" name="Rechteck: abgerundete Ecken 9">
-            <a:extLst>
-              <a:ext uri="{FF2B5EF4-FFF2-40B4-BE49-F238E27FC236}">
-                <a16:creationId xmlns:a16="http://schemas.microsoft.com/office/drawing/2014/main" id="{904FDF20-02D6-4DD7-89F0-759FDA09FA07}"/>
+          <p:cNvPr id="14" name="Rechteck: abgerundete Ecken 13">
+            <a:extLst>
+              <a:ext uri="{FF2B5EF4-FFF2-40B4-BE49-F238E27FC236}">
+                <a16:creationId xmlns:a16="http://schemas.microsoft.com/office/drawing/2014/main" id="{8841AD34-7C3C-45FF-9ED3-C484E16AE71E}"/>
               </a:ext>
             </a:extLst>
           </p:cNvPr>
@@ -6940,8 +6806,8 @@
         </p:nvSpPr>
         <p:spPr>
           <a:xfrm>
-            <a:off x="515938" y="1725244"/>
-            <a:ext cx="11341100" cy="4835894"/>
+            <a:off x="9109673" y="865909"/>
+            <a:ext cx="2893147" cy="5695229"/>
           </a:xfrm>
           <a:prstGeom prst="roundRect">
             <a:avLst>
@@ -6990,10 +6856,109 @@
       </p:sp>
       <p:sp>
         <p:nvSpPr>
-          <p:cNvPr id="11" name="Rechteck: abgerundete Ecken 10">
-            <a:extLst>
-              <a:ext uri="{FF2B5EF4-FFF2-40B4-BE49-F238E27FC236}">
-                <a16:creationId xmlns:a16="http://schemas.microsoft.com/office/drawing/2014/main" id="{ABD645B4-C0E2-42CD-B67E-3B41CECD89B2}"/>
+          <p:cNvPr id="3" name="Titel 1">
+            <a:extLst>
+              <a:ext uri="{FF2B5EF4-FFF2-40B4-BE49-F238E27FC236}">
+                <a16:creationId xmlns:a16="http://schemas.microsoft.com/office/drawing/2014/main" id="{7F0DE1B4-88BD-4A2B-9D45-42C6AD3F656C}"/>
+              </a:ext>
+            </a:extLst>
+          </p:cNvPr>
+          <p:cNvSpPr txBox="1">
+            <a:spLocks/>
+          </p:cNvSpPr>
+          <p:nvPr/>
+        </p:nvSpPr>
+        <p:spPr>
+          <a:xfrm>
+            <a:off x="515938" y="225425"/>
+            <a:ext cx="11341100" cy="1223963"/>
+          </a:xfrm>
+          <a:prstGeom prst="rect">
+            <a:avLst/>
+          </a:prstGeom>
+        </p:spPr>
+        <p:txBody>
+          <a:bodyPr vert="horz" lIns="91440" tIns="45720" rIns="91440" bIns="45720" rtlCol="0" anchor="ctr">
+            <a:normAutofit/>
+          </a:bodyPr>
+          <a:lstStyle>
+            <a:lvl1pPr algn="l" defTabSz="914400" rtl="0" eaLnBrk="1" latinLnBrk="0" hangingPunct="1">
+              <a:lnSpc>
+                <a:spcPct val="90000"/>
+              </a:lnSpc>
+              <a:spcBef>
+                <a:spcPct val="0"/>
+              </a:spcBef>
+              <a:buNone/>
+              <a:defRPr sz="4400" kern="1200">
+                <a:solidFill>
+                  <a:schemeClr val="tx1"/>
+                </a:solidFill>
+                <a:latin typeface="+mj-lt"/>
+                <a:ea typeface="+mj-ea"/>
+                <a:cs typeface="+mj-cs"/>
+              </a:defRPr>
+            </a:lvl1pPr>
+          </a:lstStyle>
+          <a:p>
+            <a:r>
+              <a:rPr lang="en-US" sz="4000" b="1" dirty="0">
+                <a:solidFill>
+                  <a:schemeClr val="accent1">
+                    <a:lumMod val="75000"/>
+                  </a:schemeClr>
+                </a:solidFill>
+              </a:rPr>
+              <a:t>Testing of our pipe and model (</a:t>
+            </a:r>
+            <a:r>
+              <a:rPr lang="en-US" sz="4000" b="1" dirty="0" err="1">
+                <a:solidFill>
+                  <a:schemeClr val="accent1">
+                    <a:lumMod val="75000"/>
+                  </a:schemeClr>
+                </a:solidFill>
+              </a:rPr>
+              <a:t>CountVectorizer</a:t>
+            </a:r>
+            <a:r>
+              <a:rPr lang="en-US" sz="4000" b="1" dirty="0">
+                <a:solidFill>
+                  <a:schemeClr val="accent1">
+                    <a:lumMod val="75000"/>
+                  </a:schemeClr>
+                </a:solidFill>
+              </a:rPr>
+              <a:t> &amp; MNB)</a:t>
+            </a:r>
+          </a:p>
+          <a:p>
+            <a:r>
+              <a:rPr lang="en-US" sz="4000" b="1" dirty="0">
+                <a:solidFill>
+                  <a:schemeClr val="accent1">
+                    <a:lumMod val="75000"/>
+                  </a:schemeClr>
+                </a:solidFill>
+              </a:rPr>
+              <a:t>with a different data set (source: Kaggle).</a:t>
+            </a:r>
+            <a:endParaRPr lang="en-US" sz="3900" b="1" dirty="0">
+              <a:solidFill>
+                <a:schemeClr val="accent1">
+                  <a:lumMod val="75000"/>
+                </a:schemeClr>
+              </a:solidFill>
+            </a:endParaRPr>
+          </a:p>
+        </p:txBody>
+      </p:sp>
+      <p:sp>
+        <p:nvSpPr>
+          <p:cNvPr id="10" name="Rechteck: abgerundete Ecken 9">
+            <a:extLst>
+              <a:ext uri="{FF2B5EF4-FFF2-40B4-BE49-F238E27FC236}">
+                <a16:creationId xmlns:a16="http://schemas.microsoft.com/office/drawing/2014/main" id="{904FDF20-02D6-4DD7-89F0-759FDA09FA07}"/>
               </a:ext>
             </a:extLst>
           </p:cNvPr>
@@ -7003,7 +6968,69 @@
         <p:spPr>
           <a:xfrm>
             <a:off x="515938" y="1725244"/>
-            <a:ext cx="11341100" cy="400110"/>
+            <a:ext cx="8447953" cy="4835894"/>
+          </a:xfrm>
+          <a:prstGeom prst="roundRect">
+            <a:avLst>
+              <a:gd name="adj" fmla="val 1538"/>
+            </a:avLst>
+          </a:prstGeom>
+          <a:solidFill>
+            <a:schemeClr val="bg1">
+              <a:alpha val="50000"/>
+            </a:schemeClr>
+          </a:solidFill>
+        </p:spPr>
+        <p:style>
+          <a:lnRef idx="2">
+            <a:schemeClr val="accent1">
+              <a:shade val="50000"/>
+            </a:schemeClr>
+          </a:lnRef>
+          <a:fillRef idx="1">
+            <a:schemeClr val="accent1"/>
+          </a:fillRef>
+          <a:effectRef idx="0">
+            <a:schemeClr val="accent1"/>
+          </a:effectRef>
+          <a:fontRef idx="minor">
+            <a:schemeClr val="lt1"/>
+          </a:fontRef>
+        </p:style>
+        <p:txBody>
+          <a:bodyPr rot="0" spcFirstLastPara="0" vertOverflow="overflow" horzOverflow="overflow" vert="horz" wrap="square" lIns="91440" tIns="504000" rIns="91440" bIns="45720" numCol="1" spcCol="0" rtlCol="0" fromWordArt="0" anchor="t" anchorCtr="0" forceAA="0" compatLnSpc="1">
+            <a:prstTxWarp prst="textNoShape">
+              <a:avLst/>
+            </a:prstTxWarp>
+            <a:noAutofit/>
+          </a:bodyPr>
+          <a:lstStyle/>
+          <a:p>
+            <a:pPr marL="74612"/>
+            <a:endParaRPr lang="de-DE" dirty="0">
+              <a:solidFill>
+                <a:schemeClr val="tx1"/>
+              </a:solidFill>
+            </a:endParaRPr>
+          </a:p>
+        </p:txBody>
+      </p:sp>
+      <p:sp>
+        <p:nvSpPr>
+          <p:cNvPr id="11" name="Rechteck: abgerundete Ecken 10">
+            <a:extLst>
+              <a:ext uri="{FF2B5EF4-FFF2-40B4-BE49-F238E27FC236}">
+                <a16:creationId xmlns:a16="http://schemas.microsoft.com/office/drawing/2014/main" id="{ABD645B4-C0E2-42CD-B67E-3B41CECD89B2}"/>
+              </a:ext>
+            </a:extLst>
+          </p:cNvPr>
+          <p:cNvSpPr/>
+          <p:nvPr/>
+        </p:nvSpPr>
+        <p:spPr>
+          <a:xfrm>
+            <a:off x="515938" y="1725244"/>
+            <a:ext cx="8447953" cy="400110"/>
           </a:xfrm>
           <a:prstGeom prst="roundRect">
             <a:avLst/>
@@ -7063,7 +7090,7 @@
         </p:blipFill>
         <p:spPr>
           <a:xfrm>
-            <a:off x="699255" y="2414355"/>
+            <a:off x="661720" y="2401210"/>
             <a:ext cx="8156387" cy="3817298"/>
           </a:xfrm>
           <a:prstGeom prst="rect">
@@ -7099,8 +7126,8 @@
         </p:blipFill>
         <p:spPr>
           <a:xfrm>
-            <a:off x="8999579" y="63502"/>
-            <a:ext cx="3162260" cy="6497636"/>
+            <a:off x="9196108" y="916129"/>
+            <a:ext cx="2733821" cy="5574726"/>
           </a:xfrm>
           <a:prstGeom prst="rect">
             <a:avLst/>
@@ -7111,6 +7138,117 @@
     <p:extLst>
       <p:ext uri="{BB962C8B-B14F-4D97-AF65-F5344CB8AC3E}">
         <p14:creationId xmlns:p14="http://schemas.microsoft.com/office/powerpoint/2010/main" val="2941265381"/>
+      </p:ext>
+    </p:extLst>
+  </p:cSld>
+  <p:clrMapOvr>
+    <a:masterClrMapping/>
+  </p:clrMapOvr>
+</p:sld>
+</file>
+
+<file path=ppt/slides/slide12.xml><?xml version="1.0" encoding="utf-8"?>
+<p:sld xmlns:a="http://schemas.openxmlformats.org/drawingml/2006/main" xmlns:r="http://schemas.openxmlformats.org/officeDocument/2006/relationships" xmlns:p="http://schemas.openxmlformats.org/presentationml/2006/main">
+  <p:cSld>
+    <p:spTree>
+      <p:nvGrpSpPr>
+        <p:cNvPr id="1" name=""/>
+        <p:cNvGrpSpPr/>
+        <p:nvPr/>
+      </p:nvGrpSpPr>
+      <p:grpSpPr>
+        <a:xfrm>
+          <a:off x="0" y="0"/>
+          <a:ext cx="0" cy="0"/>
+          <a:chOff x="0" y="0"/>
+          <a:chExt cx="0" cy="0"/>
+        </a:xfrm>
+      </p:grpSpPr>
+      <p:sp>
+        <p:nvSpPr>
+          <p:cNvPr id="70" name="Titel 1">
+            <a:extLst>
+              <a:ext uri="{FF2B5EF4-FFF2-40B4-BE49-F238E27FC236}">
+                <a16:creationId xmlns:a16="http://schemas.microsoft.com/office/drawing/2014/main" id="{5AE57894-ECED-4345-B986-46BA63D67AFE}"/>
+              </a:ext>
+            </a:extLst>
+          </p:cNvPr>
+          <p:cNvSpPr txBox="1">
+            <a:spLocks/>
+          </p:cNvSpPr>
+          <p:nvPr/>
+        </p:nvSpPr>
+        <p:spPr>
+          <a:xfrm>
+            <a:off x="425450" y="2817018"/>
+            <a:ext cx="11341100" cy="1715225"/>
+          </a:xfrm>
+          <a:prstGeom prst="rect">
+            <a:avLst/>
+          </a:prstGeom>
+        </p:spPr>
+        <p:txBody>
+          <a:bodyPr vert="horz" lIns="91440" tIns="45720" rIns="91440" bIns="45720" rtlCol="0" anchor="ctr">
+            <a:normAutofit fontScale="97500" lnSpcReduction="10000"/>
+          </a:bodyPr>
+          <a:lstStyle>
+            <a:lvl1pPr algn="l" defTabSz="914400" rtl="0" eaLnBrk="1" latinLnBrk="0" hangingPunct="1">
+              <a:lnSpc>
+                <a:spcPct val="90000"/>
+              </a:lnSpc>
+              <a:spcBef>
+                <a:spcPct val="0"/>
+              </a:spcBef>
+              <a:buNone/>
+              <a:defRPr sz="4400" kern="1200">
+                <a:solidFill>
+                  <a:schemeClr val="tx1"/>
+                </a:solidFill>
+                <a:latin typeface="+mj-lt"/>
+                <a:ea typeface="+mj-ea"/>
+                <a:cs typeface="+mj-cs"/>
+              </a:defRPr>
+            </a:lvl1pPr>
+          </a:lstStyle>
+          <a:p>
+            <a:r>
+              <a:rPr lang="en-US" b="1" dirty="0">
+                <a:solidFill>
+                  <a:schemeClr val="accent1">
+                    <a:lumMod val="75000"/>
+                  </a:schemeClr>
+                </a:solidFill>
+              </a:rPr>
+              <a:t>Thank you !</a:t>
+            </a:r>
+          </a:p>
+          <a:p>
+            <a:endParaRPr lang="en-US" b="1" dirty="0">
+              <a:solidFill>
+                <a:schemeClr val="accent1">
+                  <a:lumMod val="75000"/>
+                </a:schemeClr>
+              </a:solidFill>
+            </a:endParaRPr>
+          </a:p>
+          <a:p>
+            <a:r>
+              <a:rPr lang="en-US" b="1" dirty="0">
+                <a:solidFill>
+                  <a:schemeClr val="accent1">
+                    <a:lumMod val="75000"/>
+                  </a:schemeClr>
+                </a:solidFill>
+              </a:rPr>
+              <a:t>Q&amp;A ?!</a:t>
+            </a:r>
+          </a:p>
+        </p:txBody>
+      </p:sp>
+    </p:spTree>
+    <p:extLst>
+      <p:ext uri="{BB962C8B-B14F-4D97-AF65-F5344CB8AC3E}">
+        <p14:creationId xmlns:p14="http://schemas.microsoft.com/office/powerpoint/2010/main" val="3689919989"/>
       </p:ext>
     </p:extLst>
   </p:cSld>
@@ -10563,8 +10701,12 @@
               <a:buChar char="§"/>
             </a:pPr>
             <a:r>
+              <a:rPr lang="de-DE" dirty="0"/>
+              <a:t>NER </a:t>
+            </a:r>
+            <a:r>
               <a:rPr lang="de-DE" dirty="0" err="1"/>
-              <a:t>My</a:t>
+              <a:t>with</a:t>
             </a:r>
             <a:r>
               <a:rPr lang="de-DE" dirty="0"/>
@@ -10925,849 +11067,6 @@
 </file>
 
 <file path=ppt/slides/slide6.xml><?xml version="1.0" encoding="utf-8"?>
-<p:sld xmlns:a="http://schemas.openxmlformats.org/drawingml/2006/main" xmlns:r="http://schemas.openxmlformats.org/officeDocument/2006/relationships" xmlns:p="http://schemas.openxmlformats.org/presentationml/2006/main">
-  <p:cSld>
-    <p:spTree>
-      <p:nvGrpSpPr>
-        <p:cNvPr id="1" name=""/>
-        <p:cNvGrpSpPr/>
-        <p:nvPr/>
-      </p:nvGrpSpPr>
-      <p:grpSpPr>
-        <a:xfrm>
-          <a:off x="0" y="0"/>
-          <a:ext cx="0" cy="0"/>
-          <a:chOff x="0" y="0"/>
-          <a:chExt cx="0" cy="0"/>
-        </a:xfrm>
-      </p:grpSpPr>
-      <p:grpSp>
-        <p:nvGrpSpPr>
-          <p:cNvPr id="10" name="Gruppieren 9">
-            <a:extLst>
-              <a:ext uri="{FF2B5EF4-FFF2-40B4-BE49-F238E27FC236}">
-                <a16:creationId xmlns:a16="http://schemas.microsoft.com/office/drawing/2014/main" id="{82D303DE-BDE2-4E14-9180-395AC90ED838}"/>
-              </a:ext>
-            </a:extLst>
-          </p:cNvPr>
-          <p:cNvGrpSpPr/>
-          <p:nvPr/>
-        </p:nvGrpSpPr>
-        <p:grpSpPr>
-          <a:xfrm>
-            <a:off x="0" y="1180334"/>
-            <a:ext cx="12194723" cy="5369691"/>
-            <a:chOff x="-8169" y="1596060"/>
-            <a:chExt cx="12194723" cy="4899930"/>
-          </a:xfrm>
-        </p:grpSpPr>
-        <p:sp>
-          <p:nvSpPr>
-            <p:cNvPr id="11" name="Rechteck: abgerundete Ecken 10">
-              <a:extLst>
-                <a:ext uri="{FF2B5EF4-FFF2-40B4-BE49-F238E27FC236}">
-                  <a16:creationId xmlns:a16="http://schemas.microsoft.com/office/drawing/2014/main" id="{6BACF3D7-70E3-411F-8821-8D28829FCFF2}"/>
-                </a:ext>
-              </a:extLst>
-            </p:cNvPr>
-            <p:cNvSpPr/>
-            <p:nvPr/>
-          </p:nvSpPr>
-          <p:spPr>
-            <a:xfrm>
-              <a:off x="-5446" y="1596060"/>
-              <a:ext cx="12192000" cy="4899930"/>
-            </a:xfrm>
-            <a:prstGeom prst="roundRect">
-              <a:avLst>
-                <a:gd name="adj" fmla="val 0"/>
-              </a:avLst>
-            </a:prstGeom>
-            <a:solidFill>
-              <a:schemeClr val="bg1">
-                <a:alpha val="50000"/>
-              </a:schemeClr>
-            </a:solidFill>
-            <a:ln>
-              <a:noFill/>
-            </a:ln>
-          </p:spPr>
-          <p:style>
-            <a:lnRef idx="2">
-              <a:schemeClr val="accent1">
-                <a:shade val="50000"/>
-              </a:schemeClr>
-            </a:lnRef>
-            <a:fillRef idx="1">
-              <a:schemeClr val="accent1"/>
-            </a:fillRef>
-            <a:effectRef idx="0">
-              <a:schemeClr val="accent1"/>
-            </a:effectRef>
-            <a:fontRef idx="minor">
-              <a:schemeClr val="lt1"/>
-            </a:fontRef>
-          </p:style>
-          <p:txBody>
-            <a:bodyPr rot="0" spcFirstLastPara="0" vertOverflow="overflow" horzOverflow="overflow" vert="horz" wrap="square" lIns="91440" tIns="45720" rIns="91440" bIns="45720" numCol="1" spcCol="0" rtlCol="0" fromWordArt="0" anchor="ctr" anchorCtr="0" forceAA="0" compatLnSpc="1">
-              <a:prstTxWarp prst="textNoShape">
-                <a:avLst/>
-              </a:prstTxWarp>
-              <a:noAutofit/>
-            </a:bodyPr>
-            <a:lstStyle/>
-            <a:p>
-              <a:pPr algn="ctr"/>
-              <a:endParaRPr lang="de-DE" dirty="0"/>
-            </a:p>
-          </p:txBody>
-        </p:sp>
-        <p:cxnSp>
-          <p:nvCxnSpPr>
-            <p:cNvPr id="12" name="Gerader Verbinder 11">
-              <a:extLst>
-                <a:ext uri="{FF2B5EF4-FFF2-40B4-BE49-F238E27FC236}">
-                  <a16:creationId xmlns:a16="http://schemas.microsoft.com/office/drawing/2014/main" id="{E87AD2E2-E856-4822-8124-D54577BEE0C1}"/>
-                </a:ext>
-              </a:extLst>
-            </p:cNvPr>
-            <p:cNvCxnSpPr>
-              <a:cxnSpLocks/>
-            </p:cNvCxnSpPr>
-            <p:nvPr/>
-          </p:nvCxnSpPr>
-          <p:spPr>
-            <a:xfrm>
-              <a:off x="-5446" y="1596060"/>
-              <a:ext cx="12192000" cy="0"/>
-            </a:xfrm>
-            <a:prstGeom prst="line">
-              <a:avLst/>
-            </a:prstGeom>
-          </p:spPr>
-          <p:style>
-            <a:lnRef idx="1">
-              <a:schemeClr val="accent1"/>
-            </a:lnRef>
-            <a:fillRef idx="0">
-              <a:schemeClr val="accent1"/>
-            </a:fillRef>
-            <a:effectRef idx="0">
-              <a:schemeClr val="accent1"/>
-            </a:effectRef>
-            <a:fontRef idx="minor">
-              <a:schemeClr val="tx1"/>
-            </a:fontRef>
-          </p:style>
-        </p:cxnSp>
-        <p:cxnSp>
-          <p:nvCxnSpPr>
-            <p:cNvPr id="13" name="Gerader Verbinder 12">
-              <a:extLst>
-                <a:ext uri="{FF2B5EF4-FFF2-40B4-BE49-F238E27FC236}">
-                  <a16:creationId xmlns:a16="http://schemas.microsoft.com/office/drawing/2014/main" id="{394AAEA9-BE29-4113-A00C-DE986371D26A}"/>
-                </a:ext>
-              </a:extLst>
-            </p:cNvPr>
-            <p:cNvCxnSpPr>
-              <a:cxnSpLocks/>
-            </p:cNvCxnSpPr>
-            <p:nvPr/>
-          </p:nvCxnSpPr>
-          <p:spPr>
-            <a:xfrm>
-              <a:off x="-8169" y="6495990"/>
-              <a:ext cx="12192000" cy="0"/>
-            </a:xfrm>
-            <a:prstGeom prst="line">
-              <a:avLst/>
-            </a:prstGeom>
-          </p:spPr>
-          <p:style>
-            <a:lnRef idx="1">
-              <a:schemeClr val="accent1"/>
-            </a:lnRef>
-            <a:fillRef idx="0">
-              <a:schemeClr val="accent1"/>
-            </a:fillRef>
-            <a:effectRef idx="0">
-              <a:schemeClr val="accent1"/>
-            </a:effectRef>
-            <a:fontRef idx="minor">
-              <a:schemeClr val="tx1"/>
-            </a:fontRef>
-          </p:style>
-        </p:cxnSp>
-      </p:grpSp>
-      <p:sp>
-        <p:nvSpPr>
-          <p:cNvPr id="9" name="Titel 1">
-            <a:extLst>
-              <a:ext uri="{FF2B5EF4-FFF2-40B4-BE49-F238E27FC236}">
-                <a16:creationId xmlns:a16="http://schemas.microsoft.com/office/drawing/2014/main" id="{57469F3D-ADFB-4445-8DAA-44B647F7C170}"/>
-              </a:ext>
-            </a:extLst>
-          </p:cNvPr>
-          <p:cNvSpPr>
-            <a:spLocks noGrp="1"/>
-          </p:cNvSpPr>
-          <p:nvPr>
-            <p:ph type="title"/>
-          </p:nvPr>
-        </p:nvSpPr>
-        <p:spPr>
-          <a:xfrm>
-            <a:off x="515938" y="225426"/>
-            <a:ext cx="11341100" cy="621242"/>
-          </a:xfrm>
-        </p:spPr>
-        <p:txBody>
-          <a:bodyPr>
-            <a:normAutofit fontScale="90000"/>
-          </a:bodyPr>
-          <a:lstStyle/>
-          <a:p>
-            <a:r>
-              <a:rPr lang="en-US" sz="4000" b="1" dirty="0">
-                <a:solidFill>
-                  <a:schemeClr val="accent1">
-                    <a:lumMod val="75000"/>
-                  </a:schemeClr>
-                </a:solidFill>
-              </a:rPr>
-              <a:t>Data cleaning: Keyword-Target Distributions</a:t>
-            </a:r>
-            <a:endParaRPr lang="de-DE" sz="4000" b="1" dirty="0">
-              <a:solidFill>
-                <a:schemeClr val="accent1">
-                  <a:lumMod val="75000"/>
-                </a:schemeClr>
-              </a:solidFill>
-            </a:endParaRPr>
-          </a:p>
-        </p:txBody>
-      </p:sp>
-      <p:pic>
-        <p:nvPicPr>
-          <p:cNvPr id="19" name="Picture 10">
-            <a:extLst>
-              <a:ext uri="{FF2B5EF4-FFF2-40B4-BE49-F238E27FC236}">
-                <a16:creationId xmlns:a16="http://schemas.microsoft.com/office/drawing/2014/main" id="{19F22958-1E43-4158-B970-4BC6870B9E4D}"/>
-              </a:ext>
-            </a:extLst>
-          </p:cNvPr>
-          <p:cNvPicPr>
-            <a:picLocks noChangeAspect="1" noChangeArrowheads="1"/>
-          </p:cNvPicPr>
-          <p:nvPr/>
-        </p:nvPicPr>
-        <p:blipFill rotWithShape="1">
-          <a:blip r:embed="rId2">
-            <a:extLst>
-              <a:ext uri="{28A0092B-C50C-407E-A947-70E740481C1C}">
-                <a14:useLocalDpi xmlns:a14="http://schemas.microsoft.com/office/drawing/2010/main" val="0"/>
-              </a:ext>
-            </a:extLst>
-          </a:blip>
-          <a:srcRect t="1" b="86976"/>
-          <a:stretch/>
-        </p:blipFill>
-        <p:spPr bwMode="auto">
-          <a:xfrm>
-            <a:off x="0" y="1208178"/>
-            <a:ext cx="6203323" cy="5303818"/>
-          </a:xfrm>
-          <a:prstGeom prst="rect">
-            <a:avLst/>
-          </a:prstGeom>
-          <a:noFill/>
-          <a:extLst>
-            <a:ext uri="{909E8E84-426E-40DD-AFC4-6F175D3DCCD1}">
-              <a14:hiddenFill xmlns:a14="http://schemas.microsoft.com/office/drawing/2010/main">
-                <a:solidFill>
-                  <a:srgbClr val="FFFFFF"/>
-                </a:solidFill>
-              </a14:hiddenFill>
-            </a:ext>
-          </a:extLst>
-        </p:spPr>
-      </p:pic>
-      <p:pic>
-        <p:nvPicPr>
-          <p:cNvPr id="20" name="Picture 12">
-            <a:extLst>
-              <a:ext uri="{FF2B5EF4-FFF2-40B4-BE49-F238E27FC236}">
-                <a16:creationId xmlns:a16="http://schemas.microsoft.com/office/drawing/2014/main" id="{6CC5FECC-71D0-4D78-B2C5-2B3FA87D2AB6}"/>
-              </a:ext>
-            </a:extLst>
-          </p:cNvPr>
-          <p:cNvPicPr>
-            <a:picLocks noChangeAspect="1" noChangeArrowheads="1"/>
-          </p:cNvPicPr>
-          <p:nvPr/>
-        </p:nvPicPr>
-        <p:blipFill rotWithShape="1">
-          <a:blip r:embed="rId3">
-            <a:extLst>
-              <a:ext uri="{28A0092B-C50C-407E-A947-70E740481C1C}">
-                <a14:useLocalDpi xmlns:a14="http://schemas.microsoft.com/office/drawing/2010/main" val="0"/>
-              </a:ext>
-            </a:extLst>
-          </a:blip>
-          <a:srcRect t="-1" b="83472"/>
-          <a:stretch/>
-        </p:blipFill>
-        <p:spPr bwMode="auto">
-          <a:xfrm>
-            <a:off x="6805062" y="1254042"/>
-            <a:ext cx="4739316" cy="5295983"/>
-          </a:xfrm>
-          <a:prstGeom prst="rect">
-            <a:avLst/>
-          </a:prstGeom>
-          <a:noFill/>
-          <a:ln>
-            <a:solidFill>
-              <a:schemeClr val="tx1"/>
-            </a:solidFill>
-          </a:ln>
-          <a:extLst>
-            <a:ext uri="{909E8E84-426E-40DD-AFC4-6F175D3DCCD1}">
-              <a14:hiddenFill xmlns:a14="http://schemas.microsoft.com/office/drawing/2010/main">
-                <a:solidFill>
-                  <a:srgbClr val="FFFFFF"/>
-                </a:solidFill>
-              </a14:hiddenFill>
-            </a:ext>
-          </a:extLst>
-        </p:spPr>
-      </p:pic>
-      <p:pic>
-        <p:nvPicPr>
-          <p:cNvPr id="1036" name="Picture 12">
-            <a:extLst>
-              <a:ext uri="{FF2B5EF4-FFF2-40B4-BE49-F238E27FC236}">
-                <a16:creationId xmlns:a16="http://schemas.microsoft.com/office/drawing/2014/main" id="{62B5BF7B-E95C-486A-A173-00BCEF19C6FC}"/>
-              </a:ext>
-            </a:extLst>
-          </p:cNvPr>
-          <p:cNvPicPr>
-            <a:picLocks noChangeAspect="1" noChangeArrowheads="1"/>
-          </p:cNvPicPr>
-          <p:nvPr/>
-        </p:nvPicPr>
-        <p:blipFill>
-          <a:blip r:embed="rId4">
-            <a:extLst>
-              <a:ext uri="{28A0092B-C50C-407E-A947-70E740481C1C}">
-                <a14:useLocalDpi xmlns:a14="http://schemas.microsoft.com/office/drawing/2010/main" val="0"/>
-              </a:ext>
-            </a:extLst>
-          </a:blip>
-          <a:srcRect/>
-          <a:stretch>
-            <a:fillRect/>
-          </a:stretch>
-        </p:blipFill>
-        <p:spPr bwMode="auto">
-          <a:xfrm>
-            <a:off x="11303268" y="4010533"/>
-            <a:ext cx="375651" cy="2539610"/>
-          </a:xfrm>
-          <a:prstGeom prst="rect">
-            <a:avLst/>
-          </a:prstGeom>
-          <a:noFill/>
-          <a:ln w="3175">
-            <a:solidFill>
-              <a:schemeClr val="tx1"/>
-            </a:solidFill>
-          </a:ln>
-          <a:extLst>
-            <a:ext uri="{909E8E84-426E-40DD-AFC4-6F175D3DCCD1}">
-              <a14:hiddenFill xmlns:a14="http://schemas.microsoft.com/office/drawing/2010/main">
-                <a:solidFill>
-                  <a:srgbClr val="FFFFFF"/>
-                </a:solidFill>
-              </a14:hiddenFill>
-            </a:ext>
-          </a:extLst>
-        </p:spPr>
-      </p:pic>
-      <p:sp>
-        <p:nvSpPr>
-          <p:cNvPr id="4" name="Gleichschenkliges Dreieck 3">
-            <a:extLst>
-              <a:ext uri="{FF2B5EF4-FFF2-40B4-BE49-F238E27FC236}">
-                <a16:creationId xmlns:a16="http://schemas.microsoft.com/office/drawing/2014/main" id="{B0311246-01D3-49ED-B886-35920C3A5827}"/>
-              </a:ext>
-            </a:extLst>
-          </p:cNvPr>
-          <p:cNvSpPr/>
-          <p:nvPr/>
-        </p:nvSpPr>
-        <p:spPr>
-          <a:xfrm rot="5400000">
-            <a:off x="6469522" y="1974201"/>
-            <a:ext cx="726873" cy="197155"/>
-          </a:xfrm>
-          <a:prstGeom prst="triangle">
-            <a:avLst/>
-          </a:prstGeom>
-        </p:spPr>
-        <p:style>
-          <a:lnRef idx="2">
-            <a:schemeClr val="accent1">
-              <a:shade val="50000"/>
-            </a:schemeClr>
-          </a:lnRef>
-          <a:fillRef idx="1">
-            <a:schemeClr val="accent1"/>
-          </a:fillRef>
-          <a:effectRef idx="0">
-            <a:schemeClr val="accent1"/>
-          </a:effectRef>
-          <a:fontRef idx="minor">
-            <a:schemeClr val="lt1"/>
-          </a:fontRef>
-        </p:style>
-        <p:txBody>
-          <a:bodyPr rtlCol="0" anchor="ctr"/>
-          <a:lstStyle/>
-          <a:p>
-            <a:pPr algn="ctr"/>
-            <a:endParaRPr lang="en-US"/>
-          </a:p>
-        </p:txBody>
-      </p:sp>
-      <p:sp>
-        <p:nvSpPr>
-          <p:cNvPr id="5" name="Textfeld 4">
-            <a:extLst>
-              <a:ext uri="{FF2B5EF4-FFF2-40B4-BE49-F238E27FC236}">
-                <a16:creationId xmlns:a16="http://schemas.microsoft.com/office/drawing/2014/main" id="{00583FB8-7E88-4412-9230-C93D5B9619AA}"/>
-              </a:ext>
-            </a:extLst>
-          </p:cNvPr>
-          <p:cNvSpPr txBox="1"/>
-          <p:nvPr/>
-        </p:nvSpPr>
-        <p:spPr>
-          <a:xfrm>
-            <a:off x="1570979" y="6488668"/>
-            <a:ext cx="4630150" cy="276999"/>
-          </a:xfrm>
-          <a:prstGeom prst="rect">
-            <a:avLst/>
-          </a:prstGeom>
-          <a:solidFill>
-            <a:schemeClr val="bg1"/>
-          </a:solidFill>
-        </p:spPr>
-        <p:txBody>
-          <a:bodyPr wrap="square" rtlCol="0">
-            <a:spAutoFit/>
-          </a:bodyPr>
-          <a:lstStyle/>
-          <a:p>
-            <a:pPr algn="ctr"/>
-            <a:r>
-              <a:rPr lang="en-US" sz="1200" dirty="0"/>
-              <a:t>Absolute keyword count</a:t>
-            </a:r>
-          </a:p>
-        </p:txBody>
-      </p:sp>
-      <p:sp>
-        <p:nvSpPr>
-          <p:cNvPr id="24" name="Rechteck: abgerundete Ecken 23">
-            <a:extLst>
-              <a:ext uri="{FF2B5EF4-FFF2-40B4-BE49-F238E27FC236}">
-                <a16:creationId xmlns:a16="http://schemas.microsoft.com/office/drawing/2014/main" id="{40677F2D-C2FD-463F-90F2-A6D7351E979F}"/>
-              </a:ext>
-            </a:extLst>
-          </p:cNvPr>
-          <p:cNvSpPr/>
-          <p:nvPr/>
-        </p:nvSpPr>
-        <p:spPr>
-          <a:xfrm>
-            <a:off x="1524567" y="1053987"/>
-            <a:ext cx="4630150" cy="400110"/>
-          </a:xfrm>
-          <a:prstGeom prst="roundRect">
-            <a:avLst/>
-          </a:prstGeom>
-          <a:solidFill>
-            <a:schemeClr val="accent1">
-              <a:lumMod val="75000"/>
-            </a:schemeClr>
-          </a:solidFill>
-          <a:ln>
-            <a:noFill/>
-          </a:ln>
-        </p:spPr>
-        <p:txBody>
-          <a:bodyPr wrap="square" lIns="180000" tIns="0" rIns="0" bIns="0" rtlCol="0" anchor="ctr" anchorCtr="0">
-            <a:noAutofit/>
-          </a:bodyPr>
-          <a:lstStyle/>
-          <a:p>
-            <a:pPr algn="ctr"/>
-            <a:r>
-              <a:rPr lang="en-US" sz="2000" b="1" dirty="0">
-                <a:solidFill>
-                  <a:schemeClr val="bg1"/>
-                </a:solidFill>
-              </a:rPr>
-              <a:t>1</a:t>
-            </a:r>
-            <a:r>
-              <a:rPr lang="en-US" sz="2000" b="1" baseline="30000" dirty="0">
-                <a:solidFill>
-                  <a:schemeClr val="bg1"/>
-                </a:solidFill>
-              </a:rPr>
-              <a:t>st</a:t>
-            </a:r>
-            <a:r>
-              <a:rPr lang="en-US" sz="2000" b="1" dirty="0">
-                <a:solidFill>
-                  <a:schemeClr val="bg1"/>
-                </a:solidFill>
-              </a:rPr>
-              <a:t> step: cleaned with regex</a:t>
-            </a:r>
-          </a:p>
-        </p:txBody>
-      </p:sp>
-      <p:pic>
-        <p:nvPicPr>
-          <p:cNvPr id="1034" name="Picture 10">
-            <a:extLst>
-              <a:ext uri="{FF2B5EF4-FFF2-40B4-BE49-F238E27FC236}">
-                <a16:creationId xmlns:a16="http://schemas.microsoft.com/office/drawing/2014/main" id="{4657E434-49D8-408D-A2DA-4379934AC255}"/>
-              </a:ext>
-            </a:extLst>
-          </p:cNvPr>
-          <p:cNvPicPr>
-            <a:picLocks noChangeAspect="1" noChangeArrowheads="1"/>
-          </p:cNvPicPr>
-          <p:nvPr/>
-        </p:nvPicPr>
-        <p:blipFill>
-          <a:blip r:embed="rId5">
-            <a:extLst>
-              <a:ext uri="{28A0092B-C50C-407E-A947-70E740481C1C}">
-                <a14:useLocalDpi xmlns:a14="http://schemas.microsoft.com/office/drawing/2010/main" val="0"/>
-              </a:ext>
-            </a:extLst>
-          </a:blip>
-          <a:srcRect/>
-          <a:stretch>
-            <a:fillRect/>
-          </a:stretch>
-        </p:blipFill>
-        <p:spPr bwMode="auto">
-          <a:xfrm>
-            <a:off x="5936279" y="3991401"/>
-            <a:ext cx="386820" cy="2539609"/>
-          </a:xfrm>
-          <a:prstGeom prst="rect">
-            <a:avLst/>
-          </a:prstGeom>
-          <a:noFill/>
-          <a:ln w="3175">
-            <a:solidFill>
-              <a:schemeClr val="tx1"/>
-            </a:solidFill>
-          </a:ln>
-          <a:extLst>
-            <a:ext uri="{909E8E84-426E-40DD-AFC4-6F175D3DCCD1}">
-              <a14:hiddenFill xmlns:a14="http://schemas.microsoft.com/office/drawing/2010/main">
-                <a:solidFill>
-                  <a:srgbClr val="FFFFFF"/>
-                </a:solidFill>
-              </a14:hiddenFill>
-            </a:ext>
-          </a:extLst>
-        </p:spPr>
-      </p:pic>
-      <p:sp>
-        <p:nvSpPr>
-          <p:cNvPr id="25" name="Rechteck: abgerundete Ecken 24">
-            <a:extLst>
-              <a:ext uri="{FF2B5EF4-FFF2-40B4-BE49-F238E27FC236}">
-                <a16:creationId xmlns:a16="http://schemas.microsoft.com/office/drawing/2014/main" id="{16D52F23-D8BF-4846-99B9-1D694DB5DE30}"/>
-              </a:ext>
-            </a:extLst>
-          </p:cNvPr>
-          <p:cNvSpPr/>
-          <p:nvPr/>
-        </p:nvSpPr>
-        <p:spPr>
-          <a:xfrm>
-            <a:off x="7866632" y="1034973"/>
-            <a:ext cx="3615719" cy="400110"/>
-          </a:xfrm>
-          <a:prstGeom prst="roundRect">
-            <a:avLst/>
-          </a:prstGeom>
-          <a:solidFill>
-            <a:schemeClr val="accent1">
-              <a:lumMod val="75000"/>
-            </a:schemeClr>
-          </a:solidFill>
-          <a:ln>
-            <a:noFill/>
-          </a:ln>
-        </p:spPr>
-        <p:txBody>
-          <a:bodyPr wrap="square" lIns="180000" tIns="0" rIns="0" bIns="0" rtlCol="0" anchor="ctr" anchorCtr="0">
-            <a:noAutofit/>
-          </a:bodyPr>
-          <a:lstStyle/>
-          <a:p>
-            <a:pPr algn="ctr"/>
-            <a:r>
-              <a:rPr lang="en-US" sz="2000" b="1" dirty="0">
-                <a:solidFill>
-                  <a:schemeClr val="bg1"/>
-                </a:solidFill>
-              </a:rPr>
-              <a:t>2</a:t>
-            </a:r>
-            <a:r>
-              <a:rPr lang="en-US" sz="2000" b="1" baseline="30000" dirty="0">
-                <a:solidFill>
-                  <a:schemeClr val="bg1"/>
-                </a:solidFill>
-              </a:rPr>
-              <a:t>nd</a:t>
-            </a:r>
-            <a:r>
-              <a:rPr lang="en-US" sz="2000" b="1" dirty="0">
-                <a:solidFill>
-                  <a:schemeClr val="bg1"/>
-                </a:solidFill>
-              </a:rPr>
-              <a:t> step: plus stemming</a:t>
-            </a:r>
-          </a:p>
-        </p:txBody>
-      </p:sp>
-      <p:sp>
-        <p:nvSpPr>
-          <p:cNvPr id="26" name="Textfeld 25">
-            <a:extLst>
-              <a:ext uri="{FF2B5EF4-FFF2-40B4-BE49-F238E27FC236}">
-                <a16:creationId xmlns:a16="http://schemas.microsoft.com/office/drawing/2014/main" id="{689A429A-CC4F-4B5B-9F49-AB517857A269}"/>
-              </a:ext>
-            </a:extLst>
-          </p:cNvPr>
-          <p:cNvSpPr txBox="1"/>
-          <p:nvPr/>
-        </p:nvSpPr>
-        <p:spPr>
-          <a:xfrm>
-            <a:off x="7887023" y="6550000"/>
-            <a:ext cx="3615719" cy="276998"/>
-          </a:xfrm>
-          <a:prstGeom prst="rect">
-            <a:avLst/>
-          </a:prstGeom>
-          <a:solidFill>
-            <a:schemeClr val="bg1"/>
-          </a:solidFill>
-        </p:spPr>
-        <p:txBody>
-          <a:bodyPr wrap="square" rtlCol="0">
-            <a:spAutoFit/>
-          </a:bodyPr>
-          <a:lstStyle/>
-          <a:p>
-            <a:pPr algn="ctr"/>
-            <a:r>
-              <a:rPr lang="en-US" sz="1200" dirty="0"/>
-              <a:t>Absolute keyword count</a:t>
-            </a:r>
-          </a:p>
-        </p:txBody>
-      </p:sp>
-      <p:sp>
-        <p:nvSpPr>
-          <p:cNvPr id="2" name="Rechteck 1">
-            <a:extLst>
-              <a:ext uri="{FF2B5EF4-FFF2-40B4-BE49-F238E27FC236}">
-                <a16:creationId xmlns:a16="http://schemas.microsoft.com/office/drawing/2014/main" id="{E5106776-2F46-433F-8D1F-B30051C16C1C}"/>
-              </a:ext>
-            </a:extLst>
-          </p:cNvPr>
-          <p:cNvSpPr/>
-          <p:nvPr/>
-        </p:nvSpPr>
-        <p:spPr>
-          <a:xfrm>
-            <a:off x="10474381" y="2752070"/>
-            <a:ext cx="1421554" cy="951132"/>
-          </a:xfrm>
-          <a:prstGeom prst="rect">
-            <a:avLst/>
-          </a:prstGeom>
-          <a:solidFill>
-            <a:schemeClr val="bg1"/>
-          </a:solidFill>
-          <a:ln w="6350">
-            <a:solidFill>
-              <a:schemeClr val="tx1"/>
-            </a:solidFill>
-          </a:ln>
-        </p:spPr>
-        <p:style>
-          <a:lnRef idx="2">
-            <a:schemeClr val="accent1">
-              <a:shade val="50000"/>
-            </a:schemeClr>
-          </a:lnRef>
-          <a:fillRef idx="1">
-            <a:schemeClr val="accent1"/>
-          </a:fillRef>
-          <a:effectRef idx="0">
-            <a:schemeClr val="accent1"/>
-          </a:effectRef>
-          <a:fontRef idx="minor">
-            <a:schemeClr val="lt1"/>
-          </a:fontRef>
-        </p:style>
-        <p:txBody>
-          <a:bodyPr rtlCol="0" anchor="ctr"/>
-          <a:lstStyle/>
-          <a:p>
-            <a:pPr algn="ctr"/>
-            <a:r>
-              <a:rPr lang="en-US" sz="1400" dirty="0">
-                <a:solidFill>
-                  <a:schemeClr val="tx1"/>
-                </a:solidFill>
-              </a:rPr>
-              <a:t>Accuracy</a:t>
-            </a:r>
-          </a:p>
-          <a:p>
-            <a:pPr algn="ctr"/>
-            <a:r>
-              <a:rPr lang="en-US" sz="1400" dirty="0">
-                <a:solidFill>
-                  <a:schemeClr val="tx1"/>
-                </a:solidFill>
-              </a:rPr>
-              <a:t>with regex &amp; porter stemmer: 0,725</a:t>
-            </a:r>
-          </a:p>
-        </p:txBody>
-      </p:sp>
-      <p:sp>
-        <p:nvSpPr>
-          <p:cNvPr id="17" name="Rechteck 16">
-            <a:extLst>
-              <a:ext uri="{FF2B5EF4-FFF2-40B4-BE49-F238E27FC236}">
-                <a16:creationId xmlns:a16="http://schemas.microsoft.com/office/drawing/2014/main" id="{6AD5D70E-9217-4A82-87A3-6E3CFCDA00CA}"/>
-              </a:ext>
-            </a:extLst>
-          </p:cNvPr>
-          <p:cNvSpPr/>
-          <p:nvPr/>
-        </p:nvSpPr>
-        <p:spPr>
-          <a:xfrm>
-            <a:off x="5095893" y="2752070"/>
-            <a:ext cx="1348412" cy="986771"/>
-          </a:xfrm>
-          <a:prstGeom prst="rect">
-            <a:avLst/>
-          </a:prstGeom>
-          <a:solidFill>
-            <a:schemeClr val="bg1"/>
-          </a:solidFill>
-          <a:ln w="6350">
-            <a:solidFill>
-              <a:schemeClr val="tx1"/>
-            </a:solidFill>
-          </a:ln>
-        </p:spPr>
-        <p:style>
-          <a:lnRef idx="2">
-            <a:schemeClr val="accent1">
-              <a:shade val="50000"/>
-            </a:schemeClr>
-          </a:lnRef>
-          <a:fillRef idx="1">
-            <a:schemeClr val="accent1"/>
-          </a:fillRef>
-          <a:effectRef idx="0">
-            <a:schemeClr val="accent1"/>
-          </a:effectRef>
-          <a:fontRef idx="minor">
-            <a:schemeClr val="lt1"/>
-          </a:fontRef>
-        </p:style>
-        <p:txBody>
-          <a:bodyPr rot="0" spcFirstLastPara="0" vertOverflow="overflow" horzOverflow="overflow" vert="horz" wrap="square" lIns="91440" tIns="45720" rIns="91440" bIns="45720" numCol="1" spcCol="0" rtlCol="0" fromWordArt="0" anchor="ctr" anchorCtr="0" forceAA="0" compatLnSpc="1">
-            <a:prstTxWarp prst="textNoShape">
-              <a:avLst/>
-            </a:prstTxWarp>
-            <a:noAutofit/>
-          </a:bodyPr>
-          <a:lstStyle/>
-          <a:p>
-            <a:pPr algn="ctr"/>
-            <a:r>
-              <a:rPr lang="en-US" dirty="0">
-                <a:solidFill>
-                  <a:schemeClr val="tx1"/>
-                </a:solidFill>
-              </a:rPr>
-              <a:t>accuracy </a:t>
-            </a:r>
-          </a:p>
-          <a:p>
-            <a:pPr algn="ctr"/>
-            <a:r>
-              <a:rPr lang="en-US" dirty="0">
-                <a:solidFill>
-                  <a:schemeClr val="tx1"/>
-                </a:solidFill>
-              </a:rPr>
-              <a:t>with regex:</a:t>
-            </a:r>
-          </a:p>
-          <a:p>
-            <a:pPr algn="ctr"/>
-            <a:r>
-              <a:rPr lang="en-US" dirty="0">
-                <a:solidFill>
-                  <a:schemeClr val="tx1"/>
-                </a:solidFill>
-              </a:rPr>
-              <a:t> 0.724 </a:t>
-            </a:r>
-          </a:p>
-        </p:txBody>
-      </p:sp>
-    </p:spTree>
-    <p:extLst>
-      <p:ext uri="{BB962C8B-B14F-4D97-AF65-F5344CB8AC3E}">
-        <p14:creationId xmlns:p14="http://schemas.microsoft.com/office/powerpoint/2010/main" val="1141078196"/>
-      </p:ext>
-    </p:extLst>
-  </p:cSld>
-  <p:clrMapOvr>
-    <a:masterClrMapping/>
-  </p:clrMapOvr>
-</p:sld>
-</file>
-
-<file path=ppt/slides/slide7.xml><?xml version="1.0" encoding="utf-8"?>
 <p:sld xmlns:a="http://schemas.openxmlformats.org/drawingml/2006/main" xmlns:r="http://schemas.openxmlformats.org/officeDocument/2006/relationships" xmlns:p="http://schemas.openxmlformats.org/presentationml/2006/main">
   <p:cSld>
     <p:spTree>
@@ -12565,6 +11864,849 @@
     <p:extLst>
       <p:ext uri="{BB962C8B-B14F-4D97-AF65-F5344CB8AC3E}">
         <p14:creationId xmlns:p14="http://schemas.microsoft.com/office/powerpoint/2010/main" val="138584279"/>
+      </p:ext>
+    </p:extLst>
+  </p:cSld>
+  <p:clrMapOvr>
+    <a:masterClrMapping/>
+  </p:clrMapOvr>
+</p:sld>
+</file>
+
+<file path=ppt/slides/slide7.xml><?xml version="1.0" encoding="utf-8"?>
+<p:sld xmlns:a="http://schemas.openxmlformats.org/drawingml/2006/main" xmlns:r="http://schemas.openxmlformats.org/officeDocument/2006/relationships" xmlns:p="http://schemas.openxmlformats.org/presentationml/2006/main">
+  <p:cSld>
+    <p:spTree>
+      <p:nvGrpSpPr>
+        <p:cNvPr id="1" name=""/>
+        <p:cNvGrpSpPr/>
+        <p:nvPr/>
+      </p:nvGrpSpPr>
+      <p:grpSpPr>
+        <a:xfrm>
+          <a:off x="0" y="0"/>
+          <a:ext cx="0" cy="0"/>
+          <a:chOff x="0" y="0"/>
+          <a:chExt cx="0" cy="0"/>
+        </a:xfrm>
+      </p:grpSpPr>
+      <p:grpSp>
+        <p:nvGrpSpPr>
+          <p:cNvPr id="10" name="Gruppieren 9">
+            <a:extLst>
+              <a:ext uri="{FF2B5EF4-FFF2-40B4-BE49-F238E27FC236}">
+                <a16:creationId xmlns:a16="http://schemas.microsoft.com/office/drawing/2014/main" id="{82D303DE-BDE2-4E14-9180-395AC90ED838}"/>
+              </a:ext>
+            </a:extLst>
+          </p:cNvPr>
+          <p:cNvGrpSpPr/>
+          <p:nvPr/>
+        </p:nvGrpSpPr>
+        <p:grpSpPr>
+          <a:xfrm>
+            <a:off x="0" y="1180334"/>
+            <a:ext cx="12194723" cy="5369691"/>
+            <a:chOff x="-8169" y="1596060"/>
+            <a:chExt cx="12194723" cy="4899930"/>
+          </a:xfrm>
+        </p:grpSpPr>
+        <p:sp>
+          <p:nvSpPr>
+            <p:cNvPr id="11" name="Rechteck: abgerundete Ecken 10">
+              <a:extLst>
+                <a:ext uri="{FF2B5EF4-FFF2-40B4-BE49-F238E27FC236}">
+                  <a16:creationId xmlns:a16="http://schemas.microsoft.com/office/drawing/2014/main" id="{6BACF3D7-70E3-411F-8821-8D28829FCFF2}"/>
+                </a:ext>
+              </a:extLst>
+            </p:cNvPr>
+            <p:cNvSpPr/>
+            <p:nvPr/>
+          </p:nvSpPr>
+          <p:spPr>
+            <a:xfrm>
+              <a:off x="-5446" y="1596060"/>
+              <a:ext cx="12192000" cy="4899930"/>
+            </a:xfrm>
+            <a:prstGeom prst="roundRect">
+              <a:avLst>
+                <a:gd name="adj" fmla="val 0"/>
+              </a:avLst>
+            </a:prstGeom>
+            <a:solidFill>
+              <a:schemeClr val="bg1">
+                <a:alpha val="50000"/>
+              </a:schemeClr>
+            </a:solidFill>
+            <a:ln>
+              <a:noFill/>
+            </a:ln>
+          </p:spPr>
+          <p:style>
+            <a:lnRef idx="2">
+              <a:schemeClr val="accent1">
+                <a:shade val="50000"/>
+              </a:schemeClr>
+            </a:lnRef>
+            <a:fillRef idx="1">
+              <a:schemeClr val="accent1"/>
+            </a:fillRef>
+            <a:effectRef idx="0">
+              <a:schemeClr val="accent1"/>
+            </a:effectRef>
+            <a:fontRef idx="minor">
+              <a:schemeClr val="lt1"/>
+            </a:fontRef>
+          </p:style>
+          <p:txBody>
+            <a:bodyPr rot="0" spcFirstLastPara="0" vertOverflow="overflow" horzOverflow="overflow" vert="horz" wrap="square" lIns="91440" tIns="45720" rIns="91440" bIns="45720" numCol="1" spcCol="0" rtlCol="0" fromWordArt="0" anchor="ctr" anchorCtr="0" forceAA="0" compatLnSpc="1">
+              <a:prstTxWarp prst="textNoShape">
+                <a:avLst/>
+              </a:prstTxWarp>
+              <a:noAutofit/>
+            </a:bodyPr>
+            <a:lstStyle/>
+            <a:p>
+              <a:pPr algn="ctr"/>
+              <a:endParaRPr lang="de-DE" dirty="0"/>
+            </a:p>
+          </p:txBody>
+        </p:sp>
+        <p:cxnSp>
+          <p:nvCxnSpPr>
+            <p:cNvPr id="12" name="Gerader Verbinder 11">
+              <a:extLst>
+                <a:ext uri="{FF2B5EF4-FFF2-40B4-BE49-F238E27FC236}">
+                  <a16:creationId xmlns:a16="http://schemas.microsoft.com/office/drawing/2014/main" id="{E87AD2E2-E856-4822-8124-D54577BEE0C1}"/>
+                </a:ext>
+              </a:extLst>
+            </p:cNvPr>
+            <p:cNvCxnSpPr>
+              <a:cxnSpLocks/>
+            </p:cNvCxnSpPr>
+            <p:nvPr/>
+          </p:nvCxnSpPr>
+          <p:spPr>
+            <a:xfrm>
+              <a:off x="-5446" y="1596060"/>
+              <a:ext cx="12192000" cy="0"/>
+            </a:xfrm>
+            <a:prstGeom prst="line">
+              <a:avLst/>
+            </a:prstGeom>
+          </p:spPr>
+          <p:style>
+            <a:lnRef idx="1">
+              <a:schemeClr val="accent1"/>
+            </a:lnRef>
+            <a:fillRef idx="0">
+              <a:schemeClr val="accent1"/>
+            </a:fillRef>
+            <a:effectRef idx="0">
+              <a:schemeClr val="accent1"/>
+            </a:effectRef>
+            <a:fontRef idx="minor">
+              <a:schemeClr val="tx1"/>
+            </a:fontRef>
+          </p:style>
+        </p:cxnSp>
+        <p:cxnSp>
+          <p:nvCxnSpPr>
+            <p:cNvPr id="13" name="Gerader Verbinder 12">
+              <a:extLst>
+                <a:ext uri="{FF2B5EF4-FFF2-40B4-BE49-F238E27FC236}">
+                  <a16:creationId xmlns:a16="http://schemas.microsoft.com/office/drawing/2014/main" id="{394AAEA9-BE29-4113-A00C-DE986371D26A}"/>
+                </a:ext>
+              </a:extLst>
+            </p:cNvPr>
+            <p:cNvCxnSpPr>
+              <a:cxnSpLocks/>
+            </p:cNvCxnSpPr>
+            <p:nvPr/>
+          </p:nvCxnSpPr>
+          <p:spPr>
+            <a:xfrm>
+              <a:off x="-8169" y="6495990"/>
+              <a:ext cx="12192000" cy="0"/>
+            </a:xfrm>
+            <a:prstGeom prst="line">
+              <a:avLst/>
+            </a:prstGeom>
+          </p:spPr>
+          <p:style>
+            <a:lnRef idx="1">
+              <a:schemeClr val="accent1"/>
+            </a:lnRef>
+            <a:fillRef idx="0">
+              <a:schemeClr val="accent1"/>
+            </a:fillRef>
+            <a:effectRef idx="0">
+              <a:schemeClr val="accent1"/>
+            </a:effectRef>
+            <a:fontRef idx="minor">
+              <a:schemeClr val="tx1"/>
+            </a:fontRef>
+          </p:style>
+        </p:cxnSp>
+      </p:grpSp>
+      <p:sp>
+        <p:nvSpPr>
+          <p:cNvPr id="9" name="Titel 1">
+            <a:extLst>
+              <a:ext uri="{FF2B5EF4-FFF2-40B4-BE49-F238E27FC236}">
+                <a16:creationId xmlns:a16="http://schemas.microsoft.com/office/drawing/2014/main" id="{57469F3D-ADFB-4445-8DAA-44B647F7C170}"/>
+              </a:ext>
+            </a:extLst>
+          </p:cNvPr>
+          <p:cNvSpPr>
+            <a:spLocks noGrp="1"/>
+          </p:cNvSpPr>
+          <p:nvPr>
+            <p:ph type="title"/>
+          </p:nvPr>
+        </p:nvSpPr>
+        <p:spPr>
+          <a:xfrm>
+            <a:off x="515938" y="225426"/>
+            <a:ext cx="11341100" cy="621242"/>
+          </a:xfrm>
+        </p:spPr>
+        <p:txBody>
+          <a:bodyPr>
+            <a:normAutofit fontScale="90000"/>
+          </a:bodyPr>
+          <a:lstStyle/>
+          <a:p>
+            <a:r>
+              <a:rPr lang="en-US" sz="4000" b="1" dirty="0">
+                <a:solidFill>
+                  <a:schemeClr val="accent1">
+                    <a:lumMod val="75000"/>
+                  </a:schemeClr>
+                </a:solidFill>
+              </a:rPr>
+              <a:t>Data cleaning: Keyword-Target Distributions</a:t>
+            </a:r>
+            <a:endParaRPr lang="de-DE" sz="4000" b="1" dirty="0">
+              <a:solidFill>
+                <a:schemeClr val="accent1">
+                  <a:lumMod val="75000"/>
+                </a:schemeClr>
+              </a:solidFill>
+            </a:endParaRPr>
+          </a:p>
+        </p:txBody>
+      </p:sp>
+      <p:pic>
+        <p:nvPicPr>
+          <p:cNvPr id="19" name="Picture 10">
+            <a:extLst>
+              <a:ext uri="{FF2B5EF4-FFF2-40B4-BE49-F238E27FC236}">
+                <a16:creationId xmlns:a16="http://schemas.microsoft.com/office/drawing/2014/main" id="{19F22958-1E43-4158-B970-4BC6870B9E4D}"/>
+              </a:ext>
+            </a:extLst>
+          </p:cNvPr>
+          <p:cNvPicPr>
+            <a:picLocks noChangeAspect="1" noChangeArrowheads="1"/>
+          </p:cNvPicPr>
+          <p:nvPr/>
+        </p:nvPicPr>
+        <p:blipFill rotWithShape="1">
+          <a:blip r:embed="rId2">
+            <a:extLst>
+              <a:ext uri="{28A0092B-C50C-407E-A947-70E740481C1C}">
+                <a14:useLocalDpi xmlns:a14="http://schemas.microsoft.com/office/drawing/2010/main" val="0"/>
+              </a:ext>
+            </a:extLst>
+          </a:blip>
+          <a:srcRect t="1" b="86976"/>
+          <a:stretch/>
+        </p:blipFill>
+        <p:spPr bwMode="auto">
+          <a:xfrm>
+            <a:off x="0" y="1208178"/>
+            <a:ext cx="6203323" cy="5303818"/>
+          </a:xfrm>
+          <a:prstGeom prst="rect">
+            <a:avLst/>
+          </a:prstGeom>
+          <a:noFill/>
+          <a:extLst>
+            <a:ext uri="{909E8E84-426E-40DD-AFC4-6F175D3DCCD1}">
+              <a14:hiddenFill xmlns:a14="http://schemas.microsoft.com/office/drawing/2010/main">
+                <a:solidFill>
+                  <a:srgbClr val="FFFFFF"/>
+                </a:solidFill>
+              </a14:hiddenFill>
+            </a:ext>
+          </a:extLst>
+        </p:spPr>
+      </p:pic>
+      <p:pic>
+        <p:nvPicPr>
+          <p:cNvPr id="20" name="Picture 12">
+            <a:extLst>
+              <a:ext uri="{FF2B5EF4-FFF2-40B4-BE49-F238E27FC236}">
+                <a16:creationId xmlns:a16="http://schemas.microsoft.com/office/drawing/2014/main" id="{6CC5FECC-71D0-4D78-B2C5-2B3FA87D2AB6}"/>
+              </a:ext>
+            </a:extLst>
+          </p:cNvPr>
+          <p:cNvPicPr>
+            <a:picLocks noChangeAspect="1" noChangeArrowheads="1"/>
+          </p:cNvPicPr>
+          <p:nvPr/>
+        </p:nvPicPr>
+        <p:blipFill rotWithShape="1">
+          <a:blip r:embed="rId3">
+            <a:extLst>
+              <a:ext uri="{28A0092B-C50C-407E-A947-70E740481C1C}">
+                <a14:useLocalDpi xmlns:a14="http://schemas.microsoft.com/office/drawing/2010/main" val="0"/>
+              </a:ext>
+            </a:extLst>
+          </a:blip>
+          <a:srcRect t="-1" b="83472"/>
+          <a:stretch/>
+        </p:blipFill>
+        <p:spPr bwMode="auto">
+          <a:xfrm>
+            <a:off x="6805062" y="1254042"/>
+            <a:ext cx="4739316" cy="5295983"/>
+          </a:xfrm>
+          <a:prstGeom prst="rect">
+            <a:avLst/>
+          </a:prstGeom>
+          <a:noFill/>
+          <a:ln>
+            <a:solidFill>
+              <a:schemeClr val="tx1"/>
+            </a:solidFill>
+          </a:ln>
+          <a:extLst>
+            <a:ext uri="{909E8E84-426E-40DD-AFC4-6F175D3DCCD1}">
+              <a14:hiddenFill xmlns:a14="http://schemas.microsoft.com/office/drawing/2010/main">
+                <a:solidFill>
+                  <a:srgbClr val="FFFFFF"/>
+                </a:solidFill>
+              </a14:hiddenFill>
+            </a:ext>
+          </a:extLst>
+        </p:spPr>
+      </p:pic>
+      <p:pic>
+        <p:nvPicPr>
+          <p:cNvPr id="1036" name="Picture 12">
+            <a:extLst>
+              <a:ext uri="{FF2B5EF4-FFF2-40B4-BE49-F238E27FC236}">
+                <a16:creationId xmlns:a16="http://schemas.microsoft.com/office/drawing/2014/main" id="{62B5BF7B-E95C-486A-A173-00BCEF19C6FC}"/>
+              </a:ext>
+            </a:extLst>
+          </p:cNvPr>
+          <p:cNvPicPr>
+            <a:picLocks noChangeAspect="1" noChangeArrowheads="1"/>
+          </p:cNvPicPr>
+          <p:nvPr/>
+        </p:nvPicPr>
+        <p:blipFill>
+          <a:blip r:embed="rId4">
+            <a:extLst>
+              <a:ext uri="{28A0092B-C50C-407E-A947-70E740481C1C}">
+                <a14:useLocalDpi xmlns:a14="http://schemas.microsoft.com/office/drawing/2010/main" val="0"/>
+              </a:ext>
+            </a:extLst>
+          </a:blip>
+          <a:srcRect/>
+          <a:stretch>
+            <a:fillRect/>
+          </a:stretch>
+        </p:blipFill>
+        <p:spPr bwMode="auto">
+          <a:xfrm>
+            <a:off x="11303268" y="4010533"/>
+            <a:ext cx="375651" cy="2539610"/>
+          </a:xfrm>
+          <a:prstGeom prst="rect">
+            <a:avLst/>
+          </a:prstGeom>
+          <a:noFill/>
+          <a:ln w="3175">
+            <a:solidFill>
+              <a:schemeClr val="tx1"/>
+            </a:solidFill>
+          </a:ln>
+          <a:extLst>
+            <a:ext uri="{909E8E84-426E-40DD-AFC4-6F175D3DCCD1}">
+              <a14:hiddenFill xmlns:a14="http://schemas.microsoft.com/office/drawing/2010/main">
+                <a:solidFill>
+                  <a:srgbClr val="FFFFFF"/>
+                </a:solidFill>
+              </a14:hiddenFill>
+            </a:ext>
+          </a:extLst>
+        </p:spPr>
+      </p:pic>
+      <p:sp>
+        <p:nvSpPr>
+          <p:cNvPr id="4" name="Gleichschenkliges Dreieck 3">
+            <a:extLst>
+              <a:ext uri="{FF2B5EF4-FFF2-40B4-BE49-F238E27FC236}">
+                <a16:creationId xmlns:a16="http://schemas.microsoft.com/office/drawing/2014/main" id="{B0311246-01D3-49ED-B886-35920C3A5827}"/>
+              </a:ext>
+            </a:extLst>
+          </p:cNvPr>
+          <p:cNvSpPr/>
+          <p:nvPr/>
+        </p:nvSpPr>
+        <p:spPr>
+          <a:xfrm rot="5400000">
+            <a:off x="6469522" y="1974201"/>
+            <a:ext cx="726873" cy="197155"/>
+          </a:xfrm>
+          <a:prstGeom prst="triangle">
+            <a:avLst/>
+          </a:prstGeom>
+        </p:spPr>
+        <p:style>
+          <a:lnRef idx="2">
+            <a:schemeClr val="accent1">
+              <a:shade val="50000"/>
+            </a:schemeClr>
+          </a:lnRef>
+          <a:fillRef idx="1">
+            <a:schemeClr val="accent1"/>
+          </a:fillRef>
+          <a:effectRef idx="0">
+            <a:schemeClr val="accent1"/>
+          </a:effectRef>
+          <a:fontRef idx="minor">
+            <a:schemeClr val="lt1"/>
+          </a:fontRef>
+        </p:style>
+        <p:txBody>
+          <a:bodyPr rtlCol="0" anchor="ctr"/>
+          <a:lstStyle/>
+          <a:p>
+            <a:pPr algn="ctr"/>
+            <a:endParaRPr lang="en-US"/>
+          </a:p>
+        </p:txBody>
+      </p:sp>
+      <p:sp>
+        <p:nvSpPr>
+          <p:cNvPr id="5" name="Textfeld 4">
+            <a:extLst>
+              <a:ext uri="{FF2B5EF4-FFF2-40B4-BE49-F238E27FC236}">
+                <a16:creationId xmlns:a16="http://schemas.microsoft.com/office/drawing/2014/main" id="{00583FB8-7E88-4412-9230-C93D5B9619AA}"/>
+              </a:ext>
+            </a:extLst>
+          </p:cNvPr>
+          <p:cNvSpPr txBox="1"/>
+          <p:nvPr/>
+        </p:nvSpPr>
+        <p:spPr>
+          <a:xfrm>
+            <a:off x="1570979" y="6488668"/>
+            <a:ext cx="4630150" cy="276999"/>
+          </a:xfrm>
+          <a:prstGeom prst="rect">
+            <a:avLst/>
+          </a:prstGeom>
+          <a:solidFill>
+            <a:schemeClr val="bg1"/>
+          </a:solidFill>
+        </p:spPr>
+        <p:txBody>
+          <a:bodyPr wrap="square" rtlCol="0">
+            <a:spAutoFit/>
+          </a:bodyPr>
+          <a:lstStyle/>
+          <a:p>
+            <a:pPr algn="ctr"/>
+            <a:r>
+              <a:rPr lang="en-US" sz="1200" dirty="0"/>
+              <a:t>Absolute keyword count</a:t>
+            </a:r>
+          </a:p>
+        </p:txBody>
+      </p:sp>
+      <p:sp>
+        <p:nvSpPr>
+          <p:cNvPr id="24" name="Rechteck: abgerundete Ecken 23">
+            <a:extLst>
+              <a:ext uri="{FF2B5EF4-FFF2-40B4-BE49-F238E27FC236}">
+                <a16:creationId xmlns:a16="http://schemas.microsoft.com/office/drawing/2014/main" id="{40677F2D-C2FD-463F-90F2-A6D7351E979F}"/>
+              </a:ext>
+            </a:extLst>
+          </p:cNvPr>
+          <p:cNvSpPr/>
+          <p:nvPr/>
+        </p:nvSpPr>
+        <p:spPr>
+          <a:xfrm>
+            <a:off x="1524567" y="1053987"/>
+            <a:ext cx="4630150" cy="400110"/>
+          </a:xfrm>
+          <a:prstGeom prst="roundRect">
+            <a:avLst/>
+          </a:prstGeom>
+          <a:solidFill>
+            <a:schemeClr val="accent1">
+              <a:lumMod val="75000"/>
+            </a:schemeClr>
+          </a:solidFill>
+          <a:ln>
+            <a:noFill/>
+          </a:ln>
+        </p:spPr>
+        <p:txBody>
+          <a:bodyPr wrap="square" lIns="180000" tIns="0" rIns="0" bIns="0" rtlCol="0" anchor="ctr" anchorCtr="0">
+            <a:noAutofit/>
+          </a:bodyPr>
+          <a:lstStyle/>
+          <a:p>
+            <a:pPr algn="ctr"/>
+            <a:r>
+              <a:rPr lang="en-US" sz="2000" b="1" dirty="0">
+                <a:solidFill>
+                  <a:schemeClr val="bg1"/>
+                </a:solidFill>
+              </a:rPr>
+              <a:t>1</a:t>
+            </a:r>
+            <a:r>
+              <a:rPr lang="en-US" sz="2000" b="1" baseline="30000" dirty="0">
+                <a:solidFill>
+                  <a:schemeClr val="bg1"/>
+                </a:solidFill>
+              </a:rPr>
+              <a:t>st</a:t>
+            </a:r>
+            <a:r>
+              <a:rPr lang="en-US" sz="2000" b="1" dirty="0">
+                <a:solidFill>
+                  <a:schemeClr val="bg1"/>
+                </a:solidFill>
+              </a:rPr>
+              <a:t> step: cleaned with regex</a:t>
+            </a:r>
+          </a:p>
+        </p:txBody>
+      </p:sp>
+      <p:pic>
+        <p:nvPicPr>
+          <p:cNvPr id="1034" name="Picture 10">
+            <a:extLst>
+              <a:ext uri="{FF2B5EF4-FFF2-40B4-BE49-F238E27FC236}">
+                <a16:creationId xmlns:a16="http://schemas.microsoft.com/office/drawing/2014/main" id="{4657E434-49D8-408D-A2DA-4379934AC255}"/>
+              </a:ext>
+            </a:extLst>
+          </p:cNvPr>
+          <p:cNvPicPr>
+            <a:picLocks noChangeAspect="1" noChangeArrowheads="1"/>
+          </p:cNvPicPr>
+          <p:nvPr/>
+        </p:nvPicPr>
+        <p:blipFill>
+          <a:blip r:embed="rId5">
+            <a:extLst>
+              <a:ext uri="{28A0092B-C50C-407E-A947-70E740481C1C}">
+                <a14:useLocalDpi xmlns:a14="http://schemas.microsoft.com/office/drawing/2010/main" val="0"/>
+              </a:ext>
+            </a:extLst>
+          </a:blip>
+          <a:srcRect/>
+          <a:stretch>
+            <a:fillRect/>
+          </a:stretch>
+        </p:blipFill>
+        <p:spPr bwMode="auto">
+          <a:xfrm>
+            <a:off x="5936279" y="3991401"/>
+            <a:ext cx="386820" cy="2539609"/>
+          </a:xfrm>
+          <a:prstGeom prst="rect">
+            <a:avLst/>
+          </a:prstGeom>
+          <a:noFill/>
+          <a:ln w="3175">
+            <a:solidFill>
+              <a:schemeClr val="tx1"/>
+            </a:solidFill>
+          </a:ln>
+          <a:extLst>
+            <a:ext uri="{909E8E84-426E-40DD-AFC4-6F175D3DCCD1}">
+              <a14:hiddenFill xmlns:a14="http://schemas.microsoft.com/office/drawing/2010/main">
+                <a:solidFill>
+                  <a:srgbClr val="FFFFFF"/>
+                </a:solidFill>
+              </a14:hiddenFill>
+            </a:ext>
+          </a:extLst>
+        </p:spPr>
+      </p:pic>
+      <p:sp>
+        <p:nvSpPr>
+          <p:cNvPr id="25" name="Rechteck: abgerundete Ecken 24">
+            <a:extLst>
+              <a:ext uri="{FF2B5EF4-FFF2-40B4-BE49-F238E27FC236}">
+                <a16:creationId xmlns:a16="http://schemas.microsoft.com/office/drawing/2014/main" id="{16D52F23-D8BF-4846-99B9-1D694DB5DE30}"/>
+              </a:ext>
+            </a:extLst>
+          </p:cNvPr>
+          <p:cNvSpPr/>
+          <p:nvPr/>
+        </p:nvSpPr>
+        <p:spPr>
+          <a:xfrm>
+            <a:off x="7866632" y="1034973"/>
+            <a:ext cx="3615719" cy="400110"/>
+          </a:xfrm>
+          <a:prstGeom prst="roundRect">
+            <a:avLst/>
+          </a:prstGeom>
+          <a:solidFill>
+            <a:schemeClr val="accent1">
+              <a:lumMod val="75000"/>
+            </a:schemeClr>
+          </a:solidFill>
+          <a:ln>
+            <a:noFill/>
+          </a:ln>
+        </p:spPr>
+        <p:txBody>
+          <a:bodyPr wrap="square" lIns="180000" tIns="0" rIns="0" bIns="0" rtlCol="0" anchor="ctr" anchorCtr="0">
+            <a:noAutofit/>
+          </a:bodyPr>
+          <a:lstStyle/>
+          <a:p>
+            <a:pPr algn="ctr"/>
+            <a:r>
+              <a:rPr lang="en-US" sz="2000" b="1" dirty="0">
+                <a:solidFill>
+                  <a:schemeClr val="bg1"/>
+                </a:solidFill>
+              </a:rPr>
+              <a:t>2</a:t>
+            </a:r>
+            <a:r>
+              <a:rPr lang="en-US" sz="2000" b="1" baseline="30000" dirty="0">
+                <a:solidFill>
+                  <a:schemeClr val="bg1"/>
+                </a:solidFill>
+              </a:rPr>
+              <a:t>nd</a:t>
+            </a:r>
+            <a:r>
+              <a:rPr lang="en-US" sz="2000" b="1" dirty="0">
+                <a:solidFill>
+                  <a:schemeClr val="bg1"/>
+                </a:solidFill>
+              </a:rPr>
+              <a:t> step: plus stemming</a:t>
+            </a:r>
+          </a:p>
+        </p:txBody>
+      </p:sp>
+      <p:sp>
+        <p:nvSpPr>
+          <p:cNvPr id="26" name="Textfeld 25">
+            <a:extLst>
+              <a:ext uri="{FF2B5EF4-FFF2-40B4-BE49-F238E27FC236}">
+                <a16:creationId xmlns:a16="http://schemas.microsoft.com/office/drawing/2014/main" id="{689A429A-CC4F-4B5B-9F49-AB517857A269}"/>
+              </a:ext>
+            </a:extLst>
+          </p:cNvPr>
+          <p:cNvSpPr txBox="1"/>
+          <p:nvPr/>
+        </p:nvSpPr>
+        <p:spPr>
+          <a:xfrm>
+            <a:off x="7887023" y="6550000"/>
+            <a:ext cx="3615719" cy="276998"/>
+          </a:xfrm>
+          <a:prstGeom prst="rect">
+            <a:avLst/>
+          </a:prstGeom>
+          <a:solidFill>
+            <a:schemeClr val="bg1"/>
+          </a:solidFill>
+        </p:spPr>
+        <p:txBody>
+          <a:bodyPr wrap="square" rtlCol="0">
+            <a:spAutoFit/>
+          </a:bodyPr>
+          <a:lstStyle/>
+          <a:p>
+            <a:pPr algn="ctr"/>
+            <a:r>
+              <a:rPr lang="en-US" sz="1200" dirty="0"/>
+              <a:t>Absolute keyword count</a:t>
+            </a:r>
+          </a:p>
+        </p:txBody>
+      </p:sp>
+      <p:sp>
+        <p:nvSpPr>
+          <p:cNvPr id="2" name="Rechteck 1">
+            <a:extLst>
+              <a:ext uri="{FF2B5EF4-FFF2-40B4-BE49-F238E27FC236}">
+                <a16:creationId xmlns:a16="http://schemas.microsoft.com/office/drawing/2014/main" id="{E5106776-2F46-433F-8D1F-B30051C16C1C}"/>
+              </a:ext>
+            </a:extLst>
+          </p:cNvPr>
+          <p:cNvSpPr/>
+          <p:nvPr/>
+        </p:nvSpPr>
+        <p:spPr>
+          <a:xfrm>
+            <a:off x="10474381" y="2752070"/>
+            <a:ext cx="1421554" cy="951132"/>
+          </a:xfrm>
+          <a:prstGeom prst="rect">
+            <a:avLst/>
+          </a:prstGeom>
+          <a:solidFill>
+            <a:schemeClr val="bg1"/>
+          </a:solidFill>
+          <a:ln w="6350">
+            <a:solidFill>
+              <a:schemeClr val="tx1"/>
+            </a:solidFill>
+          </a:ln>
+        </p:spPr>
+        <p:style>
+          <a:lnRef idx="2">
+            <a:schemeClr val="accent1">
+              <a:shade val="50000"/>
+            </a:schemeClr>
+          </a:lnRef>
+          <a:fillRef idx="1">
+            <a:schemeClr val="accent1"/>
+          </a:fillRef>
+          <a:effectRef idx="0">
+            <a:schemeClr val="accent1"/>
+          </a:effectRef>
+          <a:fontRef idx="minor">
+            <a:schemeClr val="lt1"/>
+          </a:fontRef>
+        </p:style>
+        <p:txBody>
+          <a:bodyPr rtlCol="0" anchor="ctr"/>
+          <a:lstStyle/>
+          <a:p>
+            <a:pPr algn="ctr"/>
+            <a:r>
+              <a:rPr lang="en-US" sz="1400" dirty="0">
+                <a:solidFill>
+                  <a:schemeClr val="tx1"/>
+                </a:solidFill>
+              </a:rPr>
+              <a:t>Accuracy</a:t>
+            </a:r>
+          </a:p>
+          <a:p>
+            <a:pPr algn="ctr"/>
+            <a:r>
+              <a:rPr lang="en-US" sz="1400" dirty="0">
+                <a:solidFill>
+                  <a:schemeClr val="tx1"/>
+                </a:solidFill>
+              </a:rPr>
+              <a:t>with regex &amp; porter stemmer: 0,725</a:t>
+            </a:r>
+          </a:p>
+        </p:txBody>
+      </p:sp>
+      <p:sp>
+        <p:nvSpPr>
+          <p:cNvPr id="17" name="Rechteck 16">
+            <a:extLst>
+              <a:ext uri="{FF2B5EF4-FFF2-40B4-BE49-F238E27FC236}">
+                <a16:creationId xmlns:a16="http://schemas.microsoft.com/office/drawing/2014/main" id="{6AD5D70E-9217-4A82-87A3-6E3CFCDA00CA}"/>
+              </a:ext>
+            </a:extLst>
+          </p:cNvPr>
+          <p:cNvSpPr/>
+          <p:nvPr/>
+        </p:nvSpPr>
+        <p:spPr>
+          <a:xfrm>
+            <a:off x="5095893" y="2752070"/>
+            <a:ext cx="1348412" cy="986771"/>
+          </a:xfrm>
+          <a:prstGeom prst="rect">
+            <a:avLst/>
+          </a:prstGeom>
+          <a:solidFill>
+            <a:schemeClr val="bg1"/>
+          </a:solidFill>
+          <a:ln w="6350">
+            <a:solidFill>
+              <a:schemeClr val="tx1"/>
+            </a:solidFill>
+          </a:ln>
+        </p:spPr>
+        <p:style>
+          <a:lnRef idx="2">
+            <a:schemeClr val="accent1">
+              <a:shade val="50000"/>
+            </a:schemeClr>
+          </a:lnRef>
+          <a:fillRef idx="1">
+            <a:schemeClr val="accent1"/>
+          </a:fillRef>
+          <a:effectRef idx="0">
+            <a:schemeClr val="accent1"/>
+          </a:effectRef>
+          <a:fontRef idx="minor">
+            <a:schemeClr val="lt1"/>
+          </a:fontRef>
+        </p:style>
+        <p:txBody>
+          <a:bodyPr rot="0" spcFirstLastPara="0" vertOverflow="overflow" horzOverflow="overflow" vert="horz" wrap="square" lIns="91440" tIns="45720" rIns="91440" bIns="45720" numCol="1" spcCol="0" rtlCol="0" fromWordArt="0" anchor="ctr" anchorCtr="0" forceAA="0" compatLnSpc="1">
+            <a:prstTxWarp prst="textNoShape">
+              <a:avLst/>
+            </a:prstTxWarp>
+            <a:noAutofit/>
+          </a:bodyPr>
+          <a:lstStyle/>
+          <a:p>
+            <a:pPr algn="ctr"/>
+            <a:r>
+              <a:rPr lang="en-US" dirty="0">
+                <a:solidFill>
+                  <a:schemeClr val="tx1"/>
+                </a:solidFill>
+              </a:rPr>
+              <a:t>accuracy </a:t>
+            </a:r>
+          </a:p>
+          <a:p>
+            <a:pPr algn="ctr"/>
+            <a:r>
+              <a:rPr lang="en-US" dirty="0">
+                <a:solidFill>
+                  <a:schemeClr val="tx1"/>
+                </a:solidFill>
+              </a:rPr>
+              <a:t>with regex:</a:t>
+            </a:r>
+          </a:p>
+          <a:p>
+            <a:pPr algn="ctr"/>
+            <a:r>
+              <a:rPr lang="en-US" dirty="0">
+                <a:solidFill>
+                  <a:schemeClr val="tx1"/>
+                </a:solidFill>
+              </a:rPr>
+              <a:t> 0.724 </a:t>
+            </a:r>
+          </a:p>
+        </p:txBody>
+      </p:sp>
+    </p:spTree>
+    <p:extLst>
+      <p:ext uri="{BB962C8B-B14F-4D97-AF65-F5344CB8AC3E}">
+        <p14:creationId xmlns:p14="http://schemas.microsoft.com/office/powerpoint/2010/main" val="1141078196"/>
       </p:ext>
     </p:extLst>
   </p:cSld>
